--- a/src/array_javascript.pptx
+++ b/src/array_javascript.pptx
@@ -17,6 +17,7 @@
     <p:sldId id="264" r:id="rId12"/>
     <p:sldId id="265" r:id="rId13"/>
     <p:sldId id="266" r:id="rId14"/>
+    <p:sldId id="267" r:id="rId15"/>
   </p:sldIdLst>
   <p:sldSz cx="10080625" cy="7559675"/>
   <p:notesSz cx="7559675" cy="10691812"/>
@@ -74,8 +75,8 @@
         </p:nvSpPr>
         <p:spPr>
           <a:xfrm>
-            <a:off x="504000" y="311040"/>
-            <a:ext cx="7199640" cy="1250280"/>
+            <a:off x="504000" y="301320"/>
+            <a:ext cx="9072000" cy="1261800"/>
           </a:xfrm>
           <a:prstGeom prst="rect">
             <a:avLst/>
@@ -105,8 +106,8 @@
         </p:nvSpPr>
         <p:spPr>
           <a:xfrm>
-            <a:off x="504000" y="1800000"/>
-            <a:ext cx="9071640" cy="2090880"/>
+            <a:off x="504000" y="1768680"/>
+            <a:ext cx="9072000" cy="2090880"/>
           </a:xfrm>
           <a:prstGeom prst="rect">
             <a:avLst/>
@@ -135,8 +136,8 @@
         </p:nvSpPr>
         <p:spPr>
           <a:xfrm>
-            <a:off x="504000" y="4089960"/>
-            <a:ext cx="9071640" cy="2090880"/>
+            <a:off x="504000" y="4058640"/>
+            <a:ext cx="9072000" cy="2090880"/>
           </a:xfrm>
           <a:prstGeom prst="rect">
             <a:avLst/>
@@ -187,8 +188,8 @@
         </p:nvSpPr>
         <p:spPr>
           <a:xfrm>
-            <a:off x="504000" y="311040"/>
-            <a:ext cx="7199640" cy="1250280"/>
+            <a:off x="504000" y="301320"/>
+            <a:ext cx="9072000" cy="1261800"/>
           </a:xfrm>
           <a:prstGeom prst="rect">
             <a:avLst/>
@@ -218,7 +219,7 @@
         </p:nvSpPr>
         <p:spPr>
           <a:xfrm>
-            <a:off x="504000" y="1800000"/>
+            <a:off x="504000" y="1768680"/>
             <a:ext cx="4426920" cy="2090880"/>
           </a:xfrm>
           <a:prstGeom prst="rect">
@@ -248,7 +249,7 @@
         </p:nvSpPr>
         <p:spPr>
           <a:xfrm>
-            <a:off x="5152680" y="1800000"/>
+            <a:off x="5152680" y="1768680"/>
             <a:ext cx="4426920" cy="2090880"/>
           </a:xfrm>
           <a:prstGeom prst="rect">
@@ -278,7 +279,7 @@
         </p:nvSpPr>
         <p:spPr>
           <a:xfrm>
-            <a:off x="504000" y="4089960"/>
+            <a:off x="504000" y="4058640"/>
             <a:ext cx="4426920" cy="2090880"/>
           </a:xfrm>
           <a:prstGeom prst="rect">
@@ -308,7 +309,7 @@
         </p:nvSpPr>
         <p:spPr>
           <a:xfrm>
-            <a:off x="5152680" y="4089960"/>
+            <a:off x="5152680" y="4058640"/>
             <a:ext cx="4426920" cy="2090880"/>
           </a:xfrm>
           <a:prstGeom prst="rect">
@@ -360,8 +361,8 @@
         </p:nvSpPr>
         <p:spPr>
           <a:xfrm>
-            <a:off x="504000" y="311040"/>
-            <a:ext cx="7199640" cy="1250280"/>
+            <a:off x="504000" y="301320"/>
+            <a:ext cx="9072000" cy="1261800"/>
           </a:xfrm>
           <a:prstGeom prst="rect">
             <a:avLst/>
@@ -391,8 +392,8 @@
         </p:nvSpPr>
         <p:spPr>
           <a:xfrm>
-            <a:off x="504000" y="1800000"/>
-            <a:ext cx="2920680" cy="2090880"/>
+            <a:off x="504000" y="1768680"/>
+            <a:ext cx="2921040" cy="2090880"/>
           </a:xfrm>
           <a:prstGeom prst="rect">
             <a:avLst/>
@@ -421,8 +422,8 @@
         </p:nvSpPr>
         <p:spPr>
           <a:xfrm>
-            <a:off x="3571200" y="1800000"/>
-            <a:ext cx="2920680" cy="2090880"/>
+            <a:off x="3571560" y="1768680"/>
+            <a:ext cx="2921040" cy="2090880"/>
           </a:xfrm>
           <a:prstGeom prst="rect">
             <a:avLst/>
@@ -451,8 +452,8 @@
         </p:nvSpPr>
         <p:spPr>
           <a:xfrm>
-            <a:off x="6638040" y="1800000"/>
-            <a:ext cx="2920680" cy="2090880"/>
+            <a:off x="6639120" y="1768680"/>
+            <a:ext cx="2921040" cy="2090880"/>
           </a:xfrm>
           <a:prstGeom prst="rect">
             <a:avLst/>
@@ -481,8 +482,8 @@
         </p:nvSpPr>
         <p:spPr>
           <a:xfrm>
-            <a:off x="504000" y="4089960"/>
-            <a:ext cx="2920680" cy="2090880"/>
+            <a:off x="504000" y="4058640"/>
+            <a:ext cx="2921040" cy="2090880"/>
           </a:xfrm>
           <a:prstGeom prst="rect">
             <a:avLst/>
@@ -511,8 +512,8 @@
         </p:nvSpPr>
         <p:spPr>
           <a:xfrm>
-            <a:off x="3571200" y="4089960"/>
-            <a:ext cx="2920680" cy="2090880"/>
+            <a:off x="3571560" y="4058640"/>
+            <a:ext cx="2921040" cy="2090880"/>
           </a:xfrm>
           <a:prstGeom prst="rect">
             <a:avLst/>
@@ -541,8 +542,8 @@
         </p:nvSpPr>
         <p:spPr>
           <a:xfrm>
-            <a:off x="6638040" y="4089960"/>
-            <a:ext cx="2920680" cy="2090880"/>
+            <a:off x="6639120" y="4058640"/>
+            <a:ext cx="2921040" cy="2090880"/>
           </a:xfrm>
           <a:prstGeom prst="rect">
             <a:avLst/>
@@ -615,8 +616,8 @@
         </p:nvSpPr>
         <p:spPr>
           <a:xfrm>
-            <a:off x="504000" y="311040"/>
-            <a:ext cx="7199640" cy="1250280"/>
+            <a:off x="504000" y="301320"/>
+            <a:ext cx="9072000" cy="1261800"/>
           </a:xfrm>
           <a:prstGeom prst="rect">
             <a:avLst/>
@@ -646,8 +647,8 @@
         </p:nvSpPr>
         <p:spPr>
           <a:xfrm>
-            <a:off x="504000" y="1800000"/>
-            <a:ext cx="9071640" cy="4384080"/>
+            <a:off x="504000" y="1768680"/>
+            <a:ext cx="9072000" cy="4384080"/>
           </a:xfrm>
           <a:prstGeom prst="rect">
             <a:avLst/>
@@ -699,8 +700,8 @@
         </p:nvSpPr>
         <p:spPr>
           <a:xfrm>
-            <a:off x="504000" y="311040"/>
-            <a:ext cx="7199640" cy="1250280"/>
+            <a:off x="504000" y="301320"/>
+            <a:ext cx="9072000" cy="1261800"/>
           </a:xfrm>
           <a:prstGeom prst="rect">
             <a:avLst/>
@@ -730,8 +731,8 @@
         </p:nvSpPr>
         <p:spPr>
           <a:xfrm>
-            <a:off x="504000" y="1800000"/>
-            <a:ext cx="9071640" cy="4384080"/>
+            <a:off x="504000" y="1768680"/>
+            <a:ext cx="9072000" cy="4384080"/>
           </a:xfrm>
           <a:prstGeom prst="rect">
             <a:avLst/>
@@ -782,8 +783,8 @@
         </p:nvSpPr>
         <p:spPr>
           <a:xfrm>
-            <a:off x="504000" y="311040"/>
-            <a:ext cx="7199640" cy="1250280"/>
+            <a:off x="504000" y="301320"/>
+            <a:ext cx="9072000" cy="1261800"/>
           </a:xfrm>
           <a:prstGeom prst="rect">
             <a:avLst/>
@@ -813,7 +814,7 @@
         </p:nvSpPr>
         <p:spPr>
           <a:xfrm>
-            <a:off x="504000" y="1800000"/>
+            <a:off x="504000" y="1768680"/>
             <a:ext cx="4426920" cy="4384080"/>
           </a:xfrm>
           <a:prstGeom prst="rect">
@@ -843,7 +844,7 @@
         </p:nvSpPr>
         <p:spPr>
           <a:xfrm>
-            <a:off x="5152680" y="1800000"/>
+            <a:off x="5152680" y="1768680"/>
             <a:ext cx="4426920" cy="4384080"/>
           </a:xfrm>
           <a:prstGeom prst="rect">
@@ -895,8 +896,8 @@
         </p:nvSpPr>
         <p:spPr>
           <a:xfrm>
-            <a:off x="504000" y="311040"/>
-            <a:ext cx="7199640" cy="1250280"/>
+            <a:off x="504000" y="301320"/>
+            <a:ext cx="9072000" cy="1261800"/>
           </a:xfrm>
           <a:prstGeom prst="rect">
             <a:avLst/>
@@ -948,8 +949,8 @@
         </p:nvSpPr>
         <p:spPr>
           <a:xfrm>
-            <a:off x="504000" y="424080"/>
-            <a:ext cx="7199640" cy="4747320"/>
+            <a:off x="504000" y="301320"/>
+            <a:ext cx="9072000" cy="5850360"/>
           </a:xfrm>
           <a:prstGeom prst="rect">
             <a:avLst/>
@@ -1001,8 +1002,8 @@
         </p:nvSpPr>
         <p:spPr>
           <a:xfrm>
-            <a:off x="504000" y="311040"/>
-            <a:ext cx="7199640" cy="1250280"/>
+            <a:off x="504000" y="301320"/>
+            <a:ext cx="9072000" cy="1261800"/>
           </a:xfrm>
           <a:prstGeom prst="rect">
             <a:avLst/>
@@ -1032,7 +1033,7 @@
         </p:nvSpPr>
         <p:spPr>
           <a:xfrm>
-            <a:off x="504000" y="1800000"/>
+            <a:off x="504000" y="1768680"/>
             <a:ext cx="4426920" cy="2090880"/>
           </a:xfrm>
           <a:prstGeom prst="rect">
@@ -1062,7 +1063,7 @@
         </p:nvSpPr>
         <p:spPr>
           <a:xfrm>
-            <a:off x="5152680" y="1800000"/>
+            <a:off x="5152680" y="1768680"/>
             <a:ext cx="4426920" cy="4384080"/>
           </a:xfrm>
           <a:prstGeom prst="rect">
@@ -1092,7 +1093,7 @@
         </p:nvSpPr>
         <p:spPr>
           <a:xfrm>
-            <a:off x="504000" y="4089960"/>
+            <a:off x="504000" y="4058640"/>
             <a:ext cx="4426920" cy="2090880"/>
           </a:xfrm>
           <a:prstGeom prst="rect">
@@ -1144,8 +1145,8 @@
         </p:nvSpPr>
         <p:spPr>
           <a:xfrm>
-            <a:off x="504000" y="311040"/>
-            <a:ext cx="7199640" cy="1250280"/>
+            <a:off x="504000" y="301320"/>
+            <a:ext cx="9072000" cy="1261800"/>
           </a:xfrm>
           <a:prstGeom prst="rect">
             <a:avLst/>
@@ -1175,8 +1176,8 @@
         </p:nvSpPr>
         <p:spPr>
           <a:xfrm>
-            <a:off x="504000" y="1800000"/>
-            <a:ext cx="9071640" cy="4384080"/>
+            <a:off x="504000" y="1768680"/>
+            <a:ext cx="9072000" cy="4384080"/>
           </a:xfrm>
           <a:prstGeom prst="rect">
             <a:avLst/>
@@ -1228,8 +1229,8 @@
         </p:nvSpPr>
         <p:spPr>
           <a:xfrm>
-            <a:off x="504000" y="311040"/>
-            <a:ext cx="7199640" cy="1250280"/>
+            <a:off x="504000" y="301320"/>
+            <a:ext cx="9072000" cy="1261800"/>
           </a:xfrm>
           <a:prstGeom prst="rect">
             <a:avLst/>
@@ -1259,7 +1260,7 @@
         </p:nvSpPr>
         <p:spPr>
           <a:xfrm>
-            <a:off x="504000" y="1800000"/>
+            <a:off x="504000" y="1768680"/>
             <a:ext cx="4426920" cy="4384080"/>
           </a:xfrm>
           <a:prstGeom prst="rect">
@@ -1289,7 +1290,7 @@
         </p:nvSpPr>
         <p:spPr>
           <a:xfrm>
-            <a:off x="5152680" y="1800000"/>
+            <a:off x="5152680" y="1768680"/>
             <a:ext cx="4426920" cy="2090880"/>
           </a:xfrm>
           <a:prstGeom prst="rect">
@@ -1319,7 +1320,7 @@
         </p:nvSpPr>
         <p:spPr>
           <a:xfrm>
-            <a:off x="5152680" y="4089960"/>
+            <a:off x="5152680" y="4058640"/>
             <a:ext cx="4426920" cy="2090880"/>
           </a:xfrm>
           <a:prstGeom prst="rect">
@@ -1371,8 +1372,8 @@
         </p:nvSpPr>
         <p:spPr>
           <a:xfrm>
-            <a:off x="504000" y="311040"/>
-            <a:ext cx="7199640" cy="1250280"/>
+            <a:off x="504000" y="301320"/>
+            <a:ext cx="9072000" cy="1261800"/>
           </a:xfrm>
           <a:prstGeom prst="rect">
             <a:avLst/>
@@ -1402,7 +1403,7 @@
         </p:nvSpPr>
         <p:spPr>
           <a:xfrm>
-            <a:off x="504000" y="1800000"/>
+            <a:off x="504000" y="1768680"/>
             <a:ext cx="4426920" cy="2090880"/>
           </a:xfrm>
           <a:prstGeom prst="rect">
@@ -1432,7 +1433,7 @@
         </p:nvSpPr>
         <p:spPr>
           <a:xfrm>
-            <a:off x="5152680" y="1800000"/>
+            <a:off x="5152680" y="1768680"/>
             <a:ext cx="4426920" cy="2090880"/>
           </a:xfrm>
           <a:prstGeom prst="rect">
@@ -1462,8 +1463,8 @@
         </p:nvSpPr>
         <p:spPr>
           <a:xfrm>
-            <a:off x="504000" y="4089960"/>
-            <a:ext cx="9071640" cy="2090880"/>
+            <a:off x="504000" y="4058640"/>
+            <a:ext cx="9072000" cy="2090880"/>
           </a:xfrm>
           <a:prstGeom prst="rect">
             <a:avLst/>
@@ -1514,8 +1515,8 @@
         </p:nvSpPr>
         <p:spPr>
           <a:xfrm>
-            <a:off x="504000" y="311040"/>
-            <a:ext cx="7199640" cy="1250280"/>
+            <a:off x="504000" y="301320"/>
+            <a:ext cx="9072000" cy="1261800"/>
           </a:xfrm>
           <a:prstGeom prst="rect">
             <a:avLst/>
@@ -1545,8 +1546,8 @@
         </p:nvSpPr>
         <p:spPr>
           <a:xfrm>
-            <a:off x="504000" y="1800000"/>
-            <a:ext cx="9071640" cy="2090880"/>
+            <a:off x="504000" y="1768680"/>
+            <a:ext cx="9072000" cy="2090880"/>
           </a:xfrm>
           <a:prstGeom prst="rect">
             <a:avLst/>
@@ -1575,8 +1576,8 @@
         </p:nvSpPr>
         <p:spPr>
           <a:xfrm>
-            <a:off x="504000" y="4089960"/>
-            <a:ext cx="9071640" cy="2090880"/>
+            <a:off x="504000" y="4058640"/>
+            <a:ext cx="9072000" cy="2090880"/>
           </a:xfrm>
           <a:prstGeom prst="rect">
             <a:avLst/>
@@ -1627,8 +1628,8 @@
         </p:nvSpPr>
         <p:spPr>
           <a:xfrm>
-            <a:off x="504000" y="311040"/>
-            <a:ext cx="7199640" cy="1250280"/>
+            <a:off x="504000" y="301320"/>
+            <a:ext cx="9072000" cy="1261800"/>
           </a:xfrm>
           <a:prstGeom prst="rect">
             <a:avLst/>
@@ -1658,7 +1659,7 @@
         </p:nvSpPr>
         <p:spPr>
           <a:xfrm>
-            <a:off x="504000" y="1800000"/>
+            <a:off x="504000" y="1768680"/>
             <a:ext cx="4426920" cy="2090880"/>
           </a:xfrm>
           <a:prstGeom prst="rect">
@@ -1688,7 +1689,7 @@
         </p:nvSpPr>
         <p:spPr>
           <a:xfrm>
-            <a:off x="5152680" y="1800000"/>
+            <a:off x="5152680" y="1768680"/>
             <a:ext cx="4426920" cy="2090880"/>
           </a:xfrm>
           <a:prstGeom prst="rect">
@@ -1718,7 +1719,7 @@
         </p:nvSpPr>
         <p:spPr>
           <a:xfrm>
-            <a:off x="504000" y="4089960"/>
+            <a:off x="504000" y="4058640"/>
             <a:ext cx="4426920" cy="2090880"/>
           </a:xfrm>
           <a:prstGeom prst="rect">
@@ -1748,7 +1749,7 @@
         </p:nvSpPr>
         <p:spPr>
           <a:xfrm>
-            <a:off x="5152680" y="4089960"/>
+            <a:off x="5152680" y="4058640"/>
             <a:ext cx="4426920" cy="2090880"/>
           </a:xfrm>
           <a:prstGeom prst="rect">
@@ -1800,8 +1801,8 @@
         </p:nvSpPr>
         <p:spPr>
           <a:xfrm>
-            <a:off x="504000" y="311040"/>
-            <a:ext cx="7199640" cy="1250280"/>
+            <a:off x="504000" y="301320"/>
+            <a:ext cx="9072000" cy="1261800"/>
           </a:xfrm>
           <a:prstGeom prst="rect">
             <a:avLst/>
@@ -1831,8 +1832,8 @@
         </p:nvSpPr>
         <p:spPr>
           <a:xfrm>
-            <a:off x="504000" y="1800000"/>
-            <a:ext cx="2920680" cy="2090880"/>
+            <a:off x="504000" y="1768680"/>
+            <a:ext cx="2921040" cy="2090880"/>
           </a:xfrm>
           <a:prstGeom prst="rect">
             <a:avLst/>
@@ -1861,8 +1862,8 @@
         </p:nvSpPr>
         <p:spPr>
           <a:xfrm>
-            <a:off x="3571200" y="1800000"/>
-            <a:ext cx="2920680" cy="2090880"/>
+            <a:off x="3571560" y="1768680"/>
+            <a:ext cx="2921040" cy="2090880"/>
           </a:xfrm>
           <a:prstGeom prst="rect">
             <a:avLst/>
@@ -1891,8 +1892,8 @@
         </p:nvSpPr>
         <p:spPr>
           <a:xfrm>
-            <a:off x="6638040" y="1800000"/>
-            <a:ext cx="2920680" cy="2090880"/>
+            <a:off x="6639120" y="1768680"/>
+            <a:ext cx="2921040" cy="2090880"/>
           </a:xfrm>
           <a:prstGeom prst="rect">
             <a:avLst/>
@@ -1921,8 +1922,8 @@
         </p:nvSpPr>
         <p:spPr>
           <a:xfrm>
-            <a:off x="504000" y="4089960"/>
-            <a:ext cx="2920680" cy="2090880"/>
+            <a:off x="504000" y="4058640"/>
+            <a:ext cx="2921040" cy="2090880"/>
           </a:xfrm>
           <a:prstGeom prst="rect">
             <a:avLst/>
@@ -1951,8 +1952,8 @@
         </p:nvSpPr>
         <p:spPr>
           <a:xfrm>
-            <a:off x="3571200" y="4089960"/>
-            <a:ext cx="2920680" cy="2090880"/>
+            <a:off x="3571560" y="4058640"/>
+            <a:ext cx="2921040" cy="2090880"/>
           </a:xfrm>
           <a:prstGeom prst="rect">
             <a:avLst/>
@@ -1981,8 +1982,8 @@
         </p:nvSpPr>
         <p:spPr>
           <a:xfrm>
-            <a:off x="6638040" y="4089960"/>
-            <a:ext cx="2920680" cy="2090880"/>
+            <a:off x="6639120" y="4058640"/>
+            <a:ext cx="2921040" cy="2090880"/>
           </a:xfrm>
           <a:prstGeom prst="rect">
             <a:avLst/>
@@ -2033,8 +2034,8 @@
         </p:nvSpPr>
         <p:spPr>
           <a:xfrm>
-            <a:off x="504000" y="311040"/>
-            <a:ext cx="7199640" cy="1250280"/>
+            <a:off x="504000" y="301320"/>
+            <a:ext cx="9072000" cy="1261800"/>
           </a:xfrm>
           <a:prstGeom prst="rect">
             <a:avLst/>
@@ -2064,8 +2065,8 @@
         </p:nvSpPr>
         <p:spPr>
           <a:xfrm>
-            <a:off x="504000" y="1800000"/>
-            <a:ext cx="9071640" cy="4384080"/>
+            <a:off x="504000" y="1768680"/>
+            <a:ext cx="9072000" cy="4384080"/>
           </a:xfrm>
           <a:prstGeom prst="rect">
             <a:avLst/>
@@ -2116,8 +2117,8 @@
         </p:nvSpPr>
         <p:spPr>
           <a:xfrm>
-            <a:off x="504000" y="311040"/>
-            <a:ext cx="7199640" cy="1250280"/>
+            <a:off x="504000" y="301320"/>
+            <a:ext cx="9072000" cy="1261800"/>
           </a:xfrm>
           <a:prstGeom prst="rect">
             <a:avLst/>
@@ -2147,7 +2148,7 @@
         </p:nvSpPr>
         <p:spPr>
           <a:xfrm>
-            <a:off x="504000" y="1800000"/>
+            <a:off x="504000" y="1768680"/>
             <a:ext cx="4426920" cy="4384080"/>
           </a:xfrm>
           <a:prstGeom prst="rect">
@@ -2177,7 +2178,7 @@
         </p:nvSpPr>
         <p:spPr>
           <a:xfrm>
-            <a:off x="5152680" y="1800000"/>
+            <a:off x="5152680" y="1768680"/>
             <a:ext cx="4426920" cy="4384080"/>
           </a:xfrm>
           <a:prstGeom prst="rect">
@@ -2229,8 +2230,8 @@
         </p:nvSpPr>
         <p:spPr>
           <a:xfrm>
-            <a:off x="504000" y="311040"/>
-            <a:ext cx="7199640" cy="1250280"/>
+            <a:off x="504000" y="301320"/>
+            <a:ext cx="9072000" cy="1261800"/>
           </a:xfrm>
           <a:prstGeom prst="rect">
             <a:avLst/>
@@ -2282,8 +2283,8 @@
         </p:nvSpPr>
         <p:spPr>
           <a:xfrm>
-            <a:off x="504000" y="424080"/>
-            <a:ext cx="7199640" cy="4747320"/>
+            <a:off x="504000" y="301320"/>
+            <a:ext cx="9072000" cy="5850360"/>
           </a:xfrm>
           <a:prstGeom prst="rect">
             <a:avLst/>
@@ -2335,8 +2336,8 @@
         </p:nvSpPr>
         <p:spPr>
           <a:xfrm>
-            <a:off x="504000" y="311040"/>
-            <a:ext cx="7199640" cy="1250280"/>
+            <a:off x="504000" y="301320"/>
+            <a:ext cx="9072000" cy="1261800"/>
           </a:xfrm>
           <a:prstGeom prst="rect">
             <a:avLst/>
@@ -2366,7 +2367,7 @@
         </p:nvSpPr>
         <p:spPr>
           <a:xfrm>
-            <a:off x="504000" y="1800000"/>
+            <a:off x="504000" y="1768680"/>
             <a:ext cx="4426920" cy="2090880"/>
           </a:xfrm>
           <a:prstGeom prst="rect">
@@ -2396,7 +2397,7 @@
         </p:nvSpPr>
         <p:spPr>
           <a:xfrm>
-            <a:off x="5152680" y="1800000"/>
+            <a:off x="5152680" y="1768680"/>
             <a:ext cx="4426920" cy="4384080"/>
           </a:xfrm>
           <a:prstGeom prst="rect">
@@ -2426,7 +2427,7 @@
         </p:nvSpPr>
         <p:spPr>
           <a:xfrm>
-            <a:off x="504000" y="4089960"/>
+            <a:off x="504000" y="4058640"/>
             <a:ext cx="4426920" cy="2090880"/>
           </a:xfrm>
           <a:prstGeom prst="rect">
@@ -2478,8 +2479,8 @@
         </p:nvSpPr>
         <p:spPr>
           <a:xfrm>
-            <a:off x="504000" y="311040"/>
-            <a:ext cx="7199640" cy="1250280"/>
+            <a:off x="504000" y="301320"/>
+            <a:ext cx="9072000" cy="1261800"/>
           </a:xfrm>
           <a:prstGeom prst="rect">
             <a:avLst/>
@@ -2509,7 +2510,7 @@
         </p:nvSpPr>
         <p:spPr>
           <a:xfrm>
-            <a:off x="504000" y="1800000"/>
+            <a:off x="504000" y="1768680"/>
             <a:ext cx="4426920" cy="4384080"/>
           </a:xfrm>
           <a:prstGeom prst="rect">
@@ -2539,7 +2540,7 @@
         </p:nvSpPr>
         <p:spPr>
           <a:xfrm>
-            <a:off x="5152680" y="1800000"/>
+            <a:off x="5152680" y="1768680"/>
             <a:ext cx="4426920" cy="2090880"/>
           </a:xfrm>
           <a:prstGeom prst="rect">
@@ -2569,7 +2570,7 @@
         </p:nvSpPr>
         <p:spPr>
           <a:xfrm>
-            <a:off x="5152680" y="4089960"/>
+            <a:off x="5152680" y="4058640"/>
             <a:ext cx="4426920" cy="2090880"/>
           </a:xfrm>
           <a:prstGeom prst="rect">
@@ -2621,8 +2622,8 @@
         </p:nvSpPr>
         <p:spPr>
           <a:xfrm>
-            <a:off x="504000" y="311040"/>
-            <a:ext cx="7199640" cy="1250280"/>
+            <a:off x="504000" y="301320"/>
+            <a:ext cx="9072000" cy="1261800"/>
           </a:xfrm>
           <a:prstGeom prst="rect">
             <a:avLst/>
@@ -2652,7 +2653,7 @@
         </p:nvSpPr>
         <p:spPr>
           <a:xfrm>
-            <a:off x="504000" y="1800000"/>
+            <a:off x="504000" y="1768680"/>
             <a:ext cx="4426920" cy="2090880"/>
           </a:xfrm>
           <a:prstGeom prst="rect">
@@ -2682,7 +2683,7 @@
         </p:nvSpPr>
         <p:spPr>
           <a:xfrm>
-            <a:off x="5152680" y="1800000"/>
+            <a:off x="5152680" y="1768680"/>
             <a:ext cx="4426920" cy="2090880"/>
           </a:xfrm>
           <a:prstGeom prst="rect">
@@ -2712,8 +2713,8 @@
         </p:nvSpPr>
         <p:spPr>
           <a:xfrm>
-            <a:off x="504000" y="4089960"/>
-            <a:ext cx="9071640" cy="2090880"/>
+            <a:off x="504000" y="4058640"/>
+            <a:ext cx="9072000" cy="2090880"/>
           </a:xfrm>
           <a:prstGeom prst="rect">
             <a:avLst/>
@@ -2765,7 +2766,7 @@
         <p:spPr>
           <a:xfrm>
             <a:off x="720" y="720"/>
-            <a:ext cx="10079280" cy="7559280"/>
+            <a:ext cx="10078920" cy="7558920"/>
           </a:xfrm>
           <a:prstGeom prst="rect">
             <a:avLst/>
@@ -2787,8 +2788,8 @@
         </p:nvSpPr>
         <p:spPr>
           <a:xfrm>
-            <a:off x="504000" y="424080"/>
-            <a:ext cx="7199640" cy="1023840"/>
+            <a:off x="504000" y="311040"/>
+            <a:ext cx="7199280" cy="1249920"/>
           </a:xfrm>
           <a:prstGeom prst="rect">
             <a:avLst/>
@@ -2823,8 +2824,8 @@
         </p:nvSpPr>
         <p:spPr>
           <a:xfrm>
-            <a:off x="504000" y="1768680"/>
-            <a:ext cx="9072000" cy="4384080"/>
+            <a:off x="504000" y="1800000"/>
+            <a:ext cx="9071280" cy="4383720"/>
           </a:xfrm>
           <a:prstGeom prst="rect">
             <a:avLst/>
@@ -2847,12 +2848,12 @@
               <a:buChar char=""/>
             </a:pPr>
             <a:r>
-              <a:rPr b="0" lang="ru-RU" sz="3200" spc="-1" strike="noStrike">
+              <a:rPr b="0" lang="ru-RU" sz="1800" spc="-1" strike="noStrike">
                 <a:latin typeface="Arial"/>
               </a:rPr>
               <a:t>Для правки структуры щёлкните мышью</a:t>
             </a:r>
-            <a:endParaRPr b="0" lang="ru-RU" sz="3200" spc="-1" strike="noStrike">
+            <a:endParaRPr b="0" lang="ru-RU" sz="1800" spc="-1" strike="noStrike">
               <a:latin typeface="Arial"/>
             </a:endParaRPr>
           </a:p>
@@ -2869,12 +2870,12 @@
               <a:buChar char=""/>
             </a:pPr>
             <a:r>
-              <a:rPr b="0" lang="ru-RU" sz="2800" spc="-1" strike="noStrike">
+              <a:rPr b="0" lang="ru-RU" sz="1800" spc="-1" strike="noStrike">
                 <a:latin typeface="Arial"/>
               </a:rPr>
               <a:t>Второй уровень структуры</a:t>
             </a:r>
-            <a:endParaRPr b="0" lang="ru-RU" sz="2800" spc="-1" strike="noStrike">
+            <a:endParaRPr b="0" lang="ru-RU" sz="1800" spc="-1" strike="noStrike">
               <a:latin typeface="Arial"/>
             </a:endParaRPr>
           </a:p>
@@ -2891,12 +2892,12 @@
               <a:buChar char=""/>
             </a:pPr>
             <a:r>
-              <a:rPr b="0" lang="ru-RU" sz="2400" spc="-1" strike="noStrike">
+              <a:rPr b="0" lang="ru-RU" sz="1800" spc="-1" strike="noStrike">
                 <a:latin typeface="Arial"/>
               </a:rPr>
               <a:t>Третий уровень структуры</a:t>
             </a:r>
-            <a:endParaRPr b="0" lang="ru-RU" sz="2400" spc="-1" strike="noStrike">
+            <a:endParaRPr b="0" lang="ru-RU" sz="1800" spc="-1" strike="noStrike">
               <a:latin typeface="Arial"/>
             </a:endParaRPr>
           </a:p>
@@ -2913,12 +2914,12 @@
               <a:buChar char=""/>
             </a:pPr>
             <a:r>
-              <a:rPr b="0" lang="ru-RU" sz="2000" spc="-1" strike="noStrike">
+              <a:rPr b="0" lang="ru-RU" sz="1800" spc="-1" strike="noStrike">
                 <a:latin typeface="Arial"/>
               </a:rPr>
               <a:t>Четвёртый уровень структуры</a:t>
             </a:r>
-            <a:endParaRPr b="0" lang="ru-RU" sz="2000" spc="-1" strike="noStrike">
+            <a:endParaRPr b="0" lang="ru-RU" sz="1800" spc="-1" strike="noStrike">
               <a:latin typeface="Arial"/>
             </a:endParaRPr>
           </a:p>
@@ -2935,12 +2936,12 @@
               <a:buChar char=""/>
             </a:pPr>
             <a:r>
-              <a:rPr b="0" lang="ru-RU" sz="2000" spc="-1" strike="noStrike">
+              <a:rPr b="0" lang="ru-RU" sz="1800" spc="-1" strike="noStrike">
                 <a:latin typeface="Arial"/>
               </a:rPr>
               <a:t>Пятый уровень структуры</a:t>
             </a:r>
-            <a:endParaRPr b="0" lang="ru-RU" sz="2000" spc="-1" strike="noStrike">
+            <a:endParaRPr b="0" lang="ru-RU" sz="1800" spc="-1" strike="noStrike">
               <a:latin typeface="Arial"/>
             </a:endParaRPr>
           </a:p>
@@ -2957,12 +2958,12 @@
               <a:buChar char=""/>
             </a:pPr>
             <a:r>
-              <a:rPr b="0" lang="ru-RU" sz="2000" spc="-1" strike="noStrike">
+              <a:rPr b="0" lang="ru-RU" sz="1800" spc="-1" strike="noStrike">
                 <a:latin typeface="Arial"/>
               </a:rPr>
               <a:t>Шестой уровень структуры</a:t>
             </a:r>
-            <a:endParaRPr b="0" lang="ru-RU" sz="2000" spc="-1" strike="noStrike">
+            <a:endParaRPr b="0" lang="ru-RU" sz="1800" spc="-1" strike="noStrike">
               <a:latin typeface="Arial"/>
             </a:endParaRPr>
           </a:p>
@@ -2979,12 +2980,12 @@
               <a:buChar char=""/>
             </a:pPr>
             <a:r>
-              <a:rPr b="0" lang="ru-RU" sz="2000" spc="-1" strike="noStrike">
+              <a:rPr b="0" lang="ru-RU" sz="1800" spc="-1" strike="noStrike">
                 <a:latin typeface="Arial"/>
               </a:rPr>
               <a:t>Седьмой уровень структуры</a:t>
             </a:r>
-            <a:endParaRPr b="0" lang="ru-RU" sz="2000" spc="-1" strike="noStrike">
+            <a:endParaRPr b="0" lang="ru-RU" sz="1800" spc="-1" strike="noStrike">
               <a:latin typeface="Arial"/>
             </a:endParaRPr>
           </a:p>
@@ -3040,7 +3041,7 @@
         <p:spPr>
           <a:xfrm>
             <a:off x="720" y="720"/>
-            <a:ext cx="10079280" cy="7559280"/>
+            <a:ext cx="10078920" cy="7558920"/>
           </a:xfrm>
           <a:prstGeom prst="rect">
             <a:avLst/>
@@ -3062,8 +3063,8 @@
         </p:nvSpPr>
         <p:spPr>
           <a:xfrm>
-            <a:off x="504000" y="424080"/>
-            <a:ext cx="7199640" cy="1023840"/>
+            <a:off x="504000" y="301320"/>
+            <a:ext cx="9072000" cy="1261800"/>
           </a:xfrm>
           <a:prstGeom prst="rect">
             <a:avLst/>
@@ -3074,13 +3075,14 @@
             <a:noAutofit/>
           </a:bodyPr>
           <a:p>
-            <a:r>
-              <a:rPr b="0" lang="ru-RU" sz="1800" spc="-1" strike="noStrike">
+            <a:pPr algn="ctr"/>
+            <a:r>
+              <a:rPr b="0" lang="ru-RU" sz="4400" spc="-1" strike="noStrike">
                 <a:latin typeface="Arial"/>
               </a:rPr>
               <a:t>Для правки текста заглавия щёлкните мышью</a:t>
             </a:r>
-            <a:endParaRPr b="0" lang="ru-RU" sz="1800" spc="-1" strike="noStrike">
+            <a:endParaRPr b="0" lang="ru-RU" sz="4400" spc="-1" strike="noStrike">
               <a:latin typeface="Arial"/>
             </a:endParaRPr>
           </a:p>
@@ -3098,8 +3100,8 @@
         </p:nvSpPr>
         <p:spPr>
           <a:xfrm>
-            <a:off x="504000" y="1800000"/>
-            <a:ext cx="9071640" cy="4384080"/>
+            <a:off x="504000" y="1768680"/>
+            <a:ext cx="9072000" cy="4384080"/>
           </a:xfrm>
           <a:prstGeom prst="rect">
             <a:avLst/>
@@ -3122,12 +3124,12 @@
               <a:buChar char=""/>
             </a:pPr>
             <a:r>
-              <a:rPr b="0" lang="ru-RU" sz="1800" spc="-1" strike="noStrike">
+              <a:rPr b="0" lang="ru-RU" sz="3200" spc="-1" strike="noStrike">
                 <a:latin typeface="Arial"/>
               </a:rPr>
               <a:t>Для правки структуры щёлкните мышью</a:t>
             </a:r>
-            <a:endParaRPr b="0" lang="ru-RU" sz="1800" spc="-1" strike="noStrike">
+            <a:endParaRPr b="0" lang="ru-RU" sz="3200" spc="-1" strike="noStrike">
               <a:latin typeface="Arial"/>
             </a:endParaRPr>
           </a:p>
@@ -3144,12 +3146,12 @@
               <a:buChar char=""/>
             </a:pPr>
             <a:r>
-              <a:rPr b="0" lang="ru-RU" sz="1800" spc="-1" strike="noStrike">
+              <a:rPr b="0" lang="ru-RU" sz="2800" spc="-1" strike="noStrike">
                 <a:latin typeface="Arial"/>
               </a:rPr>
               <a:t>Второй уровень структуры</a:t>
             </a:r>
-            <a:endParaRPr b="0" lang="ru-RU" sz="1800" spc="-1" strike="noStrike">
+            <a:endParaRPr b="0" lang="ru-RU" sz="2800" spc="-1" strike="noStrike">
               <a:latin typeface="Arial"/>
             </a:endParaRPr>
           </a:p>
@@ -3166,12 +3168,12 @@
               <a:buChar char=""/>
             </a:pPr>
             <a:r>
-              <a:rPr b="0" lang="ru-RU" sz="1800" spc="-1" strike="noStrike">
+              <a:rPr b="0" lang="ru-RU" sz="2400" spc="-1" strike="noStrike">
                 <a:latin typeface="Arial"/>
               </a:rPr>
               <a:t>Третий уровень структуры</a:t>
             </a:r>
-            <a:endParaRPr b="0" lang="ru-RU" sz="1800" spc="-1" strike="noStrike">
+            <a:endParaRPr b="0" lang="ru-RU" sz="2400" spc="-1" strike="noStrike">
               <a:latin typeface="Arial"/>
             </a:endParaRPr>
           </a:p>
@@ -3188,12 +3190,12 @@
               <a:buChar char=""/>
             </a:pPr>
             <a:r>
-              <a:rPr b="0" lang="ru-RU" sz="1800" spc="-1" strike="noStrike">
+              <a:rPr b="0" lang="ru-RU" sz="2000" spc="-1" strike="noStrike">
                 <a:latin typeface="Arial"/>
               </a:rPr>
               <a:t>Четвёртый уровень структуры</a:t>
             </a:r>
-            <a:endParaRPr b="0" lang="ru-RU" sz="1800" spc="-1" strike="noStrike">
+            <a:endParaRPr b="0" lang="ru-RU" sz="2000" spc="-1" strike="noStrike">
               <a:latin typeface="Arial"/>
             </a:endParaRPr>
           </a:p>
@@ -3210,12 +3212,12 @@
               <a:buChar char=""/>
             </a:pPr>
             <a:r>
-              <a:rPr b="0" lang="ru-RU" sz="1800" spc="-1" strike="noStrike">
+              <a:rPr b="0" lang="ru-RU" sz="2000" spc="-1" strike="noStrike">
                 <a:latin typeface="Arial"/>
               </a:rPr>
               <a:t>Пятый уровень структуры</a:t>
             </a:r>
-            <a:endParaRPr b="0" lang="ru-RU" sz="1800" spc="-1" strike="noStrike">
+            <a:endParaRPr b="0" lang="ru-RU" sz="2000" spc="-1" strike="noStrike">
               <a:latin typeface="Arial"/>
             </a:endParaRPr>
           </a:p>
@@ -3232,12 +3234,12 @@
               <a:buChar char=""/>
             </a:pPr>
             <a:r>
-              <a:rPr b="0" lang="ru-RU" sz="1800" spc="-1" strike="noStrike">
+              <a:rPr b="0" lang="ru-RU" sz="2000" spc="-1" strike="noStrike">
                 <a:latin typeface="Arial"/>
               </a:rPr>
               <a:t>Шестой уровень структуры</a:t>
             </a:r>
-            <a:endParaRPr b="0" lang="ru-RU" sz="1800" spc="-1" strike="noStrike">
+            <a:endParaRPr b="0" lang="ru-RU" sz="2000" spc="-1" strike="noStrike">
               <a:latin typeface="Arial"/>
             </a:endParaRPr>
           </a:p>
@@ -3254,12 +3256,12 @@
               <a:buChar char=""/>
             </a:pPr>
             <a:r>
-              <a:rPr b="0" lang="ru-RU" sz="1800" spc="-1" strike="noStrike">
+              <a:rPr b="0" lang="ru-RU" sz="2000" spc="-1" strike="noStrike">
                 <a:latin typeface="Arial"/>
               </a:rPr>
               <a:t>Седьмой уровень структуры</a:t>
             </a:r>
-            <a:endParaRPr b="0" lang="ru-RU" sz="1800" spc="-1" strike="noStrike">
+            <a:endParaRPr b="0" lang="ru-RU" sz="2000" spc="-1" strike="noStrike">
               <a:latin typeface="Arial"/>
             </a:endParaRPr>
           </a:p>
@@ -3311,7 +3313,7 @@
         <p:spPr>
           <a:xfrm>
             <a:off x="504000" y="576000"/>
-            <a:ext cx="7199640" cy="719640"/>
+            <a:ext cx="7199280" cy="719280"/>
           </a:xfrm>
           <a:prstGeom prst="rect">
             <a:avLst/>
@@ -3339,7 +3341,11 @@
             </a:pPr>
             <a:r>
               <a:rPr b="0" lang="ru-RU" sz="3200" spc="-1" strike="noStrike">
-                <a:latin typeface="Arial"/>
+                <a:solidFill>
+                  <a:srgbClr val="000000"/>
+                </a:solidFill>
+                <a:latin typeface="Arial"/>
+                <a:ea typeface="DejaVu Sans"/>
               </a:rPr>
               <a:t>Групповые операции с массивами</a:t>
             </a:r>
@@ -3358,7 +3364,7 @@
         <p:spPr>
           <a:xfrm>
             <a:off x="504000" y="1800000"/>
-            <a:ext cx="9071640" cy="4384080"/>
+            <a:ext cx="9071280" cy="4383720"/>
           </a:xfrm>
           <a:prstGeom prst="rect">
             <a:avLst/>
@@ -3386,7 +3392,11 @@
             </a:pPr>
             <a:r>
               <a:rPr b="0" lang="ru-RU" sz="3200" spc="-1" strike="noStrike">
-                <a:latin typeface="Arial"/>
+                <a:solidFill>
+                  <a:srgbClr val="000000"/>
+                </a:solidFill>
+                <a:latin typeface="Arial"/>
+                <a:ea typeface="DejaVu Sans"/>
               </a:rPr>
               <a:t>Учебная практика ПМ.08</a:t>
             </a:r>
@@ -3402,7 +3412,11 @@
             </a:pPr>
             <a:r>
               <a:rPr b="0" lang="ru-RU" sz="3200" spc="-1" strike="noStrike">
-                <a:latin typeface="Arial"/>
+                <a:solidFill>
+                  <a:srgbClr val="000000"/>
+                </a:solidFill>
+                <a:latin typeface="Arial"/>
+                <a:ea typeface="DejaVu Sans"/>
               </a:rPr>
               <a:t>Разработка дизайна веб-приложений</a:t>
             </a:r>
@@ -3428,7 +3442,11 @@
             </a:pPr>
             <a:r>
               <a:rPr b="0" lang="ru-RU" sz="3200" spc="-1" strike="noStrike">
-                <a:latin typeface="Arial"/>
+                <a:solidFill>
+                  <a:srgbClr val="000000"/>
+                </a:solidFill>
+                <a:latin typeface="Arial"/>
+                <a:ea typeface="DejaVu Sans"/>
               </a:rPr>
               <a:t>Преподаватель: Л.В. Ильюшенков</a:t>
             </a:r>
@@ -3451,7 +3469,7 @@
         <p:spPr>
           <a:xfrm>
             <a:off x="7704000" y="360000"/>
-            <a:ext cx="1165680" cy="1165680"/>
+            <a:ext cx="1165320" cy="1165320"/>
           </a:xfrm>
           <a:prstGeom prst="rect">
             <a:avLst/>
@@ -3500,7 +3518,7 @@
         <p:spPr>
           <a:xfrm>
             <a:off x="504000" y="576000"/>
-            <a:ext cx="7199640" cy="719640"/>
+            <a:ext cx="7199280" cy="719280"/>
           </a:xfrm>
           <a:prstGeom prst="rect">
             <a:avLst/>
@@ -3528,9 +3546,13 @@
             </a:pPr>
             <a:r>
               <a:rPr b="0" lang="ru-RU" sz="3200" spc="-1" strike="noStrike">
-                <a:latin typeface="Arial"/>
-              </a:rPr>
-              <a:t>Задание</a:t>
+                <a:solidFill>
+                  <a:srgbClr val="000000"/>
+                </a:solidFill>
+                <a:latin typeface="Arial"/>
+                <a:ea typeface="DejaVu Sans"/>
+              </a:rPr>
+              <a:t>Фильтрация данных</a:t>
             </a:r>
             <a:endParaRPr b="0" lang="ru-RU" sz="3200" spc="-1" strike="noStrike">
               <a:latin typeface="Arial"/>
@@ -3551,7 +3573,7 @@
         <p:spPr>
           <a:xfrm>
             <a:off x="7704000" y="360000"/>
-            <a:ext cx="1165680" cy="1165680"/>
+            <a:ext cx="1165320" cy="1165320"/>
           </a:xfrm>
           <a:prstGeom prst="rect">
             <a:avLst/>
@@ -3569,15 +3591,19 @@
         </p:nvSpPr>
         <p:spPr>
           <a:xfrm>
-            <a:off x="504000" y="1877760"/>
-            <a:ext cx="9071640" cy="857880"/>
-          </a:xfrm>
-          <a:prstGeom prst="rect">
-            <a:avLst/>
-          </a:prstGeom>
-          <a:noFill/>
+            <a:off x="531000" y="2376000"/>
+            <a:ext cx="9188280" cy="2375280"/>
+          </a:xfrm>
+          <a:prstGeom prst="rect">
+            <a:avLst/>
+          </a:prstGeom>
+          <a:solidFill>
+            <a:srgbClr val="fed598"/>
+          </a:solidFill>
           <a:ln>
-            <a:noFill/>
+            <a:solidFill>
+              <a:srgbClr val="3465af"/>
+            </a:solidFill>
           </a:ln>
         </p:spPr>
         <p:style>
@@ -3586,6 +3612,203 @@
           <a:effectRef idx="0"/>
           <a:fontRef idx="minor"/>
         </p:style>
+      </p:sp>
+      <p:sp>
+        <p:nvSpPr>
+          <p:cNvPr id="130" name="CustomShape 3"/>
+          <p:cNvSpPr/>
+          <p:nvPr/>
+        </p:nvSpPr>
+        <p:spPr>
+          <a:xfrm>
+            <a:off x="720000" y="2448000"/>
+            <a:ext cx="8711280" cy="2499480"/>
+          </a:xfrm>
+          <a:prstGeom prst="rect">
+            <a:avLst/>
+          </a:prstGeom>
+          <a:noFill/>
+          <a:ln>
+            <a:noFill/>
+          </a:ln>
+        </p:spPr>
+        <p:style>
+          <a:lnRef idx="0"/>
+          <a:fillRef idx="0"/>
+          <a:effectRef idx="0"/>
+          <a:fontRef idx="minor"/>
+        </p:style>
+        <p:txBody>
+          <a:bodyPr lIns="0" rIns="0" tIns="0" bIns="0" anchor="ctr">
+            <a:noAutofit/>
+          </a:bodyPr>
+          <a:p>
+            <a:pPr algn="just">
+              <a:lnSpc>
+                <a:spcPct val="100000"/>
+              </a:lnSpc>
+            </a:pPr>
+            <a:r>
+              <a:rPr b="0" i="1" lang="ru-RU" sz="2200" spc="-1" strike="noStrike">
+                <a:solidFill>
+                  <a:srgbClr val="000000"/>
+                </a:solidFill>
+                <a:latin typeface="Arial"/>
+                <a:ea typeface="DejaVu Sans"/>
+              </a:rPr>
+              <a:t>c1=a.filter((d)=&gt;{if (d.country==='Россия') return d;});</a:t>
+            </a:r>
+            <a:endParaRPr b="0" lang="ru-RU" sz="2200" spc="-1" strike="noStrike">
+              <a:latin typeface="Arial"/>
+            </a:endParaRPr>
+          </a:p>
+          <a:p>
+            <a:pPr algn="just">
+              <a:lnSpc>
+                <a:spcPct val="100000"/>
+              </a:lnSpc>
+            </a:pPr>
+            <a:endParaRPr b="0" lang="ru-RU" sz="2200" spc="-1" strike="noStrike">
+              <a:latin typeface="Arial"/>
+            </a:endParaRPr>
+          </a:p>
+          <a:p>
+            <a:pPr algn="just">
+              <a:lnSpc>
+                <a:spcPct val="100000"/>
+              </a:lnSpc>
+            </a:pPr>
+            <a:r>
+              <a:rPr b="0" i="1" lang="ru-RU" sz="2200" spc="-1" strike="noStrike">
+                <a:solidFill>
+                  <a:srgbClr val="000000"/>
+                </a:solidFill>
+                <a:latin typeface="Arial"/>
+                <a:ea typeface="DejaVu Sans"/>
+              </a:rPr>
+              <a:t>a.map((c)=&gt;document.write(</a:t>
+            </a:r>
+            <a:endParaRPr b="0" lang="ru-RU" sz="2200" spc="-1" strike="noStrike">
+              <a:latin typeface="Arial"/>
+            </a:endParaRPr>
+          </a:p>
+          <a:p>
+            <a:pPr algn="just">
+              <a:lnSpc>
+                <a:spcPct val="100000"/>
+              </a:lnSpc>
+            </a:pPr>
+            <a:r>
+              <a:rPr b="0" i="1" lang="ru-RU" sz="2200" spc="-1" strike="noStrike">
+                <a:solidFill>
+                  <a:srgbClr val="000000"/>
+                </a:solidFill>
+                <a:latin typeface="Arial"/>
+                <a:ea typeface="DejaVu Sans"/>
+              </a:rPr>
+              <a:t>`&lt;hr&gt;&lt;p&gt;Наименование товара: ${c.name}&lt;/p&gt; </a:t>
+            </a:r>
+            <a:endParaRPr b="0" lang="ru-RU" sz="2200" spc="-1" strike="noStrike">
+              <a:latin typeface="Arial"/>
+            </a:endParaRPr>
+          </a:p>
+          <a:p>
+            <a:pPr algn="just">
+              <a:lnSpc>
+                <a:spcPct val="100000"/>
+              </a:lnSpc>
+            </a:pPr>
+            <a:r>
+              <a:rPr b="0" i="1" lang="ru-RU" sz="2200" spc="-1" strike="noStrike">
+                <a:solidFill>
+                  <a:srgbClr val="000000"/>
+                </a:solidFill>
+                <a:latin typeface="Arial"/>
+                <a:ea typeface="DejaVu Sans"/>
+              </a:rPr>
+              <a:t>&lt;p&gt;Цена, руб: ${c.price}&lt;/p&gt;</a:t>
+            </a:r>
+            <a:endParaRPr b="0" lang="ru-RU" sz="2200" spc="-1" strike="noStrike">
+              <a:latin typeface="Arial"/>
+            </a:endParaRPr>
+          </a:p>
+          <a:p>
+            <a:pPr algn="just">
+              <a:lnSpc>
+                <a:spcPct val="100000"/>
+              </a:lnSpc>
+            </a:pPr>
+            <a:r>
+              <a:rPr b="0" i="1" lang="ru-RU" sz="2200" spc="-1" strike="noStrike">
+                <a:solidFill>
+                  <a:srgbClr val="000000"/>
+                </a:solidFill>
+                <a:latin typeface="Arial"/>
+                <a:ea typeface="DejaVu Sans"/>
+              </a:rPr>
+              <a:t>&lt;p&gt;Дата: ${c.date.toISOString().split('T')[0]}&lt;/p&gt;</a:t>
+            </a:r>
+            <a:endParaRPr b="0" lang="ru-RU" sz="2200" spc="-1" strike="noStrike">
+              <a:latin typeface="Arial"/>
+            </a:endParaRPr>
+          </a:p>
+          <a:p>
+            <a:pPr algn="just">
+              <a:lnSpc>
+                <a:spcPct val="100000"/>
+              </a:lnSpc>
+            </a:pPr>
+            <a:r>
+              <a:rPr b="0" i="1" lang="ru-RU" sz="2200" spc="-1" strike="noStrike">
+                <a:solidFill>
+                  <a:srgbClr val="000000"/>
+                </a:solidFill>
+                <a:latin typeface="Arial"/>
+                <a:ea typeface="DejaVu Sans"/>
+              </a:rPr>
+              <a:t>&lt;p&gt;Страна происхождения: ${c.country}&lt;/p&gt;&lt;hr&gt;`));</a:t>
+            </a:r>
+            <a:endParaRPr b="0" lang="ru-RU" sz="2200" spc="-1" strike="noStrike">
+              <a:latin typeface="Arial"/>
+            </a:endParaRPr>
+          </a:p>
+          <a:p>
+            <a:pPr algn="just">
+              <a:lnSpc>
+                <a:spcPct val="100000"/>
+              </a:lnSpc>
+            </a:pPr>
+            <a:endParaRPr b="0" lang="ru-RU" sz="2200" spc="-1" strike="noStrike">
+              <a:latin typeface="Arial"/>
+            </a:endParaRPr>
+          </a:p>
+        </p:txBody>
+      </p:sp>
+      <p:sp>
+        <p:nvSpPr>
+          <p:cNvPr id="131" name="CustomShape 4"/>
+          <p:cNvSpPr/>
+          <p:nvPr/>
+        </p:nvSpPr>
+        <p:spPr>
+          <a:xfrm>
+            <a:off x="504000" y="1877760"/>
+            <a:ext cx="9071280" cy="857520"/>
+          </a:xfrm>
+          <a:prstGeom prst="rect">
+            <a:avLst/>
+          </a:prstGeom>
+          <a:noFill/>
+          <a:ln>
+            <a:noFill/>
+          </a:ln>
+        </p:spPr>
+        <p:style>
+          <a:lnRef idx="0"/>
+          <a:fillRef idx="0"/>
+          <a:effectRef idx="0"/>
+          <a:fontRef idx="minor"/>
+        </p:style>
         <p:txBody>
           <a:bodyPr lIns="90000" rIns="90000" tIns="45000" bIns="45000">
             <a:noAutofit/>
@@ -3598,20 +3821,203 @@
             </a:pPr>
             <a:r>
               <a:rPr b="0" lang="ru-RU" sz="1800" spc="-1" strike="noStrike">
-                <a:latin typeface="Arial"/>
-              </a:rPr>
-              <a:t>Создайте массив объектов из гостиниц</a:t>
+                <a:solidFill>
+                  <a:srgbClr val="000000"/>
+                </a:solidFill>
+                <a:latin typeface="Arial"/>
+                <a:ea typeface="DejaVu Sans"/>
+              </a:rPr>
+              <a:t>Выборка товаров из России</a:t>
             </a:r>
             <a:endParaRPr b="0" lang="ru-RU" sz="1800" spc="-1" strike="noStrike">
               <a:latin typeface="Arial"/>
             </a:endParaRPr>
           </a:p>
+        </p:txBody>
+      </p:sp>
+      <p:pic>
+        <p:nvPicPr>
+          <p:cNvPr id="132" name="" descr=""/>
+          <p:cNvPicPr/>
+          <p:nvPr/>
+        </p:nvPicPr>
+        <p:blipFill>
+          <a:blip r:embed="rId2"/>
+          <a:srcRect l="77" t="6894" r="81059" b="77491"/>
+          <a:stretch/>
+        </p:blipFill>
+        <p:spPr>
+          <a:xfrm>
+            <a:off x="1152000" y="5164560"/>
+            <a:ext cx="3290400" cy="1530720"/>
+          </a:xfrm>
+          <a:prstGeom prst="rect">
+            <a:avLst/>
+          </a:prstGeom>
+          <a:ln>
+            <a:noFill/>
+          </a:ln>
+        </p:spPr>
+      </p:pic>
+    </p:spTree>
+  </p:cSld>
+  <mc:AlternateContent>
+    <mc:Choice Requires="p14">
+      <p:transition spd="slow" p14:dur="2000"/>
+    </mc:Choice>
+    <mc:Fallback>
+      <p:transition spd="slow"/>
+    </mc:Fallback>
+  </mc:AlternateContent>
+</p:sld>
+</file>
+
+<file path=ppt/slides/slide11.xml><?xml version="1.0" encoding="utf-8"?>
+<p:sld xmlns:a="http://schemas.openxmlformats.org/drawingml/2006/main" xmlns:p="http://schemas.openxmlformats.org/presentationml/2006/main" xmlns:r="http://schemas.openxmlformats.org/officeDocument/2006/relationships" xmlns:p14="http://schemas.microsoft.com/office/powerpoint/2010/main" xmlns:p15="http://schemas.microsoft.com/office/powerpoint/2012/main" xmlns:mc="http://schemas.openxmlformats.org/markup-compatibility/2006">
+  <p:cSld>
+    <p:spTree>
+      <p:nvGrpSpPr>
+        <p:cNvPr id="1" name=""/>
+        <p:cNvGrpSpPr/>
+        <p:nvPr/>
+      </p:nvGrpSpPr>
+      <p:grpSpPr>
+        <a:xfrm>
+          <a:off x="0" y="0"/>
+          <a:ext cx="0" cy="0"/>
+          <a:chOff x="0" y="0"/>
+          <a:chExt cx="0" cy="0"/>
+        </a:xfrm>
+      </p:grpSpPr>
+      <p:sp>
+        <p:nvSpPr>
+          <p:cNvPr id="133" name="CustomShape 1"/>
+          <p:cNvSpPr/>
+          <p:nvPr/>
+        </p:nvSpPr>
+        <p:spPr>
+          <a:xfrm>
+            <a:off x="504000" y="576000"/>
+            <a:ext cx="7199280" cy="719280"/>
+          </a:xfrm>
+          <a:prstGeom prst="rect">
+            <a:avLst/>
+          </a:prstGeom>
+          <a:noFill/>
+          <a:ln>
+            <a:noFill/>
+          </a:ln>
+        </p:spPr>
+        <p:style>
+          <a:lnRef idx="0"/>
+          <a:fillRef idx="0"/>
+          <a:effectRef idx="0"/>
+          <a:fontRef idx="minor"/>
+        </p:style>
+        <p:txBody>
+          <a:bodyPr lIns="0" rIns="0" tIns="0" bIns="0" anchor="ctr">
+            <a:noAutofit/>
+          </a:bodyPr>
           <a:p>
             <a:pPr>
               <a:lnSpc>
                 <a:spcPct val="100000"/>
               </a:lnSpc>
             </a:pPr>
+            <a:r>
+              <a:rPr b="0" lang="ru-RU" sz="3200" spc="-1" strike="noStrike">
+                <a:solidFill>
+                  <a:srgbClr val="000000"/>
+                </a:solidFill>
+                <a:latin typeface="Arial"/>
+                <a:ea typeface="DejaVu Sans"/>
+              </a:rPr>
+              <a:t>Задание</a:t>
+            </a:r>
+            <a:endParaRPr b="0" lang="ru-RU" sz="3200" spc="-1" strike="noStrike">
+              <a:latin typeface="Arial"/>
+            </a:endParaRPr>
+          </a:p>
+        </p:txBody>
+      </p:sp>
+      <p:pic>
+        <p:nvPicPr>
+          <p:cNvPr id="134" name="" descr=""/>
+          <p:cNvPicPr/>
+          <p:nvPr/>
+        </p:nvPicPr>
+        <p:blipFill>
+          <a:blip r:embed="rId1"/>
+          <a:stretch/>
+        </p:blipFill>
+        <p:spPr>
+          <a:xfrm>
+            <a:off x="7704000" y="360000"/>
+            <a:ext cx="1165320" cy="1165320"/>
+          </a:xfrm>
+          <a:prstGeom prst="rect">
+            <a:avLst/>
+          </a:prstGeom>
+          <a:ln>
+            <a:noFill/>
+          </a:ln>
+        </p:spPr>
+      </p:pic>
+      <p:sp>
+        <p:nvSpPr>
+          <p:cNvPr id="135" name="CustomShape 2"/>
+          <p:cNvSpPr/>
+          <p:nvPr/>
+        </p:nvSpPr>
+        <p:spPr>
+          <a:xfrm>
+            <a:off x="504000" y="1877760"/>
+            <a:ext cx="9071280" cy="857520"/>
+          </a:xfrm>
+          <a:prstGeom prst="rect">
+            <a:avLst/>
+          </a:prstGeom>
+          <a:noFill/>
+          <a:ln>
+            <a:noFill/>
+          </a:ln>
+        </p:spPr>
+        <p:style>
+          <a:lnRef idx="0"/>
+          <a:fillRef idx="0"/>
+          <a:effectRef idx="0"/>
+          <a:fontRef idx="minor"/>
+        </p:style>
+        <p:txBody>
+          <a:bodyPr lIns="90000" rIns="90000" tIns="45000" bIns="45000">
+            <a:noAutofit/>
+          </a:bodyPr>
+          <a:p>
+            <a:pPr>
+              <a:lnSpc>
+                <a:spcPct val="100000"/>
+              </a:lnSpc>
+            </a:pPr>
+            <a:r>
+              <a:rPr b="0" lang="ru-RU" sz="1800" spc="-1" strike="noStrike">
+                <a:solidFill>
+                  <a:srgbClr val="000000"/>
+                </a:solidFill>
+                <a:latin typeface="Arial"/>
+                <a:ea typeface="DejaVu Sans"/>
+              </a:rPr>
+              <a:t>Создайте массив объектов из гостиниц</a:t>
+            </a:r>
+            <a:endParaRPr b="0" lang="ru-RU" sz="1800" spc="-1" strike="noStrike">
+              <a:latin typeface="Arial"/>
+            </a:endParaRPr>
+          </a:p>
+          <a:p>
+            <a:pPr>
+              <a:lnSpc>
+                <a:spcPct val="100000"/>
+              </a:lnSpc>
+            </a:pPr>
             <a:endParaRPr b="0" lang="ru-RU" sz="1800" spc="-1" strike="noStrike">
               <a:latin typeface="Arial"/>
             </a:endParaRPr>
@@ -3620,7 +4026,7 @@
       </p:sp>
       <p:graphicFrame>
         <p:nvGraphicFramePr>
-          <p:cNvPr id="130" name="Table 3"/>
+          <p:cNvPr id="136" name="Table 3"/>
           <p:cNvGraphicFramePr/>
           <p:nvPr/>
         </p:nvGraphicFramePr>
@@ -4866,7 +5272,7 @@
 </p:sld>
 </file>
 
-<file path=ppt/slides/slide11.xml><?xml version="1.0" encoding="utf-8"?>
+<file path=ppt/slides/slide12.xml><?xml version="1.0" encoding="utf-8"?>
 <p:sld xmlns:a="http://schemas.openxmlformats.org/drawingml/2006/main" xmlns:p="http://schemas.openxmlformats.org/presentationml/2006/main" xmlns:r="http://schemas.openxmlformats.org/officeDocument/2006/relationships" xmlns:p14="http://schemas.microsoft.com/office/powerpoint/2010/main" xmlns:p15="http://schemas.microsoft.com/office/powerpoint/2012/main" xmlns:mc="http://schemas.openxmlformats.org/markup-compatibility/2006">
   <p:cSld>
     <p:spTree>
@@ -4885,14 +5291,14 @@
       </p:grpSpPr>
       <p:sp>
         <p:nvSpPr>
-          <p:cNvPr id="131" name="CustomShape 1"/>
+          <p:cNvPr id="137" name="CustomShape 1"/>
           <p:cNvSpPr/>
           <p:nvPr/>
         </p:nvSpPr>
         <p:spPr>
           <a:xfrm>
             <a:off x="504000" y="576000"/>
-            <a:ext cx="7199640" cy="719640"/>
+            <a:ext cx="7199280" cy="719280"/>
           </a:xfrm>
           <a:prstGeom prst="rect">
             <a:avLst/>
@@ -4920,7 +5326,11 @@
             </a:pPr>
             <a:r>
               <a:rPr b="0" lang="ru-RU" sz="3600" spc="-1" strike="noStrike">
-                <a:latin typeface="Arial"/>
+                <a:solidFill>
+                  <a:srgbClr val="000000"/>
+                </a:solidFill>
+                <a:latin typeface="Arial"/>
+                <a:ea typeface="DejaVu Sans"/>
               </a:rPr>
               <a:t>Задание</a:t>
             </a:r>
@@ -4932,14 +5342,14 @@
       </p:sp>
       <p:sp>
         <p:nvSpPr>
-          <p:cNvPr id="132" name="CustomShape 2"/>
+          <p:cNvPr id="138" name="CustomShape 2"/>
           <p:cNvSpPr/>
           <p:nvPr/>
         </p:nvSpPr>
         <p:spPr>
           <a:xfrm>
             <a:off x="504000" y="1800000"/>
-            <a:ext cx="9071640" cy="4384080"/>
+            <a:ext cx="9071280" cy="4383720"/>
           </a:xfrm>
           <a:prstGeom prst="rect">
             <a:avLst/>
@@ -4960,7 +5370,7 @@
             <a:normAutofit/>
           </a:bodyPr>
           <a:p>
-            <a:pPr marL="432000" indent="-323640">
+            <a:pPr marL="432000" indent="-323280">
               <a:lnSpc>
                 <a:spcPct val="100000"/>
               </a:lnSpc>
@@ -4976,7 +5386,11 @@
             </a:pPr>
             <a:r>
               <a:rPr b="0" lang="ru-RU" sz="2600" spc="-1" strike="noStrike">
-                <a:latin typeface="Arial"/>
+                <a:solidFill>
+                  <a:srgbClr val="000000"/>
+                </a:solidFill>
+                <a:latin typeface="Arial"/>
+                <a:ea typeface="DejaVu Sans"/>
               </a:rPr>
               <a:t>С помощью поэлементных операций с массивом, выведите на страницу таблицу гостиниц</a:t>
             </a:r>
@@ -4985,7 +5399,7 @@
             </a:endParaRPr>
           </a:p>
           <a:p>
-            <a:pPr marL="432000" indent="-323640">
+            <a:pPr marL="432000" indent="-323280">
               <a:lnSpc>
                 <a:spcPct val="100000"/>
               </a:lnSpc>
@@ -5001,7 +5415,11 @@
             </a:pPr>
             <a:r>
               <a:rPr b="0" lang="ru-RU" sz="2600" spc="-1" strike="noStrike">
-                <a:latin typeface="Arial"/>
+                <a:solidFill>
+                  <a:srgbClr val="000000"/>
+                </a:solidFill>
+                <a:latin typeface="Arial"/>
+                <a:ea typeface="DejaVu Sans"/>
               </a:rPr>
               <a:t>Рассортируйте список по убыванию количества звезд</a:t>
             </a:r>
@@ -5010,7 +5428,7 @@
             </a:endParaRPr>
           </a:p>
           <a:p>
-            <a:pPr marL="432000" indent="-323640">
+            <a:pPr marL="432000" indent="-323280">
               <a:lnSpc>
                 <a:spcPct val="100000"/>
               </a:lnSpc>
@@ -5026,7 +5444,11 @@
             </a:pPr>
             <a:r>
               <a:rPr b="0" lang="ru-RU" sz="2600" spc="-1" strike="noStrike">
-                <a:latin typeface="Arial"/>
+                <a:solidFill>
+                  <a:srgbClr val="000000"/>
+                </a:solidFill>
+                <a:latin typeface="Arial"/>
+                <a:ea typeface="DejaVu Sans"/>
               </a:rPr>
               <a:t>Составьте список из гостиниц не дороже 7000 руб</a:t>
             </a:r>
@@ -5075,7 +5497,7 @@
         <p:spPr>
           <a:xfrm>
             <a:off x="504000" y="576000"/>
-            <a:ext cx="7199640" cy="719640"/>
+            <a:ext cx="7199280" cy="719280"/>
           </a:xfrm>
           <a:prstGeom prst="rect">
             <a:avLst/>
@@ -5103,7 +5525,11 @@
             </a:pPr>
             <a:r>
               <a:rPr b="0" lang="ru-RU" sz="3200" spc="-1" strike="noStrike">
-                <a:latin typeface="Arial"/>
+                <a:solidFill>
+                  <a:srgbClr val="000000"/>
+                </a:solidFill>
+                <a:latin typeface="Arial"/>
+                <a:ea typeface="DejaVu Sans"/>
               </a:rPr>
               <a:t>Стрелочные функции</a:t>
             </a:r>
@@ -5122,7 +5548,7 @@
         <p:spPr>
           <a:xfrm>
             <a:off x="432000" y="1944000"/>
-            <a:ext cx="9071640" cy="335520"/>
+            <a:ext cx="9071280" cy="335160"/>
           </a:xfrm>
           <a:prstGeom prst="rect">
             <a:avLst/>
@@ -5150,7 +5576,11 @@
             </a:pPr>
             <a:r>
               <a:rPr b="0" lang="ru-RU" sz="2200" spc="-1" strike="noStrike">
-                <a:latin typeface="Arial"/>
+                <a:solidFill>
+                  <a:srgbClr val="000000"/>
+                </a:solidFill>
+                <a:latin typeface="Arial"/>
+                <a:ea typeface="DejaVu Sans"/>
               </a:rPr>
               <a:t>Простой и лаконичный синтаксис для создания функций</a:t>
             </a:r>
@@ -5173,7 +5603,7 @@
         <p:spPr>
           <a:xfrm>
             <a:off x="7704000" y="360000"/>
-            <a:ext cx="1165680" cy="1165680"/>
+            <a:ext cx="1165320" cy="1165320"/>
           </a:xfrm>
           <a:prstGeom prst="rect">
             <a:avLst/>
@@ -5192,7 +5622,7 @@
         <p:spPr>
           <a:xfrm>
             <a:off x="432000" y="2376000"/>
-            <a:ext cx="9143640" cy="719640"/>
+            <a:ext cx="9143280" cy="719280"/>
           </a:xfrm>
           <a:prstGeom prst="rect">
             <a:avLst/>
@@ -5222,7 +5652,7 @@
         <p:spPr>
           <a:xfrm>
             <a:off x="576000" y="2520000"/>
-            <a:ext cx="8351640" cy="345960"/>
+            <a:ext cx="8351280" cy="345600"/>
           </a:xfrm>
           <a:prstGeom prst="rect">
             <a:avLst/>
@@ -5250,7 +5680,11 @@
             </a:pPr>
             <a:r>
               <a:rPr b="0" i="1" lang="ru-RU" sz="1800" spc="-1" strike="noStrike">
-                <a:latin typeface="Arial"/>
+                <a:solidFill>
+                  <a:srgbClr val="000000"/>
+                </a:solidFill>
+                <a:latin typeface="Arial"/>
+                <a:ea typeface="DejaVu Sans"/>
               </a:rPr>
               <a:t>let func = (arg1, arg2, ...argN) =&gt; expression;</a:t>
             </a:r>
@@ -5269,7 +5703,7 @@
         <p:spPr>
           <a:xfrm>
             <a:off x="432000" y="3528000"/>
-            <a:ext cx="9143640" cy="3311640"/>
+            <a:ext cx="9143280" cy="3311280"/>
           </a:xfrm>
           <a:prstGeom prst="rect">
             <a:avLst/>
@@ -5299,7 +5733,7 @@
         <p:spPr>
           <a:xfrm>
             <a:off x="936000" y="3830040"/>
-            <a:ext cx="7991640" cy="2649600"/>
+            <a:ext cx="7991280" cy="2649240"/>
           </a:xfrm>
           <a:prstGeom prst="rect">
             <a:avLst/>
@@ -5327,7 +5761,11 @@
             </a:pPr>
             <a:r>
               <a:rPr b="0" lang="ru-RU" sz="1800" spc="-1" strike="noStrike">
-                <a:latin typeface="Arial"/>
+                <a:solidFill>
+                  <a:srgbClr val="000000"/>
+                </a:solidFill>
+                <a:latin typeface="Arial"/>
+                <a:ea typeface="DejaVu Sans"/>
               </a:rPr>
               <a:t>let sum = (a, b) =&gt; a + b;</a:t>
             </a:r>
@@ -5353,7 +5791,11 @@
             </a:pPr>
             <a:r>
               <a:rPr b="0" lang="ru-RU" sz="1800" spc="-1" strike="noStrike">
-                <a:latin typeface="Arial"/>
+                <a:solidFill>
+                  <a:srgbClr val="000000"/>
+                </a:solidFill>
+                <a:latin typeface="Arial"/>
+                <a:ea typeface="DejaVu Sans"/>
               </a:rPr>
               <a:t>/* Эта стрелочная функция представляет собой более короткую форму:</a:t>
             </a:r>
@@ -5379,7 +5821,11 @@
             </a:pPr>
             <a:r>
               <a:rPr b="0" lang="ru-RU" sz="1800" spc="-1" strike="noStrike">
-                <a:latin typeface="Arial"/>
+                <a:solidFill>
+                  <a:srgbClr val="000000"/>
+                </a:solidFill>
+                <a:latin typeface="Arial"/>
+                <a:ea typeface="DejaVu Sans"/>
               </a:rPr>
               <a:t>let sum = function(a, b) {</a:t>
             </a:r>
@@ -5395,13 +5841,21 @@
             </a:pPr>
             <a:r>
               <a:rPr b="0" lang="ru-RU" sz="1800" spc="-1" strike="noStrike">
-                <a:latin typeface="Arial"/>
+                <a:solidFill>
+                  <a:srgbClr val="000000"/>
+                </a:solidFill>
+                <a:latin typeface="Arial"/>
+                <a:ea typeface="DejaVu Sans"/>
               </a:rPr>
               <a:t>  </a:t>
             </a:r>
             <a:r>
               <a:rPr b="0" lang="ru-RU" sz="1800" spc="-1" strike="noStrike">
-                <a:latin typeface="Arial"/>
+                <a:solidFill>
+                  <a:srgbClr val="000000"/>
+                </a:solidFill>
+                <a:latin typeface="Arial"/>
+                <a:ea typeface="DejaVu Sans"/>
               </a:rPr>
               <a:t>return a + b;</a:t>
             </a:r>
@@ -5417,7 +5871,11 @@
             </a:pPr>
             <a:r>
               <a:rPr b="0" lang="ru-RU" sz="1800" spc="-1" strike="noStrike">
-                <a:latin typeface="Arial"/>
+                <a:solidFill>
+                  <a:srgbClr val="000000"/>
+                </a:solidFill>
+                <a:latin typeface="Arial"/>
+                <a:ea typeface="DejaVu Sans"/>
               </a:rPr>
               <a:t>};</a:t>
             </a:r>
@@ -5433,7 +5891,11 @@
             </a:pPr>
             <a:r>
               <a:rPr b="0" lang="ru-RU" sz="1800" spc="-1" strike="noStrike">
-                <a:latin typeface="Arial"/>
+                <a:solidFill>
+                  <a:srgbClr val="000000"/>
+                </a:solidFill>
+                <a:latin typeface="Arial"/>
+                <a:ea typeface="DejaVu Sans"/>
               </a:rPr>
               <a:t>*/</a:t>
             </a:r>
@@ -5459,7 +5921,11 @@
             </a:pPr>
             <a:r>
               <a:rPr b="0" lang="ru-RU" sz="1800" spc="-1" strike="noStrike">
-                <a:latin typeface="Arial"/>
+                <a:solidFill>
+                  <a:srgbClr val="000000"/>
+                </a:solidFill>
+                <a:latin typeface="Arial"/>
+                <a:ea typeface="DejaVu Sans"/>
               </a:rPr>
               <a:t>alert( sum(1, 2) ); // 3</a:t>
             </a:r>
@@ -5507,8 +5973,8 @@
         </p:nvSpPr>
         <p:spPr>
           <a:xfrm>
-            <a:off x="504000" y="480240"/>
-            <a:ext cx="7199640" cy="911520"/>
+            <a:off x="504000" y="576000"/>
+            <a:ext cx="7199280" cy="719280"/>
           </a:xfrm>
           <a:prstGeom prst="rect">
             <a:avLst/>
@@ -5536,9 +6002,13 @@
             </a:pPr>
             <a:r>
               <a:rPr b="0" lang="ru-RU" sz="3200" spc="-1" strike="noStrike">
-                <a:latin typeface="Arial"/>
-              </a:rPr>
-              <a:t>Преобразование каждого элемента массива</a:t>
+                <a:solidFill>
+                  <a:srgbClr val="000000"/>
+                </a:solidFill>
+                <a:latin typeface="Arial"/>
+                <a:ea typeface="DejaVu Sans"/>
+              </a:rPr>
+              <a:t>Условный (тернарный) оператор</a:t>
             </a:r>
             <a:endParaRPr b="0" lang="ru-RU" sz="3200" spc="-1" strike="noStrike">
               <a:latin typeface="Arial"/>
@@ -5554,8 +6024,8 @@
         </p:nvSpPr>
         <p:spPr>
           <a:xfrm>
-            <a:off x="504000" y="1966680"/>
-            <a:ext cx="9071640" cy="624960"/>
+            <a:off x="432000" y="1944000"/>
+            <a:ext cx="9071280" cy="335160"/>
           </a:xfrm>
           <a:prstGeom prst="rect">
             <a:avLst/>
@@ -5583,21 +6053,13 @@
             </a:pPr>
             <a:r>
               <a:rPr b="0" lang="ru-RU" sz="2200" spc="-1" strike="noStrike">
-                <a:latin typeface="Arial"/>
-              </a:rPr>
-              <a:t>Метод </a:t>
-            </a:r>
-            <a:r>
-              <a:rPr b="0" i="1" lang="ru-RU" sz="2200" spc="-1" strike="noStrike">
-                <a:latin typeface="Arial"/>
-              </a:rPr>
-              <a:t>map()</a:t>
-            </a:r>
-            <a:r>
-              <a:rPr b="0" lang="ru-RU" sz="2200" spc="-1" strike="noStrike">
-                <a:latin typeface="Arial"/>
-              </a:rPr>
-              <a:t> создаёт новый массив с результатом вызова указанной функции для каждого элемента массива.</a:t>
+                <a:solidFill>
+                  <a:srgbClr val="000000"/>
+                </a:solidFill>
+                <a:latin typeface="Arial"/>
+                <a:ea typeface="DejaVu Sans"/>
+              </a:rPr>
+              <a:t>используется в качестве укороченного варианта условного оператора if</a:t>
             </a:r>
             <a:endParaRPr b="0" lang="ru-RU" sz="2200" spc="-1" strike="noStrike">
               <a:latin typeface="Arial"/>
@@ -5618,7 +6080,7 @@
         <p:spPr>
           <a:xfrm>
             <a:off x="7704000" y="360000"/>
-            <a:ext cx="1165680" cy="1165680"/>
+            <a:ext cx="1165320" cy="1165320"/>
           </a:xfrm>
           <a:prstGeom prst="rect">
             <a:avLst/>
@@ -5636,8 +6098,8 @@
         </p:nvSpPr>
         <p:spPr>
           <a:xfrm>
-            <a:off x="504000" y="3245760"/>
-            <a:ext cx="9143640" cy="857880"/>
+            <a:off x="432720" y="2664000"/>
+            <a:ext cx="9143280" cy="719280"/>
           </a:xfrm>
           <a:prstGeom prst="rect">
             <a:avLst/>
@@ -5666,8 +6128,8 @@
         </p:nvSpPr>
         <p:spPr>
           <a:xfrm>
-            <a:off x="576000" y="3245760"/>
-            <a:ext cx="8351640" cy="857880"/>
+            <a:off x="576720" y="2808000"/>
+            <a:ext cx="8351280" cy="345600"/>
           </a:xfrm>
           <a:prstGeom prst="rect">
             <a:avLst/>
@@ -5695,47 +6157,13 @@
             </a:pPr>
             <a:r>
               <a:rPr b="0" i="1" lang="ru-RU" sz="1800" spc="-1" strike="noStrike">
-                <a:latin typeface="Arial"/>
-              </a:rPr>
-              <a:t>const new_array = arr.map(function callback( currentValue, index, array) {</a:t>
-            </a:r>
-            <a:endParaRPr b="0" lang="ru-RU" sz="1800" spc="-1" strike="noStrike">
-              <a:latin typeface="Arial"/>
-            </a:endParaRPr>
-          </a:p>
-          <a:p>
-            <a:pPr>
-              <a:lnSpc>
-                <a:spcPct val="100000"/>
-              </a:lnSpc>
-            </a:pPr>
-            <a:r>
-              <a:rPr b="0" i="1" lang="ru-RU" sz="1800" spc="-1" strike="noStrike">
-                <a:latin typeface="Arial"/>
-              </a:rPr>
-              <a:t>    </a:t>
-            </a:r>
-            <a:r>
-              <a:rPr b="0" i="1" lang="ru-RU" sz="1800" spc="-1" strike="noStrike">
-                <a:latin typeface="Arial"/>
-              </a:rPr>
-              <a:t>// Возвращает элемент для new_array</a:t>
-            </a:r>
-            <a:endParaRPr b="0" lang="ru-RU" sz="1800" spc="-1" strike="noStrike">
-              <a:latin typeface="Arial"/>
-            </a:endParaRPr>
-          </a:p>
-          <a:p>
-            <a:pPr>
-              <a:lnSpc>
-                <a:spcPct val="100000"/>
-              </a:lnSpc>
-            </a:pPr>
-            <a:r>
-              <a:rPr b="0" i="1" lang="ru-RU" sz="1800" spc="-1" strike="noStrike">
-                <a:latin typeface="Arial"/>
-              </a:rPr>
-              <a:t>})</a:t>
+                <a:solidFill>
+                  <a:srgbClr val="000000"/>
+                </a:solidFill>
+                <a:latin typeface="Arial"/>
+                <a:ea typeface="DejaVu Sans"/>
+              </a:rPr>
+              <a:t>условие ? выражение1 : выражение2 </a:t>
             </a:r>
             <a:endParaRPr b="0" lang="ru-RU" sz="1800" spc="-1" strike="noStrike">
               <a:latin typeface="Arial"/>
@@ -5751,8 +6179,8 @@
         </p:nvSpPr>
         <p:spPr>
           <a:xfrm>
-            <a:off x="504000" y="4824000"/>
-            <a:ext cx="9071640" cy="857880"/>
+            <a:off x="870840" y="3652920"/>
+            <a:ext cx="7991280" cy="2649240"/>
           </a:xfrm>
           <a:prstGeom prst="rect">
             <a:avLst/>
@@ -5779,16 +6207,14 @@
               </a:lnSpc>
             </a:pPr>
             <a:r>
-              <a:rPr b="1" lang="ru-RU" sz="1800" spc="-1" strike="noStrike">
-                <a:latin typeface="Arial"/>
-              </a:rPr>
-              <a:t>сurrentValue</a:t>
-            </a:r>
-            <a:r>
               <a:rPr b="0" lang="ru-RU" sz="1800" spc="-1" strike="noStrike">
-                <a:latin typeface="Arial"/>
-              </a:rPr>
-              <a:t> - Текущий обрабатываемый элемент массива;</a:t>
+                <a:solidFill>
+                  <a:srgbClr val="000000"/>
+                </a:solidFill>
+                <a:latin typeface="Arial"/>
+                <a:ea typeface="DejaVu Sans"/>
+              </a:rPr>
+              <a:t>var stop = false, age = 23;</a:t>
             </a:r>
             <a:endParaRPr b="0" lang="ru-RU" sz="1800" spc="-1" strike="noStrike">
               <a:latin typeface="Arial"/>
@@ -5800,18 +6226,6 @@
                 <a:spcPct val="100000"/>
               </a:lnSpc>
             </a:pPr>
-            <a:r>
-              <a:rPr b="1" lang="ru-RU" sz="1800" spc="-1" strike="noStrike">
-                <a:latin typeface="Arial"/>
-              </a:rPr>
-              <a:t>Index</a:t>
-            </a:r>
-            <a:r>
-              <a:rPr b="0" lang="ru-RU" sz="1800" spc="-1" strike="noStrike">
-                <a:latin typeface="Arial"/>
-              </a:rPr>
-              <a:t> - Индекс текущего обрабатываемого элемента в массиве (необязательный);</a:t>
-            </a:r>
             <a:endParaRPr b="0" lang="ru-RU" sz="1800" spc="-1" strike="noStrike">
               <a:latin typeface="Arial"/>
             </a:endParaRPr>
@@ -5823,16 +6237,174 @@
               </a:lnSpc>
             </a:pPr>
             <a:r>
-              <a:rPr b="1" lang="ru-RU" sz="1800" spc="-1" strike="noStrike">
-                <a:latin typeface="Arial"/>
-              </a:rPr>
-              <a:t>array</a:t>
-            </a:r>
-            <a:r>
               <a:rPr b="0" lang="ru-RU" sz="1800" spc="-1" strike="noStrike">
-                <a:latin typeface="Arial"/>
-              </a:rPr>
-              <a:t> - Массив, по которому осуществляется проход (необязательный).</a:t>
+                <a:solidFill>
+                  <a:srgbClr val="000000"/>
+                </a:solidFill>
+                <a:latin typeface="Arial"/>
+                <a:ea typeface="DejaVu Sans"/>
+              </a:rPr>
+              <a:t>age &gt; 18 ? (</a:t>
+            </a:r>
+            <a:endParaRPr b="0" lang="ru-RU" sz="1800" spc="-1" strike="noStrike">
+              <a:latin typeface="Arial"/>
+            </a:endParaRPr>
+          </a:p>
+          <a:p>
+            <a:pPr>
+              <a:lnSpc>
+                <a:spcPct val="100000"/>
+              </a:lnSpc>
+            </a:pPr>
+            <a:r>
+              <a:rPr b="0" lang="ru-RU" sz="1800" spc="-1" strike="noStrike">
+                <a:solidFill>
+                  <a:srgbClr val="000000"/>
+                </a:solidFill>
+                <a:latin typeface="Arial"/>
+                <a:ea typeface="DejaVu Sans"/>
+              </a:rPr>
+              <a:t>    </a:t>
+            </a:r>
+            <a:r>
+              <a:rPr b="0" lang="ru-RU" sz="1800" spc="-1" strike="noStrike">
+                <a:solidFill>
+                  <a:srgbClr val="000000"/>
+                </a:solidFill>
+                <a:latin typeface="Arial"/>
+                <a:ea typeface="DejaVu Sans"/>
+              </a:rPr>
+              <a:t>alert("Хорошо, вы можете продолжить."),</a:t>
+            </a:r>
+            <a:endParaRPr b="0" lang="ru-RU" sz="1800" spc="-1" strike="noStrike">
+              <a:latin typeface="Arial"/>
+            </a:endParaRPr>
+          </a:p>
+          <a:p>
+            <a:pPr>
+              <a:lnSpc>
+                <a:spcPct val="100000"/>
+              </a:lnSpc>
+            </a:pPr>
+            <a:r>
+              <a:rPr b="0" lang="ru-RU" sz="1800" spc="-1" strike="noStrike">
+                <a:solidFill>
+                  <a:srgbClr val="000000"/>
+                </a:solidFill>
+                <a:latin typeface="Arial"/>
+                <a:ea typeface="DejaVu Sans"/>
+              </a:rPr>
+              <a:t>    </a:t>
+            </a:r>
+            <a:r>
+              <a:rPr b="0" lang="ru-RU" sz="1800" spc="-1" strike="noStrike">
+                <a:solidFill>
+                  <a:srgbClr val="000000"/>
+                </a:solidFill>
+                <a:latin typeface="Arial"/>
+                <a:ea typeface="DejaVu Sans"/>
+              </a:rPr>
+              <a:t>location.assign("continue.html")</a:t>
+            </a:r>
+            <a:endParaRPr b="0" lang="ru-RU" sz="1800" spc="-1" strike="noStrike">
+              <a:latin typeface="Arial"/>
+            </a:endParaRPr>
+          </a:p>
+          <a:p>
+            <a:pPr>
+              <a:lnSpc>
+                <a:spcPct val="100000"/>
+              </a:lnSpc>
+            </a:pPr>
+            <a:r>
+              <a:rPr b="0" lang="ru-RU" sz="1800" spc="-1" strike="noStrike">
+                <a:solidFill>
+                  <a:srgbClr val="000000"/>
+                </a:solidFill>
+                <a:latin typeface="Arial"/>
+                <a:ea typeface="DejaVu Sans"/>
+              </a:rPr>
+              <a:t>) : (</a:t>
+            </a:r>
+            <a:endParaRPr b="0" lang="ru-RU" sz="1800" spc="-1" strike="noStrike">
+              <a:latin typeface="Arial"/>
+            </a:endParaRPr>
+          </a:p>
+          <a:p>
+            <a:pPr>
+              <a:lnSpc>
+                <a:spcPct val="100000"/>
+              </a:lnSpc>
+            </a:pPr>
+            <a:r>
+              <a:rPr b="0" lang="ru-RU" sz="1800" spc="-1" strike="noStrike">
+                <a:solidFill>
+                  <a:srgbClr val="000000"/>
+                </a:solidFill>
+                <a:latin typeface="Arial"/>
+                <a:ea typeface="DejaVu Sans"/>
+              </a:rPr>
+              <a:t>    </a:t>
+            </a:r>
+            <a:r>
+              <a:rPr b="0" lang="ru-RU" sz="1800" spc="-1" strike="noStrike">
+                <a:solidFill>
+                  <a:srgbClr val="000000"/>
+                </a:solidFill>
+                <a:latin typeface="Arial"/>
+                <a:ea typeface="DejaVu Sans"/>
+              </a:rPr>
+              <a:t>stop = true,</a:t>
+            </a:r>
+            <a:endParaRPr b="0" lang="ru-RU" sz="1800" spc="-1" strike="noStrike">
+              <a:latin typeface="Arial"/>
+            </a:endParaRPr>
+          </a:p>
+          <a:p>
+            <a:pPr>
+              <a:lnSpc>
+                <a:spcPct val="100000"/>
+              </a:lnSpc>
+            </a:pPr>
+            <a:r>
+              <a:rPr b="0" lang="ru-RU" sz="1800" spc="-1" strike="noStrike">
+                <a:solidFill>
+                  <a:srgbClr val="000000"/>
+                </a:solidFill>
+                <a:latin typeface="Arial"/>
+                <a:ea typeface="DejaVu Sans"/>
+              </a:rPr>
+              <a:t>    </a:t>
+            </a:r>
+            <a:r>
+              <a:rPr b="0" lang="ru-RU" sz="1800" spc="-1" strike="noStrike">
+                <a:solidFill>
+                  <a:srgbClr val="000000"/>
+                </a:solidFill>
+                <a:latin typeface="Arial"/>
+                <a:ea typeface="DejaVu Sans"/>
+              </a:rPr>
+              <a:t>alert("Простите, вы ещё так юны!")</a:t>
+            </a:r>
+            <a:endParaRPr b="0" lang="ru-RU" sz="1800" spc="-1" strike="noStrike">
+              <a:latin typeface="Arial"/>
+            </a:endParaRPr>
+          </a:p>
+          <a:p>
+            <a:pPr>
+              <a:lnSpc>
+                <a:spcPct val="100000"/>
+              </a:lnSpc>
+            </a:pPr>
+            <a:r>
+              <a:rPr b="0" lang="ru-RU" sz="1800" spc="-1" strike="noStrike">
+                <a:solidFill>
+                  <a:srgbClr val="000000"/>
+                </a:solidFill>
+                <a:latin typeface="Arial"/>
+                <a:ea typeface="DejaVu Sans"/>
+              </a:rPr>
+              <a:t>);</a:t>
             </a:r>
             <a:endParaRPr b="0" lang="ru-RU" sz="1800" spc="-1" strike="noStrike">
               <a:latin typeface="Arial"/>
@@ -5879,7 +6451,7 @@
         <p:spPr>
           <a:xfrm>
             <a:off x="504000" y="480240"/>
-            <a:ext cx="7199640" cy="911520"/>
+            <a:ext cx="7199280" cy="911160"/>
           </a:xfrm>
           <a:prstGeom prst="rect">
             <a:avLst/>
@@ -5907,11 +6479,86 @@
             </a:pPr>
             <a:r>
               <a:rPr b="0" lang="ru-RU" sz="3200" spc="-1" strike="noStrike">
-                <a:latin typeface="Arial"/>
+                <a:solidFill>
+                  <a:srgbClr val="000000"/>
+                </a:solidFill>
+                <a:latin typeface="Arial"/>
+                <a:ea typeface="DejaVu Sans"/>
               </a:rPr>
               <a:t>Преобразование каждого элемента массива</a:t>
             </a:r>
             <a:endParaRPr b="0" lang="ru-RU" sz="3200" spc="-1" strike="noStrike">
+              <a:latin typeface="Arial"/>
+            </a:endParaRPr>
+          </a:p>
+        </p:txBody>
+      </p:sp>
+      <p:sp>
+        <p:nvSpPr>
+          <p:cNvPr id="95" name="CustomShape 2"/>
+          <p:cNvSpPr/>
+          <p:nvPr/>
+        </p:nvSpPr>
+        <p:spPr>
+          <a:xfrm>
+            <a:off x="504000" y="1966680"/>
+            <a:ext cx="9071280" cy="624600"/>
+          </a:xfrm>
+          <a:prstGeom prst="rect">
+            <a:avLst/>
+          </a:prstGeom>
+          <a:noFill/>
+          <a:ln>
+            <a:noFill/>
+          </a:ln>
+        </p:spPr>
+        <p:style>
+          <a:lnRef idx="0"/>
+          <a:fillRef idx="0"/>
+          <a:effectRef idx="0"/>
+          <a:fontRef idx="minor"/>
+        </p:style>
+        <p:txBody>
+          <a:bodyPr lIns="0" rIns="0" tIns="0" bIns="0" anchor="ctr">
+            <a:noAutofit/>
+          </a:bodyPr>
+          <a:p>
+            <a:pPr algn="just">
+              <a:lnSpc>
+                <a:spcPct val="100000"/>
+              </a:lnSpc>
+            </a:pPr>
+            <a:r>
+              <a:rPr b="0" lang="ru-RU" sz="2200" spc="-1" strike="noStrike">
+                <a:solidFill>
+                  <a:srgbClr val="000000"/>
+                </a:solidFill>
+                <a:latin typeface="Arial"/>
+                <a:ea typeface="DejaVu Sans"/>
+              </a:rPr>
+              <a:t>Метод </a:t>
+            </a:r>
+            <a:r>
+              <a:rPr b="0" i="1" lang="ru-RU" sz="2200" spc="-1" strike="noStrike">
+                <a:solidFill>
+                  <a:srgbClr val="000000"/>
+                </a:solidFill>
+                <a:latin typeface="Arial"/>
+                <a:ea typeface="DejaVu Sans"/>
+              </a:rPr>
+              <a:t>map()</a:t>
+            </a:r>
+            <a:r>
+              <a:rPr b="0" lang="ru-RU" sz="2200" spc="-1" strike="noStrike">
+                <a:solidFill>
+                  <a:srgbClr val="000000"/>
+                </a:solidFill>
+                <a:latin typeface="Arial"/>
+                <a:ea typeface="DejaVu Sans"/>
+              </a:rPr>
+              <a:t> создаёт новый массив с результатом вызова указанной функции для каждого элемента массива.</a:t>
+            </a:r>
+            <a:endParaRPr b="0" lang="ru-RU" sz="2200" spc="-1" strike="noStrike">
               <a:latin typeface="Arial"/>
             </a:endParaRPr>
           </a:p>
@@ -5919,7 +6566,7 @@
       </p:sp>
       <p:pic>
         <p:nvPicPr>
-          <p:cNvPr id="95" name="" descr=""/>
+          <p:cNvPr id="96" name="" descr=""/>
           <p:cNvPicPr/>
           <p:nvPr/>
         </p:nvPicPr>
@@ -5930,7 +6577,7 @@
         <p:spPr>
           <a:xfrm>
             <a:off x="7704000" y="360000"/>
-            <a:ext cx="1165680" cy="1165680"/>
+            <a:ext cx="1165320" cy="1165320"/>
           </a:xfrm>
           <a:prstGeom prst="rect">
             <a:avLst/>
@@ -5942,14 +6589,14 @@
       </p:pic>
       <p:sp>
         <p:nvSpPr>
-          <p:cNvPr id="96" name="CustomShape 2"/>
+          <p:cNvPr id="97" name="CustomShape 3"/>
           <p:cNvSpPr/>
           <p:nvPr/>
         </p:nvSpPr>
         <p:spPr>
           <a:xfrm>
-            <a:off x="504000" y="1656000"/>
-            <a:ext cx="9143640" cy="3167640"/>
+            <a:off x="504000" y="3245760"/>
+            <a:ext cx="9143280" cy="857520"/>
           </a:xfrm>
           <a:prstGeom prst="rect">
             <a:avLst/>
@@ -5972,14 +6619,14 @@
       </p:sp>
       <p:sp>
         <p:nvSpPr>
-          <p:cNvPr id="97" name="CustomShape 3"/>
+          <p:cNvPr id="98" name="CustomShape 4"/>
           <p:cNvSpPr/>
           <p:nvPr/>
         </p:nvSpPr>
         <p:spPr>
           <a:xfrm>
-            <a:off x="576000" y="1656000"/>
-            <a:ext cx="8999640" cy="5327640"/>
+            <a:off x="576000" y="3245760"/>
+            <a:ext cx="8351280" cy="857520"/>
           </a:xfrm>
           <a:prstGeom prst="rect">
             <a:avLst/>
@@ -6007,9 +6654,13 @@
             </a:pPr>
             <a:r>
               <a:rPr b="0" i="1" lang="ru-RU" sz="1800" spc="-1" strike="noStrike">
-                <a:latin typeface="Arial"/>
-              </a:rPr>
-              <a:t>let a=[{name:'Бананы', price:600, date: new Date('2022-01-10'), 'country':'Эквадор'}, {name:'Картофель', price:400, date: new Date('2022-03-14'), 'country':'Беларусь'}, {name:'Морковь', price:620, date: new Date('2022-04-19'), 'country':'Россия'}, {name:'Лук', price:600, date: new Date('2022-03-30'), 'country':'Монголия'}, {name:'Яблоки', price:900, date: new Date('2022-02-21'), 'country':'Китай'}];</a:t>
+                <a:solidFill>
+                  <a:srgbClr val="000000"/>
+                </a:solidFill>
+                <a:latin typeface="Arial"/>
+                <a:ea typeface="DejaVu Sans"/>
+              </a:rPr>
+              <a:t>const new_array = arr.map(function callback( currentValue, index, array) {</a:t>
             </a:r>
             <a:endParaRPr b="0" lang="ru-RU" sz="1800" spc="-1" strike="noStrike">
               <a:latin typeface="Arial"/>
@@ -6021,6 +6672,26 @@
                 <a:spcPct val="100000"/>
               </a:lnSpc>
             </a:pPr>
+            <a:r>
+              <a:rPr b="0" i="1" lang="ru-RU" sz="1800" spc="-1" strike="noStrike">
+                <a:solidFill>
+                  <a:srgbClr val="000000"/>
+                </a:solidFill>
+                <a:latin typeface="Arial"/>
+                <a:ea typeface="DejaVu Sans"/>
+              </a:rPr>
+              <a:t>    </a:t>
+            </a:r>
+            <a:r>
+              <a:rPr b="0" i="1" lang="ru-RU" sz="1800" spc="-1" strike="noStrike">
+                <a:solidFill>
+                  <a:srgbClr val="000000"/>
+                </a:solidFill>
+                <a:latin typeface="Arial"/>
+                <a:ea typeface="DejaVu Sans"/>
+              </a:rPr>
+              <a:t>// Возвращает элемент для new_array</a:t>
+            </a:r>
             <a:endParaRPr b="0" lang="ru-RU" sz="1800" spc="-1" strike="noStrike">
               <a:latin typeface="Arial"/>
             </a:endParaRPr>
@@ -6033,14 +6704,49 @@
             </a:pPr>
             <a:r>
               <a:rPr b="0" i="1" lang="ru-RU" sz="1800" spc="-1" strike="noStrike">
-                <a:latin typeface="Arial"/>
-              </a:rPr>
-              <a:t>a.map((c)=&gt;document.write(</a:t>
+                <a:solidFill>
+                  <a:srgbClr val="000000"/>
+                </a:solidFill>
+                <a:latin typeface="Arial"/>
+                <a:ea typeface="DejaVu Sans"/>
+              </a:rPr>
+              <a:t>})</a:t>
             </a:r>
             <a:endParaRPr b="0" lang="ru-RU" sz="1800" spc="-1" strike="noStrike">
               <a:latin typeface="Arial"/>
             </a:endParaRPr>
           </a:p>
+        </p:txBody>
+      </p:sp>
+      <p:sp>
+        <p:nvSpPr>
+          <p:cNvPr id="99" name="CustomShape 5"/>
+          <p:cNvSpPr/>
+          <p:nvPr/>
+        </p:nvSpPr>
+        <p:spPr>
+          <a:xfrm>
+            <a:off x="504000" y="4824000"/>
+            <a:ext cx="9071280" cy="857520"/>
+          </a:xfrm>
+          <a:prstGeom prst="rect">
+            <a:avLst/>
+          </a:prstGeom>
+          <a:noFill/>
+          <a:ln>
+            <a:noFill/>
+          </a:ln>
+        </p:spPr>
+        <p:style>
+          <a:lnRef idx="0"/>
+          <a:fillRef idx="0"/>
+          <a:effectRef idx="0"/>
+          <a:fontRef idx="minor"/>
+        </p:style>
+        <p:txBody>
+          <a:bodyPr lIns="90000" rIns="90000" tIns="45000" bIns="45000">
+            <a:noAutofit/>
+          </a:bodyPr>
           <a:p>
             <a:pPr>
               <a:lnSpc>
@@ -6048,10 +6754,24 @@
               </a:lnSpc>
             </a:pPr>
             <a:r>
-              <a:rPr b="0" i="1" lang="ru-RU" sz="1800" spc="-1" strike="noStrike">
-                <a:latin typeface="Arial"/>
-              </a:rPr>
-              <a:t>`&lt;hr&gt;&lt;p&gt;Наименование товара: ${c.name}&lt;/p&gt; </a:t>
+              <a:rPr b="1" lang="ru-RU" sz="1800" spc="-1" strike="noStrike">
+                <a:solidFill>
+                  <a:srgbClr val="000000"/>
+                </a:solidFill>
+                <a:latin typeface="Arial"/>
+                <a:ea typeface="DejaVu Sans"/>
+              </a:rPr>
+              <a:t>сurrentValue</a:t>
+            </a:r>
+            <a:r>
+              <a:rPr b="0" lang="ru-RU" sz="1800" spc="-1" strike="noStrike">
+                <a:solidFill>
+                  <a:srgbClr val="000000"/>
+                </a:solidFill>
+                <a:latin typeface="Arial"/>
+                <a:ea typeface="DejaVu Sans"/>
+              </a:rPr>
+              <a:t> - Текущий обрабатываемый элемент массива;</a:t>
             </a:r>
             <a:endParaRPr b="0" lang="ru-RU" sz="1800" spc="-1" strike="noStrike">
               <a:latin typeface="Arial"/>
@@ -6064,10 +6784,24 @@
               </a:lnSpc>
             </a:pPr>
             <a:r>
-              <a:rPr b="0" i="1" lang="ru-RU" sz="1800" spc="-1" strike="noStrike">
-                <a:latin typeface="Arial"/>
-              </a:rPr>
-              <a:t>&lt;p&gt;Цена, руб: ${c.price}&lt;/p&gt;</a:t>
+              <a:rPr b="1" lang="ru-RU" sz="1800" spc="-1" strike="noStrike">
+                <a:solidFill>
+                  <a:srgbClr val="000000"/>
+                </a:solidFill>
+                <a:latin typeface="Arial"/>
+                <a:ea typeface="DejaVu Sans"/>
+              </a:rPr>
+              <a:t>Index</a:t>
+            </a:r>
+            <a:r>
+              <a:rPr b="0" lang="ru-RU" sz="1800" spc="-1" strike="noStrike">
+                <a:solidFill>
+                  <a:srgbClr val="000000"/>
+                </a:solidFill>
+                <a:latin typeface="Arial"/>
+                <a:ea typeface="DejaVu Sans"/>
+              </a:rPr>
+              <a:t> - Индекс текущего обрабатываемого элемента в массиве (необязательный);</a:t>
             </a:r>
             <a:endParaRPr b="0" lang="ru-RU" sz="1800" spc="-1" strike="noStrike">
               <a:latin typeface="Arial"/>
@@ -6080,57 +6814,31 @@
               </a:lnSpc>
             </a:pPr>
             <a:r>
-              <a:rPr b="0" i="1" lang="ru-RU" sz="1800" spc="-1" strike="noStrike">
-                <a:latin typeface="Arial"/>
-              </a:rPr>
-              <a:t>&lt;p&gt;Дата: ${c.date.toISOString().split('T')[0]}&lt;/p&gt;</a:t>
+              <a:rPr b="1" lang="ru-RU" sz="1800" spc="-1" strike="noStrike">
+                <a:solidFill>
+                  <a:srgbClr val="000000"/>
+                </a:solidFill>
+                <a:latin typeface="Arial"/>
+                <a:ea typeface="DejaVu Sans"/>
+              </a:rPr>
+              <a:t>array</a:t>
+            </a:r>
+            <a:r>
+              <a:rPr b="0" lang="ru-RU" sz="1800" spc="-1" strike="noStrike">
+                <a:solidFill>
+                  <a:srgbClr val="000000"/>
+                </a:solidFill>
+                <a:latin typeface="Arial"/>
+                <a:ea typeface="DejaVu Sans"/>
+              </a:rPr>
+              <a:t> - Массив, по которому осуществляется проход (необязательный).</a:t>
             </a:r>
             <a:endParaRPr b="0" lang="ru-RU" sz="1800" spc="-1" strike="noStrike">
               <a:latin typeface="Arial"/>
             </a:endParaRPr>
           </a:p>
-          <a:p>
-            <a:pPr>
-              <a:lnSpc>
-                <a:spcPct val="100000"/>
-              </a:lnSpc>
-            </a:pPr>
-            <a:r>
-              <a:rPr b="0" i="1" lang="ru-RU" sz="1800" spc="-1" strike="noStrike">
-                <a:latin typeface="Arial"/>
-              </a:rPr>
-              <a:t>&lt;p&gt;Страна происхождения: ${c.country}&lt;/p&gt;&lt;hr&gt;`));</a:t>
-            </a:r>
-            <a:endParaRPr b="0" lang="ru-RU" sz="1800" spc="-1" strike="noStrike">
-              <a:latin typeface="Arial"/>
-            </a:endParaRPr>
-          </a:p>
-        </p:txBody>
-      </p:sp>
-      <p:pic>
-        <p:nvPicPr>
-          <p:cNvPr id="98" name="" descr=""/>
-          <p:cNvPicPr/>
-          <p:nvPr/>
-        </p:nvPicPr>
-        <p:blipFill>
-          <a:blip r:embed="rId2"/>
-          <a:srcRect l="344" t="12322" r="85356" b="25449"/>
-          <a:stretch/>
-        </p:blipFill>
-        <p:spPr>
-          <a:xfrm>
-            <a:off x="6552000" y="3102480"/>
-            <a:ext cx="1583640" cy="3881160"/>
-          </a:xfrm>
-          <a:prstGeom prst="rect">
-            <a:avLst/>
-          </a:prstGeom>
-          <a:ln>
-            <a:noFill/>
-          </a:ln>
-        </p:spPr>
-      </p:pic>
+        </p:txBody>
+      </p:sp>
     </p:spTree>
   </p:cSld>
   <mc:AlternateContent>
@@ -6163,14 +6871,14 @@
       </p:grpSpPr>
       <p:sp>
         <p:nvSpPr>
-          <p:cNvPr id="99" name="CustomShape 1"/>
+          <p:cNvPr id="100" name="CustomShape 1"/>
           <p:cNvSpPr/>
           <p:nvPr/>
         </p:nvSpPr>
         <p:spPr>
           <a:xfrm>
-            <a:off x="504000" y="576000"/>
-            <a:ext cx="7199640" cy="719640"/>
+            <a:off x="504000" y="480240"/>
+            <a:ext cx="7199280" cy="911160"/>
           </a:xfrm>
           <a:prstGeom prst="rect">
             <a:avLst/>
@@ -6198,9 +6906,13 @@
             </a:pPr>
             <a:r>
               <a:rPr b="0" lang="ru-RU" sz="3200" spc="-1" strike="noStrike">
-                <a:latin typeface="Arial"/>
-              </a:rPr>
-              <a:t>Сортировка элементов массивов</a:t>
+                <a:solidFill>
+                  <a:srgbClr val="000000"/>
+                </a:solidFill>
+                <a:latin typeface="Arial"/>
+                <a:ea typeface="DejaVu Sans"/>
+              </a:rPr>
+              <a:t>Преобразование каждого элемента массива</a:t>
             </a:r>
             <a:endParaRPr b="0" lang="ru-RU" sz="3200" spc="-1" strike="noStrike">
               <a:latin typeface="Arial"/>
@@ -6210,7 +6922,7 @@
       </p:sp>
       <p:pic>
         <p:nvPicPr>
-          <p:cNvPr id="100" name="" descr=""/>
+          <p:cNvPr id="101" name="" descr=""/>
           <p:cNvPicPr/>
           <p:nvPr/>
         </p:nvPicPr>
@@ -6221,7 +6933,7 @@
         <p:spPr>
           <a:xfrm>
             <a:off x="7704000" y="360000"/>
-            <a:ext cx="1165680" cy="1165680"/>
+            <a:ext cx="1165320" cy="1165320"/>
           </a:xfrm>
           <a:prstGeom prst="rect">
             <a:avLst/>
@@ -6233,14 +6945,14 @@
       </p:pic>
       <p:sp>
         <p:nvSpPr>
-          <p:cNvPr id="101" name="CustomShape 2"/>
+          <p:cNvPr id="102" name="CustomShape 2"/>
           <p:cNvSpPr/>
           <p:nvPr/>
         </p:nvSpPr>
         <p:spPr>
           <a:xfrm>
-            <a:off x="504000" y="2880000"/>
-            <a:ext cx="9143640" cy="719640"/>
+            <a:off x="504000" y="1656000"/>
+            <a:ext cx="9143280" cy="3167280"/>
           </a:xfrm>
           <a:prstGeom prst="rect">
             <a:avLst/>
@@ -6263,14 +6975,14 @@
       </p:sp>
       <p:sp>
         <p:nvSpPr>
-          <p:cNvPr id="102" name="CustomShape 3"/>
+          <p:cNvPr id="103" name="CustomShape 3"/>
           <p:cNvSpPr/>
           <p:nvPr/>
         </p:nvSpPr>
         <p:spPr>
           <a:xfrm>
-            <a:off x="504000" y="3744000"/>
-            <a:ext cx="8999640" cy="3239640"/>
+            <a:off x="576000" y="1656000"/>
+            <a:ext cx="8999280" cy="5327280"/>
           </a:xfrm>
           <a:prstGeom prst="rect">
             <a:avLst/>
@@ -6297,135 +7009,155 @@
               </a:lnSpc>
             </a:pPr>
             <a:r>
-              <a:rPr b="0" lang="ru-RU" sz="1800" spc="-1" strike="noStrike">
-                <a:latin typeface="Arial"/>
-              </a:rPr>
-              <a:t>Необязательный параметр. Указывает функцию, определяющую порядок сортировки. Если опущен, массив сортируется в соответствии со значениями кодовых точек каждого символа </a:t>
-            </a:r>
-            <a:r>
               <a:rPr b="0" i="1" lang="ru-RU" sz="1800" spc="-1" strike="noStrike">
-                <a:latin typeface="Arial"/>
-              </a:rPr>
-              <a:t>Unicode</a:t>
-            </a:r>
-            <a:r>
-              <a:rPr b="0" lang="ru-RU" sz="1800" spc="-1" strike="noStrike">
-                <a:latin typeface="Arial"/>
-              </a:rPr>
-              <a:t>, полученных путём преобразования каждого элемента в строку.</a:t>
+                <a:solidFill>
+                  <a:srgbClr val="000000"/>
+                </a:solidFill>
+                <a:latin typeface="Arial"/>
+                <a:ea typeface="DejaVu Sans"/>
+              </a:rPr>
+              <a:t>let a=[{name:'Бананы', price:600, date: new Date('2022-01-10'), 'country':'Эквадор'}, {name:'Картофель', price:400, date: new Date('2022-03-14'), 'country':'Беларусь'}, {name:'Морковь', price:620, date: new Date('2022-04-19'), 'country':'Россия'}, {name:'Лук', price:600, date: new Date('2022-03-30'), 'country':'Монголия'}, {name:'Яблоки', price:900, date: new Date('2022-02-21'), 'country':'Китай'}];</a:t>
             </a:r>
             <a:endParaRPr b="0" lang="ru-RU" sz="1800" spc="-1" strike="noStrike">
               <a:latin typeface="Arial"/>
             </a:endParaRPr>
           </a:p>
-        </p:txBody>
-      </p:sp>
-      <p:sp>
-        <p:nvSpPr>
-          <p:cNvPr id="103" name="CustomShape 4"/>
-          <p:cNvSpPr/>
+          <a:p>
+            <a:pPr>
+              <a:lnSpc>
+                <a:spcPct val="100000"/>
+              </a:lnSpc>
+            </a:pPr>
+            <a:endParaRPr b="0" lang="ru-RU" sz="1800" spc="-1" strike="noStrike">
+              <a:latin typeface="Arial"/>
+            </a:endParaRPr>
+          </a:p>
+          <a:p>
+            <a:pPr>
+              <a:lnSpc>
+                <a:spcPct val="100000"/>
+              </a:lnSpc>
+            </a:pPr>
+            <a:r>
+              <a:rPr b="0" i="1" lang="ru-RU" sz="1800" spc="-1" strike="noStrike">
+                <a:solidFill>
+                  <a:srgbClr val="000000"/>
+                </a:solidFill>
+                <a:latin typeface="Arial"/>
+                <a:ea typeface="DejaVu Sans"/>
+              </a:rPr>
+              <a:t>a.map((c)=&gt;document.write(</a:t>
+            </a:r>
+            <a:endParaRPr b="0" lang="ru-RU" sz="1800" spc="-1" strike="noStrike">
+              <a:latin typeface="Arial"/>
+            </a:endParaRPr>
+          </a:p>
+          <a:p>
+            <a:pPr>
+              <a:lnSpc>
+                <a:spcPct val="100000"/>
+              </a:lnSpc>
+            </a:pPr>
+            <a:r>
+              <a:rPr b="0" i="1" lang="ru-RU" sz="1800" spc="-1" strike="noStrike">
+                <a:solidFill>
+                  <a:srgbClr val="000000"/>
+                </a:solidFill>
+                <a:latin typeface="Arial"/>
+                <a:ea typeface="DejaVu Sans"/>
+              </a:rPr>
+              <a:t>`&lt;hr&gt;&lt;p&gt;Наименование товара: ${c.name}&lt;/p&gt; </a:t>
+            </a:r>
+            <a:endParaRPr b="0" lang="ru-RU" sz="1800" spc="-1" strike="noStrike">
+              <a:latin typeface="Arial"/>
+            </a:endParaRPr>
+          </a:p>
+          <a:p>
+            <a:pPr>
+              <a:lnSpc>
+                <a:spcPct val="100000"/>
+              </a:lnSpc>
+            </a:pPr>
+            <a:r>
+              <a:rPr b="0" i="1" lang="ru-RU" sz="1800" spc="-1" strike="noStrike">
+                <a:solidFill>
+                  <a:srgbClr val="000000"/>
+                </a:solidFill>
+                <a:latin typeface="Arial"/>
+                <a:ea typeface="DejaVu Sans"/>
+              </a:rPr>
+              <a:t>&lt;p&gt;Цена, руб: ${c.price}&lt;/p&gt;</a:t>
+            </a:r>
+            <a:endParaRPr b="0" lang="ru-RU" sz="1800" spc="-1" strike="noStrike">
+              <a:latin typeface="Arial"/>
+            </a:endParaRPr>
+          </a:p>
+          <a:p>
+            <a:pPr>
+              <a:lnSpc>
+                <a:spcPct val="100000"/>
+              </a:lnSpc>
+            </a:pPr>
+            <a:r>
+              <a:rPr b="0" i="1" lang="ru-RU" sz="1800" spc="-1" strike="noStrike">
+                <a:solidFill>
+                  <a:srgbClr val="000000"/>
+                </a:solidFill>
+                <a:latin typeface="Arial"/>
+                <a:ea typeface="DejaVu Sans"/>
+              </a:rPr>
+              <a:t>&lt;p&gt;Дата: ${c.date.toISOString().split('T')[0]}&lt;/p&gt;</a:t>
+            </a:r>
+            <a:endParaRPr b="0" lang="ru-RU" sz="1800" spc="-1" strike="noStrike">
+              <a:latin typeface="Arial"/>
+            </a:endParaRPr>
+          </a:p>
+          <a:p>
+            <a:pPr>
+              <a:lnSpc>
+                <a:spcPct val="100000"/>
+              </a:lnSpc>
+            </a:pPr>
+            <a:r>
+              <a:rPr b="0" i="1" lang="ru-RU" sz="1800" spc="-1" strike="noStrike">
+                <a:solidFill>
+                  <a:srgbClr val="000000"/>
+                </a:solidFill>
+                <a:latin typeface="Arial"/>
+                <a:ea typeface="DejaVu Sans"/>
+              </a:rPr>
+              <a:t>&lt;p&gt;Страна происхождения: ${c.country}&lt;/p&gt;&lt;hr&gt;`));</a:t>
+            </a:r>
+            <a:endParaRPr b="0" lang="ru-RU" sz="1800" spc="-1" strike="noStrike">
+              <a:latin typeface="Arial"/>
+            </a:endParaRPr>
+          </a:p>
+        </p:txBody>
+      </p:sp>
+      <p:pic>
+        <p:nvPicPr>
+          <p:cNvPr id="104" name="" descr=""/>
+          <p:cNvPicPr/>
           <p:nvPr/>
-        </p:nvSpPr>
-        <p:spPr>
-          <a:xfrm>
-            <a:off x="504000" y="1967040"/>
-            <a:ext cx="9071640" cy="624960"/>
-          </a:xfrm>
-          <a:prstGeom prst="rect">
-            <a:avLst/>
-          </a:prstGeom>
-          <a:noFill/>
+        </p:nvPicPr>
+        <p:blipFill>
+          <a:blip r:embed="rId2"/>
+          <a:srcRect l="344" t="12322" r="85346" b="25445"/>
+          <a:stretch/>
+        </p:blipFill>
+        <p:spPr>
+          <a:xfrm>
+            <a:off x="6552000" y="3102480"/>
+            <a:ext cx="1583280" cy="3880800"/>
+          </a:xfrm>
+          <a:prstGeom prst="rect">
+            <a:avLst/>
+          </a:prstGeom>
           <a:ln>
             <a:noFill/>
           </a:ln>
         </p:spPr>
-        <p:style>
-          <a:lnRef idx="0"/>
-          <a:fillRef idx="0"/>
-          <a:effectRef idx="0"/>
-          <a:fontRef idx="minor"/>
-        </p:style>
-        <p:txBody>
-          <a:bodyPr lIns="0" rIns="0" tIns="0" bIns="0" anchor="ctr">
-            <a:noAutofit/>
-          </a:bodyPr>
-          <a:p>
-            <a:pPr algn="just">
-              <a:lnSpc>
-                <a:spcPct val="100000"/>
-              </a:lnSpc>
-            </a:pPr>
-            <a:r>
-              <a:rPr b="0" lang="ru-RU" sz="2200" spc="-1" strike="noStrike">
-                <a:latin typeface="Arial"/>
-              </a:rPr>
-              <a:t>Метод </a:t>
-            </a:r>
-            <a:r>
-              <a:rPr b="0" i="1" lang="ru-RU" sz="2200" spc="-1" strike="noStrike">
-                <a:latin typeface="Arial"/>
-              </a:rPr>
-              <a:t>sort()</a:t>
-            </a:r>
-            <a:r>
-              <a:rPr b="0" lang="ru-RU" sz="2200" spc="-1" strike="noStrike">
-                <a:latin typeface="Arial"/>
-              </a:rPr>
-              <a:t> сортирует элементы массива и возвращает отсортированный массив.</a:t>
-            </a:r>
-            <a:endParaRPr b="0" lang="ru-RU" sz="2200" spc="-1" strike="noStrike">
-              <a:latin typeface="Arial"/>
-            </a:endParaRPr>
-          </a:p>
-        </p:txBody>
-      </p:sp>
-      <p:sp>
-        <p:nvSpPr>
-          <p:cNvPr id="104" name="CustomShape 5"/>
-          <p:cNvSpPr/>
-          <p:nvPr/>
-        </p:nvSpPr>
-        <p:spPr>
-          <a:xfrm>
-            <a:off x="720000" y="3024000"/>
-            <a:ext cx="8711640" cy="335520"/>
-          </a:xfrm>
-          <a:prstGeom prst="rect">
-            <a:avLst/>
-          </a:prstGeom>
-          <a:noFill/>
-          <a:ln>
-            <a:noFill/>
-          </a:ln>
-        </p:spPr>
-        <p:style>
-          <a:lnRef idx="0"/>
-          <a:fillRef idx="0"/>
-          <a:effectRef idx="0"/>
-          <a:fontRef idx="minor"/>
-        </p:style>
-        <p:txBody>
-          <a:bodyPr lIns="0" rIns="0" tIns="0" bIns="0" anchor="ctr">
-            <a:noAutofit/>
-          </a:bodyPr>
-          <a:p>
-            <a:pPr algn="just">
-              <a:lnSpc>
-                <a:spcPct val="100000"/>
-              </a:lnSpc>
-            </a:pPr>
-            <a:r>
-              <a:rPr b="0" lang="ru-RU" sz="2200" spc="-1" strike="noStrike">
-                <a:latin typeface="Arial"/>
-              </a:rPr>
-              <a:t>arr.sort([compareFunction])</a:t>
-            </a:r>
-            <a:endParaRPr b="0" lang="ru-RU" sz="2200" spc="-1" strike="noStrike">
-              <a:latin typeface="Arial"/>
-            </a:endParaRPr>
-          </a:p>
-        </p:txBody>
-      </p:sp>
+      </p:pic>
     </p:spTree>
   </p:cSld>
   <mc:AlternateContent>
@@ -6465,7 +7197,7 @@
         <p:spPr>
           <a:xfrm>
             <a:off x="504000" y="576000"/>
-            <a:ext cx="7199640" cy="719640"/>
+            <a:ext cx="7199280" cy="719280"/>
           </a:xfrm>
           <a:prstGeom prst="rect">
             <a:avLst/>
@@ -6493,7 +7225,11 @@
             </a:pPr>
             <a:r>
               <a:rPr b="0" lang="ru-RU" sz="3200" spc="-1" strike="noStrike">
-                <a:latin typeface="Arial"/>
+                <a:solidFill>
+                  <a:srgbClr val="000000"/>
+                </a:solidFill>
+                <a:latin typeface="Arial"/>
+                <a:ea typeface="DejaVu Sans"/>
               </a:rPr>
               <a:t>Сортировка элементов массивов</a:t>
             </a:r>
@@ -6516,7 +7252,7 @@
         <p:spPr>
           <a:xfrm>
             <a:off x="7704000" y="360000"/>
-            <a:ext cx="1165680" cy="1165680"/>
+            <a:ext cx="1165320" cy="1165320"/>
           </a:xfrm>
           <a:prstGeom prst="rect">
             <a:avLst/>
@@ -6534,8 +7270,8 @@
         </p:nvSpPr>
         <p:spPr>
           <a:xfrm>
-            <a:off x="360000" y="2923560"/>
-            <a:ext cx="9188640" cy="2375640"/>
+            <a:off x="504000" y="2880000"/>
+            <a:ext cx="9143280" cy="719280"/>
           </a:xfrm>
           <a:prstGeom prst="rect">
             <a:avLst/>
@@ -6564,8 +7300,8 @@
         </p:nvSpPr>
         <p:spPr>
           <a:xfrm>
-            <a:off x="432000" y="2971800"/>
-            <a:ext cx="8711640" cy="2499840"/>
+            <a:off x="504000" y="3744000"/>
+            <a:ext cx="8999280" cy="3239280"/>
           </a:xfrm>
           <a:prstGeom prst="rect">
             <a:avLst/>
@@ -6582,161 +7318,61 @@
           <a:fontRef idx="minor"/>
         </p:style>
         <p:txBody>
-          <a:bodyPr lIns="0" rIns="0" tIns="0" bIns="0" anchor="ctr">
+          <a:bodyPr lIns="90000" rIns="90000" tIns="45000" bIns="45000">
             <a:noAutofit/>
           </a:bodyPr>
           <a:p>
-            <a:pPr algn="just">
+            <a:pPr>
               <a:lnSpc>
                 <a:spcPct val="100000"/>
               </a:lnSpc>
             </a:pPr>
             <a:r>
-              <a:rPr b="0" lang="ru-RU" sz="2200" spc="-1" strike="noStrike">
-                <a:latin typeface="Arial"/>
-              </a:rPr>
-              <a:t>a.sort((a, b)=&gt;{if(a.price&gt;b.price); return a.price-b.price});</a:t>
-            </a:r>
-            <a:endParaRPr b="0" lang="ru-RU" sz="2200" spc="-1" strike="noStrike">
-              <a:latin typeface="Arial"/>
-            </a:endParaRPr>
-          </a:p>
-          <a:p>
-            <a:pPr algn="just">
-              <a:lnSpc>
-                <a:spcPct val="100000"/>
-              </a:lnSpc>
-            </a:pPr>
-            <a:endParaRPr b="0" lang="ru-RU" sz="2200" spc="-1" strike="noStrike">
-              <a:latin typeface="Arial"/>
-            </a:endParaRPr>
-          </a:p>
-          <a:p>
-            <a:pPr algn="just">
-              <a:lnSpc>
-                <a:spcPct val="100000"/>
-              </a:lnSpc>
-            </a:pPr>
-            <a:r>
-              <a:rPr b="0" i="1" lang="ru-RU" sz="2200" spc="-1" strike="noStrike">
-                <a:latin typeface="Arial"/>
-              </a:rPr>
-              <a:t>a.map((c)=&gt;document.write(</a:t>
-            </a:r>
-            <a:endParaRPr b="0" lang="ru-RU" sz="2200" spc="-1" strike="noStrike">
-              <a:latin typeface="Arial"/>
-            </a:endParaRPr>
-          </a:p>
-          <a:p>
-            <a:pPr algn="just">
-              <a:lnSpc>
-                <a:spcPct val="100000"/>
-              </a:lnSpc>
-            </a:pPr>
-            <a:r>
-              <a:rPr b="0" i="1" lang="ru-RU" sz="2200" spc="-1" strike="noStrike">
-                <a:latin typeface="Arial"/>
-              </a:rPr>
-              <a:t>`&lt;hr&gt;&lt;p&gt;Наименование товара: ${c.name}&lt;/p&gt; </a:t>
-            </a:r>
-            <a:endParaRPr b="0" lang="ru-RU" sz="2200" spc="-1" strike="noStrike">
-              <a:latin typeface="Arial"/>
-            </a:endParaRPr>
-          </a:p>
-          <a:p>
-            <a:pPr algn="just">
-              <a:lnSpc>
-                <a:spcPct val="100000"/>
-              </a:lnSpc>
-            </a:pPr>
-            <a:r>
-              <a:rPr b="0" i="1" lang="ru-RU" sz="2200" spc="-1" strike="noStrike">
-                <a:latin typeface="Arial"/>
-              </a:rPr>
-              <a:t>&lt;p&gt;Цена, руб: ${c.price}&lt;/p&gt;</a:t>
-            </a:r>
-            <a:endParaRPr b="0" lang="ru-RU" sz="2200" spc="-1" strike="noStrike">
-              <a:latin typeface="Arial"/>
-            </a:endParaRPr>
-          </a:p>
-          <a:p>
-            <a:pPr algn="just">
-              <a:lnSpc>
-                <a:spcPct val="100000"/>
-              </a:lnSpc>
-            </a:pPr>
-            <a:r>
-              <a:rPr b="0" i="1" lang="ru-RU" sz="2200" spc="-1" strike="noStrike">
-                <a:latin typeface="Arial"/>
-              </a:rPr>
-              <a:t>&lt;p&gt;Дата: ${c.date.toISOString().split('T')[0]}&lt;/p&gt;</a:t>
-            </a:r>
-            <a:endParaRPr b="0" lang="ru-RU" sz="2200" spc="-1" strike="noStrike">
-              <a:latin typeface="Arial"/>
-            </a:endParaRPr>
-          </a:p>
-          <a:p>
-            <a:pPr algn="just">
-              <a:lnSpc>
-                <a:spcPct val="100000"/>
-              </a:lnSpc>
-            </a:pPr>
-            <a:r>
-              <a:rPr b="0" i="1" lang="ru-RU" sz="2200" spc="-1" strike="noStrike">
-                <a:latin typeface="Arial"/>
-              </a:rPr>
-              <a:t>&lt;p&gt;Страна происхождения: ${c.country}&lt;/p&gt;&lt;hr&gt;`));</a:t>
-            </a:r>
-            <a:endParaRPr b="0" lang="ru-RU" sz="2200" spc="-1" strike="noStrike">
-              <a:latin typeface="Arial"/>
-            </a:endParaRPr>
-          </a:p>
-          <a:p>
-            <a:pPr algn="just">
-              <a:lnSpc>
-                <a:spcPct val="100000"/>
-              </a:lnSpc>
-            </a:pPr>
-            <a:endParaRPr b="0" lang="ru-RU" sz="2200" spc="-1" strike="noStrike">
-              <a:latin typeface="Arial"/>
-            </a:endParaRPr>
-          </a:p>
-        </p:txBody>
-      </p:sp>
-      <p:pic>
-        <p:nvPicPr>
-          <p:cNvPr id="109" name="" descr=""/>
-          <p:cNvPicPr/>
-          <p:nvPr/>
-        </p:nvPicPr>
-        <p:blipFill>
-          <a:blip r:embed="rId2"/>
-          <a:srcRect l="0" t="5974" r="86069" b="16560"/>
-          <a:stretch/>
-        </p:blipFill>
-        <p:spPr>
-          <a:xfrm>
-            <a:off x="7992000" y="1944360"/>
-            <a:ext cx="1655640" cy="5184720"/>
-          </a:xfrm>
-          <a:prstGeom prst="rect">
-            <a:avLst/>
-          </a:prstGeom>
-          <a:ln>
-            <a:noFill/>
-          </a:ln>
-        </p:spPr>
-      </p:pic>
-      <p:sp>
-        <p:nvSpPr>
-          <p:cNvPr id="110" name="CustomShape 4"/>
+              <a:rPr b="0" lang="ru-RU" sz="1800" spc="-1" strike="noStrike">
+                <a:solidFill>
+                  <a:srgbClr val="000000"/>
+                </a:solidFill>
+                <a:latin typeface="Arial"/>
+                <a:ea typeface="DejaVu Sans"/>
+              </a:rPr>
+              <a:t>Необязательный параметр. Указывает функцию, определяющую порядок сортировки. Если опущен, массив сортируется в соответствии со значениями кодовых точек каждого символа </a:t>
+            </a:r>
+            <a:r>
+              <a:rPr b="0" i="1" lang="ru-RU" sz="1800" spc="-1" strike="noStrike">
+                <a:solidFill>
+                  <a:srgbClr val="000000"/>
+                </a:solidFill>
+                <a:latin typeface="Arial"/>
+                <a:ea typeface="DejaVu Sans"/>
+              </a:rPr>
+              <a:t>Unicode</a:t>
+            </a:r>
+            <a:r>
+              <a:rPr b="0" lang="ru-RU" sz="1800" spc="-1" strike="noStrike">
+                <a:solidFill>
+                  <a:srgbClr val="000000"/>
+                </a:solidFill>
+                <a:latin typeface="Arial"/>
+                <a:ea typeface="DejaVu Sans"/>
+              </a:rPr>
+              <a:t>, полученных путём преобразования каждого элемента в строку.</a:t>
+            </a:r>
+            <a:endParaRPr b="0" lang="ru-RU" sz="1800" spc="-1" strike="noStrike">
+              <a:latin typeface="Arial"/>
+            </a:endParaRPr>
+          </a:p>
+        </p:txBody>
+      </p:sp>
+      <p:sp>
+        <p:nvSpPr>
+          <p:cNvPr id="109" name="CustomShape 4"/>
           <p:cNvSpPr/>
           <p:nvPr/>
         </p:nvSpPr>
         <p:spPr>
           <a:xfrm>
-            <a:off x="504000" y="2112120"/>
-            <a:ext cx="9071640" cy="335520"/>
+            <a:off x="504000" y="1967040"/>
+            <a:ext cx="9071280" cy="624600"/>
           </a:xfrm>
           <a:prstGeom prst="rect">
             <a:avLst/>
@@ -6764,9 +7400,84 @@
             </a:pPr>
             <a:r>
               <a:rPr b="0" lang="ru-RU" sz="2200" spc="-1" strike="noStrike">
-                <a:latin typeface="Arial"/>
-              </a:rPr>
-              <a:t>Сортировка массива по возрастанию</a:t>
+                <a:solidFill>
+                  <a:srgbClr val="000000"/>
+                </a:solidFill>
+                <a:latin typeface="Arial"/>
+                <a:ea typeface="DejaVu Sans"/>
+              </a:rPr>
+              <a:t>Метод </a:t>
+            </a:r>
+            <a:r>
+              <a:rPr b="0" i="1" lang="ru-RU" sz="2200" spc="-1" strike="noStrike">
+                <a:solidFill>
+                  <a:srgbClr val="000000"/>
+                </a:solidFill>
+                <a:latin typeface="Arial"/>
+                <a:ea typeface="DejaVu Sans"/>
+              </a:rPr>
+              <a:t>sort()</a:t>
+            </a:r>
+            <a:r>
+              <a:rPr b="0" lang="ru-RU" sz="2200" spc="-1" strike="noStrike">
+                <a:solidFill>
+                  <a:srgbClr val="000000"/>
+                </a:solidFill>
+                <a:latin typeface="Arial"/>
+                <a:ea typeface="DejaVu Sans"/>
+              </a:rPr>
+              <a:t> сортирует элементы массива и возвращает отсортированный массив.</a:t>
+            </a:r>
+            <a:endParaRPr b="0" lang="ru-RU" sz="2200" spc="-1" strike="noStrike">
+              <a:latin typeface="Arial"/>
+            </a:endParaRPr>
+          </a:p>
+        </p:txBody>
+      </p:sp>
+      <p:sp>
+        <p:nvSpPr>
+          <p:cNvPr id="110" name="CustomShape 5"/>
+          <p:cNvSpPr/>
+          <p:nvPr/>
+        </p:nvSpPr>
+        <p:spPr>
+          <a:xfrm>
+            <a:off x="720000" y="3024000"/>
+            <a:ext cx="8711280" cy="335160"/>
+          </a:xfrm>
+          <a:prstGeom prst="rect">
+            <a:avLst/>
+          </a:prstGeom>
+          <a:noFill/>
+          <a:ln>
+            <a:noFill/>
+          </a:ln>
+        </p:spPr>
+        <p:style>
+          <a:lnRef idx="0"/>
+          <a:fillRef idx="0"/>
+          <a:effectRef idx="0"/>
+          <a:fontRef idx="minor"/>
+        </p:style>
+        <p:txBody>
+          <a:bodyPr lIns="0" rIns="0" tIns="0" bIns="0" anchor="ctr">
+            <a:noAutofit/>
+          </a:bodyPr>
+          <a:p>
+            <a:pPr algn="just">
+              <a:lnSpc>
+                <a:spcPct val="100000"/>
+              </a:lnSpc>
+            </a:pPr>
+            <a:r>
+              <a:rPr b="0" lang="ru-RU" sz="2200" spc="-1" strike="noStrike">
+                <a:solidFill>
+                  <a:srgbClr val="000000"/>
+                </a:solidFill>
+                <a:latin typeface="Arial"/>
+                <a:ea typeface="DejaVu Sans"/>
+              </a:rPr>
+              <a:t>arr.sort([compareFunction])</a:t>
             </a:r>
             <a:endParaRPr b="0" lang="ru-RU" sz="2200" spc="-1" strike="noStrike">
               <a:latin typeface="Arial"/>
@@ -6813,7 +7524,7 @@
         <p:spPr>
           <a:xfrm>
             <a:off x="504000" y="576000"/>
-            <a:ext cx="7199640" cy="719640"/>
+            <a:ext cx="7199280" cy="719280"/>
           </a:xfrm>
           <a:prstGeom prst="rect">
             <a:avLst/>
@@ -6841,9 +7552,13 @@
             </a:pPr>
             <a:r>
               <a:rPr b="0" lang="ru-RU" sz="3200" spc="-1" strike="noStrike">
-                <a:latin typeface="Arial"/>
-              </a:rPr>
-              <a:t>Фильтрация данных</a:t>
+                <a:solidFill>
+                  <a:srgbClr val="000000"/>
+                </a:solidFill>
+                <a:latin typeface="Arial"/>
+                <a:ea typeface="DejaVu Sans"/>
+              </a:rPr>
+              <a:t>Сортировка элементов массивов</a:t>
             </a:r>
             <a:endParaRPr b="0" lang="ru-RU" sz="3200" spc="-1" strike="noStrike">
               <a:latin typeface="Arial"/>
@@ -6864,7 +7579,7 @@
         <p:spPr>
           <a:xfrm>
             <a:off x="7704000" y="360000"/>
-            <a:ext cx="1165680" cy="1165680"/>
+            <a:ext cx="1165320" cy="1165320"/>
           </a:xfrm>
           <a:prstGeom prst="rect">
             <a:avLst/>
@@ -6882,8 +7597,8 @@
         </p:nvSpPr>
         <p:spPr>
           <a:xfrm>
-            <a:off x="432000" y="1944000"/>
-            <a:ext cx="9188640" cy="1511640"/>
+            <a:off x="360000" y="2923560"/>
+            <a:ext cx="9188280" cy="2375280"/>
           </a:xfrm>
           <a:prstGeom prst="rect">
             <a:avLst/>
@@ -6912,8 +7627,8 @@
         </p:nvSpPr>
         <p:spPr>
           <a:xfrm>
-            <a:off x="504000" y="2098800"/>
-            <a:ext cx="8711640" cy="1284840"/>
+            <a:off x="432000" y="2971800"/>
+            <a:ext cx="8711280" cy="2499480"/>
           </a:xfrm>
           <a:prstGeom prst="rect">
             <a:avLst/>
@@ -6940,10 +7655,14 @@
               </a:lnSpc>
             </a:pPr>
             <a:r>
-              <a:rPr b="0" i="1" lang="ru-RU" sz="2200" spc="-1" strike="noStrike">
-                <a:latin typeface="Arial"/>
-              </a:rPr>
-              <a:t>const new_array = arr.filter(function callback( currentValue, index, array) {</a:t>
+              <a:rPr b="0" lang="ru-RU" sz="2200" spc="-1" strike="noStrike">
+                <a:solidFill>
+                  <a:srgbClr val="000000"/>
+                </a:solidFill>
+                <a:latin typeface="Arial"/>
+                <a:ea typeface="DejaVu Sans"/>
+              </a:rPr>
+              <a:t>a.sort((a, b)=&gt;{if(a.price&gt;b.price); return a.price-b.price});</a:t>
             </a:r>
             <a:endParaRPr b="0" lang="ru-RU" sz="2200" spc="-1" strike="noStrike">
               <a:latin typeface="Arial"/>
@@ -6955,18 +7674,6 @@
                 <a:spcPct val="100000"/>
               </a:lnSpc>
             </a:pPr>
-            <a:r>
-              <a:rPr b="0" i="1" lang="ru-RU" sz="2200" spc="-1" strike="noStrike">
-                <a:latin typeface="Arial"/>
-              </a:rPr>
-              <a:t>    </a:t>
-            </a:r>
-            <a:r>
-              <a:rPr b="0" i="1" lang="ru-RU" sz="2200" spc="-1" strike="noStrike">
-                <a:latin typeface="Arial"/>
-              </a:rPr>
-              <a:t>// Возвращает элемент для new_array</a:t>
-            </a:r>
             <a:endParaRPr b="0" lang="ru-RU" sz="2200" spc="-1" strike="noStrike">
               <a:latin typeface="Arial"/>
             </a:endParaRPr>
@@ -6979,26 +7686,144 @@
             </a:pPr>
             <a:r>
               <a:rPr b="0" i="1" lang="ru-RU" sz="2200" spc="-1" strike="noStrike">
-                <a:latin typeface="Arial"/>
-              </a:rPr>
-              <a:t>})</a:t>
+                <a:solidFill>
+                  <a:srgbClr val="000000"/>
+                </a:solidFill>
+                <a:latin typeface="Arial"/>
+                <a:ea typeface="DejaVu Sans"/>
+              </a:rPr>
+              <a:t>a.map((c)=&gt;document.write(</a:t>
             </a:r>
             <a:endParaRPr b="0" lang="ru-RU" sz="2200" spc="-1" strike="noStrike">
               <a:latin typeface="Arial"/>
             </a:endParaRPr>
           </a:p>
-        </p:txBody>
-      </p:sp>
-      <p:sp>
-        <p:nvSpPr>
-          <p:cNvPr id="115" name="CustomShape 4"/>
+          <a:p>
+            <a:pPr algn="just">
+              <a:lnSpc>
+                <a:spcPct val="100000"/>
+              </a:lnSpc>
+            </a:pPr>
+            <a:r>
+              <a:rPr b="0" i="1" lang="ru-RU" sz="2200" spc="-1" strike="noStrike">
+                <a:solidFill>
+                  <a:srgbClr val="000000"/>
+                </a:solidFill>
+                <a:latin typeface="Arial"/>
+                <a:ea typeface="DejaVu Sans"/>
+              </a:rPr>
+              <a:t>`&lt;hr&gt;&lt;p&gt;Наименование товара: ${c.name}&lt;/p&gt; </a:t>
+            </a:r>
+            <a:endParaRPr b="0" lang="ru-RU" sz="2200" spc="-1" strike="noStrike">
+              <a:latin typeface="Arial"/>
+            </a:endParaRPr>
+          </a:p>
+          <a:p>
+            <a:pPr algn="just">
+              <a:lnSpc>
+                <a:spcPct val="100000"/>
+              </a:lnSpc>
+            </a:pPr>
+            <a:r>
+              <a:rPr b="0" i="1" lang="ru-RU" sz="2200" spc="-1" strike="noStrike">
+                <a:solidFill>
+                  <a:srgbClr val="000000"/>
+                </a:solidFill>
+                <a:latin typeface="Arial"/>
+                <a:ea typeface="DejaVu Sans"/>
+              </a:rPr>
+              <a:t>&lt;p&gt;Цена, руб: ${c.price}&lt;/p&gt;</a:t>
+            </a:r>
+            <a:endParaRPr b="0" lang="ru-RU" sz="2200" spc="-1" strike="noStrike">
+              <a:latin typeface="Arial"/>
+            </a:endParaRPr>
+          </a:p>
+          <a:p>
+            <a:pPr algn="just">
+              <a:lnSpc>
+                <a:spcPct val="100000"/>
+              </a:lnSpc>
+            </a:pPr>
+            <a:r>
+              <a:rPr b="0" i="1" lang="ru-RU" sz="2200" spc="-1" strike="noStrike">
+                <a:solidFill>
+                  <a:srgbClr val="000000"/>
+                </a:solidFill>
+                <a:latin typeface="Arial"/>
+                <a:ea typeface="DejaVu Sans"/>
+              </a:rPr>
+              <a:t>&lt;p&gt;Дата: ${c.date.toISOString().split('T')[0]}&lt;/p&gt;</a:t>
+            </a:r>
+            <a:endParaRPr b="0" lang="ru-RU" sz="2200" spc="-1" strike="noStrike">
+              <a:latin typeface="Arial"/>
+            </a:endParaRPr>
+          </a:p>
+          <a:p>
+            <a:pPr algn="just">
+              <a:lnSpc>
+                <a:spcPct val="100000"/>
+              </a:lnSpc>
+            </a:pPr>
+            <a:r>
+              <a:rPr b="0" i="1" lang="ru-RU" sz="2200" spc="-1" strike="noStrike">
+                <a:solidFill>
+                  <a:srgbClr val="000000"/>
+                </a:solidFill>
+                <a:latin typeface="Arial"/>
+                <a:ea typeface="DejaVu Sans"/>
+              </a:rPr>
+              <a:t>&lt;p&gt;Страна происхождения: ${c.country}&lt;/p&gt;&lt;hr&gt;`));</a:t>
+            </a:r>
+            <a:endParaRPr b="0" lang="ru-RU" sz="2200" spc="-1" strike="noStrike">
+              <a:latin typeface="Arial"/>
+            </a:endParaRPr>
+          </a:p>
+          <a:p>
+            <a:pPr algn="just">
+              <a:lnSpc>
+                <a:spcPct val="100000"/>
+              </a:lnSpc>
+            </a:pPr>
+            <a:endParaRPr b="0" lang="ru-RU" sz="2200" spc="-1" strike="noStrike">
+              <a:latin typeface="Arial"/>
+            </a:endParaRPr>
+          </a:p>
+        </p:txBody>
+      </p:sp>
+      <p:pic>
+        <p:nvPicPr>
+          <p:cNvPr id="115" name="" descr=""/>
+          <p:cNvPicPr/>
+          <p:nvPr/>
+        </p:nvPicPr>
+        <p:blipFill>
+          <a:blip r:embed="rId2"/>
+          <a:srcRect l="0" t="5974" r="86059" b="16556"/>
+          <a:stretch/>
+        </p:blipFill>
+        <p:spPr>
+          <a:xfrm>
+            <a:off x="7992000" y="1944360"/>
+            <a:ext cx="1655280" cy="5184360"/>
+          </a:xfrm>
+          <a:prstGeom prst="rect">
+            <a:avLst/>
+          </a:prstGeom>
+          <a:ln>
+            <a:noFill/>
+          </a:ln>
+        </p:spPr>
+      </p:pic>
+      <p:sp>
+        <p:nvSpPr>
+          <p:cNvPr id="116" name="CustomShape 4"/>
           <p:cNvSpPr/>
           <p:nvPr/>
         </p:nvSpPr>
         <p:spPr>
           <a:xfrm>
-            <a:off x="504000" y="4320000"/>
-            <a:ext cx="9071640" cy="857880"/>
+            <a:off x="504000" y="2112120"/>
+            <a:ext cx="9071280" cy="335160"/>
           </a:xfrm>
           <a:prstGeom prst="rect">
             <a:avLst/>
@@ -7015,72 +7840,26 @@
           <a:fontRef idx="minor"/>
         </p:style>
         <p:txBody>
-          <a:bodyPr lIns="90000" rIns="90000" tIns="45000" bIns="45000">
+          <a:bodyPr lIns="0" rIns="0" tIns="0" bIns="0" anchor="ctr">
             <a:noAutofit/>
           </a:bodyPr>
           <a:p>
-            <a:pPr>
+            <a:pPr algn="just">
               <a:lnSpc>
                 <a:spcPct val="100000"/>
               </a:lnSpc>
             </a:pPr>
             <a:r>
-              <a:rPr b="1" lang="ru-RU" sz="1800" spc="-1" strike="noStrike">
-                <a:latin typeface="Arial"/>
-              </a:rPr>
-              <a:t>сurrentValue</a:t>
-            </a:r>
-            <a:r>
-              <a:rPr b="0" lang="ru-RU" sz="1800" spc="-1" strike="noStrike">
-                <a:latin typeface="Arial"/>
-              </a:rPr>
-              <a:t> - Текущий обрабатываемый элемент массива;</a:t>
-            </a:r>
-            <a:endParaRPr b="0" lang="ru-RU" sz="1800" spc="-1" strike="noStrike">
-              <a:latin typeface="Arial"/>
-            </a:endParaRPr>
-          </a:p>
-          <a:p>
-            <a:pPr>
-              <a:lnSpc>
-                <a:spcPct val="100000"/>
-              </a:lnSpc>
-            </a:pPr>
-            <a:r>
-              <a:rPr b="1" lang="ru-RU" sz="1800" spc="-1" strike="noStrike">
-                <a:latin typeface="Arial"/>
-              </a:rPr>
-              <a:t>Index</a:t>
-            </a:r>
-            <a:r>
-              <a:rPr b="0" lang="ru-RU" sz="1800" spc="-1" strike="noStrike">
-                <a:latin typeface="Arial"/>
-              </a:rPr>
-              <a:t> - Индекс текущего обрабатываемого элемента в массиве (необязательный);</a:t>
-            </a:r>
-            <a:endParaRPr b="0" lang="ru-RU" sz="1800" spc="-1" strike="noStrike">
-              <a:latin typeface="Arial"/>
-            </a:endParaRPr>
-          </a:p>
-          <a:p>
-            <a:pPr>
-              <a:lnSpc>
-                <a:spcPct val="100000"/>
-              </a:lnSpc>
-            </a:pPr>
-            <a:r>
-              <a:rPr b="1" lang="ru-RU" sz="1800" spc="-1" strike="noStrike">
-                <a:latin typeface="Arial"/>
-              </a:rPr>
-              <a:t>array</a:t>
-            </a:r>
-            <a:r>
-              <a:rPr b="0" lang="ru-RU" sz="1800" spc="-1" strike="noStrike">
-                <a:latin typeface="Arial"/>
-              </a:rPr>
-              <a:t> - Массив, по которому осуществляется проход (необязательный).</a:t>
-            </a:r>
-            <a:endParaRPr b="0" lang="ru-RU" sz="1800" spc="-1" strike="noStrike">
+              <a:rPr b="0" lang="ru-RU" sz="2200" spc="-1" strike="noStrike">
+                <a:solidFill>
+                  <a:srgbClr val="000000"/>
+                </a:solidFill>
+                <a:latin typeface="Arial"/>
+                <a:ea typeface="DejaVu Sans"/>
+              </a:rPr>
+              <a:t>Сортировка массива по возрастанию</a:t>
+            </a:r>
+            <a:endParaRPr b="0" lang="ru-RU" sz="2200" spc="-1" strike="noStrike">
               <a:latin typeface="Arial"/>
             </a:endParaRPr>
           </a:p>
@@ -7118,14 +7897,14 @@
       </p:grpSpPr>
       <p:sp>
         <p:nvSpPr>
-          <p:cNvPr id="116" name="CustomShape 1"/>
+          <p:cNvPr id="117" name="CustomShape 1"/>
           <p:cNvSpPr/>
           <p:nvPr/>
         </p:nvSpPr>
         <p:spPr>
           <a:xfrm>
             <a:off x="504000" y="576000"/>
-            <a:ext cx="7199640" cy="719640"/>
+            <a:ext cx="7199280" cy="719280"/>
           </a:xfrm>
           <a:prstGeom prst="rect">
             <a:avLst/>
@@ -7153,7 +7932,11 @@
             </a:pPr>
             <a:r>
               <a:rPr b="0" lang="ru-RU" sz="3200" spc="-1" strike="noStrike">
-                <a:latin typeface="Arial"/>
+                <a:solidFill>
+                  <a:srgbClr val="000000"/>
+                </a:solidFill>
+                <a:latin typeface="Arial"/>
+                <a:ea typeface="DejaVu Sans"/>
               </a:rPr>
               <a:t>Фильтрация данных</a:t>
             </a:r>
@@ -7165,7 +7948,7 @@
       </p:sp>
       <p:pic>
         <p:nvPicPr>
-          <p:cNvPr id="117" name="" descr=""/>
+          <p:cNvPr id="118" name="" descr=""/>
           <p:cNvPicPr/>
           <p:nvPr/>
         </p:nvPicPr>
@@ -7176,7 +7959,7 @@
         <p:spPr>
           <a:xfrm>
             <a:off x="7704000" y="360000"/>
-            <a:ext cx="1165680" cy="1165680"/>
+            <a:ext cx="1165320" cy="1165320"/>
           </a:xfrm>
           <a:prstGeom prst="rect">
             <a:avLst/>
@@ -7188,14 +7971,14 @@
       </p:pic>
       <p:sp>
         <p:nvSpPr>
-          <p:cNvPr id="118" name="CustomShape 2"/>
+          <p:cNvPr id="119" name="CustomShape 2"/>
           <p:cNvSpPr/>
           <p:nvPr/>
         </p:nvSpPr>
         <p:spPr>
           <a:xfrm>
             <a:off x="432000" y="1944000"/>
-            <a:ext cx="9188640" cy="1511640"/>
+            <a:ext cx="9188280" cy="1511280"/>
           </a:xfrm>
           <a:prstGeom prst="rect">
             <a:avLst/>
@@ -7218,14 +8001,14 @@
       </p:sp>
       <p:sp>
         <p:nvSpPr>
-          <p:cNvPr id="119" name="CustomShape 3"/>
+          <p:cNvPr id="120" name="CustomShape 3"/>
           <p:cNvSpPr/>
           <p:nvPr/>
         </p:nvSpPr>
         <p:spPr>
           <a:xfrm>
             <a:off x="504000" y="2098800"/>
-            <a:ext cx="8711640" cy="1284840"/>
+            <a:ext cx="8711280" cy="1284480"/>
           </a:xfrm>
           <a:prstGeom prst="rect">
             <a:avLst/>
@@ -7253,7 +8036,11 @@
             </a:pPr>
             <a:r>
               <a:rPr b="0" i="1" lang="ru-RU" sz="2200" spc="-1" strike="noStrike">
-                <a:latin typeface="Arial"/>
+                <a:solidFill>
+                  <a:srgbClr val="000000"/>
+                </a:solidFill>
+                <a:latin typeface="Arial"/>
+                <a:ea typeface="DejaVu Sans"/>
               </a:rPr>
               <a:t>const new_array = arr.filter(function callback( currentValue, index, array) {</a:t>
             </a:r>
@@ -7269,13 +8056,21 @@
             </a:pPr>
             <a:r>
               <a:rPr b="0" i="1" lang="ru-RU" sz="2200" spc="-1" strike="noStrike">
-                <a:latin typeface="Arial"/>
+                <a:solidFill>
+                  <a:srgbClr val="000000"/>
+                </a:solidFill>
+                <a:latin typeface="Arial"/>
+                <a:ea typeface="DejaVu Sans"/>
               </a:rPr>
               <a:t>    </a:t>
             </a:r>
             <a:r>
               <a:rPr b="0" i="1" lang="ru-RU" sz="2200" spc="-1" strike="noStrike">
-                <a:latin typeface="Arial"/>
+                <a:solidFill>
+                  <a:srgbClr val="000000"/>
+                </a:solidFill>
+                <a:latin typeface="Arial"/>
+                <a:ea typeface="DejaVu Sans"/>
               </a:rPr>
               <a:t>// Возвращает элемент для new_array</a:t>
             </a:r>
@@ -7291,7 +8086,11 @@
             </a:pPr>
             <a:r>
               <a:rPr b="0" i="1" lang="ru-RU" sz="2200" spc="-1" strike="noStrike">
-                <a:latin typeface="Arial"/>
+                <a:solidFill>
+                  <a:srgbClr val="000000"/>
+                </a:solidFill>
+                <a:latin typeface="Arial"/>
+                <a:ea typeface="DejaVu Sans"/>
               </a:rPr>
               <a:t>})</a:t>
             </a:r>
@@ -7303,14 +8102,14 @@
       </p:sp>
       <p:sp>
         <p:nvSpPr>
-          <p:cNvPr id="120" name="CustomShape 4"/>
+          <p:cNvPr id="121" name="CustomShape 4"/>
           <p:cNvSpPr/>
           <p:nvPr/>
         </p:nvSpPr>
         <p:spPr>
           <a:xfrm>
             <a:off x="504000" y="4320000"/>
-            <a:ext cx="9071640" cy="857880"/>
+            <a:ext cx="9071280" cy="857520"/>
           </a:xfrm>
           <a:prstGeom prst="rect">
             <a:avLst/>
@@ -7338,13 +8137,21 @@
             </a:pPr>
             <a:r>
               <a:rPr b="1" lang="ru-RU" sz="1800" spc="-1" strike="noStrike">
-                <a:latin typeface="Arial"/>
+                <a:solidFill>
+                  <a:srgbClr val="000000"/>
+                </a:solidFill>
+                <a:latin typeface="Arial"/>
+                <a:ea typeface="DejaVu Sans"/>
               </a:rPr>
               <a:t>сurrentValue</a:t>
             </a:r>
             <a:r>
               <a:rPr b="0" lang="ru-RU" sz="1800" spc="-1" strike="noStrike">
-                <a:latin typeface="Arial"/>
+                <a:solidFill>
+                  <a:srgbClr val="000000"/>
+                </a:solidFill>
+                <a:latin typeface="Arial"/>
+                <a:ea typeface="DejaVu Sans"/>
               </a:rPr>
               <a:t> - Текущий обрабатываемый элемент массива;</a:t>
             </a:r>
@@ -7360,13 +8167,21 @@
             </a:pPr>
             <a:r>
               <a:rPr b="1" lang="ru-RU" sz="1800" spc="-1" strike="noStrike">
-                <a:latin typeface="Arial"/>
+                <a:solidFill>
+                  <a:srgbClr val="000000"/>
+                </a:solidFill>
+                <a:latin typeface="Arial"/>
+                <a:ea typeface="DejaVu Sans"/>
               </a:rPr>
               <a:t>Index</a:t>
             </a:r>
             <a:r>
               <a:rPr b="0" lang="ru-RU" sz="1800" spc="-1" strike="noStrike">
-                <a:latin typeface="Arial"/>
+                <a:solidFill>
+                  <a:srgbClr val="000000"/>
+                </a:solidFill>
+                <a:latin typeface="Arial"/>
+                <a:ea typeface="DejaVu Sans"/>
               </a:rPr>
               <a:t> - Индекс текущего обрабатываемого элемента в массиве (необязательный);</a:t>
             </a:r>
@@ -7382,13 +8197,21 @@
             </a:pPr>
             <a:r>
               <a:rPr b="1" lang="ru-RU" sz="1800" spc="-1" strike="noStrike">
-                <a:latin typeface="Arial"/>
+                <a:solidFill>
+                  <a:srgbClr val="000000"/>
+                </a:solidFill>
+                <a:latin typeface="Arial"/>
+                <a:ea typeface="DejaVu Sans"/>
               </a:rPr>
               <a:t>array</a:t>
             </a:r>
             <a:r>
               <a:rPr b="0" lang="ru-RU" sz="1800" spc="-1" strike="noStrike">
-                <a:latin typeface="Arial"/>
+                <a:solidFill>
+                  <a:srgbClr val="000000"/>
+                </a:solidFill>
+                <a:latin typeface="Arial"/>
+                <a:ea typeface="DejaVu Sans"/>
               </a:rPr>
               <a:t> - Массив, по которому осуществляется проход (необязательный).</a:t>
             </a:r>
@@ -7430,14 +8253,14 @@
       </p:grpSpPr>
       <p:sp>
         <p:nvSpPr>
-          <p:cNvPr id="121" name="CustomShape 1"/>
+          <p:cNvPr id="122" name="CustomShape 1"/>
           <p:cNvSpPr/>
           <p:nvPr/>
         </p:nvSpPr>
         <p:spPr>
           <a:xfrm>
             <a:off x="504000" y="576000"/>
-            <a:ext cx="7199640" cy="719640"/>
+            <a:ext cx="7199280" cy="719280"/>
           </a:xfrm>
           <a:prstGeom prst="rect">
             <a:avLst/>
@@ -7465,7 +8288,11 @@
             </a:pPr>
             <a:r>
               <a:rPr b="0" lang="ru-RU" sz="3200" spc="-1" strike="noStrike">
-                <a:latin typeface="Arial"/>
+                <a:solidFill>
+                  <a:srgbClr val="000000"/>
+                </a:solidFill>
+                <a:latin typeface="Arial"/>
+                <a:ea typeface="DejaVu Sans"/>
               </a:rPr>
               <a:t>Фильтрация данных</a:t>
             </a:r>
@@ -7477,7 +8304,7 @@
       </p:sp>
       <p:pic>
         <p:nvPicPr>
-          <p:cNvPr id="122" name="" descr=""/>
+          <p:cNvPr id="123" name="" descr=""/>
           <p:cNvPicPr/>
           <p:nvPr/>
         </p:nvPicPr>
@@ -7488,7 +8315,7 @@
         <p:spPr>
           <a:xfrm>
             <a:off x="7704000" y="360000"/>
-            <a:ext cx="1165680" cy="1165680"/>
+            <a:ext cx="1165320" cy="1165320"/>
           </a:xfrm>
           <a:prstGeom prst="rect">
             <a:avLst/>
@@ -7500,14 +8327,14 @@
       </p:pic>
       <p:sp>
         <p:nvSpPr>
-          <p:cNvPr id="123" name="CustomShape 2"/>
+          <p:cNvPr id="124" name="CustomShape 2"/>
           <p:cNvSpPr/>
           <p:nvPr/>
         </p:nvSpPr>
         <p:spPr>
           <a:xfrm>
-            <a:off x="531000" y="2376000"/>
-            <a:ext cx="9188640" cy="2375640"/>
+            <a:off x="432000" y="1944000"/>
+            <a:ext cx="9188280" cy="1511280"/>
           </a:xfrm>
           <a:prstGeom prst="rect">
             <a:avLst/>
@@ -7530,14 +8357,14 @@
       </p:sp>
       <p:sp>
         <p:nvSpPr>
-          <p:cNvPr id="124" name="CustomShape 3"/>
+          <p:cNvPr id="125" name="CustomShape 3"/>
           <p:cNvSpPr/>
           <p:nvPr/>
         </p:nvSpPr>
         <p:spPr>
           <a:xfrm>
-            <a:off x="720000" y="2448000"/>
-            <a:ext cx="8711640" cy="2499840"/>
+            <a:off x="504000" y="2098800"/>
+            <a:ext cx="8711280" cy="1284480"/>
           </a:xfrm>
           <a:prstGeom prst="rect">
             <a:avLst/>
@@ -7565,9 +8392,13 @@
             </a:pPr>
             <a:r>
               <a:rPr b="0" i="1" lang="ru-RU" sz="2200" spc="-1" strike="noStrike">
-                <a:latin typeface="Arial"/>
-              </a:rPr>
-              <a:t>c1=a.filter((d)=&gt;{if (d.country==='Россия') return d;});</a:t>
+                <a:solidFill>
+                  <a:srgbClr val="000000"/>
+                </a:solidFill>
+                <a:latin typeface="Arial"/>
+                <a:ea typeface="DejaVu Sans"/>
+              </a:rPr>
+              <a:t>const new_array = arr.filter(function callback( currentValue, index, array) {</a:t>
             </a:r>
             <a:endParaRPr b="0" lang="ru-RU" sz="2200" spc="-1" strike="noStrike">
               <a:latin typeface="Arial"/>
@@ -7579,6 +8410,26 @@
                 <a:spcPct val="100000"/>
               </a:lnSpc>
             </a:pPr>
+            <a:r>
+              <a:rPr b="0" i="1" lang="ru-RU" sz="2200" spc="-1" strike="noStrike">
+                <a:solidFill>
+                  <a:srgbClr val="000000"/>
+                </a:solidFill>
+                <a:latin typeface="Arial"/>
+                <a:ea typeface="DejaVu Sans"/>
+              </a:rPr>
+              <a:t>    </a:t>
+            </a:r>
+            <a:r>
+              <a:rPr b="0" i="1" lang="ru-RU" sz="2200" spc="-1" strike="noStrike">
+                <a:solidFill>
+                  <a:srgbClr val="000000"/>
+                </a:solidFill>
+                <a:latin typeface="Arial"/>
+                <a:ea typeface="DejaVu Sans"/>
+              </a:rPr>
+              <a:t>// Возвращает элемент для new_array</a:t>
+            </a:r>
             <a:endParaRPr b="0" lang="ru-RU" sz="2200" spc="-1" strike="noStrike">
               <a:latin typeface="Arial"/>
             </a:endParaRPr>
@@ -7591,100 +8442,30 @@
             </a:pPr>
             <a:r>
               <a:rPr b="0" i="1" lang="ru-RU" sz="2200" spc="-1" strike="noStrike">
-                <a:latin typeface="Arial"/>
-              </a:rPr>
-              <a:t>a.map((c)=&gt;document.write(</a:t>
+                <a:solidFill>
+                  <a:srgbClr val="000000"/>
+                </a:solidFill>
+                <a:latin typeface="Arial"/>
+                <a:ea typeface="DejaVu Sans"/>
+              </a:rPr>
+              <a:t>})</a:t>
             </a:r>
             <a:endParaRPr b="0" lang="ru-RU" sz="2200" spc="-1" strike="noStrike">
               <a:latin typeface="Arial"/>
             </a:endParaRPr>
           </a:p>
-          <a:p>
-            <a:pPr algn="just">
-              <a:lnSpc>
-                <a:spcPct val="100000"/>
-              </a:lnSpc>
-            </a:pPr>
-            <a:r>
-              <a:rPr b="0" i="1" lang="ru-RU" sz="2200" spc="-1" strike="noStrike">
-                <a:latin typeface="Arial"/>
-              </a:rPr>
-              <a:t>`&lt;hr&gt;&lt;p&gt;Наименование товара: ${c.name}&lt;/p&gt; </a:t>
-            </a:r>
-            <a:endParaRPr b="0" lang="ru-RU" sz="2200" spc="-1" strike="noStrike">
-              <a:latin typeface="Arial"/>
-            </a:endParaRPr>
-          </a:p>
-          <a:p>
-            <a:pPr algn="just">
-              <a:lnSpc>
-                <a:spcPct val="100000"/>
-              </a:lnSpc>
-            </a:pPr>
-            <a:r>
-              <a:rPr b="0" i="1" lang="ru-RU" sz="2200" spc="-1" strike="noStrike">
-                <a:latin typeface="Arial"/>
-              </a:rPr>
-              <a:t>&lt;p&gt;Цена, руб: ${c.price}&lt;/p&gt;</a:t>
-            </a:r>
-            <a:endParaRPr b="0" lang="ru-RU" sz="2200" spc="-1" strike="noStrike">
-              <a:latin typeface="Arial"/>
-            </a:endParaRPr>
-          </a:p>
-          <a:p>
-            <a:pPr algn="just">
-              <a:lnSpc>
-                <a:spcPct val="100000"/>
-              </a:lnSpc>
-            </a:pPr>
-            <a:r>
-              <a:rPr b="0" i="1" lang="ru-RU" sz="2200" spc="-1" strike="noStrike">
-                <a:latin typeface="Arial"/>
-              </a:rPr>
-              <a:t>&lt;p&gt;Дата: ${c.date.toISOString().split('T')[0]}&lt;/p&gt;</a:t>
-            </a:r>
-            <a:endParaRPr b="0" lang="ru-RU" sz="2200" spc="-1" strike="noStrike">
-              <a:latin typeface="Arial"/>
-            </a:endParaRPr>
-          </a:p>
-          <a:p>
-            <a:pPr algn="just">
-              <a:lnSpc>
-                <a:spcPct val="100000"/>
-              </a:lnSpc>
-            </a:pPr>
-            <a:r>
-              <a:rPr b="0" i="1" lang="ru-RU" sz="2200" spc="-1" strike="noStrike">
-                <a:latin typeface="Arial"/>
-              </a:rPr>
-              <a:t>&lt;p&gt;Страна происхождения: ${c.country}&lt;/p&gt;&lt;hr&gt;`));</a:t>
-            </a:r>
-            <a:endParaRPr b="0" lang="ru-RU" sz="2200" spc="-1" strike="noStrike">
-              <a:latin typeface="Arial"/>
-            </a:endParaRPr>
-          </a:p>
-          <a:p>
-            <a:pPr algn="just">
-              <a:lnSpc>
-                <a:spcPct val="100000"/>
-              </a:lnSpc>
-            </a:pPr>
-            <a:endParaRPr b="0" lang="ru-RU" sz="2200" spc="-1" strike="noStrike">
-              <a:latin typeface="Arial"/>
-            </a:endParaRPr>
-          </a:p>
-        </p:txBody>
-      </p:sp>
-      <p:sp>
-        <p:nvSpPr>
-          <p:cNvPr id="125" name="CustomShape 4"/>
+        </p:txBody>
+      </p:sp>
+      <p:sp>
+        <p:nvSpPr>
+          <p:cNvPr id="126" name="CustomShape 4"/>
           <p:cNvSpPr/>
           <p:nvPr/>
         </p:nvSpPr>
         <p:spPr>
           <a:xfrm>
-            <a:off x="504000" y="1877760"/>
-            <a:ext cx="9071640" cy="857880"/>
+            <a:off x="504000" y="4320000"/>
+            <a:ext cx="9071280" cy="857520"/>
           </a:xfrm>
           <a:prstGeom prst="rect">
             <a:avLst/>
@@ -7711,41 +8492,91 @@
               </a:lnSpc>
             </a:pPr>
             <a:r>
+              <a:rPr b="1" lang="ru-RU" sz="1800" spc="-1" strike="noStrike">
+                <a:solidFill>
+                  <a:srgbClr val="000000"/>
+                </a:solidFill>
+                <a:latin typeface="Arial"/>
+                <a:ea typeface="DejaVu Sans"/>
+              </a:rPr>
+              <a:t>сurrentValue</a:t>
+            </a:r>
+            <a:r>
               <a:rPr b="0" lang="ru-RU" sz="1800" spc="-1" strike="noStrike">
-                <a:latin typeface="Arial"/>
-              </a:rPr>
-              <a:t>Выборка товаров из России</a:t>
+                <a:solidFill>
+                  <a:srgbClr val="000000"/>
+                </a:solidFill>
+                <a:latin typeface="Arial"/>
+                <a:ea typeface="DejaVu Sans"/>
+              </a:rPr>
+              <a:t> - Текущий обрабатываемый элемент массива;</a:t>
             </a:r>
             <a:endParaRPr b="0" lang="ru-RU" sz="1800" spc="-1" strike="noStrike">
               <a:latin typeface="Arial"/>
             </a:endParaRPr>
           </a:p>
-        </p:txBody>
-      </p:sp>
-      <p:pic>
-        <p:nvPicPr>
-          <p:cNvPr id="126" name="" descr=""/>
-          <p:cNvPicPr/>
-          <p:nvPr/>
-        </p:nvPicPr>
-        <p:blipFill>
-          <a:blip r:embed="rId2"/>
-          <a:srcRect l="77" t="6894" r="81069" b="77501"/>
-          <a:stretch/>
-        </p:blipFill>
-        <p:spPr>
-          <a:xfrm>
-            <a:off x="1152000" y="5164560"/>
-            <a:ext cx="3290760" cy="1531080"/>
-          </a:xfrm>
-          <a:prstGeom prst="rect">
-            <a:avLst/>
-          </a:prstGeom>
-          <a:ln>
-            <a:noFill/>
-          </a:ln>
-        </p:spPr>
-      </p:pic>
+          <a:p>
+            <a:pPr>
+              <a:lnSpc>
+                <a:spcPct val="100000"/>
+              </a:lnSpc>
+            </a:pPr>
+            <a:r>
+              <a:rPr b="1" lang="ru-RU" sz="1800" spc="-1" strike="noStrike">
+                <a:solidFill>
+                  <a:srgbClr val="000000"/>
+                </a:solidFill>
+                <a:latin typeface="Arial"/>
+                <a:ea typeface="DejaVu Sans"/>
+              </a:rPr>
+              <a:t>Index</a:t>
+            </a:r>
+            <a:r>
+              <a:rPr b="0" lang="ru-RU" sz="1800" spc="-1" strike="noStrike">
+                <a:solidFill>
+                  <a:srgbClr val="000000"/>
+                </a:solidFill>
+                <a:latin typeface="Arial"/>
+                <a:ea typeface="DejaVu Sans"/>
+              </a:rPr>
+              <a:t> - Индекс текущего обрабатываемого элемента в массиве (необязательный);</a:t>
+            </a:r>
+            <a:endParaRPr b="0" lang="ru-RU" sz="1800" spc="-1" strike="noStrike">
+              <a:latin typeface="Arial"/>
+            </a:endParaRPr>
+          </a:p>
+          <a:p>
+            <a:pPr>
+              <a:lnSpc>
+                <a:spcPct val="100000"/>
+              </a:lnSpc>
+            </a:pPr>
+            <a:r>
+              <a:rPr b="1" lang="ru-RU" sz="1800" spc="-1" strike="noStrike">
+                <a:solidFill>
+                  <a:srgbClr val="000000"/>
+                </a:solidFill>
+                <a:latin typeface="Arial"/>
+                <a:ea typeface="DejaVu Sans"/>
+              </a:rPr>
+              <a:t>array</a:t>
+            </a:r>
+            <a:r>
+              <a:rPr b="0" lang="ru-RU" sz="1800" spc="-1" strike="noStrike">
+                <a:solidFill>
+                  <a:srgbClr val="000000"/>
+                </a:solidFill>
+                <a:latin typeface="Arial"/>
+                <a:ea typeface="DejaVu Sans"/>
+              </a:rPr>
+              <a:t> - Массив, по которому осуществляется проход (необязательный).</a:t>
+            </a:r>
+            <a:endParaRPr b="0" lang="ru-RU" sz="1800" spc="-1" strike="noStrike">
+              <a:latin typeface="Arial"/>
+            </a:endParaRPr>
+          </a:p>
+        </p:txBody>
+      </p:sp>
     </p:spTree>
   </p:cSld>
   <mc:AlternateContent>

--- a/src/array_javascript.pptx
+++ b/src/array_javascript.pptx
@@ -1,31 +1,126 @@
 
 <file path=ppt/presentation.xml><?xml version="1.0" encoding="utf-8"?>
-<p:presentation xmlns:a="http://schemas.openxmlformats.org/drawingml/2006/main" xmlns:p="http://schemas.openxmlformats.org/presentationml/2006/main" xmlns:r="http://schemas.openxmlformats.org/officeDocument/2006/relationships" xmlns:p14="http://schemas.microsoft.com/office/powerpoint/2010/main" xmlns:p15="http://schemas.microsoft.com/office/powerpoint/2012/main" xmlns:mc="http://schemas.openxmlformats.org/markup-compatibility/2006">
+<p:presentation xmlns:a="http://schemas.openxmlformats.org/drawingml/2006/main" xmlns:r="http://schemas.openxmlformats.org/officeDocument/2006/relationships" xmlns:p="http://schemas.openxmlformats.org/presentationml/2006/main">
   <p:sldMasterIdLst>
-    <p:sldMasterId id="2147483648" r:id="rId2"/>
-    <p:sldMasterId id="2147483661" r:id="rId3"/>
+    <p:sldMasterId id="2147483648" r:id="rId1"/>
+    <p:sldMasterId id="2147483661" r:id="rId2"/>
   </p:sldMasterIdLst>
   <p:sldIdLst>
-    <p:sldId id="256" r:id="rId4"/>
-    <p:sldId id="257" r:id="rId5"/>
-    <p:sldId id="258" r:id="rId6"/>
-    <p:sldId id="259" r:id="rId7"/>
-    <p:sldId id="260" r:id="rId8"/>
-    <p:sldId id="261" r:id="rId9"/>
-    <p:sldId id="262" r:id="rId10"/>
-    <p:sldId id="263" r:id="rId11"/>
-    <p:sldId id="264" r:id="rId12"/>
-    <p:sldId id="265" r:id="rId13"/>
-    <p:sldId id="266" r:id="rId14"/>
-    <p:sldId id="267" r:id="rId15"/>
+    <p:sldId id="256" r:id="rId3"/>
+    <p:sldId id="257" r:id="rId4"/>
+    <p:sldId id="258" r:id="rId5"/>
+    <p:sldId id="259" r:id="rId6"/>
+    <p:sldId id="260" r:id="rId7"/>
+    <p:sldId id="261" r:id="rId8"/>
+    <p:sldId id="262" r:id="rId9"/>
+    <p:sldId id="263" r:id="rId10"/>
+    <p:sldId id="264" r:id="rId11"/>
+    <p:sldId id="265" r:id="rId12"/>
+    <p:sldId id="266" r:id="rId13"/>
+    <p:sldId id="267" r:id="rId14"/>
   </p:sldIdLst>
   <p:sldSz cx="10080625" cy="7559675"/>
-  <p:notesSz cx="7559675" cy="10691812"/>
+  <p:notesSz cx="7559675" cy="10691813"/>
+  <p:defaultTextStyle>
+    <a:defPPr>
+      <a:defRPr lang="ru-RU"/>
+    </a:defPPr>
+    <a:lvl1pPr marL="0" algn="l" defTabSz="914400" rtl="0" eaLnBrk="1" latinLnBrk="0" hangingPunct="1">
+      <a:defRPr sz="1800" kern="1200">
+        <a:solidFill>
+          <a:schemeClr val="tx1"/>
+        </a:solidFill>
+        <a:latin typeface="+mn-lt"/>
+        <a:ea typeface="+mn-ea"/>
+        <a:cs typeface="+mn-cs"/>
+      </a:defRPr>
+    </a:lvl1pPr>
+    <a:lvl2pPr marL="457200" algn="l" defTabSz="914400" rtl="0" eaLnBrk="1" latinLnBrk="0" hangingPunct="1">
+      <a:defRPr sz="1800" kern="1200">
+        <a:solidFill>
+          <a:schemeClr val="tx1"/>
+        </a:solidFill>
+        <a:latin typeface="+mn-lt"/>
+        <a:ea typeface="+mn-ea"/>
+        <a:cs typeface="+mn-cs"/>
+      </a:defRPr>
+    </a:lvl2pPr>
+    <a:lvl3pPr marL="914400" algn="l" defTabSz="914400" rtl="0" eaLnBrk="1" latinLnBrk="0" hangingPunct="1">
+      <a:defRPr sz="1800" kern="1200">
+        <a:solidFill>
+          <a:schemeClr val="tx1"/>
+        </a:solidFill>
+        <a:latin typeface="+mn-lt"/>
+        <a:ea typeface="+mn-ea"/>
+        <a:cs typeface="+mn-cs"/>
+      </a:defRPr>
+    </a:lvl3pPr>
+    <a:lvl4pPr marL="1371600" algn="l" defTabSz="914400" rtl="0" eaLnBrk="1" latinLnBrk="0" hangingPunct="1">
+      <a:defRPr sz="1800" kern="1200">
+        <a:solidFill>
+          <a:schemeClr val="tx1"/>
+        </a:solidFill>
+        <a:latin typeface="+mn-lt"/>
+        <a:ea typeface="+mn-ea"/>
+        <a:cs typeface="+mn-cs"/>
+      </a:defRPr>
+    </a:lvl4pPr>
+    <a:lvl5pPr marL="1828800" algn="l" defTabSz="914400" rtl="0" eaLnBrk="1" latinLnBrk="0" hangingPunct="1">
+      <a:defRPr sz="1800" kern="1200">
+        <a:solidFill>
+          <a:schemeClr val="tx1"/>
+        </a:solidFill>
+        <a:latin typeface="+mn-lt"/>
+        <a:ea typeface="+mn-ea"/>
+        <a:cs typeface="+mn-cs"/>
+      </a:defRPr>
+    </a:lvl5pPr>
+    <a:lvl6pPr marL="2286000" algn="l" defTabSz="914400" rtl="0" eaLnBrk="1" latinLnBrk="0" hangingPunct="1">
+      <a:defRPr sz="1800" kern="1200">
+        <a:solidFill>
+          <a:schemeClr val="tx1"/>
+        </a:solidFill>
+        <a:latin typeface="+mn-lt"/>
+        <a:ea typeface="+mn-ea"/>
+        <a:cs typeface="+mn-cs"/>
+      </a:defRPr>
+    </a:lvl6pPr>
+    <a:lvl7pPr marL="2743200" algn="l" defTabSz="914400" rtl="0" eaLnBrk="1" latinLnBrk="0" hangingPunct="1">
+      <a:defRPr sz="1800" kern="1200">
+        <a:solidFill>
+          <a:schemeClr val="tx1"/>
+        </a:solidFill>
+        <a:latin typeface="+mn-lt"/>
+        <a:ea typeface="+mn-ea"/>
+        <a:cs typeface="+mn-cs"/>
+      </a:defRPr>
+    </a:lvl7pPr>
+    <a:lvl8pPr marL="3200400" algn="l" defTabSz="914400" rtl="0" eaLnBrk="1" latinLnBrk="0" hangingPunct="1">
+      <a:defRPr sz="1800" kern="1200">
+        <a:solidFill>
+          <a:schemeClr val="tx1"/>
+        </a:solidFill>
+        <a:latin typeface="+mn-lt"/>
+        <a:ea typeface="+mn-ea"/>
+        <a:cs typeface="+mn-cs"/>
+      </a:defRPr>
+    </a:lvl8pPr>
+    <a:lvl9pPr marL="3657600" algn="l" defTabSz="914400" rtl="0" eaLnBrk="1" latinLnBrk="0" hangingPunct="1">
+      <a:defRPr sz="1800" kern="1200">
+        <a:solidFill>
+          <a:schemeClr val="tx1"/>
+        </a:solidFill>
+        <a:latin typeface="+mn-lt"/>
+        <a:ea typeface="+mn-ea"/>
+        <a:cs typeface="+mn-cs"/>
+      </a:defRPr>
+    </a:lvl9pPr>
+  </p:defaultTextStyle>
 </p:presentation>
 </file>
 
 <file path=ppt/slideLayouts/slideLayout1.xml><?xml version="1.0" encoding="utf-8"?>
-<p:sldLayout xmlns:a="http://schemas.openxmlformats.org/drawingml/2006/main" xmlns:p="http://schemas.openxmlformats.org/presentationml/2006/main" xmlns:r="http://schemas.openxmlformats.org/officeDocument/2006/relationships" xmlns:p14="http://schemas.microsoft.com/office/powerpoint/2010/main" xmlns:p15="http://schemas.microsoft.com/office/powerpoint/2012/main" xmlns:mc="http://schemas.openxmlformats.org/markup-compatibility/2006" type="blank" preserve="1">
+<p:sldLayout xmlns:a="http://schemas.openxmlformats.org/drawingml/2006/main" xmlns:r="http://schemas.openxmlformats.org/officeDocument/2006/relationships" xmlns:p="http://schemas.openxmlformats.org/presentationml/2006/main" type="blank" preserve="1">
   <p:cSld name="Blank Slide">
     <p:spTree>
       <p:nvGrpSpPr>
@@ -43,11 +138,14 @@
       </p:grpSpPr>
     </p:spTree>
   </p:cSld>
+  <p:clrMapOvr>
+    <a:masterClrMapping/>
+  </p:clrMapOvr>
 </p:sldLayout>
 </file>
 
 <file path=ppt/slideLayouts/slideLayout10.xml><?xml version="1.0" encoding="utf-8"?>
-<p:sldLayout xmlns:a="http://schemas.openxmlformats.org/drawingml/2006/main" xmlns:p="http://schemas.openxmlformats.org/presentationml/2006/main" xmlns:r="http://schemas.openxmlformats.org/officeDocument/2006/relationships" xmlns:p14="http://schemas.microsoft.com/office/powerpoint/2010/main" xmlns:p15="http://schemas.microsoft.com/office/powerpoint/2012/main" xmlns:mc="http://schemas.openxmlformats.org/markup-compatibility/2006" type="objOverTx" preserve="1">
+<p:sldLayout xmlns:a="http://schemas.openxmlformats.org/drawingml/2006/main" xmlns:r="http://schemas.openxmlformats.org/officeDocument/2006/relationships" xmlns:p="http://schemas.openxmlformats.org/presentationml/2006/main" type="objOverTx" preserve="1">
   <p:cSld name="Title, Content over Content">
     <p:spTree>
       <p:nvGrpSpPr>
@@ -83,12 +181,13 @@
           </a:prstGeom>
         </p:spPr>
         <p:txBody>
-          <a:bodyPr lIns="0" rIns="0" tIns="0" bIns="0" anchor="ctr">
+          <a:bodyPr lIns="0" tIns="0" rIns="0" bIns="0" anchor="ctr">
             <a:noAutofit/>
           </a:bodyPr>
+          <a:lstStyle/>
           <a:p>
             <a:pPr algn="ctr"/>
-            <a:endParaRPr b="0" lang="ru-RU" sz="4400" spc="-1" strike="noStrike">
+            <a:endParaRPr lang="ru-RU" sz="4400" b="0" strike="noStrike" spc="-1">
               <a:latin typeface="Arial"/>
             </a:endParaRPr>
           </a:p>
@@ -114,11 +213,12 @@
           </a:prstGeom>
         </p:spPr>
         <p:txBody>
-          <a:bodyPr lIns="0" rIns="0" tIns="0" bIns="0">
+          <a:bodyPr lIns="0" tIns="0" rIns="0" bIns="0">
             <a:normAutofit/>
           </a:bodyPr>
-          <a:p>
-            <a:endParaRPr b="0" lang="ru-RU" sz="3200" spc="-1" strike="noStrike">
+          <a:lstStyle/>
+          <a:p>
+            <a:endParaRPr lang="ru-RU" sz="3200" b="0" strike="noStrike" spc="-1">
               <a:latin typeface="Arial"/>
             </a:endParaRPr>
           </a:p>
@@ -144,11 +244,12 @@
           </a:prstGeom>
         </p:spPr>
         <p:txBody>
-          <a:bodyPr lIns="0" rIns="0" tIns="0" bIns="0">
+          <a:bodyPr lIns="0" tIns="0" rIns="0" bIns="0">
             <a:normAutofit/>
           </a:bodyPr>
-          <a:p>
-            <a:endParaRPr b="0" lang="ru-RU" sz="3200" spc="-1" strike="noStrike">
+          <a:lstStyle/>
+          <a:p>
+            <a:endParaRPr lang="ru-RU" sz="3200" b="0" strike="noStrike" spc="-1">
               <a:latin typeface="Arial"/>
             </a:endParaRPr>
           </a:p>
@@ -156,11 +257,14 @@
       </p:sp>
     </p:spTree>
   </p:cSld>
+  <p:clrMapOvr>
+    <a:masterClrMapping/>
+  </p:clrMapOvr>
 </p:sldLayout>
 </file>
 
 <file path=ppt/slideLayouts/slideLayout11.xml><?xml version="1.0" encoding="utf-8"?>
-<p:sldLayout xmlns:a="http://schemas.openxmlformats.org/drawingml/2006/main" xmlns:p="http://schemas.openxmlformats.org/presentationml/2006/main" xmlns:r="http://schemas.openxmlformats.org/officeDocument/2006/relationships" xmlns:p14="http://schemas.microsoft.com/office/powerpoint/2010/main" xmlns:p15="http://schemas.microsoft.com/office/powerpoint/2012/main" xmlns:mc="http://schemas.openxmlformats.org/markup-compatibility/2006" type="fourObj" preserve="1">
+<p:sldLayout xmlns:a="http://schemas.openxmlformats.org/drawingml/2006/main" xmlns:r="http://schemas.openxmlformats.org/officeDocument/2006/relationships" xmlns:p="http://schemas.openxmlformats.org/presentationml/2006/main" type="fourObj" preserve="1">
   <p:cSld name="Title, 4 Content">
     <p:spTree>
       <p:nvGrpSpPr>
@@ -196,12 +300,13 @@
           </a:prstGeom>
         </p:spPr>
         <p:txBody>
-          <a:bodyPr lIns="0" rIns="0" tIns="0" bIns="0" anchor="ctr">
+          <a:bodyPr lIns="0" tIns="0" rIns="0" bIns="0" anchor="ctr">
             <a:noAutofit/>
           </a:bodyPr>
+          <a:lstStyle/>
           <a:p>
             <a:pPr algn="ctr"/>
-            <a:endParaRPr b="0" lang="ru-RU" sz="4400" spc="-1" strike="noStrike">
+            <a:endParaRPr lang="ru-RU" sz="4400" b="0" strike="noStrike" spc="-1">
               <a:latin typeface="Arial"/>
             </a:endParaRPr>
           </a:p>
@@ -227,11 +332,12 @@
           </a:prstGeom>
         </p:spPr>
         <p:txBody>
-          <a:bodyPr lIns="0" rIns="0" tIns="0" bIns="0">
+          <a:bodyPr lIns="0" tIns="0" rIns="0" bIns="0">
             <a:normAutofit/>
           </a:bodyPr>
-          <a:p>
-            <a:endParaRPr b="0" lang="ru-RU" sz="3200" spc="-1" strike="noStrike">
+          <a:lstStyle/>
+          <a:p>
+            <a:endParaRPr lang="ru-RU" sz="3200" b="0" strike="noStrike" spc="-1">
               <a:latin typeface="Arial"/>
             </a:endParaRPr>
           </a:p>
@@ -257,11 +363,12 @@
           </a:prstGeom>
         </p:spPr>
         <p:txBody>
-          <a:bodyPr lIns="0" rIns="0" tIns="0" bIns="0">
+          <a:bodyPr lIns="0" tIns="0" rIns="0" bIns="0">
             <a:normAutofit/>
           </a:bodyPr>
-          <a:p>
-            <a:endParaRPr b="0" lang="ru-RU" sz="3200" spc="-1" strike="noStrike">
+          <a:lstStyle/>
+          <a:p>
+            <a:endParaRPr lang="ru-RU" sz="3200" b="0" strike="noStrike" spc="-1">
               <a:latin typeface="Arial"/>
             </a:endParaRPr>
           </a:p>
@@ -287,11 +394,12 @@
           </a:prstGeom>
         </p:spPr>
         <p:txBody>
-          <a:bodyPr lIns="0" rIns="0" tIns="0" bIns="0">
+          <a:bodyPr lIns="0" tIns="0" rIns="0" bIns="0">
             <a:normAutofit/>
           </a:bodyPr>
-          <a:p>
-            <a:endParaRPr b="0" lang="ru-RU" sz="3200" spc="-1" strike="noStrike">
+          <a:lstStyle/>
+          <a:p>
+            <a:endParaRPr lang="ru-RU" sz="3200" b="0" strike="noStrike" spc="-1">
               <a:latin typeface="Arial"/>
             </a:endParaRPr>
           </a:p>
@@ -317,11 +425,12 @@
           </a:prstGeom>
         </p:spPr>
         <p:txBody>
-          <a:bodyPr lIns="0" rIns="0" tIns="0" bIns="0">
+          <a:bodyPr lIns="0" tIns="0" rIns="0" bIns="0">
             <a:normAutofit/>
           </a:bodyPr>
-          <a:p>
-            <a:endParaRPr b="0" lang="ru-RU" sz="3200" spc="-1" strike="noStrike">
+          <a:lstStyle/>
+          <a:p>
+            <a:endParaRPr lang="ru-RU" sz="3200" b="0" strike="noStrike" spc="-1">
               <a:latin typeface="Arial"/>
             </a:endParaRPr>
           </a:p>
@@ -329,11 +438,14 @@
       </p:sp>
     </p:spTree>
   </p:cSld>
+  <p:clrMapOvr>
+    <a:masterClrMapping/>
+  </p:clrMapOvr>
 </p:sldLayout>
 </file>
 
 <file path=ppt/slideLayouts/slideLayout12.xml><?xml version="1.0" encoding="utf-8"?>
-<p:sldLayout xmlns:a="http://schemas.openxmlformats.org/drawingml/2006/main" xmlns:p="http://schemas.openxmlformats.org/presentationml/2006/main" xmlns:r="http://schemas.openxmlformats.org/officeDocument/2006/relationships" xmlns:p14="http://schemas.microsoft.com/office/powerpoint/2010/main" xmlns:p15="http://schemas.microsoft.com/office/powerpoint/2012/main" xmlns:mc="http://schemas.openxmlformats.org/markup-compatibility/2006" type="blank" preserve="1">
+<p:sldLayout xmlns:a="http://schemas.openxmlformats.org/drawingml/2006/main" xmlns:r="http://schemas.openxmlformats.org/officeDocument/2006/relationships" xmlns:p="http://schemas.openxmlformats.org/presentationml/2006/main" type="blank" preserve="1">
   <p:cSld name="Title, 6 Content">
     <p:spTree>
       <p:nvGrpSpPr>
@@ -369,12 +481,13 @@
           </a:prstGeom>
         </p:spPr>
         <p:txBody>
-          <a:bodyPr lIns="0" rIns="0" tIns="0" bIns="0" anchor="ctr">
+          <a:bodyPr lIns="0" tIns="0" rIns="0" bIns="0" anchor="ctr">
             <a:noAutofit/>
           </a:bodyPr>
+          <a:lstStyle/>
           <a:p>
             <a:pPr algn="ctr"/>
-            <a:endParaRPr b="0" lang="ru-RU" sz="4400" spc="-1" strike="noStrike">
+            <a:endParaRPr lang="ru-RU" sz="4400" b="0" strike="noStrike" spc="-1">
               <a:latin typeface="Arial"/>
             </a:endParaRPr>
           </a:p>
@@ -400,11 +513,12 @@
           </a:prstGeom>
         </p:spPr>
         <p:txBody>
-          <a:bodyPr lIns="0" rIns="0" tIns="0" bIns="0">
+          <a:bodyPr lIns="0" tIns="0" rIns="0" bIns="0">
             <a:normAutofit fontScale="88000"/>
           </a:bodyPr>
-          <a:p>
-            <a:endParaRPr b="0" lang="ru-RU" sz="3200" spc="-1" strike="noStrike">
+          <a:lstStyle/>
+          <a:p>
+            <a:endParaRPr lang="ru-RU" sz="3200" b="0" strike="noStrike" spc="-1">
               <a:latin typeface="Arial"/>
             </a:endParaRPr>
           </a:p>
@@ -430,11 +544,12 @@
           </a:prstGeom>
         </p:spPr>
         <p:txBody>
-          <a:bodyPr lIns="0" rIns="0" tIns="0" bIns="0">
+          <a:bodyPr lIns="0" tIns="0" rIns="0" bIns="0">
             <a:normAutofit fontScale="88000"/>
           </a:bodyPr>
-          <a:p>
-            <a:endParaRPr b="0" lang="ru-RU" sz="3200" spc="-1" strike="noStrike">
+          <a:lstStyle/>
+          <a:p>
+            <a:endParaRPr lang="ru-RU" sz="3200" b="0" strike="noStrike" spc="-1">
               <a:latin typeface="Arial"/>
             </a:endParaRPr>
           </a:p>
@@ -460,11 +575,12 @@
           </a:prstGeom>
         </p:spPr>
         <p:txBody>
-          <a:bodyPr lIns="0" rIns="0" tIns="0" bIns="0">
+          <a:bodyPr lIns="0" tIns="0" rIns="0" bIns="0">
             <a:normAutofit fontScale="88000"/>
           </a:bodyPr>
-          <a:p>
-            <a:endParaRPr b="0" lang="ru-RU" sz="3200" spc="-1" strike="noStrike">
+          <a:lstStyle/>
+          <a:p>
+            <a:endParaRPr lang="ru-RU" sz="3200" b="0" strike="noStrike" spc="-1">
               <a:latin typeface="Arial"/>
             </a:endParaRPr>
           </a:p>
@@ -490,11 +606,12 @@
           </a:prstGeom>
         </p:spPr>
         <p:txBody>
-          <a:bodyPr lIns="0" rIns="0" tIns="0" bIns="0">
+          <a:bodyPr lIns="0" tIns="0" rIns="0" bIns="0">
             <a:normAutofit fontScale="88000"/>
           </a:bodyPr>
-          <a:p>
-            <a:endParaRPr b="0" lang="ru-RU" sz="3200" spc="-1" strike="noStrike">
+          <a:lstStyle/>
+          <a:p>
+            <a:endParaRPr lang="ru-RU" sz="3200" b="0" strike="noStrike" spc="-1">
               <a:latin typeface="Arial"/>
             </a:endParaRPr>
           </a:p>
@@ -520,11 +637,12 @@
           </a:prstGeom>
         </p:spPr>
         <p:txBody>
-          <a:bodyPr lIns="0" rIns="0" tIns="0" bIns="0">
+          <a:bodyPr lIns="0" tIns="0" rIns="0" bIns="0">
             <a:normAutofit fontScale="88000"/>
           </a:bodyPr>
-          <a:p>
-            <a:endParaRPr b="0" lang="ru-RU" sz="3200" spc="-1" strike="noStrike">
+          <a:lstStyle/>
+          <a:p>
+            <a:endParaRPr lang="ru-RU" sz="3200" b="0" strike="noStrike" spc="-1">
               <a:latin typeface="Arial"/>
             </a:endParaRPr>
           </a:p>
@@ -550,11 +668,12 @@
           </a:prstGeom>
         </p:spPr>
         <p:txBody>
-          <a:bodyPr lIns="0" rIns="0" tIns="0" bIns="0">
+          <a:bodyPr lIns="0" tIns="0" rIns="0" bIns="0">
             <a:normAutofit fontScale="88000"/>
           </a:bodyPr>
-          <a:p>
-            <a:endParaRPr b="0" lang="ru-RU" sz="3200" spc="-1" strike="noStrike">
+          <a:lstStyle/>
+          <a:p>
+            <a:endParaRPr lang="ru-RU" sz="3200" b="0" strike="noStrike" spc="-1">
               <a:latin typeface="Arial"/>
             </a:endParaRPr>
           </a:p>
@@ -562,11 +681,14 @@
       </p:sp>
     </p:spTree>
   </p:cSld>
+  <p:clrMapOvr>
+    <a:masterClrMapping/>
+  </p:clrMapOvr>
 </p:sldLayout>
 </file>
 
 <file path=ppt/slideLayouts/slideLayout13.xml><?xml version="1.0" encoding="utf-8"?>
-<p:sldLayout xmlns:a="http://schemas.openxmlformats.org/drawingml/2006/main" xmlns:p="http://schemas.openxmlformats.org/presentationml/2006/main" xmlns:r="http://schemas.openxmlformats.org/officeDocument/2006/relationships" xmlns:p14="http://schemas.microsoft.com/office/powerpoint/2010/main" xmlns:p15="http://schemas.microsoft.com/office/powerpoint/2012/main" xmlns:mc="http://schemas.openxmlformats.org/markup-compatibility/2006" type="blank" preserve="1">
+<p:sldLayout xmlns:a="http://schemas.openxmlformats.org/drawingml/2006/main" xmlns:r="http://schemas.openxmlformats.org/officeDocument/2006/relationships" xmlns:p="http://schemas.openxmlformats.org/presentationml/2006/main" type="blank" preserve="1">
   <p:cSld name="Blank Slide">
     <p:spTree>
       <p:nvGrpSpPr>
@@ -584,11 +706,14 @@
       </p:grpSpPr>
     </p:spTree>
   </p:cSld>
+  <p:clrMapOvr>
+    <a:masterClrMapping/>
+  </p:clrMapOvr>
 </p:sldLayout>
 </file>
 
 <file path=ppt/slideLayouts/slideLayout14.xml><?xml version="1.0" encoding="utf-8"?>
-<p:sldLayout xmlns:a="http://schemas.openxmlformats.org/drawingml/2006/main" xmlns:p="http://schemas.openxmlformats.org/presentationml/2006/main" xmlns:r="http://schemas.openxmlformats.org/officeDocument/2006/relationships" xmlns:p14="http://schemas.microsoft.com/office/powerpoint/2010/main" xmlns:p15="http://schemas.microsoft.com/office/powerpoint/2012/main" xmlns:mc="http://schemas.openxmlformats.org/markup-compatibility/2006" type="tx" preserve="1">
+<p:sldLayout xmlns:a="http://schemas.openxmlformats.org/drawingml/2006/main" xmlns:r="http://schemas.openxmlformats.org/officeDocument/2006/relationships" xmlns:p="http://schemas.openxmlformats.org/presentationml/2006/main" type="tx" preserve="1">
   <p:cSld name="Title Slide">
     <p:spTree>
       <p:nvGrpSpPr>
@@ -624,12 +749,13 @@
           </a:prstGeom>
         </p:spPr>
         <p:txBody>
-          <a:bodyPr lIns="0" rIns="0" tIns="0" bIns="0" anchor="ctr">
+          <a:bodyPr lIns="0" tIns="0" rIns="0" bIns="0" anchor="ctr">
             <a:noAutofit/>
           </a:bodyPr>
+          <a:lstStyle/>
           <a:p>
             <a:pPr algn="ctr"/>
-            <a:endParaRPr b="0" lang="ru-RU" sz="4400" spc="-1" strike="noStrike">
+            <a:endParaRPr lang="ru-RU" sz="4400" b="0" strike="noStrike" spc="-1">
               <a:latin typeface="Arial"/>
             </a:endParaRPr>
           </a:p>
@@ -655,12 +781,13 @@
           </a:prstGeom>
         </p:spPr>
         <p:txBody>
-          <a:bodyPr lIns="0" rIns="0" tIns="0" bIns="0" anchor="ctr">
+          <a:bodyPr lIns="0" tIns="0" rIns="0" bIns="0" anchor="ctr">
             <a:noAutofit/>
           </a:bodyPr>
+          <a:lstStyle/>
           <a:p>
             <a:pPr algn="ctr"/>
-            <a:endParaRPr b="0" lang="ru-RU" sz="3200" spc="-1" strike="noStrike">
+            <a:endParaRPr lang="ru-RU" sz="3200" b="0" strike="noStrike" spc="-1">
               <a:latin typeface="Arial"/>
             </a:endParaRPr>
           </a:p>
@@ -668,11 +795,14 @@
       </p:sp>
     </p:spTree>
   </p:cSld>
+  <p:clrMapOvr>
+    <a:masterClrMapping/>
+  </p:clrMapOvr>
 </p:sldLayout>
 </file>
 
 <file path=ppt/slideLayouts/slideLayout15.xml><?xml version="1.0" encoding="utf-8"?>
-<p:sldLayout xmlns:a="http://schemas.openxmlformats.org/drawingml/2006/main" xmlns:p="http://schemas.openxmlformats.org/presentationml/2006/main" xmlns:r="http://schemas.openxmlformats.org/officeDocument/2006/relationships" xmlns:p14="http://schemas.microsoft.com/office/powerpoint/2010/main" xmlns:p15="http://schemas.microsoft.com/office/powerpoint/2012/main" xmlns:mc="http://schemas.openxmlformats.org/markup-compatibility/2006" type="obj" preserve="1">
+<p:sldLayout xmlns:a="http://schemas.openxmlformats.org/drawingml/2006/main" xmlns:r="http://schemas.openxmlformats.org/officeDocument/2006/relationships" xmlns:p="http://schemas.openxmlformats.org/presentationml/2006/main" type="obj" preserve="1">
   <p:cSld name="Title, Content">
     <p:spTree>
       <p:nvGrpSpPr>
@@ -708,12 +838,13 @@
           </a:prstGeom>
         </p:spPr>
         <p:txBody>
-          <a:bodyPr lIns="0" rIns="0" tIns="0" bIns="0" anchor="ctr">
+          <a:bodyPr lIns="0" tIns="0" rIns="0" bIns="0" anchor="ctr">
             <a:noAutofit/>
           </a:bodyPr>
+          <a:lstStyle/>
           <a:p>
             <a:pPr algn="ctr"/>
-            <a:endParaRPr b="0" lang="ru-RU" sz="4400" spc="-1" strike="noStrike">
+            <a:endParaRPr lang="ru-RU" sz="4400" b="0" strike="noStrike" spc="-1">
               <a:latin typeface="Arial"/>
             </a:endParaRPr>
           </a:p>
@@ -739,11 +870,12 @@
           </a:prstGeom>
         </p:spPr>
         <p:txBody>
-          <a:bodyPr lIns="0" rIns="0" tIns="0" bIns="0">
+          <a:bodyPr lIns="0" tIns="0" rIns="0" bIns="0">
             <a:normAutofit/>
           </a:bodyPr>
-          <a:p>
-            <a:endParaRPr b="0" lang="ru-RU" sz="3200" spc="-1" strike="noStrike">
+          <a:lstStyle/>
+          <a:p>
+            <a:endParaRPr lang="ru-RU" sz="3200" b="0" strike="noStrike" spc="-1">
               <a:latin typeface="Arial"/>
             </a:endParaRPr>
           </a:p>
@@ -751,11 +883,14 @@
       </p:sp>
     </p:spTree>
   </p:cSld>
+  <p:clrMapOvr>
+    <a:masterClrMapping/>
+  </p:clrMapOvr>
 </p:sldLayout>
 </file>
 
 <file path=ppt/slideLayouts/slideLayout16.xml><?xml version="1.0" encoding="utf-8"?>
-<p:sldLayout xmlns:a="http://schemas.openxmlformats.org/drawingml/2006/main" xmlns:p="http://schemas.openxmlformats.org/presentationml/2006/main" xmlns:r="http://schemas.openxmlformats.org/officeDocument/2006/relationships" xmlns:p14="http://schemas.microsoft.com/office/powerpoint/2010/main" xmlns:p15="http://schemas.microsoft.com/office/powerpoint/2012/main" xmlns:mc="http://schemas.openxmlformats.org/markup-compatibility/2006" type="twoObj" preserve="1">
+<p:sldLayout xmlns:a="http://schemas.openxmlformats.org/drawingml/2006/main" xmlns:r="http://schemas.openxmlformats.org/officeDocument/2006/relationships" xmlns:p="http://schemas.openxmlformats.org/presentationml/2006/main" type="twoObj" preserve="1">
   <p:cSld name="Title, 2 Content">
     <p:spTree>
       <p:nvGrpSpPr>
@@ -791,12 +926,13 @@
           </a:prstGeom>
         </p:spPr>
         <p:txBody>
-          <a:bodyPr lIns="0" rIns="0" tIns="0" bIns="0" anchor="ctr">
+          <a:bodyPr lIns="0" tIns="0" rIns="0" bIns="0" anchor="ctr">
             <a:noAutofit/>
           </a:bodyPr>
+          <a:lstStyle/>
           <a:p>
             <a:pPr algn="ctr"/>
-            <a:endParaRPr b="0" lang="ru-RU" sz="4400" spc="-1" strike="noStrike">
+            <a:endParaRPr lang="ru-RU" sz="4400" b="0" strike="noStrike" spc="-1">
               <a:latin typeface="Arial"/>
             </a:endParaRPr>
           </a:p>
@@ -822,11 +958,12 @@
           </a:prstGeom>
         </p:spPr>
         <p:txBody>
-          <a:bodyPr lIns="0" rIns="0" tIns="0" bIns="0">
+          <a:bodyPr lIns="0" tIns="0" rIns="0" bIns="0">
             <a:normAutofit/>
           </a:bodyPr>
-          <a:p>
-            <a:endParaRPr b="0" lang="ru-RU" sz="3200" spc="-1" strike="noStrike">
+          <a:lstStyle/>
+          <a:p>
+            <a:endParaRPr lang="ru-RU" sz="3200" b="0" strike="noStrike" spc="-1">
               <a:latin typeface="Arial"/>
             </a:endParaRPr>
           </a:p>
@@ -852,11 +989,12 @@
           </a:prstGeom>
         </p:spPr>
         <p:txBody>
-          <a:bodyPr lIns="0" rIns="0" tIns="0" bIns="0">
+          <a:bodyPr lIns="0" tIns="0" rIns="0" bIns="0">
             <a:normAutofit/>
           </a:bodyPr>
-          <a:p>
-            <a:endParaRPr b="0" lang="ru-RU" sz="3200" spc="-1" strike="noStrike">
+          <a:lstStyle/>
+          <a:p>
+            <a:endParaRPr lang="ru-RU" sz="3200" b="0" strike="noStrike" spc="-1">
               <a:latin typeface="Arial"/>
             </a:endParaRPr>
           </a:p>
@@ -864,11 +1002,14 @@
       </p:sp>
     </p:spTree>
   </p:cSld>
+  <p:clrMapOvr>
+    <a:masterClrMapping/>
+  </p:clrMapOvr>
 </p:sldLayout>
 </file>
 
 <file path=ppt/slideLayouts/slideLayout17.xml><?xml version="1.0" encoding="utf-8"?>
-<p:sldLayout xmlns:a="http://schemas.openxmlformats.org/drawingml/2006/main" xmlns:p="http://schemas.openxmlformats.org/presentationml/2006/main" xmlns:r="http://schemas.openxmlformats.org/officeDocument/2006/relationships" xmlns:p14="http://schemas.microsoft.com/office/powerpoint/2010/main" xmlns:p15="http://schemas.microsoft.com/office/powerpoint/2012/main" xmlns:mc="http://schemas.openxmlformats.org/markup-compatibility/2006" type="titleOnly" preserve="1">
+<p:sldLayout xmlns:a="http://schemas.openxmlformats.org/drawingml/2006/main" xmlns:r="http://schemas.openxmlformats.org/officeDocument/2006/relationships" xmlns:p="http://schemas.openxmlformats.org/presentationml/2006/main" type="titleOnly" preserve="1">
   <p:cSld name="Title Only">
     <p:spTree>
       <p:nvGrpSpPr>
@@ -904,12 +1045,13 @@
           </a:prstGeom>
         </p:spPr>
         <p:txBody>
-          <a:bodyPr lIns="0" rIns="0" tIns="0" bIns="0" anchor="ctr">
+          <a:bodyPr lIns="0" tIns="0" rIns="0" bIns="0" anchor="ctr">
             <a:noAutofit/>
           </a:bodyPr>
+          <a:lstStyle/>
           <a:p>
             <a:pPr algn="ctr"/>
-            <a:endParaRPr b="0" lang="ru-RU" sz="4400" spc="-1" strike="noStrike">
+            <a:endParaRPr lang="ru-RU" sz="4400" b="0" strike="noStrike" spc="-1">
               <a:latin typeface="Arial"/>
             </a:endParaRPr>
           </a:p>
@@ -917,11 +1059,14 @@
       </p:sp>
     </p:spTree>
   </p:cSld>
+  <p:clrMapOvr>
+    <a:masterClrMapping/>
+  </p:clrMapOvr>
 </p:sldLayout>
 </file>
 
 <file path=ppt/slideLayouts/slideLayout18.xml><?xml version="1.0" encoding="utf-8"?>
-<p:sldLayout xmlns:a="http://schemas.openxmlformats.org/drawingml/2006/main" xmlns:p="http://schemas.openxmlformats.org/presentationml/2006/main" xmlns:r="http://schemas.openxmlformats.org/officeDocument/2006/relationships" xmlns:p14="http://schemas.microsoft.com/office/powerpoint/2010/main" xmlns:p15="http://schemas.microsoft.com/office/powerpoint/2012/main" xmlns:mc="http://schemas.openxmlformats.org/markup-compatibility/2006" type="objOnly" preserve="1">
+<p:sldLayout xmlns:a="http://schemas.openxmlformats.org/drawingml/2006/main" xmlns:r="http://schemas.openxmlformats.org/officeDocument/2006/relationships" xmlns:p="http://schemas.openxmlformats.org/presentationml/2006/main" type="objOnly" preserve="1">
   <p:cSld name="Centered Text">
     <p:spTree>
       <p:nvGrpSpPr>
@@ -957,12 +1102,13 @@
           </a:prstGeom>
         </p:spPr>
         <p:txBody>
-          <a:bodyPr lIns="0" rIns="0" tIns="0" bIns="0" anchor="ctr">
+          <a:bodyPr lIns="0" tIns="0" rIns="0" bIns="0" anchor="ctr">
             <a:noAutofit/>
           </a:bodyPr>
+          <a:lstStyle/>
           <a:p>
             <a:pPr algn="ctr"/>
-            <a:endParaRPr b="0" lang="ru-RU" sz="3200" spc="-1" strike="noStrike">
+            <a:endParaRPr lang="ru-RU" sz="3200" b="0" strike="noStrike" spc="-1">
               <a:latin typeface="Arial"/>
             </a:endParaRPr>
           </a:p>
@@ -970,11 +1116,14 @@
       </p:sp>
     </p:spTree>
   </p:cSld>
+  <p:clrMapOvr>
+    <a:masterClrMapping/>
+  </p:clrMapOvr>
 </p:sldLayout>
 </file>
 
 <file path=ppt/slideLayouts/slideLayout19.xml><?xml version="1.0" encoding="utf-8"?>
-<p:sldLayout xmlns:a="http://schemas.openxmlformats.org/drawingml/2006/main" xmlns:p="http://schemas.openxmlformats.org/presentationml/2006/main" xmlns:r="http://schemas.openxmlformats.org/officeDocument/2006/relationships" xmlns:p14="http://schemas.microsoft.com/office/powerpoint/2010/main" xmlns:p15="http://schemas.microsoft.com/office/powerpoint/2012/main" xmlns:mc="http://schemas.openxmlformats.org/markup-compatibility/2006" type="twoObjAndObj" preserve="1">
+<p:sldLayout xmlns:a="http://schemas.openxmlformats.org/drawingml/2006/main" xmlns:r="http://schemas.openxmlformats.org/officeDocument/2006/relationships" xmlns:p="http://schemas.openxmlformats.org/presentationml/2006/main" type="twoObjAndObj" preserve="1">
   <p:cSld name="Title, 2 Content and Content">
     <p:spTree>
       <p:nvGrpSpPr>
@@ -1010,12 +1159,13 @@
           </a:prstGeom>
         </p:spPr>
         <p:txBody>
-          <a:bodyPr lIns="0" rIns="0" tIns="0" bIns="0" anchor="ctr">
+          <a:bodyPr lIns="0" tIns="0" rIns="0" bIns="0" anchor="ctr">
             <a:noAutofit/>
           </a:bodyPr>
+          <a:lstStyle/>
           <a:p>
             <a:pPr algn="ctr"/>
-            <a:endParaRPr b="0" lang="ru-RU" sz="4400" spc="-1" strike="noStrike">
+            <a:endParaRPr lang="ru-RU" sz="4400" b="0" strike="noStrike" spc="-1">
               <a:latin typeface="Arial"/>
             </a:endParaRPr>
           </a:p>
@@ -1041,11 +1191,12 @@
           </a:prstGeom>
         </p:spPr>
         <p:txBody>
-          <a:bodyPr lIns="0" rIns="0" tIns="0" bIns="0">
+          <a:bodyPr lIns="0" tIns="0" rIns="0" bIns="0">
             <a:normAutofit/>
           </a:bodyPr>
-          <a:p>
-            <a:endParaRPr b="0" lang="ru-RU" sz="3200" spc="-1" strike="noStrike">
+          <a:lstStyle/>
+          <a:p>
+            <a:endParaRPr lang="ru-RU" sz="3200" b="0" strike="noStrike" spc="-1">
               <a:latin typeface="Arial"/>
             </a:endParaRPr>
           </a:p>
@@ -1071,11 +1222,12 @@
           </a:prstGeom>
         </p:spPr>
         <p:txBody>
-          <a:bodyPr lIns="0" rIns="0" tIns="0" bIns="0">
+          <a:bodyPr lIns="0" tIns="0" rIns="0" bIns="0">
             <a:normAutofit/>
           </a:bodyPr>
-          <a:p>
-            <a:endParaRPr b="0" lang="ru-RU" sz="3200" spc="-1" strike="noStrike">
+          <a:lstStyle/>
+          <a:p>
+            <a:endParaRPr lang="ru-RU" sz="3200" b="0" strike="noStrike" spc="-1">
               <a:latin typeface="Arial"/>
             </a:endParaRPr>
           </a:p>
@@ -1101,11 +1253,12 @@
           </a:prstGeom>
         </p:spPr>
         <p:txBody>
-          <a:bodyPr lIns="0" rIns="0" tIns="0" bIns="0">
+          <a:bodyPr lIns="0" tIns="0" rIns="0" bIns="0">
             <a:normAutofit/>
           </a:bodyPr>
-          <a:p>
-            <a:endParaRPr b="0" lang="ru-RU" sz="3200" spc="-1" strike="noStrike">
+          <a:lstStyle/>
+          <a:p>
+            <a:endParaRPr lang="ru-RU" sz="3200" b="0" strike="noStrike" spc="-1">
               <a:latin typeface="Arial"/>
             </a:endParaRPr>
           </a:p>
@@ -1113,11 +1266,14 @@
       </p:sp>
     </p:spTree>
   </p:cSld>
+  <p:clrMapOvr>
+    <a:masterClrMapping/>
+  </p:clrMapOvr>
 </p:sldLayout>
 </file>
 
 <file path=ppt/slideLayouts/slideLayout2.xml><?xml version="1.0" encoding="utf-8"?>
-<p:sldLayout xmlns:a="http://schemas.openxmlformats.org/drawingml/2006/main" xmlns:p="http://schemas.openxmlformats.org/presentationml/2006/main" xmlns:r="http://schemas.openxmlformats.org/officeDocument/2006/relationships" xmlns:p14="http://schemas.microsoft.com/office/powerpoint/2010/main" xmlns:p15="http://schemas.microsoft.com/office/powerpoint/2012/main" xmlns:mc="http://schemas.openxmlformats.org/markup-compatibility/2006" type="tx" preserve="1">
+<p:sldLayout xmlns:a="http://schemas.openxmlformats.org/drawingml/2006/main" xmlns:r="http://schemas.openxmlformats.org/officeDocument/2006/relationships" xmlns:p="http://schemas.openxmlformats.org/presentationml/2006/main" type="tx" preserve="1">
   <p:cSld name="Title Slide">
     <p:spTree>
       <p:nvGrpSpPr>
@@ -1153,12 +1309,13 @@
           </a:prstGeom>
         </p:spPr>
         <p:txBody>
-          <a:bodyPr lIns="0" rIns="0" tIns="0" bIns="0" anchor="ctr">
+          <a:bodyPr lIns="0" tIns="0" rIns="0" bIns="0" anchor="ctr">
             <a:noAutofit/>
           </a:bodyPr>
+          <a:lstStyle/>
           <a:p>
             <a:pPr algn="ctr"/>
-            <a:endParaRPr b="0" lang="ru-RU" sz="4400" spc="-1" strike="noStrike">
+            <a:endParaRPr lang="ru-RU" sz="4400" b="0" strike="noStrike" spc="-1">
               <a:latin typeface="Arial"/>
             </a:endParaRPr>
           </a:p>
@@ -1184,12 +1341,13 @@
           </a:prstGeom>
         </p:spPr>
         <p:txBody>
-          <a:bodyPr lIns="0" rIns="0" tIns="0" bIns="0" anchor="ctr">
+          <a:bodyPr lIns="0" tIns="0" rIns="0" bIns="0" anchor="ctr">
             <a:noAutofit/>
           </a:bodyPr>
+          <a:lstStyle/>
           <a:p>
             <a:pPr algn="ctr"/>
-            <a:endParaRPr b="0" lang="ru-RU" sz="3200" spc="-1" strike="noStrike">
+            <a:endParaRPr lang="ru-RU" sz="3200" b="0" strike="noStrike" spc="-1">
               <a:latin typeface="Arial"/>
             </a:endParaRPr>
           </a:p>
@@ -1197,11 +1355,14 @@
       </p:sp>
     </p:spTree>
   </p:cSld>
+  <p:clrMapOvr>
+    <a:masterClrMapping/>
+  </p:clrMapOvr>
 </p:sldLayout>
 </file>
 
 <file path=ppt/slideLayouts/slideLayout20.xml><?xml version="1.0" encoding="utf-8"?>
-<p:sldLayout xmlns:a="http://schemas.openxmlformats.org/drawingml/2006/main" xmlns:p="http://schemas.openxmlformats.org/presentationml/2006/main" xmlns:r="http://schemas.openxmlformats.org/officeDocument/2006/relationships" xmlns:p14="http://schemas.microsoft.com/office/powerpoint/2010/main" xmlns:p15="http://schemas.microsoft.com/office/powerpoint/2012/main" xmlns:mc="http://schemas.openxmlformats.org/markup-compatibility/2006" type="objAndTwoObj" preserve="1">
+<p:sldLayout xmlns:a="http://schemas.openxmlformats.org/drawingml/2006/main" xmlns:r="http://schemas.openxmlformats.org/officeDocument/2006/relationships" xmlns:p="http://schemas.openxmlformats.org/presentationml/2006/main" type="objAndTwoObj" preserve="1">
   <p:cSld name="Title Content and 2 Content">
     <p:spTree>
       <p:nvGrpSpPr>
@@ -1237,12 +1398,13 @@
           </a:prstGeom>
         </p:spPr>
         <p:txBody>
-          <a:bodyPr lIns="0" rIns="0" tIns="0" bIns="0" anchor="ctr">
+          <a:bodyPr lIns="0" tIns="0" rIns="0" bIns="0" anchor="ctr">
             <a:noAutofit/>
           </a:bodyPr>
+          <a:lstStyle/>
           <a:p>
             <a:pPr algn="ctr"/>
-            <a:endParaRPr b="0" lang="ru-RU" sz="4400" spc="-1" strike="noStrike">
+            <a:endParaRPr lang="ru-RU" sz="4400" b="0" strike="noStrike" spc="-1">
               <a:latin typeface="Arial"/>
             </a:endParaRPr>
           </a:p>
@@ -1268,11 +1430,12 @@
           </a:prstGeom>
         </p:spPr>
         <p:txBody>
-          <a:bodyPr lIns="0" rIns="0" tIns="0" bIns="0">
+          <a:bodyPr lIns="0" tIns="0" rIns="0" bIns="0">
             <a:normAutofit/>
           </a:bodyPr>
-          <a:p>
-            <a:endParaRPr b="0" lang="ru-RU" sz="3200" spc="-1" strike="noStrike">
+          <a:lstStyle/>
+          <a:p>
+            <a:endParaRPr lang="ru-RU" sz="3200" b="0" strike="noStrike" spc="-1">
               <a:latin typeface="Arial"/>
             </a:endParaRPr>
           </a:p>
@@ -1298,11 +1461,12 @@
           </a:prstGeom>
         </p:spPr>
         <p:txBody>
-          <a:bodyPr lIns="0" rIns="0" tIns="0" bIns="0">
+          <a:bodyPr lIns="0" tIns="0" rIns="0" bIns="0">
             <a:normAutofit/>
           </a:bodyPr>
-          <a:p>
-            <a:endParaRPr b="0" lang="ru-RU" sz="3200" spc="-1" strike="noStrike">
+          <a:lstStyle/>
+          <a:p>
+            <a:endParaRPr lang="ru-RU" sz="3200" b="0" strike="noStrike" spc="-1">
               <a:latin typeface="Arial"/>
             </a:endParaRPr>
           </a:p>
@@ -1328,11 +1492,12 @@
           </a:prstGeom>
         </p:spPr>
         <p:txBody>
-          <a:bodyPr lIns="0" rIns="0" tIns="0" bIns="0">
+          <a:bodyPr lIns="0" tIns="0" rIns="0" bIns="0">
             <a:normAutofit/>
           </a:bodyPr>
-          <a:p>
-            <a:endParaRPr b="0" lang="ru-RU" sz="3200" spc="-1" strike="noStrike">
+          <a:lstStyle/>
+          <a:p>
+            <a:endParaRPr lang="ru-RU" sz="3200" b="0" strike="noStrike" spc="-1">
               <a:latin typeface="Arial"/>
             </a:endParaRPr>
           </a:p>
@@ -1340,11 +1505,14 @@
       </p:sp>
     </p:spTree>
   </p:cSld>
+  <p:clrMapOvr>
+    <a:masterClrMapping/>
+  </p:clrMapOvr>
 </p:sldLayout>
 </file>
 
 <file path=ppt/slideLayouts/slideLayout21.xml><?xml version="1.0" encoding="utf-8"?>
-<p:sldLayout xmlns:a="http://schemas.openxmlformats.org/drawingml/2006/main" xmlns:p="http://schemas.openxmlformats.org/presentationml/2006/main" xmlns:r="http://schemas.openxmlformats.org/officeDocument/2006/relationships" xmlns:p14="http://schemas.microsoft.com/office/powerpoint/2010/main" xmlns:p15="http://schemas.microsoft.com/office/powerpoint/2012/main" xmlns:mc="http://schemas.openxmlformats.org/markup-compatibility/2006" type="twoObjOverTx" preserve="1">
+<p:sldLayout xmlns:a="http://schemas.openxmlformats.org/drawingml/2006/main" xmlns:r="http://schemas.openxmlformats.org/officeDocument/2006/relationships" xmlns:p="http://schemas.openxmlformats.org/presentationml/2006/main" type="twoObjOverTx" preserve="1">
   <p:cSld name="Title, 2 Content over Content">
     <p:spTree>
       <p:nvGrpSpPr>
@@ -1380,12 +1548,13 @@
           </a:prstGeom>
         </p:spPr>
         <p:txBody>
-          <a:bodyPr lIns="0" rIns="0" tIns="0" bIns="0" anchor="ctr">
+          <a:bodyPr lIns="0" tIns="0" rIns="0" bIns="0" anchor="ctr">
             <a:noAutofit/>
           </a:bodyPr>
+          <a:lstStyle/>
           <a:p>
             <a:pPr algn="ctr"/>
-            <a:endParaRPr b="0" lang="ru-RU" sz="4400" spc="-1" strike="noStrike">
+            <a:endParaRPr lang="ru-RU" sz="4400" b="0" strike="noStrike" spc="-1">
               <a:latin typeface="Arial"/>
             </a:endParaRPr>
           </a:p>
@@ -1411,11 +1580,12 @@
           </a:prstGeom>
         </p:spPr>
         <p:txBody>
-          <a:bodyPr lIns="0" rIns="0" tIns="0" bIns="0">
+          <a:bodyPr lIns="0" tIns="0" rIns="0" bIns="0">
             <a:normAutofit/>
           </a:bodyPr>
-          <a:p>
-            <a:endParaRPr b="0" lang="ru-RU" sz="3200" spc="-1" strike="noStrike">
+          <a:lstStyle/>
+          <a:p>
+            <a:endParaRPr lang="ru-RU" sz="3200" b="0" strike="noStrike" spc="-1">
               <a:latin typeface="Arial"/>
             </a:endParaRPr>
           </a:p>
@@ -1441,11 +1611,12 @@
           </a:prstGeom>
         </p:spPr>
         <p:txBody>
-          <a:bodyPr lIns="0" rIns="0" tIns="0" bIns="0">
+          <a:bodyPr lIns="0" tIns="0" rIns="0" bIns="0">
             <a:normAutofit/>
           </a:bodyPr>
-          <a:p>
-            <a:endParaRPr b="0" lang="ru-RU" sz="3200" spc="-1" strike="noStrike">
+          <a:lstStyle/>
+          <a:p>
+            <a:endParaRPr lang="ru-RU" sz="3200" b="0" strike="noStrike" spc="-1">
               <a:latin typeface="Arial"/>
             </a:endParaRPr>
           </a:p>
@@ -1471,11 +1642,12 @@
           </a:prstGeom>
         </p:spPr>
         <p:txBody>
-          <a:bodyPr lIns="0" rIns="0" tIns="0" bIns="0">
+          <a:bodyPr lIns="0" tIns="0" rIns="0" bIns="0">
             <a:normAutofit/>
           </a:bodyPr>
-          <a:p>
-            <a:endParaRPr b="0" lang="ru-RU" sz="3200" spc="-1" strike="noStrike">
+          <a:lstStyle/>
+          <a:p>
+            <a:endParaRPr lang="ru-RU" sz="3200" b="0" strike="noStrike" spc="-1">
               <a:latin typeface="Arial"/>
             </a:endParaRPr>
           </a:p>
@@ -1483,11 +1655,14 @@
       </p:sp>
     </p:spTree>
   </p:cSld>
+  <p:clrMapOvr>
+    <a:masterClrMapping/>
+  </p:clrMapOvr>
 </p:sldLayout>
 </file>
 
 <file path=ppt/slideLayouts/slideLayout22.xml><?xml version="1.0" encoding="utf-8"?>
-<p:sldLayout xmlns:a="http://schemas.openxmlformats.org/drawingml/2006/main" xmlns:p="http://schemas.openxmlformats.org/presentationml/2006/main" xmlns:r="http://schemas.openxmlformats.org/officeDocument/2006/relationships" xmlns:p14="http://schemas.microsoft.com/office/powerpoint/2010/main" xmlns:p15="http://schemas.microsoft.com/office/powerpoint/2012/main" xmlns:mc="http://schemas.openxmlformats.org/markup-compatibility/2006" type="objOverTx" preserve="1">
+<p:sldLayout xmlns:a="http://schemas.openxmlformats.org/drawingml/2006/main" xmlns:r="http://schemas.openxmlformats.org/officeDocument/2006/relationships" xmlns:p="http://schemas.openxmlformats.org/presentationml/2006/main" type="objOverTx" preserve="1">
   <p:cSld name="Title, Content over Content">
     <p:spTree>
       <p:nvGrpSpPr>
@@ -1523,12 +1698,13 @@
           </a:prstGeom>
         </p:spPr>
         <p:txBody>
-          <a:bodyPr lIns="0" rIns="0" tIns="0" bIns="0" anchor="ctr">
+          <a:bodyPr lIns="0" tIns="0" rIns="0" bIns="0" anchor="ctr">
             <a:noAutofit/>
           </a:bodyPr>
+          <a:lstStyle/>
           <a:p>
             <a:pPr algn="ctr"/>
-            <a:endParaRPr b="0" lang="ru-RU" sz="4400" spc="-1" strike="noStrike">
+            <a:endParaRPr lang="ru-RU" sz="4400" b="0" strike="noStrike" spc="-1">
               <a:latin typeface="Arial"/>
             </a:endParaRPr>
           </a:p>
@@ -1554,11 +1730,12 @@
           </a:prstGeom>
         </p:spPr>
         <p:txBody>
-          <a:bodyPr lIns="0" rIns="0" tIns="0" bIns="0">
+          <a:bodyPr lIns="0" tIns="0" rIns="0" bIns="0">
             <a:normAutofit/>
           </a:bodyPr>
-          <a:p>
-            <a:endParaRPr b="0" lang="ru-RU" sz="3200" spc="-1" strike="noStrike">
+          <a:lstStyle/>
+          <a:p>
+            <a:endParaRPr lang="ru-RU" sz="3200" b="0" strike="noStrike" spc="-1">
               <a:latin typeface="Arial"/>
             </a:endParaRPr>
           </a:p>
@@ -1584,11 +1761,12 @@
           </a:prstGeom>
         </p:spPr>
         <p:txBody>
-          <a:bodyPr lIns="0" rIns="0" tIns="0" bIns="0">
+          <a:bodyPr lIns="0" tIns="0" rIns="0" bIns="0">
             <a:normAutofit/>
           </a:bodyPr>
-          <a:p>
-            <a:endParaRPr b="0" lang="ru-RU" sz="3200" spc="-1" strike="noStrike">
+          <a:lstStyle/>
+          <a:p>
+            <a:endParaRPr lang="ru-RU" sz="3200" b="0" strike="noStrike" spc="-1">
               <a:latin typeface="Arial"/>
             </a:endParaRPr>
           </a:p>
@@ -1596,11 +1774,14 @@
       </p:sp>
     </p:spTree>
   </p:cSld>
+  <p:clrMapOvr>
+    <a:masterClrMapping/>
+  </p:clrMapOvr>
 </p:sldLayout>
 </file>
 
 <file path=ppt/slideLayouts/slideLayout23.xml><?xml version="1.0" encoding="utf-8"?>
-<p:sldLayout xmlns:a="http://schemas.openxmlformats.org/drawingml/2006/main" xmlns:p="http://schemas.openxmlformats.org/presentationml/2006/main" xmlns:r="http://schemas.openxmlformats.org/officeDocument/2006/relationships" xmlns:p14="http://schemas.microsoft.com/office/powerpoint/2010/main" xmlns:p15="http://schemas.microsoft.com/office/powerpoint/2012/main" xmlns:mc="http://schemas.openxmlformats.org/markup-compatibility/2006" type="fourObj" preserve="1">
+<p:sldLayout xmlns:a="http://schemas.openxmlformats.org/drawingml/2006/main" xmlns:r="http://schemas.openxmlformats.org/officeDocument/2006/relationships" xmlns:p="http://schemas.openxmlformats.org/presentationml/2006/main" type="fourObj" preserve="1">
   <p:cSld name="Title, 4 Content">
     <p:spTree>
       <p:nvGrpSpPr>
@@ -1636,12 +1817,13 @@
           </a:prstGeom>
         </p:spPr>
         <p:txBody>
-          <a:bodyPr lIns="0" rIns="0" tIns="0" bIns="0" anchor="ctr">
+          <a:bodyPr lIns="0" tIns="0" rIns="0" bIns="0" anchor="ctr">
             <a:noAutofit/>
           </a:bodyPr>
+          <a:lstStyle/>
           <a:p>
             <a:pPr algn="ctr"/>
-            <a:endParaRPr b="0" lang="ru-RU" sz="4400" spc="-1" strike="noStrike">
+            <a:endParaRPr lang="ru-RU" sz="4400" b="0" strike="noStrike" spc="-1">
               <a:latin typeface="Arial"/>
             </a:endParaRPr>
           </a:p>
@@ -1667,11 +1849,12 @@
           </a:prstGeom>
         </p:spPr>
         <p:txBody>
-          <a:bodyPr lIns="0" rIns="0" tIns="0" bIns="0">
+          <a:bodyPr lIns="0" tIns="0" rIns="0" bIns="0">
             <a:normAutofit/>
           </a:bodyPr>
-          <a:p>
-            <a:endParaRPr b="0" lang="ru-RU" sz="3200" spc="-1" strike="noStrike">
+          <a:lstStyle/>
+          <a:p>
+            <a:endParaRPr lang="ru-RU" sz="3200" b="0" strike="noStrike" spc="-1">
               <a:latin typeface="Arial"/>
             </a:endParaRPr>
           </a:p>
@@ -1697,11 +1880,12 @@
           </a:prstGeom>
         </p:spPr>
         <p:txBody>
-          <a:bodyPr lIns="0" rIns="0" tIns="0" bIns="0">
+          <a:bodyPr lIns="0" tIns="0" rIns="0" bIns="0">
             <a:normAutofit/>
           </a:bodyPr>
-          <a:p>
-            <a:endParaRPr b="0" lang="ru-RU" sz="3200" spc="-1" strike="noStrike">
+          <a:lstStyle/>
+          <a:p>
+            <a:endParaRPr lang="ru-RU" sz="3200" b="0" strike="noStrike" spc="-1">
               <a:latin typeface="Arial"/>
             </a:endParaRPr>
           </a:p>
@@ -1727,11 +1911,12 @@
           </a:prstGeom>
         </p:spPr>
         <p:txBody>
-          <a:bodyPr lIns="0" rIns="0" tIns="0" bIns="0">
+          <a:bodyPr lIns="0" tIns="0" rIns="0" bIns="0">
             <a:normAutofit/>
           </a:bodyPr>
-          <a:p>
-            <a:endParaRPr b="0" lang="ru-RU" sz="3200" spc="-1" strike="noStrike">
+          <a:lstStyle/>
+          <a:p>
+            <a:endParaRPr lang="ru-RU" sz="3200" b="0" strike="noStrike" spc="-1">
               <a:latin typeface="Arial"/>
             </a:endParaRPr>
           </a:p>
@@ -1757,11 +1942,12 @@
           </a:prstGeom>
         </p:spPr>
         <p:txBody>
-          <a:bodyPr lIns="0" rIns="0" tIns="0" bIns="0">
+          <a:bodyPr lIns="0" tIns="0" rIns="0" bIns="0">
             <a:normAutofit/>
           </a:bodyPr>
-          <a:p>
-            <a:endParaRPr b="0" lang="ru-RU" sz="3200" spc="-1" strike="noStrike">
+          <a:lstStyle/>
+          <a:p>
+            <a:endParaRPr lang="ru-RU" sz="3200" b="0" strike="noStrike" spc="-1">
               <a:latin typeface="Arial"/>
             </a:endParaRPr>
           </a:p>
@@ -1769,11 +1955,14 @@
       </p:sp>
     </p:spTree>
   </p:cSld>
+  <p:clrMapOvr>
+    <a:masterClrMapping/>
+  </p:clrMapOvr>
 </p:sldLayout>
 </file>
 
 <file path=ppt/slideLayouts/slideLayout24.xml><?xml version="1.0" encoding="utf-8"?>
-<p:sldLayout xmlns:a="http://schemas.openxmlformats.org/drawingml/2006/main" xmlns:p="http://schemas.openxmlformats.org/presentationml/2006/main" xmlns:r="http://schemas.openxmlformats.org/officeDocument/2006/relationships" xmlns:p14="http://schemas.microsoft.com/office/powerpoint/2010/main" xmlns:p15="http://schemas.microsoft.com/office/powerpoint/2012/main" xmlns:mc="http://schemas.openxmlformats.org/markup-compatibility/2006" type="blank" preserve="1">
+<p:sldLayout xmlns:a="http://schemas.openxmlformats.org/drawingml/2006/main" xmlns:r="http://schemas.openxmlformats.org/officeDocument/2006/relationships" xmlns:p="http://schemas.openxmlformats.org/presentationml/2006/main" type="blank" preserve="1">
   <p:cSld name="Title, 6 Content">
     <p:spTree>
       <p:nvGrpSpPr>
@@ -1809,12 +1998,13 @@
           </a:prstGeom>
         </p:spPr>
         <p:txBody>
-          <a:bodyPr lIns="0" rIns="0" tIns="0" bIns="0" anchor="ctr">
+          <a:bodyPr lIns="0" tIns="0" rIns="0" bIns="0" anchor="ctr">
             <a:noAutofit/>
           </a:bodyPr>
+          <a:lstStyle/>
           <a:p>
             <a:pPr algn="ctr"/>
-            <a:endParaRPr b="0" lang="ru-RU" sz="4400" spc="-1" strike="noStrike">
+            <a:endParaRPr lang="ru-RU" sz="4400" b="0" strike="noStrike" spc="-1">
               <a:latin typeface="Arial"/>
             </a:endParaRPr>
           </a:p>
@@ -1840,11 +2030,12 @@
           </a:prstGeom>
         </p:spPr>
         <p:txBody>
-          <a:bodyPr lIns="0" rIns="0" tIns="0" bIns="0">
+          <a:bodyPr lIns="0" tIns="0" rIns="0" bIns="0">
             <a:normAutofit fontScale="88000"/>
           </a:bodyPr>
-          <a:p>
-            <a:endParaRPr b="0" lang="ru-RU" sz="3200" spc="-1" strike="noStrike">
+          <a:lstStyle/>
+          <a:p>
+            <a:endParaRPr lang="ru-RU" sz="3200" b="0" strike="noStrike" spc="-1">
               <a:latin typeface="Arial"/>
             </a:endParaRPr>
           </a:p>
@@ -1870,11 +2061,12 @@
           </a:prstGeom>
         </p:spPr>
         <p:txBody>
-          <a:bodyPr lIns="0" rIns="0" tIns="0" bIns="0">
+          <a:bodyPr lIns="0" tIns="0" rIns="0" bIns="0">
             <a:normAutofit fontScale="88000"/>
           </a:bodyPr>
-          <a:p>
-            <a:endParaRPr b="0" lang="ru-RU" sz="3200" spc="-1" strike="noStrike">
+          <a:lstStyle/>
+          <a:p>
+            <a:endParaRPr lang="ru-RU" sz="3200" b="0" strike="noStrike" spc="-1">
               <a:latin typeface="Arial"/>
             </a:endParaRPr>
           </a:p>
@@ -1900,11 +2092,12 @@
           </a:prstGeom>
         </p:spPr>
         <p:txBody>
-          <a:bodyPr lIns="0" rIns="0" tIns="0" bIns="0">
+          <a:bodyPr lIns="0" tIns="0" rIns="0" bIns="0">
             <a:normAutofit fontScale="88000"/>
           </a:bodyPr>
-          <a:p>
-            <a:endParaRPr b="0" lang="ru-RU" sz="3200" spc="-1" strike="noStrike">
+          <a:lstStyle/>
+          <a:p>
+            <a:endParaRPr lang="ru-RU" sz="3200" b="0" strike="noStrike" spc="-1">
               <a:latin typeface="Arial"/>
             </a:endParaRPr>
           </a:p>
@@ -1930,11 +2123,12 @@
           </a:prstGeom>
         </p:spPr>
         <p:txBody>
-          <a:bodyPr lIns="0" rIns="0" tIns="0" bIns="0">
+          <a:bodyPr lIns="0" tIns="0" rIns="0" bIns="0">
             <a:normAutofit fontScale="88000"/>
           </a:bodyPr>
-          <a:p>
-            <a:endParaRPr b="0" lang="ru-RU" sz="3200" spc="-1" strike="noStrike">
+          <a:lstStyle/>
+          <a:p>
+            <a:endParaRPr lang="ru-RU" sz="3200" b="0" strike="noStrike" spc="-1">
               <a:latin typeface="Arial"/>
             </a:endParaRPr>
           </a:p>
@@ -1960,11 +2154,12 @@
           </a:prstGeom>
         </p:spPr>
         <p:txBody>
-          <a:bodyPr lIns="0" rIns="0" tIns="0" bIns="0">
+          <a:bodyPr lIns="0" tIns="0" rIns="0" bIns="0">
             <a:normAutofit fontScale="88000"/>
           </a:bodyPr>
-          <a:p>
-            <a:endParaRPr b="0" lang="ru-RU" sz="3200" spc="-1" strike="noStrike">
+          <a:lstStyle/>
+          <a:p>
+            <a:endParaRPr lang="ru-RU" sz="3200" b="0" strike="noStrike" spc="-1">
               <a:latin typeface="Arial"/>
             </a:endParaRPr>
           </a:p>
@@ -1990,11 +2185,12 @@
           </a:prstGeom>
         </p:spPr>
         <p:txBody>
-          <a:bodyPr lIns="0" rIns="0" tIns="0" bIns="0">
+          <a:bodyPr lIns="0" tIns="0" rIns="0" bIns="0">
             <a:normAutofit fontScale="88000"/>
           </a:bodyPr>
-          <a:p>
-            <a:endParaRPr b="0" lang="ru-RU" sz="3200" spc="-1" strike="noStrike">
+          <a:lstStyle/>
+          <a:p>
+            <a:endParaRPr lang="ru-RU" sz="3200" b="0" strike="noStrike" spc="-1">
               <a:latin typeface="Arial"/>
             </a:endParaRPr>
           </a:p>
@@ -2002,11 +2198,14 @@
       </p:sp>
     </p:spTree>
   </p:cSld>
+  <p:clrMapOvr>
+    <a:masterClrMapping/>
+  </p:clrMapOvr>
 </p:sldLayout>
 </file>
 
 <file path=ppt/slideLayouts/slideLayout3.xml><?xml version="1.0" encoding="utf-8"?>
-<p:sldLayout xmlns:a="http://schemas.openxmlformats.org/drawingml/2006/main" xmlns:p="http://schemas.openxmlformats.org/presentationml/2006/main" xmlns:r="http://schemas.openxmlformats.org/officeDocument/2006/relationships" xmlns:p14="http://schemas.microsoft.com/office/powerpoint/2010/main" xmlns:p15="http://schemas.microsoft.com/office/powerpoint/2012/main" xmlns:mc="http://schemas.openxmlformats.org/markup-compatibility/2006" type="obj" preserve="1">
+<p:sldLayout xmlns:a="http://schemas.openxmlformats.org/drawingml/2006/main" xmlns:r="http://schemas.openxmlformats.org/officeDocument/2006/relationships" xmlns:p="http://schemas.openxmlformats.org/presentationml/2006/main" type="obj" preserve="1">
   <p:cSld name="Title, Content">
     <p:spTree>
       <p:nvGrpSpPr>
@@ -2042,12 +2241,13 @@
           </a:prstGeom>
         </p:spPr>
         <p:txBody>
-          <a:bodyPr lIns="0" rIns="0" tIns="0" bIns="0" anchor="ctr">
+          <a:bodyPr lIns="0" tIns="0" rIns="0" bIns="0" anchor="ctr">
             <a:noAutofit/>
           </a:bodyPr>
+          <a:lstStyle/>
           <a:p>
             <a:pPr algn="ctr"/>
-            <a:endParaRPr b="0" lang="ru-RU" sz="4400" spc="-1" strike="noStrike">
+            <a:endParaRPr lang="ru-RU" sz="4400" b="0" strike="noStrike" spc="-1">
               <a:latin typeface="Arial"/>
             </a:endParaRPr>
           </a:p>
@@ -2073,11 +2273,12 @@
           </a:prstGeom>
         </p:spPr>
         <p:txBody>
-          <a:bodyPr lIns="0" rIns="0" tIns="0" bIns="0">
+          <a:bodyPr lIns="0" tIns="0" rIns="0" bIns="0">
             <a:normAutofit/>
           </a:bodyPr>
-          <a:p>
-            <a:endParaRPr b="0" lang="ru-RU" sz="3200" spc="-1" strike="noStrike">
+          <a:lstStyle/>
+          <a:p>
+            <a:endParaRPr lang="ru-RU" sz="3200" b="0" strike="noStrike" spc="-1">
               <a:latin typeface="Arial"/>
             </a:endParaRPr>
           </a:p>
@@ -2085,11 +2286,14 @@
       </p:sp>
     </p:spTree>
   </p:cSld>
+  <p:clrMapOvr>
+    <a:masterClrMapping/>
+  </p:clrMapOvr>
 </p:sldLayout>
 </file>
 
 <file path=ppt/slideLayouts/slideLayout4.xml><?xml version="1.0" encoding="utf-8"?>
-<p:sldLayout xmlns:a="http://schemas.openxmlformats.org/drawingml/2006/main" xmlns:p="http://schemas.openxmlformats.org/presentationml/2006/main" xmlns:r="http://schemas.openxmlformats.org/officeDocument/2006/relationships" xmlns:p14="http://schemas.microsoft.com/office/powerpoint/2010/main" xmlns:p15="http://schemas.microsoft.com/office/powerpoint/2012/main" xmlns:mc="http://schemas.openxmlformats.org/markup-compatibility/2006" type="twoObj" preserve="1">
+<p:sldLayout xmlns:a="http://schemas.openxmlformats.org/drawingml/2006/main" xmlns:r="http://schemas.openxmlformats.org/officeDocument/2006/relationships" xmlns:p="http://schemas.openxmlformats.org/presentationml/2006/main" type="twoObj" preserve="1">
   <p:cSld name="Title, 2 Content">
     <p:spTree>
       <p:nvGrpSpPr>
@@ -2125,12 +2329,13 @@
           </a:prstGeom>
         </p:spPr>
         <p:txBody>
-          <a:bodyPr lIns="0" rIns="0" tIns="0" bIns="0" anchor="ctr">
+          <a:bodyPr lIns="0" tIns="0" rIns="0" bIns="0" anchor="ctr">
             <a:noAutofit/>
           </a:bodyPr>
+          <a:lstStyle/>
           <a:p>
             <a:pPr algn="ctr"/>
-            <a:endParaRPr b="0" lang="ru-RU" sz="4400" spc="-1" strike="noStrike">
+            <a:endParaRPr lang="ru-RU" sz="4400" b="0" strike="noStrike" spc="-1">
               <a:latin typeface="Arial"/>
             </a:endParaRPr>
           </a:p>
@@ -2156,11 +2361,12 @@
           </a:prstGeom>
         </p:spPr>
         <p:txBody>
-          <a:bodyPr lIns="0" rIns="0" tIns="0" bIns="0">
+          <a:bodyPr lIns="0" tIns="0" rIns="0" bIns="0">
             <a:normAutofit/>
           </a:bodyPr>
-          <a:p>
-            <a:endParaRPr b="0" lang="ru-RU" sz="3200" spc="-1" strike="noStrike">
+          <a:lstStyle/>
+          <a:p>
+            <a:endParaRPr lang="ru-RU" sz="3200" b="0" strike="noStrike" spc="-1">
               <a:latin typeface="Arial"/>
             </a:endParaRPr>
           </a:p>
@@ -2186,11 +2392,12 @@
           </a:prstGeom>
         </p:spPr>
         <p:txBody>
-          <a:bodyPr lIns="0" rIns="0" tIns="0" bIns="0">
+          <a:bodyPr lIns="0" tIns="0" rIns="0" bIns="0">
             <a:normAutofit/>
           </a:bodyPr>
-          <a:p>
-            <a:endParaRPr b="0" lang="ru-RU" sz="3200" spc="-1" strike="noStrike">
+          <a:lstStyle/>
+          <a:p>
+            <a:endParaRPr lang="ru-RU" sz="3200" b="0" strike="noStrike" spc="-1">
               <a:latin typeface="Arial"/>
             </a:endParaRPr>
           </a:p>
@@ -2198,11 +2405,14 @@
       </p:sp>
     </p:spTree>
   </p:cSld>
+  <p:clrMapOvr>
+    <a:masterClrMapping/>
+  </p:clrMapOvr>
 </p:sldLayout>
 </file>
 
 <file path=ppt/slideLayouts/slideLayout5.xml><?xml version="1.0" encoding="utf-8"?>
-<p:sldLayout xmlns:a="http://schemas.openxmlformats.org/drawingml/2006/main" xmlns:p="http://schemas.openxmlformats.org/presentationml/2006/main" xmlns:r="http://schemas.openxmlformats.org/officeDocument/2006/relationships" xmlns:p14="http://schemas.microsoft.com/office/powerpoint/2010/main" xmlns:p15="http://schemas.microsoft.com/office/powerpoint/2012/main" xmlns:mc="http://schemas.openxmlformats.org/markup-compatibility/2006" type="titleOnly" preserve="1">
+<p:sldLayout xmlns:a="http://schemas.openxmlformats.org/drawingml/2006/main" xmlns:r="http://schemas.openxmlformats.org/officeDocument/2006/relationships" xmlns:p="http://schemas.openxmlformats.org/presentationml/2006/main" type="titleOnly" preserve="1">
   <p:cSld name="Title Only">
     <p:spTree>
       <p:nvGrpSpPr>
@@ -2238,12 +2448,13 @@
           </a:prstGeom>
         </p:spPr>
         <p:txBody>
-          <a:bodyPr lIns="0" rIns="0" tIns="0" bIns="0" anchor="ctr">
+          <a:bodyPr lIns="0" tIns="0" rIns="0" bIns="0" anchor="ctr">
             <a:noAutofit/>
           </a:bodyPr>
+          <a:lstStyle/>
           <a:p>
             <a:pPr algn="ctr"/>
-            <a:endParaRPr b="0" lang="ru-RU" sz="4400" spc="-1" strike="noStrike">
+            <a:endParaRPr lang="ru-RU" sz="4400" b="0" strike="noStrike" spc="-1">
               <a:latin typeface="Arial"/>
             </a:endParaRPr>
           </a:p>
@@ -2251,11 +2462,14 @@
       </p:sp>
     </p:spTree>
   </p:cSld>
+  <p:clrMapOvr>
+    <a:masterClrMapping/>
+  </p:clrMapOvr>
 </p:sldLayout>
 </file>
 
 <file path=ppt/slideLayouts/slideLayout6.xml><?xml version="1.0" encoding="utf-8"?>
-<p:sldLayout xmlns:a="http://schemas.openxmlformats.org/drawingml/2006/main" xmlns:p="http://schemas.openxmlformats.org/presentationml/2006/main" xmlns:r="http://schemas.openxmlformats.org/officeDocument/2006/relationships" xmlns:p14="http://schemas.microsoft.com/office/powerpoint/2010/main" xmlns:p15="http://schemas.microsoft.com/office/powerpoint/2012/main" xmlns:mc="http://schemas.openxmlformats.org/markup-compatibility/2006" type="objOnly" preserve="1">
+<p:sldLayout xmlns:a="http://schemas.openxmlformats.org/drawingml/2006/main" xmlns:r="http://schemas.openxmlformats.org/officeDocument/2006/relationships" xmlns:p="http://schemas.openxmlformats.org/presentationml/2006/main" type="objOnly" preserve="1">
   <p:cSld name="Centered Text">
     <p:spTree>
       <p:nvGrpSpPr>
@@ -2291,12 +2505,13 @@
           </a:prstGeom>
         </p:spPr>
         <p:txBody>
-          <a:bodyPr lIns="0" rIns="0" tIns="0" bIns="0" anchor="ctr">
+          <a:bodyPr lIns="0" tIns="0" rIns="0" bIns="0" anchor="ctr">
             <a:noAutofit/>
           </a:bodyPr>
+          <a:lstStyle/>
           <a:p>
             <a:pPr algn="ctr"/>
-            <a:endParaRPr b="0" lang="ru-RU" sz="3200" spc="-1" strike="noStrike">
+            <a:endParaRPr lang="ru-RU" sz="3200" b="0" strike="noStrike" spc="-1">
               <a:latin typeface="Arial"/>
             </a:endParaRPr>
           </a:p>
@@ -2304,11 +2519,14 @@
       </p:sp>
     </p:spTree>
   </p:cSld>
+  <p:clrMapOvr>
+    <a:masterClrMapping/>
+  </p:clrMapOvr>
 </p:sldLayout>
 </file>
 
 <file path=ppt/slideLayouts/slideLayout7.xml><?xml version="1.0" encoding="utf-8"?>
-<p:sldLayout xmlns:a="http://schemas.openxmlformats.org/drawingml/2006/main" xmlns:p="http://schemas.openxmlformats.org/presentationml/2006/main" xmlns:r="http://schemas.openxmlformats.org/officeDocument/2006/relationships" xmlns:p14="http://schemas.microsoft.com/office/powerpoint/2010/main" xmlns:p15="http://schemas.microsoft.com/office/powerpoint/2012/main" xmlns:mc="http://schemas.openxmlformats.org/markup-compatibility/2006" type="twoObjAndObj" preserve="1">
+<p:sldLayout xmlns:a="http://schemas.openxmlformats.org/drawingml/2006/main" xmlns:r="http://schemas.openxmlformats.org/officeDocument/2006/relationships" xmlns:p="http://schemas.openxmlformats.org/presentationml/2006/main" type="twoObjAndObj" preserve="1">
   <p:cSld name="Title, 2 Content and Content">
     <p:spTree>
       <p:nvGrpSpPr>
@@ -2344,12 +2562,13 @@
           </a:prstGeom>
         </p:spPr>
         <p:txBody>
-          <a:bodyPr lIns="0" rIns="0" tIns="0" bIns="0" anchor="ctr">
+          <a:bodyPr lIns="0" tIns="0" rIns="0" bIns="0" anchor="ctr">
             <a:noAutofit/>
           </a:bodyPr>
+          <a:lstStyle/>
           <a:p>
             <a:pPr algn="ctr"/>
-            <a:endParaRPr b="0" lang="ru-RU" sz="4400" spc="-1" strike="noStrike">
+            <a:endParaRPr lang="ru-RU" sz="4400" b="0" strike="noStrike" spc="-1">
               <a:latin typeface="Arial"/>
             </a:endParaRPr>
           </a:p>
@@ -2375,11 +2594,12 @@
           </a:prstGeom>
         </p:spPr>
         <p:txBody>
-          <a:bodyPr lIns="0" rIns="0" tIns="0" bIns="0">
+          <a:bodyPr lIns="0" tIns="0" rIns="0" bIns="0">
             <a:normAutofit/>
           </a:bodyPr>
-          <a:p>
-            <a:endParaRPr b="0" lang="ru-RU" sz="3200" spc="-1" strike="noStrike">
+          <a:lstStyle/>
+          <a:p>
+            <a:endParaRPr lang="ru-RU" sz="3200" b="0" strike="noStrike" spc="-1">
               <a:latin typeface="Arial"/>
             </a:endParaRPr>
           </a:p>
@@ -2405,11 +2625,12 @@
           </a:prstGeom>
         </p:spPr>
         <p:txBody>
-          <a:bodyPr lIns="0" rIns="0" tIns="0" bIns="0">
+          <a:bodyPr lIns="0" tIns="0" rIns="0" bIns="0">
             <a:normAutofit/>
           </a:bodyPr>
-          <a:p>
-            <a:endParaRPr b="0" lang="ru-RU" sz="3200" spc="-1" strike="noStrike">
+          <a:lstStyle/>
+          <a:p>
+            <a:endParaRPr lang="ru-RU" sz="3200" b="0" strike="noStrike" spc="-1">
               <a:latin typeface="Arial"/>
             </a:endParaRPr>
           </a:p>
@@ -2435,11 +2656,12 @@
           </a:prstGeom>
         </p:spPr>
         <p:txBody>
-          <a:bodyPr lIns="0" rIns="0" tIns="0" bIns="0">
+          <a:bodyPr lIns="0" tIns="0" rIns="0" bIns="0">
             <a:normAutofit/>
           </a:bodyPr>
-          <a:p>
-            <a:endParaRPr b="0" lang="ru-RU" sz="3200" spc="-1" strike="noStrike">
+          <a:lstStyle/>
+          <a:p>
+            <a:endParaRPr lang="ru-RU" sz="3200" b="0" strike="noStrike" spc="-1">
               <a:latin typeface="Arial"/>
             </a:endParaRPr>
           </a:p>
@@ -2447,11 +2669,14 @@
       </p:sp>
     </p:spTree>
   </p:cSld>
+  <p:clrMapOvr>
+    <a:masterClrMapping/>
+  </p:clrMapOvr>
 </p:sldLayout>
 </file>
 
 <file path=ppt/slideLayouts/slideLayout8.xml><?xml version="1.0" encoding="utf-8"?>
-<p:sldLayout xmlns:a="http://schemas.openxmlformats.org/drawingml/2006/main" xmlns:p="http://schemas.openxmlformats.org/presentationml/2006/main" xmlns:r="http://schemas.openxmlformats.org/officeDocument/2006/relationships" xmlns:p14="http://schemas.microsoft.com/office/powerpoint/2010/main" xmlns:p15="http://schemas.microsoft.com/office/powerpoint/2012/main" xmlns:mc="http://schemas.openxmlformats.org/markup-compatibility/2006" type="objAndTwoObj" preserve="1">
+<p:sldLayout xmlns:a="http://schemas.openxmlformats.org/drawingml/2006/main" xmlns:r="http://schemas.openxmlformats.org/officeDocument/2006/relationships" xmlns:p="http://schemas.openxmlformats.org/presentationml/2006/main" type="objAndTwoObj" preserve="1">
   <p:cSld name="Title Content and 2 Content">
     <p:spTree>
       <p:nvGrpSpPr>
@@ -2487,12 +2712,13 @@
           </a:prstGeom>
         </p:spPr>
         <p:txBody>
-          <a:bodyPr lIns="0" rIns="0" tIns="0" bIns="0" anchor="ctr">
+          <a:bodyPr lIns="0" tIns="0" rIns="0" bIns="0" anchor="ctr">
             <a:noAutofit/>
           </a:bodyPr>
+          <a:lstStyle/>
           <a:p>
             <a:pPr algn="ctr"/>
-            <a:endParaRPr b="0" lang="ru-RU" sz="4400" spc="-1" strike="noStrike">
+            <a:endParaRPr lang="ru-RU" sz="4400" b="0" strike="noStrike" spc="-1">
               <a:latin typeface="Arial"/>
             </a:endParaRPr>
           </a:p>
@@ -2518,11 +2744,12 @@
           </a:prstGeom>
         </p:spPr>
         <p:txBody>
-          <a:bodyPr lIns="0" rIns="0" tIns="0" bIns="0">
+          <a:bodyPr lIns="0" tIns="0" rIns="0" bIns="0">
             <a:normAutofit/>
           </a:bodyPr>
-          <a:p>
-            <a:endParaRPr b="0" lang="ru-RU" sz="3200" spc="-1" strike="noStrike">
+          <a:lstStyle/>
+          <a:p>
+            <a:endParaRPr lang="ru-RU" sz="3200" b="0" strike="noStrike" spc="-1">
               <a:latin typeface="Arial"/>
             </a:endParaRPr>
           </a:p>
@@ -2548,11 +2775,12 @@
           </a:prstGeom>
         </p:spPr>
         <p:txBody>
-          <a:bodyPr lIns="0" rIns="0" tIns="0" bIns="0">
+          <a:bodyPr lIns="0" tIns="0" rIns="0" bIns="0">
             <a:normAutofit/>
           </a:bodyPr>
-          <a:p>
-            <a:endParaRPr b="0" lang="ru-RU" sz="3200" spc="-1" strike="noStrike">
+          <a:lstStyle/>
+          <a:p>
+            <a:endParaRPr lang="ru-RU" sz="3200" b="0" strike="noStrike" spc="-1">
               <a:latin typeface="Arial"/>
             </a:endParaRPr>
           </a:p>
@@ -2578,11 +2806,12 @@
           </a:prstGeom>
         </p:spPr>
         <p:txBody>
-          <a:bodyPr lIns="0" rIns="0" tIns="0" bIns="0">
+          <a:bodyPr lIns="0" tIns="0" rIns="0" bIns="0">
             <a:normAutofit/>
           </a:bodyPr>
-          <a:p>
-            <a:endParaRPr b="0" lang="ru-RU" sz="3200" spc="-1" strike="noStrike">
+          <a:lstStyle/>
+          <a:p>
+            <a:endParaRPr lang="ru-RU" sz="3200" b="0" strike="noStrike" spc="-1">
               <a:latin typeface="Arial"/>
             </a:endParaRPr>
           </a:p>
@@ -2590,11 +2819,14 @@
       </p:sp>
     </p:spTree>
   </p:cSld>
+  <p:clrMapOvr>
+    <a:masterClrMapping/>
+  </p:clrMapOvr>
 </p:sldLayout>
 </file>
 
 <file path=ppt/slideLayouts/slideLayout9.xml><?xml version="1.0" encoding="utf-8"?>
-<p:sldLayout xmlns:a="http://schemas.openxmlformats.org/drawingml/2006/main" xmlns:p="http://schemas.openxmlformats.org/presentationml/2006/main" xmlns:r="http://schemas.openxmlformats.org/officeDocument/2006/relationships" xmlns:p14="http://schemas.microsoft.com/office/powerpoint/2010/main" xmlns:p15="http://schemas.microsoft.com/office/powerpoint/2012/main" xmlns:mc="http://schemas.openxmlformats.org/markup-compatibility/2006" type="twoObjOverTx" preserve="1">
+<p:sldLayout xmlns:a="http://schemas.openxmlformats.org/drawingml/2006/main" xmlns:r="http://schemas.openxmlformats.org/officeDocument/2006/relationships" xmlns:p="http://schemas.openxmlformats.org/presentationml/2006/main" type="twoObjOverTx" preserve="1">
   <p:cSld name="Title, 2 Content over Content">
     <p:spTree>
       <p:nvGrpSpPr>
@@ -2630,12 +2862,13 @@
           </a:prstGeom>
         </p:spPr>
         <p:txBody>
-          <a:bodyPr lIns="0" rIns="0" tIns="0" bIns="0" anchor="ctr">
+          <a:bodyPr lIns="0" tIns="0" rIns="0" bIns="0" anchor="ctr">
             <a:noAutofit/>
           </a:bodyPr>
+          <a:lstStyle/>
           <a:p>
             <a:pPr algn="ctr"/>
-            <a:endParaRPr b="0" lang="ru-RU" sz="4400" spc="-1" strike="noStrike">
+            <a:endParaRPr lang="ru-RU" sz="4400" b="0" strike="noStrike" spc="-1">
               <a:latin typeface="Arial"/>
             </a:endParaRPr>
           </a:p>
@@ -2661,11 +2894,12 @@
           </a:prstGeom>
         </p:spPr>
         <p:txBody>
-          <a:bodyPr lIns="0" rIns="0" tIns="0" bIns="0">
+          <a:bodyPr lIns="0" tIns="0" rIns="0" bIns="0">
             <a:normAutofit/>
           </a:bodyPr>
-          <a:p>
-            <a:endParaRPr b="0" lang="ru-RU" sz="3200" spc="-1" strike="noStrike">
+          <a:lstStyle/>
+          <a:p>
+            <a:endParaRPr lang="ru-RU" sz="3200" b="0" strike="noStrike" spc="-1">
               <a:latin typeface="Arial"/>
             </a:endParaRPr>
           </a:p>
@@ -2691,11 +2925,12 @@
           </a:prstGeom>
         </p:spPr>
         <p:txBody>
-          <a:bodyPr lIns="0" rIns="0" tIns="0" bIns="0">
+          <a:bodyPr lIns="0" tIns="0" rIns="0" bIns="0">
             <a:normAutofit/>
           </a:bodyPr>
-          <a:p>
-            <a:endParaRPr b="0" lang="ru-RU" sz="3200" spc="-1" strike="noStrike">
+          <a:lstStyle/>
+          <a:p>
+            <a:endParaRPr lang="ru-RU" sz="3200" b="0" strike="noStrike" spc="-1">
               <a:latin typeface="Arial"/>
             </a:endParaRPr>
           </a:p>
@@ -2721,11 +2956,12 @@
           </a:prstGeom>
         </p:spPr>
         <p:txBody>
-          <a:bodyPr lIns="0" rIns="0" tIns="0" bIns="0">
+          <a:bodyPr lIns="0" tIns="0" rIns="0" bIns="0">
             <a:normAutofit/>
           </a:bodyPr>
-          <a:p>
-            <a:endParaRPr b="0" lang="ru-RU" sz="3200" spc="-1" strike="noStrike">
+          <a:lstStyle/>
+          <a:p>
+            <a:endParaRPr lang="ru-RU" sz="3200" b="0" strike="noStrike" spc="-1">
               <a:latin typeface="Arial"/>
             </a:endParaRPr>
           </a:p>
@@ -2733,12 +2969,20 @@
       </p:sp>
     </p:spTree>
   </p:cSld>
+  <p:clrMapOvr>
+    <a:masterClrMapping/>
+  </p:clrMapOvr>
 </p:sldLayout>
 </file>
 
 <file path=ppt/slideMasters/slideMaster1.xml><?xml version="1.0" encoding="utf-8"?>
-<p:sldMaster xmlns:a="http://schemas.openxmlformats.org/drawingml/2006/main" xmlns:p="http://schemas.openxmlformats.org/presentationml/2006/main" xmlns:r="http://schemas.openxmlformats.org/officeDocument/2006/relationships" xmlns:p14="http://schemas.microsoft.com/office/powerpoint/2010/main" xmlns:p15="http://schemas.microsoft.com/office/powerpoint/2012/main" xmlns:mc="http://schemas.openxmlformats.org/markup-compatibility/2006">
+<p:sldMaster xmlns:a="http://schemas.openxmlformats.org/drawingml/2006/main" xmlns:r="http://schemas.openxmlformats.org/officeDocument/2006/relationships" xmlns:p="http://schemas.openxmlformats.org/presentationml/2006/main">
   <p:cSld>
+    <p:bg>
+      <p:bgRef idx="1001">
+        <a:schemeClr val="bg1"/>
+      </p:bgRef>
+    </p:bg>
     <p:spTree>
       <p:nvGrpSpPr>
         <p:cNvPr id="1" name=""/>
@@ -2755,12 +2999,12 @@
       </p:grpSpPr>
       <p:pic>
         <p:nvPicPr>
-          <p:cNvPr id="0" name="" descr=""/>
+          <p:cNvPr id="3" name="Рисунок 2"/>
           <p:cNvPicPr/>
           <p:nvPr/>
         </p:nvPicPr>
         <p:blipFill>
-          <a:blip r:embed="rId2"/>
+          <a:blip r:embed="rId14"/>
           <a:stretch/>
         </p:blipFill>
         <p:spPr>
@@ -2778,7 +3022,7 @@
       </p:pic>
       <p:sp>
         <p:nvSpPr>
-          <p:cNvPr id="1" name="PlaceHolder 1"/>
+          <p:cNvPr id="4" name="PlaceHolder 1"/>
           <p:cNvSpPr>
             <a:spLocks noGrp="1"/>
           </p:cNvSpPr>
@@ -2796,19 +3040,17 @@
           </a:prstGeom>
         </p:spPr>
         <p:txBody>
-          <a:bodyPr lIns="0" rIns="0" tIns="0" bIns="0" anchor="ctr">
+          <a:bodyPr lIns="0" tIns="0" rIns="0" bIns="0" anchor="ctr">
             <a:noAutofit/>
           </a:bodyPr>
-          <a:p>
-            <a:r>
-              <a:rPr b="0" lang="ru-RU" sz="1800" spc="-1" strike="noStrike">
+          <a:lstStyle/>
+          <a:p>
+            <a:r>
+              <a:rPr lang="ru-RU" sz="1800" b="0" strike="noStrike" spc="-1">
                 <a:latin typeface="Arial"/>
               </a:rPr>
               <a:t>Для правки текста заглавия щёлкните мышью</a:t>
             </a:r>
-            <a:endParaRPr b="0" lang="ru-RU" sz="1800" spc="-1" strike="noStrike">
-              <a:latin typeface="Arial"/>
-            </a:endParaRPr>
           </a:p>
         </p:txBody>
       </p:sp>
@@ -2832,9 +3074,10 @@
           </a:prstGeom>
         </p:spPr>
         <p:txBody>
-          <a:bodyPr lIns="0" rIns="0" tIns="0" bIns="0">
+          <a:bodyPr lIns="0" tIns="0" rIns="0" bIns="0">
             <a:normAutofit/>
           </a:bodyPr>
+          <a:lstStyle/>
           <a:p>
             <a:pPr marL="432000" indent="-324000">
               <a:spcBef>
@@ -2848,17 +3091,14 @@
               <a:buChar char=""/>
             </a:pPr>
             <a:r>
-              <a:rPr b="0" lang="ru-RU" sz="1800" spc="-1" strike="noStrike">
+              <a:rPr lang="ru-RU" sz="1800" b="0" strike="noStrike" spc="-1">
                 <a:latin typeface="Arial"/>
               </a:rPr>
               <a:t>Для правки структуры щёлкните мышью</a:t>
             </a:r>
-            <a:endParaRPr b="0" lang="ru-RU" sz="1800" spc="-1" strike="noStrike">
-              <a:latin typeface="Arial"/>
-            </a:endParaRPr>
-          </a:p>
-          <a:p>
-            <a:pPr lvl="1" marL="864000" indent="-324000">
+          </a:p>
+          <a:p>
+            <a:pPr marL="864000" lvl="1" indent="-324000">
               <a:spcBef>
                 <a:spcPts val="1134"/>
               </a:spcBef>
@@ -2870,17 +3110,14 @@
               <a:buChar char=""/>
             </a:pPr>
             <a:r>
-              <a:rPr b="0" lang="ru-RU" sz="1800" spc="-1" strike="noStrike">
+              <a:rPr lang="ru-RU" sz="1800" b="0" strike="noStrike" spc="-1">
                 <a:latin typeface="Arial"/>
               </a:rPr>
               <a:t>Второй уровень структуры</a:t>
             </a:r>
-            <a:endParaRPr b="0" lang="ru-RU" sz="1800" spc="-1" strike="noStrike">
-              <a:latin typeface="Arial"/>
-            </a:endParaRPr>
-          </a:p>
-          <a:p>
-            <a:pPr lvl="2" marL="1296000" indent="-288000">
+          </a:p>
+          <a:p>
+            <a:pPr marL="1296000" lvl="2" indent="-288000">
               <a:spcBef>
                 <a:spcPts val="850"/>
               </a:spcBef>
@@ -2892,17 +3129,14 @@
               <a:buChar char=""/>
             </a:pPr>
             <a:r>
-              <a:rPr b="0" lang="ru-RU" sz="1800" spc="-1" strike="noStrike">
+              <a:rPr lang="ru-RU" sz="1800" b="0" strike="noStrike" spc="-1">
                 <a:latin typeface="Arial"/>
               </a:rPr>
               <a:t>Третий уровень структуры</a:t>
             </a:r>
-            <a:endParaRPr b="0" lang="ru-RU" sz="1800" spc="-1" strike="noStrike">
-              <a:latin typeface="Arial"/>
-            </a:endParaRPr>
-          </a:p>
-          <a:p>
-            <a:pPr lvl="3" marL="1728000" indent="-216000">
+          </a:p>
+          <a:p>
+            <a:pPr marL="1728000" lvl="3" indent="-216000">
               <a:spcBef>
                 <a:spcPts val="567"/>
               </a:spcBef>
@@ -2914,17 +3148,14 @@
               <a:buChar char=""/>
             </a:pPr>
             <a:r>
-              <a:rPr b="0" lang="ru-RU" sz="1800" spc="-1" strike="noStrike">
+              <a:rPr lang="ru-RU" sz="1800" b="0" strike="noStrike" spc="-1">
                 <a:latin typeface="Arial"/>
               </a:rPr>
               <a:t>Четвёртый уровень структуры</a:t>
             </a:r>
-            <a:endParaRPr b="0" lang="ru-RU" sz="1800" spc="-1" strike="noStrike">
-              <a:latin typeface="Arial"/>
-            </a:endParaRPr>
-          </a:p>
-          <a:p>
-            <a:pPr lvl="4" marL="2160000" indent="-216000">
+          </a:p>
+          <a:p>
+            <a:pPr marL="2160000" lvl="4" indent="-216000">
               <a:spcBef>
                 <a:spcPts val="283"/>
               </a:spcBef>
@@ -2936,17 +3167,14 @@
               <a:buChar char=""/>
             </a:pPr>
             <a:r>
-              <a:rPr b="0" lang="ru-RU" sz="1800" spc="-1" strike="noStrike">
+              <a:rPr lang="ru-RU" sz="1800" b="0" strike="noStrike" spc="-1">
                 <a:latin typeface="Arial"/>
               </a:rPr>
               <a:t>Пятый уровень структуры</a:t>
             </a:r>
-            <a:endParaRPr b="0" lang="ru-RU" sz="1800" spc="-1" strike="noStrike">
-              <a:latin typeface="Arial"/>
-            </a:endParaRPr>
-          </a:p>
-          <a:p>
-            <a:pPr lvl="5" marL="2592000" indent="-216000">
+          </a:p>
+          <a:p>
+            <a:pPr marL="2592000" lvl="5" indent="-216000">
               <a:spcBef>
                 <a:spcPts val="283"/>
               </a:spcBef>
@@ -2958,17 +3186,14 @@
               <a:buChar char=""/>
             </a:pPr>
             <a:r>
-              <a:rPr b="0" lang="ru-RU" sz="1800" spc="-1" strike="noStrike">
+              <a:rPr lang="ru-RU" sz="1800" b="0" strike="noStrike" spc="-1">
                 <a:latin typeface="Arial"/>
               </a:rPr>
               <a:t>Шестой уровень структуры</a:t>
             </a:r>
-            <a:endParaRPr b="0" lang="ru-RU" sz="1800" spc="-1" strike="noStrike">
-              <a:latin typeface="Arial"/>
-            </a:endParaRPr>
-          </a:p>
-          <a:p>
-            <a:pPr lvl="6" marL="3024000" indent="-216000">
+          </a:p>
+          <a:p>
+            <a:pPr marL="3024000" lvl="6" indent="-216000">
               <a:spcBef>
                 <a:spcPts val="283"/>
               </a:spcBef>
@@ -2980,40 +3205,322 @@
               <a:buChar char=""/>
             </a:pPr>
             <a:r>
-              <a:rPr b="0" lang="ru-RU" sz="1800" spc="-1" strike="noStrike">
+              <a:rPr lang="ru-RU" sz="1800" b="0" strike="noStrike" spc="-1">
                 <a:latin typeface="Arial"/>
               </a:rPr>
               <a:t>Седьмой уровень структуры</a:t>
             </a:r>
-            <a:endParaRPr b="0" lang="ru-RU" sz="1800" spc="-1" strike="noStrike">
-              <a:latin typeface="Arial"/>
-            </a:endParaRPr>
           </a:p>
         </p:txBody>
       </p:sp>
     </p:spTree>
   </p:cSld>
-  <p:clrMap bg1="lt1" bg2="lt2" tx1="dk1" tx2="dk2" accent1="accent1" accent2="accent2" accent3="accent3" accent4="accent4" accent5="accent5" accent6="accent6" hlink="hlink" folHlink="folHlink"/>
+  <p:clrMap bg1="lt1" tx1="dk1" bg2="lt2" tx2="dk2" accent1="accent1" accent2="accent2" accent3="accent3" accent4="accent4" accent5="accent5" accent6="accent6" hlink="hlink" folHlink="folHlink"/>
   <p:sldLayoutIdLst>
-    <p:sldLayoutId id="2147483649" r:id="rId3"/>
-    <p:sldLayoutId id="2147483650" r:id="rId4"/>
-    <p:sldLayoutId id="2147483651" r:id="rId5"/>
-    <p:sldLayoutId id="2147483652" r:id="rId6"/>
-    <p:sldLayoutId id="2147483653" r:id="rId7"/>
-    <p:sldLayoutId id="2147483654" r:id="rId8"/>
-    <p:sldLayoutId id="2147483655" r:id="rId9"/>
-    <p:sldLayoutId id="2147483656" r:id="rId10"/>
-    <p:sldLayoutId id="2147483657" r:id="rId11"/>
-    <p:sldLayoutId id="2147483658" r:id="rId12"/>
-    <p:sldLayoutId id="2147483659" r:id="rId13"/>
-    <p:sldLayoutId id="2147483660" r:id="rId14"/>
+    <p:sldLayoutId id="2147483649" r:id="rId1"/>
+    <p:sldLayoutId id="2147483650" r:id="rId2"/>
+    <p:sldLayoutId id="2147483651" r:id="rId3"/>
+    <p:sldLayoutId id="2147483652" r:id="rId4"/>
+    <p:sldLayoutId id="2147483653" r:id="rId5"/>
+    <p:sldLayoutId id="2147483654" r:id="rId6"/>
+    <p:sldLayoutId id="2147483655" r:id="rId7"/>
+    <p:sldLayoutId id="2147483656" r:id="rId8"/>
+    <p:sldLayoutId id="2147483657" r:id="rId9"/>
+    <p:sldLayoutId id="2147483658" r:id="rId10"/>
+    <p:sldLayoutId id="2147483659" r:id="rId11"/>
+    <p:sldLayoutId id="2147483660" r:id="rId12"/>
   </p:sldLayoutIdLst>
+  <p:txStyles>
+    <p:titleStyle>
+      <a:lvl1pPr algn="l" defTabSz="914400" rtl="0" eaLnBrk="1" latinLnBrk="0" hangingPunct="1">
+        <a:lnSpc>
+          <a:spcPct val="90000"/>
+        </a:lnSpc>
+        <a:spcBef>
+          <a:spcPct val="0"/>
+        </a:spcBef>
+        <a:buNone/>
+        <a:defRPr sz="4400" kern="1200">
+          <a:solidFill>
+            <a:schemeClr val="tx1"/>
+          </a:solidFill>
+          <a:latin typeface="+mj-lt"/>
+          <a:ea typeface="+mj-ea"/>
+          <a:cs typeface="+mj-cs"/>
+        </a:defRPr>
+      </a:lvl1pPr>
+    </p:titleStyle>
+    <p:bodyStyle>
+      <a:lvl1pPr marL="228600" indent="-228600" algn="l" defTabSz="914400" rtl="0" eaLnBrk="1" latinLnBrk="0" hangingPunct="1">
+        <a:lnSpc>
+          <a:spcPct val="90000"/>
+        </a:lnSpc>
+        <a:spcBef>
+          <a:spcPts val="1000"/>
+        </a:spcBef>
+        <a:buFont typeface="Arial" panose="020B0604020202020204" pitchFamily="34" charset="0"/>
+        <a:buChar char="•"/>
+        <a:defRPr sz="2800" kern="1200">
+          <a:solidFill>
+            <a:schemeClr val="tx1"/>
+          </a:solidFill>
+          <a:latin typeface="+mn-lt"/>
+          <a:ea typeface="+mn-ea"/>
+          <a:cs typeface="+mn-cs"/>
+        </a:defRPr>
+      </a:lvl1pPr>
+      <a:lvl2pPr marL="685800" indent="-228600" algn="l" defTabSz="914400" rtl="0" eaLnBrk="1" latinLnBrk="0" hangingPunct="1">
+        <a:lnSpc>
+          <a:spcPct val="90000"/>
+        </a:lnSpc>
+        <a:spcBef>
+          <a:spcPts val="500"/>
+        </a:spcBef>
+        <a:buFont typeface="Arial" panose="020B0604020202020204" pitchFamily="34" charset="0"/>
+        <a:buChar char="•"/>
+        <a:defRPr sz="2400" kern="1200">
+          <a:solidFill>
+            <a:schemeClr val="tx1"/>
+          </a:solidFill>
+          <a:latin typeface="+mn-lt"/>
+          <a:ea typeface="+mn-ea"/>
+          <a:cs typeface="+mn-cs"/>
+        </a:defRPr>
+      </a:lvl2pPr>
+      <a:lvl3pPr marL="1143000" indent="-228600" algn="l" defTabSz="914400" rtl="0" eaLnBrk="1" latinLnBrk="0" hangingPunct="1">
+        <a:lnSpc>
+          <a:spcPct val="90000"/>
+        </a:lnSpc>
+        <a:spcBef>
+          <a:spcPts val="500"/>
+        </a:spcBef>
+        <a:buFont typeface="Arial" panose="020B0604020202020204" pitchFamily="34" charset="0"/>
+        <a:buChar char="•"/>
+        <a:defRPr sz="2000" kern="1200">
+          <a:solidFill>
+            <a:schemeClr val="tx1"/>
+          </a:solidFill>
+          <a:latin typeface="+mn-lt"/>
+          <a:ea typeface="+mn-ea"/>
+          <a:cs typeface="+mn-cs"/>
+        </a:defRPr>
+      </a:lvl3pPr>
+      <a:lvl4pPr marL="1600200" indent="-228600" algn="l" defTabSz="914400" rtl="0" eaLnBrk="1" latinLnBrk="0" hangingPunct="1">
+        <a:lnSpc>
+          <a:spcPct val="90000"/>
+        </a:lnSpc>
+        <a:spcBef>
+          <a:spcPts val="500"/>
+        </a:spcBef>
+        <a:buFont typeface="Arial" panose="020B0604020202020204" pitchFamily="34" charset="0"/>
+        <a:buChar char="•"/>
+        <a:defRPr sz="1800" kern="1200">
+          <a:solidFill>
+            <a:schemeClr val="tx1"/>
+          </a:solidFill>
+          <a:latin typeface="+mn-lt"/>
+          <a:ea typeface="+mn-ea"/>
+          <a:cs typeface="+mn-cs"/>
+        </a:defRPr>
+      </a:lvl4pPr>
+      <a:lvl5pPr marL="2057400" indent="-228600" algn="l" defTabSz="914400" rtl="0" eaLnBrk="1" latinLnBrk="0" hangingPunct="1">
+        <a:lnSpc>
+          <a:spcPct val="90000"/>
+        </a:lnSpc>
+        <a:spcBef>
+          <a:spcPts val="500"/>
+        </a:spcBef>
+        <a:buFont typeface="Arial" panose="020B0604020202020204" pitchFamily="34" charset="0"/>
+        <a:buChar char="•"/>
+        <a:defRPr sz="1800" kern="1200">
+          <a:solidFill>
+            <a:schemeClr val="tx1"/>
+          </a:solidFill>
+          <a:latin typeface="+mn-lt"/>
+          <a:ea typeface="+mn-ea"/>
+          <a:cs typeface="+mn-cs"/>
+        </a:defRPr>
+      </a:lvl5pPr>
+      <a:lvl6pPr marL="2514600" indent="-228600" algn="l" defTabSz="914400" rtl="0" eaLnBrk="1" latinLnBrk="0" hangingPunct="1">
+        <a:lnSpc>
+          <a:spcPct val="90000"/>
+        </a:lnSpc>
+        <a:spcBef>
+          <a:spcPts val="500"/>
+        </a:spcBef>
+        <a:buFont typeface="Arial" panose="020B0604020202020204" pitchFamily="34" charset="0"/>
+        <a:buChar char="•"/>
+        <a:defRPr sz="1800" kern="1200">
+          <a:solidFill>
+            <a:schemeClr val="tx1"/>
+          </a:solidFill>
+          <a:latin typeface="+mn-lt"/>
+          <a:ea typeface="+mn-ea"/>
+          <a:cs typeface="+mn-cs"/>
+        </a:defRPr>
+      </a:lvl6pPr>
+      <a:lvl7pPr marL="2971800" indent="-228600" algn="l" defTabSz="914400" rtl="0" eaLnBrk="1" latinLnBrk="0" hangingPunct="1">
+        <a:lnSpc>
+          <a:spcPct val="90000"/>
+        </a:lnSpc>
+        <a:spcBef>
+          <a:spcPts val="500"/>
+        </a:spcBef>
+        <a:buFont typeface="Arial" panose="020B0604020202020204" pitchFamily="34" charset="0"/>
+        <a:buChar char="•"/>
+        <a:defRPr sz="1800" kern="1200">
+          <a:solidFill>
+            <a:schemeClr val="tx1"/>
+          </a:solidFill>
+          <a:latin typeface="+mn-lt"/>
+          <a:ea typeface="+mn-ea"/>
+          <a:cs typeface="+mn-cs"/>
+        </a:defRPr>
+      </a:lvl7pPr>
+      <a:lvl8pPr marL="3429000" indent="-228600" algn="l" defTabSz="914400" rtl="0" eaLnBrk="1" latinLnBrk="0" hangingPunct="1">
+        <a:lnSpc>
+          <a:spcPct val="90000"/>
+        </a:lnSpc>
+        <a:spcBef>
+          <a:spcPts val="500"/>
+        </a:spcBef>
+        <a:buFont typeface="Arial" panose="020B0604020202020204" pitchFamily="34" charset="0"/>
+        <a:buChar char="•"/>
+        <a:defRPr sz="1800" kern="1200">
+          <a:solidFill>
+            <a:schemeClr val="tx1"/>
+          </a:solidFill>
+          <a:latin typeface="+mn-lt"/>
+          <a:ea typeface="+mn-ea"/>
+          <a:cs typeface="+mn-cs"/>
+        </a:defRPr>
+      </a:lvl8pPr>
+      <a:lvl9pPr marL="3886200" indent="-228600" algn="l" defTabSz="914400" rtl="0" eaLnBrk="1" latinLnBrk="0" hangingPunct="1">
+        <a:lnSpc>
+          <a:spcPct val="90000"/>
+        </a:lnSpc>
+        <a:spcBef>
+          <a:spcPts val="500"/>
+        </a:spcBef>
+        <a:buFont typeface="Arial" panose="020B0604020202020204" pitchFamily="34" charset="0"/>
+        <a:buChar char="•"/>
+        <a:defRPr sz="1800" kern="1200">
+          <a:solidFill>
+            <a:schemeClr val="tx1"/>
+          </a:solidFill>
+          <a:latin typeface="+mn-lt"/>
+          <a:ea typeface="+mn-ea"/>
+          <a:cs typeface="+mn-cs"/>
+        </a:defRPr>
+      </a:lvl9pPr>
+    </p:bodyStyle>
+    <p:otherStyle>
+      <a:defPPr>
+        <a:defRPr lang="ru-RU"/>
+      </a:defPPr>
+      <a:lvl1pPr marL="0" algn="l" defTabSz="914400" rtl="0" eaLnBrk="1" latinLnBrk="0" hangingPunct="1">
+        <a:defRPr sz="1800" kern="1200">
+          <a:solidFill>
+            <a:schemeClr val="tx1"/>
+          </a:solidFill>
+          <a:latin typeface="+mn-lt"/>
+          <a:ea typeface="+mn-ea"/>
+          <a:cs typeface="+mn-cs"/>
+        </a:defRPr>
+      </a:lvl1pPr>
+      <a:lvl2pPr marL="457200" algn="l" defTabSz="914400" rtl="0" eaLnBrk="1" latinLnBrk="0" hangingPunct="1">
+        <a:defRPr sz="1800" kern="1200">
+          <a:solidFill>
+            <a:schemeClr val="tx1"/>
+          </a:solidFill>
+          <a:latin typeface="+mn-lt"/>
+          <a:ea typeface="+mn-ea"/>
+          <a:cs typeface="+mn-cs"/>
+        </a:defRPr>
+      </a:lvl2pPr>
+      <a:lvl3pPr marL="914400" algn="l" defTabSz="914400" rtl="0" eaLnBrk="1" latinLnBrk="0" hangingPunct="1">
+        <a:defRPr sz="1800" kern="1200">
+          <a:solidFill>
+            <a:schemeClr val="tx1"/>
+          </a:solidFill>
+          <a:latin typeface="+mn-lt"/>
+          <a:ea typeface="+mn-ea"/>
+          <a:cs typeface="+mn-cs"/>
+        </a:defRPr>
+      </a:lvl3pPr>
+      <a:lvl4pPr marL="1371600" algn="l" defTabSz="914400" rtl="0" eaLnBrk="1" latinLnBrk="0" hangingPunct="1">
+        <a:defRPr sz="1800" kern="1200">
+          <a:solidFill>
+            <a:schemeClr val="tx1"/>
+          </a:solidFill>
+          <a:latin typeface="+mn-lt"/>
+          <a:ea typeface="+mn-ea"/>
+          <a:cs typeface="+mn-cs"/>
+        </a:defRPr>
+      </a:lvl4pPr>
+      <a:lvl5pPr marL="1828800" algn="l" defTabSz="914400" rtl="0" eaLnBrk="1" latinLnBrk="0" hangingPunct="1">
+        <a:defRPr sz="1800" kern="1200">
+          <a:solidFill>
+            <a:schemeClr val="tx1"/>
+          </a:solidFill>
+          <a:latin typeface="+mn-lt"/>
+          <a:ea typeface="+mn-ea"/>
+          <a:cs typeface="+mn-cs"/>
+        </a:defRPr>
+      </a:lvl5pPr>
+      <a:lvl6pPr marL="2286000" algn="l" defTabSz="914400" rtl="0" eaLnBrk="1" latinLnBrk="0" hangingPunct="1">
+        <a:defRPr sz="1800" kern="1200">
+          <a:solidFill>
+            <a:schemeClr val="tx1"/>
+          </a:solidFill>
+          <a:latin typeface="+mn-lt"/>
+          <a:ea typeface="+mn-ea"/>
+          <a:cs typeface="+mn-cs"/>
+        </a:defRPr>
+      </a:lvl6pPr>
+      <a:lvl7pPr marL="2743200" algn="l" defTabSz="914400" rtl="0" eaLnBrk="1" latinLnBrk="0" hangingPunct="1">
+        <a:defRPr sz="1800" kern="1200">
+          <a:solidFill>
+            <a:schemeClr val="tx1"/>
+          </a:solidFill>
+          <a:latin typeface="+mn-lt"/>
+          <a:ea typeface="+mn-ea"/>
+          <a:cs typeface="+mn-cs"/>
+        </a:defRPr>
+      </a:lvl7pPr>
+      <a:lvl8pPr marL="3200400" algn="l" defTabSz="914400" rtl="0" eaLnBrk="1" latinLnBrk="0" hangingPunct="1">
+        <a:defRPr sz="1800" kern="1200">
+          <a:solidFill>
+            <a:schemeClr val="tx1"/>
+          </a:solidFill>
+          <a:latin typeface="+mn-lt"/>
+          <a:ea typeface="+mn-ea"/>
+          <a:cs typeface="+mn-cs"/>
+        </a:defRPr>
+      </a:lvl8pPr>
+      <a:lvl9pPr marL="3657600" algn="l" defTabSz="914400" rtl="0" eaLnBrk="1" latinLnBrk="0" hangingPunct="1">
+        <a:defRPr sz="1800" kern="1200">
+          <a:solidFill>
+            <a:schemeClr val="tx1"/>
+          </a:solidFill>
+          <a:latin typeface="+mn-lt"/>
+          <a:ea typeface="+mn-ea"/>
+          <a:cs typeface="+mn-cs"/>
+        </a:defRPr>
+      </a:lvl9pPr>
+    </p:otherStyle>
+  </p:txStyles>
 </p:sldMaster>
 </file>
 
 <file path=ppt/slideMasters/slideMaster2.xml><?xml version="1.0" encoding="utf-8"?>
-<p:sldMaster xmlns:a="http://schemas.openxmlformats.org/drawingml/2006/main" xmlns:p="http://schemas.openxmlformats.org/presentationml/2006/main" xmlns:r="http://schemas.openxmlformats.org/officeDocument/2006/relationships" xmlns:p14="http://schemas.microsoft.com/office/powerpoint/2010/main" xmlns:p15="http://schemas.microsoft.com/office/powerpoint/2012/main" xmlns:mc="http://schemas.openxmlformats.org/markup-compatibility/2006">
+<p:sldMaster xmlns:a="http://schemas.openxmlformats.org/drawingml/2006/main" xmlns:r="http://schemas.openxmlformats.org/officeDocument/2006/relationships" xmlns:p="http://schemas.openxmlformats.org/presentationml/2006/main">
   <p:cSld>
+    <p:bg>
+      <p:bgRef idx="1001">
+        <a:schemeClr val="bg1"/>
+      </p:bgRef>
+    </p:bg>
     <p:spTree>
       <p:nvGrpSpPr>
         <p:cNvPr id="1" name=""/>
@@ -3030,12 +3537,12 @@
       </p:grpSpPr>
       <p:pic>
         <p:nvPicPr>
-          <p:cNvPr id="39" name="" descr=""/>
+          <p:cNvPr id="39" name="Рисунок 38"/>
           <p:cNvPicPr/>
           <p:nvPr/>
         </p:nvPicPr>
         <p:blipFill>
-          <a:blip r:embed="rId2"/>
+          <a:blip r:embed="rId14"/>
           <a:stretch/>
         </p:blipFill>
         <p:spPr>
@@ -3071,20 +3578,18 @@
           </a:prstGeom>
         </p:spPr>
         <p:txBody>
-          <a:bodyPr lIns="0" rIns="0" tIns="0" bIns="0" anchor="ctr">
+          <a:bodyPr lIns="0" tIns="0" rIns="0" bIns="0" anchor="ctr">
             <a:noAutofit/>
           </a:bodyPr>
+          <a:lstStyle/>
           <a:p>
             <a:pPr algn="ctr"/>
             <a:r>
-              <a:rPr b="0" lang="ru-RU" sz="4400" spc="-1" strike="noStrike">
+              <a:rPr lang="ru-RU" sz="4400" b="0" strike="noStrike" spc="-1">
                 <a:latin typeface="Arial"/>
               </a:rPr>
               <a:t>Для правки текста заглавия щёлкните мышью</a:t>
             </a:r>
-            <a:endParaRPr b="0" lang="ru-RU" sz="4400" spc="-1" strike="noStrike">
-              <a:latin typeface="Arial"/>
-            </a:endParaRPr>
           </a:p>
         </p:txBody>
       </p:sp>
@@ -3108,9 +3613,10 @@
           </a:prstGeom>
         </p:spPr>
         <p:txBody>
-          <a:bodyPr lIns="0" rIns="0" tIns="0" bIns="0">
+          <a:bodyPr lIns="0" tIns="0" rIns="0" bIns="0">
             <a:normAutofit/>
           </a:bodyPr>
+          <a:lstStyle/>
           <a:p>
             <a:pPr marL="432000" indent="-324000">
               <a:spcBef>
@@ -3124,17 +3630,14 @@
               <a:buChar char=""/>
             </a:pPr>
             <a:r>
-              <a:rPr b="0" lang="ru-RU" sz="3200" spc="-1" strike="noStrike">
+              <a:rPr lang="ru-RU" sz="3200" b="0" strike="noStrike" spc="-1">
                 <a:latin typeface="Arial"/>
               </a:rPr>
               <a:t>Для правки структуры щёлкните мышью</a:t>
             </a:r>
-            <a:endParaRPr b="0" lang="ru-RU" sz="3200" spc="-1" strike="noStrike">
-              <a:latin typeface="Arial"/>
-            </a:endParaRPr>
-          </a:p>
-          <a:p>
-            <a:pPr lvl="1" marL="864000" indent="-324000">
+          </a:p>
+          <a:p>
+            <a:pPr marL="864000" lvl="1" indent="-324000">
               <a:spcBef>
                 <a:spcPts val="1134"/>
               </a:spcBef>
@@ -3146,17 +3649,14 @@
               <a:buChar char=""/>
             </a:pPr>
             <a:r>
-              <a:rPr b="0" lang="ru-RU" sz="2800" spc="-1" strike="noStrike">
+              <a:rPr lang="ru-RU" sz="2800" b="0" strike="noStrike" spc="-1">
                 <a:latin typeface="Arial"/>
               </a:rPr>
               <a:t>Второй уровень структуры</a:t>
             </a:r>
-            <a:endParaRPr b="0" lang="ru-RU" sz="2800" spc="-1" strike="noStrike">
-              <a:latin typeface="Arial"/>
-            </a:endParaRPr>
-          </a:p>
-          <a:p>
-            <a:pPr lvl="2" marL="1296000" indent="-288000">
+          </a:p>
+          <a:p>
+            <a:pPr marL="1296000" lvl="2" indent="-288000">
               <a:spcBef>
                 <a:spcPts val="850"/>
               </a:spcBef>
@@ -3168,17 +3668,14 @@
               <a:buChar char=""/>
             </a:pPr>
             <a:r>
-              <a:rPr b="0" lang="ru-RU" sz="2400" spc="-1" strike="noStrike">
+              <a:rPr lang="ru-RU" sz="2400" b="0" strike="noStrike" spc="-1">
                 <a:latin typeface="Arial"/>
               </a:rPr>
               <a:t>Третий уровень структуры</a:t>
             </a:r>
-            <a:endParaRPr b="0" lang="ru-RU" sz="2400" spc="-1" strike="noStrike">
-              <a:latin typeface="Arial"/>
-            </a:endParaRPr>
-          </a:p>
-          <a:p>
-            <a:pPr lvl="3" marL="1728000" indent="-216000">
+          </a:p>
+          <a:p>
+            <a:pPr marL="1728000" lvl="3" indent="-216000">
               <a:spcBef>
                 <a:spcPts val="567"/>
               </a:spcBef>
@@ -3190,17 +3687,14 @@
               <a:buChar char=""/>
             </a:pPr>
             <a:r>
-              <a:rPr b="0" lang="ru-RU" sz="2000" spc="-1" strike="noStrike">
+              <a:rPr lang="ru-RU" sz="2000" b="0" strike="noStrike" spc="-1">
                 <a:latin typeface="Arial"/>
               </a:rPr>
               <a:t>Четвёртый уровень структуры</a:t>
             </a:r>
-            <a:endParaRPr b="0" lang="ru-RU" sz="2000" spc="-1" strike="noStrike">
-              <a:latin typeface="Arial"/>
-            </a:endParaRPr>
-          </a:p>
-          <a:p>
-            <a:pPr lvl="4" marL="2160000" indent="-216000">
+          </a:p>
+          <a:p>
+            <a:pPr marL="2160000" lvl="4" indent="-216000">
               <a:spcBef>
                 <a:spcPts val="283"/>
               </a:spcBef>
@@ -3212,17 +3706,14 @@
               <a:buChar char=""/>
             </a:pPr>
             <a:r>
-              <a:rPr b="0" lang="ru-RU" sz="2000" spc="-1" strike="noStrike">
+              <a:rPr lang="ru-RU" sz="2000" b="0" strike="noStrike" spc="-1">
                 <a:latin typeface="Arial"/>
               </a:rPr>
               <a:t>Пятый уровень структуры</a:t>
             </a:r>
-            <a:endParaRPr b="0" lang="ru-RU" sz="2000" spc="-1" strike="noStrike">
-              <a:latin typeface="Arial"/>
-            </a:endParaRPr>
-          </a:p>
-          <a:p>
-            <a:pPr lvl="5" marL="2592000" indent="-216000">
+          </a:p>
+          <a:p>
+            <a:pPr marL="2592000" lvl="5" indent="-216000">
               <a:spcBef>
                 <a:spcPts val="283"/>
               </a:spcBef>
@@ -3234,17 +3725,14 @@
               <a:buChar char=""/>
             </a:pPr>
             <a:r>
-              <a:rPr b="0" lang="ru-RU" sz="2000" spc="-1" strike="noStrike">
+              <a:rPr lang="ru-RU" sz="2000" b="0" strike="noStrike" spc="-1">
                 <a:latin typeface="Arial"/>
               </a:rPr>
               <a:t>Шестой уровень структуры</a:t>
             </a:r>
-            <a:endParaRPr b="0" lang="ru-RU" sz="2000" spc="-1" strike="noStrike">
-              <a:latin typeface="Arial"/>
-            </a:endParaRPr>
-          </a:p>
-          <a:p>
-            <a:pPr lvl="6" marL="3024000" indent="-216000">
+          </a:p>
+          <a:p>
+            <a:pPr marL="3024000" lvl="6" indent="-216000">
               <a:spcBef>
                 <a:spcPts val="283"/>
               </a:spcBef>
@@ -3256,39 +3744,316 @@
               <a:buChar char=""/>
             </a:pPr>
             <a:r>
-              <a:rPr b="0" lang="ru-RU" sz="2000" spc="-1" strike="noStrike">
+              <a:rPr lang="ru-RU" sz="2000" b="0" strike="noStrike" spc="-1">
                 <a:latin typeface="Arial"/>
               </a:rPr>
               <a:t>Седьмой уровень структуры</a:t>
             </a:r>
-            <a:endParaRPr b="0" lang="ru-RU" sz="2000" spc="-1" strike="noStrike">
-              <a:latin typeface="Arial"/>
-            </a:endParaRPr>
           </a:p>
         </p:txBody>
       </p:sp>
     </p:spTree>
   </p:cSld>
-  <p:clrMap bg1="lt1" bg2="lt2" tx1="dk1" tx2="dk2" accent1="accent1" accent2="accent2" accent3="accent3" accent4="accent4" accent5="accent5" accent6="accent6" hlink="hlink" folHlink="folHlink"/>
+  <p:clrMap bg1="lt1" tx1="dk1" bg2="lt2" tx2="dk2" accent1="accent1" accent2="accent2" accent3="accent3" accent4="accent4" accent5="accent5" accent6="accent6" hlink="hlink" folHlink="folHlink"/>
   <p:sldLayoutIdLst>
-    <p:sldLayoutId id="2147483662" r:id="rId3"/>
-    <p:sldLayoutId id="2147483663" r:id="rId4"/>
-    <p:sldLayoutId id="2147483664" r:id="rId5"/>
-    <p:sldLayoutId id="2147483665" r:id="rId6"/>
-    <p:sldLayoutId id="2147483666" r:id="rId7"/>
-    <p:sldLayoutId id="2147483667" r:id="rId8"/>
-    <p:sldLayoutId id="2147483668" r:id="rId9"/>
-    <p:sldLayoutId id="2147483669" r:id="rId10"/>
-    <p:sldLayoutId id="2147483670" r:id="rId11"/>
-    <p:sldLayoutId id="2147483671" r:id="rId12"/>
-    <p:sldLayoutId id="2147483672" r:id="rId13"/>
-    <p:sldLayoutId id="2147483673" r:id="rId14"/>
+    <p:sldLayoutId id="2147483662" r:id="rId1"/>
+    <p:sldLayoutId id="2147483663" r:id="rId2"/>
+    <p:sldLayoutId id="2147483664" r:id="rId3"/>
+    <p:sldLayoutId id="2147483665" r:id="rId4"/>
+    <p:sldLayoutId id="2147483666" r:id="rId5"/>
+    <p:sldLayoutId id="2147483667" r:id="rId6"/>
+    <p:sldLayoutId id="2147483668" r:id="rId7"/>
+    <p:sldLayoutId id="2147483669" r:id="rId8"/>
+    <p:sldLayoutId id="2147483670" r:id="rId9"/>
+    <p:sldLayoutId id="2147483671" r:id="rId10"/>
+    <p:sldLayoutId id="2147483672" r:id="rId11"/>
+    <p:sldLayoutId id="2147483673" r:id="rId12"/>
   </p:sldLayoutIdLst>
+  <p:txStyles>
+    <p:titleStyle>
+      <a:lvl1pPr algn="l" defTabSz="914400" rtl="0" eaLnBrk="1" latinLnBrk="0" hangingPunct="1">
+        <a:lnSpc>
+          <a:spcPct val="90000"/>
+        </a:lnSpc>
+        <a:spcBef>
+          <a:spcPct val="0"/>
+        </a:spcBef>
+        <a:buNone/>
+        <a:defRPr sz="4400" kern="1200">
+          <a:solidFill>
+            <a:schemeClr val="tx1"/>
+          </a:solidFill>
+          <a:latin typeface="+mj-lt"/>
+          <a:ea typeface="+mj-ea"/>
+          <a:cs typeface="+mj-cs"/>
+        </a:defRPr>
+      </a:lvl1pPr>
+    </p:titleStyle>
+    <p:bodyStyle>
+      <a:lvl1pPr marL="228600" indent="-228600" algn="l" defTabSz="914400" rtl="0" eaLnBrk="1" latinLnBrk="0" hangingPunct="1">
+        <a:lnSpc>
+          <a:spcPct val="90000"/>
+        </a:lnSpc>
+        <a:spcBef>
+          <a:spcPts val="1000"/>
+        </a:spcBef>
+        <a:buFont typeface="Arial" panose="020B0604020202020204" pitchFamily="34" charset="0"/>
+        <a:buChar char="•"/>
+        <a:defRPr sz="2800" kern="1200">
+          <a:solidFill>
+            <a:schemeClr val="tx1"/>
+          </a:solidFill>
+          <a:latin typeface="+mn-lt"/>
+          <a:ea typeface="+mn-ea"/>
+          <a:cs typeface="+mn-cs"/>
+        </a:defRPr>
+      </a:lvl1pPr>
+      <a:lvl2pPr marL="685800" indent="-228600" algn="l" defTabSz="914400" rtl="0" eaLnBrk="1" latinLnBrk="0" hangingPunct="1">
+        <a:lnSpc>
+          <a:spcPct val="90000"/>
+        </a:lnSpc>
+        <a:spcBef>
+          <a:spcPts val="500"/>
+        </a:spcBef>
+        <a:buFont typeface="Arial" panose="020B0604020202020204" pitchFamily="34" charset="0"/>
+        <a:buChar char="•"/>
+        <a:defRPr sz="2400" kern="1200">
+          <a:solidFill>
+            <a:schemeClr val="tx1"/>
+          </a:solidFill>
+          <a:latin typeface="+mn-lt"/>
+          <a:ea typeface="+mn-ea"/>
+          <a:cs typeface="+mn-cs"/>
+        </a:defRPr>
+      </a:lvl2pPr>
+      <a:lvl3pPr marL="1143000" indent="-228600" algn="l" defTabSz="914400" rtl="0" eaLnBrk="1" latinLnBrk="0" hangingPunct="1">
+        <a:lnSpc>
+          <a:spcPct val="90000"/>
+        </a:lnSpc>
+        <a:spcBef>
+          <a:spcPts val="500"/>
+        </a:spcBef>
+        <a:buFont typeface="Arial" panose="020B0604020202020204" pitchFamily="34" charset="0"/>
+        <a:buChar char="•"/>
+        <a:defRPr sz="2000" kern="1200">
+          <a:solidFill>
+            <a:schemeClr val="tx1"/>
+          </a:solidFill>
+          <a:latin typeface="+mn-lt"/>
+          <a:ea typeface="+mn-ea"/>
+          <a:cs typeface="+mn-cs"/>
+        </a:defRPr>
+      </a:lvl3pPr>
+      <a:lvl4pPr marL="1600200" indent="-228600" algn="l" defTabSz="914400" rtl="0" eaLnBrk="1" latinLnBrk="0" hangingPunct="1">
+        <a:lnSpc>
+          <a:spcPct val="90000"/>
+        </a:lnSpc>
+        <a:spcBef>
+          <a:spcPts val="500"/>
+        </a:spcBef>
+        <a:buFont typeface="Arial" panose="020B0604020202020204" pitchFamily="34" charset="0"/>
+        <a:buChar char="•"/>
+        <a:defRPr sz="1800" kern="1200">
+          <a:solidFill>
+            <a:schemeClr val="tx1"/>
+          </a:solidFill>
+          <a:latin typeface="+mn-lt"/>
+          <a:ea typeface="+mn-ea"/>
+          <a:cs typeface="+mn-cs"/>
+        </a:defRPr>
+      </a:lvl4pPr>
+      <a:lvl5pPr marL="2057400" indent="-228600" algn="l" defTabSz="914400" rtl="0" eaLnBrk="1" latinLnBrk="0" hangingPunct="1">
+        <a:lnSpc>
+          <a:spcPct val="90000"/>
+        </a:lnSpc>
+        <a:spcBef>
+          <a:spcPts val="500"/>
+        </a:spcBef>
+        <a:buFont typeface="Arial" panose="020B0604020202020204" pitchFamily="34" charset="0"/>
+        <a:buChar char="•"/>
+        <a:defRPr sz="1800" kern="1200">
+          <a:solidFill>
+            <a:schemeClr val="tx1"/>
+          </a:solidFill>
+          <a:latin typeface="+mn-lt"/>
+          <a:ea typeface="+mn-ea"/>
+          <a:cs typeface="+mn-cs"/>
+        </a:defRPr>
+      </a:lvl5pPr>
+      <a:lvl6pPr marL="2514600" indent="-228600" algn="l" defTabSz="914400" rtl="0" eaLnBrk="1" latinLnBrk="0" hangingPunct="1">
+        <a:lnSpc>
+          <a:spcPct val="90000"/>
+        </a:lnSpc>
+        <a:spcBef>
+          <a:spcPts val="500"/>
+        </a:spcBef>
+        <a:buFont typeface="Arial" panose="020B0604020202020204" pitchFamily="34" charset="0"/>
+        <a:buChar char="•"/>
+        <a:defRPr sz="1800" kern="1200">
+          <a:solidFill>
+            <a:schemeClr val="tx1"/>
+          </a:solidFill>
+          <a:latin typeface="+mn-lt"/>
+          <a:ea typeface="+mn-ea"/>
+          <a:cs typeface="+mn-cs"/>
+        </a:defRPr>
+      </a:lvl6pPr>
+      <a:lvl7pPr marL="2971800" indent="-228600" algn="l" defTabSz="914400" rtl="0" eaLnBrk="1" latinLnBrk="0" hangingPunct="1">
+        <a:lnSpc>
+          <a:spcPct val="90000"/>
+        </a:lnSpc>
+        <a:spcBef>
+          <a:spcPts val="500"/>
+        </a:spcBef>
+        <a:buFont typeface="Arial" panose="020B0604020202020204" pitchFamily="34" charset="0"/>
+        <a:buChar char="•"/>
+        <a:defRPr sz="1800" kern="1200">
+          <a:solidFill>
+            <a:schemeClr val="tx1"/>
+          </a:solidFill>
+          <a:latin typeface="+mn-lt"/>
+          <a:ea typeface="+mn-ea"/>
+          <a:cs typeface="+mn-cs"/>
+        </a:defRPr>
+      </a:lvl7pPr>
+      <a:lvl8pPr marL="3429000" indent="-228600" algn="l" defTabSz="914400" rtl="0" eaLnBrk="1" latinLnBrk="0" hangingPunct="1">
+        <a:lnSpc>
+          <a:spcPct val="90000"/>
+        </a:lnSpc>
+        <a:spcBef>
+          <a:spcPts val="500"/>
+        </a:spcBef>
+        <a:buFont typeface="Arial" panose="020B0604020202020204" pitchFamily="34" charset="0"/>
+        <a:buChar char="•"/>
+        <a:defRPr sz="1800" kern="1200">
+          <a:solidFill>
+            <a:schemeClr val="tx1"/>
+          </a:solidFill>
+          <a:latin typeface="+mn-lt"/>
+          <a:ea typeface="+mn-ea"/>
+          <a:cs typeface="+mn-cs"/>
+        </a:defRPr>
+      </a:lvl8pPr>
+      <a:lvl9pPr marL="3886200" indent="-228600" algn="l" defTabSz="914400" rtl="0" eaLnBrk="1" latinLnBrk="0" hangingPunct="1">
+        <a:lnSpc>
+          <a:spcPct val="90000"/>
+        </a:lnSpc>
+        <a:spcBef>
+          <a:spcPts val="500"/>
+        </a:spcBef>
+        <a:buFont typeface="Arial" panose="020B0604020202020204" pitchFamily="34" charset="0"/>
+        <a:buChar char="•"/>
+        <a:defRPr sz="1800" kern="1200">
+          <a:solidFill>
+            <a:schemeClr val="tx1"/>
+          </a:solidFill>
+          <a:latin typeface="+mn-lt"/>
+          <a:ea typeface="+mn-ea"/>
+          <a:cs typeface="+mn-cs"/>
+        </a:defRPr>
+      </a:lvl9pPr>
+    </p:bodyStyle>
+    <p:otherStyle>
+      <a:defPPr>
+        <a:defRPr lang="ru-RU"/>
+      </a:defPPr>
+      <a:lvl1pPr marL="0" algn="l" defTabSz="914400" rtl="0" eaLnBrk="1" latinLnBrk="0" hangingPunct="1">
+        <a:defRPr sz="1800" kern="1200">
+          <a:solidFill>
+            <a:schemeClr val="tx1"/>
+          </a:solidFill>
+          <a:latin typeface="+mn-lt"/>
+          <a:ea typeface="+mn-ea"/>
+          <a:cs typeface="+mn-cs"/>
+        </a:defRPr>
+      </a:lvl1pPr>
+      <a:lvl2pPr marL="457200" algn="l" defTabSz="914400" rtl="0" eaLnBrk="1" latinLnBrk="0" hangingPunct="1">
+        <a:defRPr sz="1800" kern="1200">
+          <a:solidFill>
+            <a:schemeClr val="tx1"/>
+          </a:solidFill>
+          <a:latin typeface="+mn-lt"/>
+          <a:ea typeface="+mn-ea"/>
+          <a:cs typeface="+mn-cs"/>
+        </a:defRPr>
+      </a:lvl2pPr>
+      <a:lvl3pPr marL="914400" algn="l" defTabSz="914400" rtl="0" eaLnBrk="1" latinLnBrk="0" hangingPunct="1">
+        <a:defRPr sz="1800" kern="1200">
+          <a:solidFill>
+            <a:schemeClr val="tx1"/>
+          </a:solidFill>
+          <a:latin typeface="+mn-lt"/>
+          <a:ea typeface="+mn-ea"/>
+          <a:cs typeface="+mn-cs"/>
+        </a:defRPr>
+      </a:lvl3pPr>
+      <a:lvl4pPr marL="1371600" algn="l" defTabSz="914400" rtl="0" eaLnBrk="1" latinLnBrk="0" hangingPunct="1">
+        <a:defRPr sz="1800" kern="1200">
+          <a:solidFill>
+            <a:schemeClr val="tx1"/>
+          </a:solidFill>
+          <a:latin typeface="+mn-lt"/>
+          <a:ea typeface="+mn-ea"/>
+          <a:cs typeface="+mn-cs"/>
+        </a:defRPr>
+      </a:lvl4pPr>
+      <a:lvl5pPr marL="1828800" algn="l" defTabSz="914400" rtl="0" eaLnBrk="1" latinLnBrk="0" hangingPunct="1">
+        <a:defRPr sz="1800" kern="1200">
+          <a:solidFill>
+            <a:schemeClr val="tx1"/>
+          </a:solidFill>
+          <a:latin typeface="+mn-lt"/>
+          <a:ea typeface="+mn-ea"/>
+          <a:cs typeface="+mn-cs"/>
+        </a:defRPr>
+      </a:lvl5pPr>
+      <a:lvl6pPr marL="2286000" algn="l" defTabSz="914400" rtl="0" eaLnBrk="1" latinLnBrk="0" hangingPunct="1">
+        <a:defRPr sz="1800" kern="1200">
+          <a:solidFill>
+            <a:schemeClr val="tx1"/>
+          </a:solidFill>
+          <a:latin typeface="+mn-lt"/>
+          <a:ea typeface="+mn-ea"/>
+          <a:cs typeface="+mn-cs"/>
+        </a:defRPr>
+      </a:lvl6pPr>
+      <a:lvl7pPr marL="2743200" algn="l" defTabSz="914400" rtl="0" eaLnBrk="1" latinLnBrk="0" hangingPunct="1">
+        <a:defRPr sz="1800" kern="1200">
+          <a:solidFill>
+            <a:schemeClr val="tx1"/>
+          </a:solidFill>
+          <a:latin typeface="+mn-lt"/>
+          <a:ea typeface="+mn-ea"/>
+          <a:cs typeface="+mn-cs"/>
+        </a:defRPr>
+      </a:lvl7pPr>
+      <a:lvl8pPr marL="3200400" algn="l" defTabSz="914400" rtl="0" eaLnBrk="1" latinLnBrk="0" hangingPunct="1">
+        <a:defRPr sz="1800" kern="1200">
+          <a:solidFill>
+            <a:schemeClr val="tx1"/>
+          </a:solidFill>
+          <a:latin typeface="+mn-lt"/>
+          <a:ea typeface="+mn-ea"/>
+          <a:cs typeface="+mn-cs"/>
+        </a:defRPr>
+      </a:lvl8pPr>
+      <a:lvl9pPr marL="3657600" algn="l" defTabSz="914400" rtl="0" eaLnBrk="1" latinLnBrk="0" hangingPunct="1">
+        <a:defRPr sz="1800" kern="1200">
+          <a:solidFill>
+            <a:schemeClr val="tx1"/>
+          </a:solidFill>
+          <a:latin typeface="+mn-lt"/>
+          <a:ea typeface="+mn-ea"/>
+          <a:cs typeface="+mn-cs"/>
+        </a:defRPr>
+      </a:lvl9pPr>
+    </p:otherStyle>
+  </p:txStyles>
 </p:sldMaster>
 </file>
 
 <file path=ppt/slides/slide1.xml><?xml version="1.0" encoding="utf-8"?>
-<p:sld xmlns:a="http://schemas.openxmlformats.org/drawingml/2006/main" xmlns:p="http://schemas.openxmlformats.org/presentationml/2006/main" xmlns:r="http://schemas.openxmlformats.org/officeDocument/2006/relationships" xmlns:p14="http://schemas.microsoft.com/office/powerpoint/2010/main" xmlns:p15="http://schemas.microsoft.com/office/powerpoint/2012/main" xmlns:mc="http://schemas.openxmlformats.org/markup-compatibility/2006">
+<p:sld xmlns:a="http://schemas.openxmlformats.org/drawingml/2006/main" xmlns:r="http://schemas.openxmlformats.org/officeDocument/2006/relationships" xmlns:p="http://schemas.openxmlformats.org/presentationml/2006/main">
   <p:cSld>
     <p:spTree>
       <p:nvGrpSpPr>
@@ -3324,15 +4089,22 @@
           </a:ln>
         </p:spPr>
         <p:style>
-          <a:lnRef idx="0"/>
-          <a:fillRef idx="0"/>
-          <a:effectRef idx="0"/>
+          <a:lnRef idx="0">
+            <a:scrgbClr r="0" g="0" b="0"/>
+          </a:lnRef>
+          <a:fillRef idx="0">
+            <a:scrgbClr r="0" g="0" b="0"/>
+          </a:fillRef>
+          <a:effectRef idx="0">
+            <a:scrgbClr r="0" g="0" b="0"/>
+          </a:effectRef>
           <a:fontRef idx="minor"/>
         </p:style>
         <p:txBody>
-          <a:bodyPr lIns="0" rIns="0" tIns="0" bIns="0" anchor="ctr">
+          <a:bodyPr lIns="0" tIns="0" rIns="0" bIns="0" anchor="ctr">
             <a:noAutofit/>
           </a:bodyPr>
+          <a:lstStyle/>
           <a:p>
             <a:pPr>
               <a:lnSpc>
@@ -3340,7 +4112,7 @@
               </a:lnSpc>
             </a:pPr>
             <a:r>
-              <a:rPr b="0" lang="ru-RU" sz="3200" spc="-1" strike="noStrike">
+              <a:rPr lang="ru-RU" sz="3200" b="0" strike="noStrike" spc="-1">
                 <a:solidFill>
                   <a:srgbClr val="000000"/>
                 </a:solidFill>
@@ -3349,7 +4121,7 @@
               </a:rPr>
               <a:t>Групповые операции с массивами</a:t>
             </a:r>
-            <a:endParaRPr b="0" lang="ru-RU" sz="3200" spc="-1" strike="noStrike">
+            <a:endParaRPr lang="ru-RU" sz="3200" b="0" strike="noStrike" spc="-1">
               <a:latin typeface="Arial"/>
             </a:endParaRPr>
           </a:p>
@@ -3375,15 +4147,22 @@
           </a:ln>
         </p:spPr>
         <p:style>
-          <a:lnRef idx="0"/>
-          <a:fillRef idx="0"/>
-          <a:effectRef idx="0"/>
+          <a:lnRef idx="0">
+            <a:scrgbClr r="0" g="0" b="0"/>
+          </a:lnRef>
+          <a:fillRef idx="0">
+            <a:scrgbClr r="0" g="0" b="0"/>
+          </a:fillRef>
+          <a:effectRef idx="0">
+            <a:scrgbClr r="0" g="0" b="0"/>
+          </a:effectRef>
           <a:fontRef idx="minor"/>
         </p:style>
         <p:txBody>
-          <a:bodyPr lIns="0" rIns="0" tIns="0" bIns="0" anchor="ctr">
+          <a:bodyPr lIns="0" tIns="0" rIns="0" bIns="0" anchor="ctr">
             <a:noAutofit/>
           </a:bodyPr>
+          <a:lstStyle/>
           <a:p>
             <a:pPr algn="ctr">
               <a:lnSpc>
@@ -3391,7 +4170,7 @@
               </a:lnSpc>
             </a:pPr>
             <a:r>
-              <a:rPr b="0" lang="ru-RU" sz="3200" spc="-1" strike="noStrike">
+              <a:rPr lang="ru-RU" sz="3200" b="0" strike="noStrike" spc="-1">
                 <a:solidFill>
                   <a:srgbClr val="000000"/>
                 </a:solidFill>
@@ -3400,7 +4179,7 @@
               </a:rPr>
               <a:t>Учебная практика ПМ.08</a:t>
             </a:r>
-            <a:endParaRPr b="0" lang="ru-RU" sz="3200" spc="-1" strike="noStrike">
+            <a:endParaRPr lang="ru-RU" sz="3200" b="0" strike="noStrike" spc="-1">
               <a:latin typeface="Arial"/>
             </a:endParaRPr>
           </a:p>
@@ -3411,7 +4190,7 @@
               </a:lnSpc>
             </a:pPr>
             <a:r>
-              <a:rPr b="0" lang="ru-RU" sz="3200" spc="-1" strike="noStrike">
+              <a:rPr lang="ru-RU" sz="3200" b="0" strike="noStrike" spc="-1">
                 <a:solidFill>
                   <a:srgbClr val="000000"/>
                 </a:solidFill>
@@ -3420,7 +4199,7 @@
               </a:rPr>
               <a:t>Разработка дизайна веб-приложений</a:t>
             </a:r>
-            <a:endParaRPr b="0" lang="ru-RU" sz="3200" spc="-1" strike="noStrike">
+            <a:endParaRPr lang="ru-RU" sz="3200" b="0" strike="noStrike" spc="-1">
               <a:latin typeface="Arial"/>
             </a:endParaRPr>
           </a:p>
@@ -3430,7 +4209,7 @@
                 <a:spcPct val="100000"/>
               </a:lnSpc>
             </a:pPr>
-            <a:endParaRPr b="0" lang="ru-RU" sz="3200" spc="-1" strike="noStrike">
+            <a:endParaRPr lang="ru-RU" sz="3200" b="0" strike="noStrike" spc="-1">
               <a:latin typeface="Arial"/>
             </a:endParaRPr>
           </a:p>
@@ -3441,7 +4220,7 @@
               </a:lnSpc>
             </a:pPr>
             <a:r>
-              <a:rPr b="0" lang="ru-RU" sz="3200" spc="-1" strike="noStrike">
+              <a:rPr lang="ru-RU" sz="3200" b="0" strike="noStrike" spc="-1">
                 <a:solidFill>
                   <a:srgbClr val="000000"/>
                 </a:solidFill>
@@ -3450,7 +4229,7 @@
               </a:rPr>
               <a:t>Преподаватель: Л.В. Ильюшенков</a:t>
             </a:r>
-            <a:endParaRPr b="0" lang="ru-RU" sz="3200" spc="-1" strike="noStrike">
+            <a:endParaRPr lang="ru-RU" sz="3200" b="0" strike="noStrike" spc="-1">
               <a:latin typeface="Arial"/>
             </a:endParaRPr>
           </a:p>
@@ -3458,12 +4237,12 @@
       </p:sp>
       <p:pic>
         <p:nvPicPr>
-          <p:cNvPr id="80" name="" descr=""/>
+          <p:cNvPr id="80" name="Рисунок 79"/>
           <p:cNvPicPr/>
           <p:nvPr/>
         </p:nvPicPr>
         <p:blipFill>
-          <a:blip r:embed="rId1"/>
+          <a:blip r:embed="rId2"/>
           <a:stretch/>
         </p:blipFill>
         <p:spPr>
@@ -3481,19 +4260,14 @@
       </p:pic>
     </p:spTree>
   </p:cSld>
-  <mc:AlternateContent>
-    <mc:Choice Requires="p14">
-      <p:transition spd="slow" p14:dur="2000"/>
-    </mc:Choice>
-    <mc:Fallback>
-      <p:transition spd="slow"/>
-    </mc:Fallback>
-  </mc:AlternateContent>
+  <p:clrMapOvr>
+    <a:masterClrMapping/>
+  </p:clrMapOvr>
 </p:sld>
 </file>
 
 <file path=ppt/slides/slide10.xml><?xml version="1.0" encoding="utf-8"?>
-<p:sld xmlns:a="http://schemas.openxmlformats.org/drawingml/2006/main" xmlns:p="http://schemas.openxmlformats.org/presentationml/2006/main" xmlns:r="http://schemas.openxmlformats.org/officeDocument/2006/relationships" xmlns:p14="http://schemas.microsoft.com/office/powerpoint/2010/main" xmlns:p15="http://schemas.microsoft.com/office/powerpoint/2012/main" xmlns:mc="http://schemas.openxmlformats.org/markup-compatibility/2006">
+<p:sld xmlns:a="http://schemas.openxmlformats.org/drawingml/2006/main" xmlns:r="http://schemas.openxmlformats.org/officeDocument/2006/relationships" xmlns:p="http://schemas.openxmlformats.org/presentationml/2006/main">
   <p:cSld>
     <p:spTree>
       <p:nvGrpSpPr>
@@ -3529,15 +4303,22 @@
           </a:ln>
         </p:spPr>
         <p:style>
-          <a:lnRef idx="0"/>
-          <a:fillRef idx="0"/>
-          <a:effectRef idx="0"/>
+          <a:lnRef idx="0">
+            <a:scrgbClr r="0" g="0" b="0"/>
+          </a:lnRef>
+          <a:fillRef idx="0">
+            <a:scrgbClr r="0" g="0" b="0"/>
+          </a:fillRef>
+          <a:effectRef idx="0">
+            <a:scrgbClr r="0" g="0" b="0"/>
+          </a:effectRef>
           <a:fontRef idx="minor"/>
         </p:style>
         <p:txBody>
-          <a:bodyPr lIns="0" rIns="0" tIns="0" bIns="0" anchor="ctr">
+          <a:bodyPr lIns="0" tIns="0" rIns="0" bIns="0" anchor="ctr">
             <a:noAutofit/>
           </a:bodyPr>
+          <a:lstStyle/>
           <a:p>
             <a:pPr>
               <a:lnSpc>
@@ -3545,7 +4326,7 @@
               </a:lnSpc>
             </a:pPr>
             <a:r>
-              <a:rPr b="0" lang="ru-RU" sz="3200" spc="-1" strike="noStrike">
+              <a:rPr lang="ru-RU" sz="3200" b="0" strike="noStrike" spc="-1">
                 <a:solidFill>
                   <a:srgbClr val="000000"/>
                 </a:solidFill>
@@ -3554,7 +4335,7 @@
               </a:rPr>
               <a:t>Фильтрация данных</a:t>
             </a:r>
-            <a:endParaRPr b="0" lang="ru-RU" sz="3200" spc="-1" strike="noStrike">
+            <a:endParaRPr lang="ru-RU" sz="3200" b="0" strike="noStrike" spc="-1">
               <a:latin typeface="Arial"/>
             </a:endParaRPr>
           </a:p>
@@ -3562,287 +4343,577 @@
       </p:sp>
       <p:pic>
         <p:nvPicPr>
-          <p:cNvPr id="128" name="" descr=""/>
-          <p:cNvPicPr/>
-          <p:nvPr/>
-        </p:nvPicPr>
-        <p:blipFill>
-          <a:blip r:embed="rId1"/>
-          <a:stretch/>
-        </p:blipFill>
-        <p:spPr>
-          <a:xfrm>
-            <a:off x="7704000" y="360000"/>
-            <a:ext cx="1165320" cy="1165320"/>
-          </a:xfrm>
-          <a:prstGeom prst="rect">
-            <a:avLst/>
-          </a:prstGeom>
-          <a:ln>
-            <a:noFill/>
-          </a:ln>
-        </p:spPr>
-      </p:pic>
-      <p:sp>
-        <p:nvSpPr>
-          <p:cNvPr id="129" name="CustomShape 2"/>
-          <p:cNvSpPr/>
-          <p:nvPr/>
-        </p:nvSpPr>
-        <p:spPr>
-          <a:xfrm>
-            <a:off x="531000" y="2376000"/>
-            <a:ext cx="9188280" cy="2375280"/>
-          </a:xfrm>
-          <a:prstGeom prst="rect">
-            <a:avLst/>
-          </a:prstGeom>
-          <a:solidFill>
-            <a:srgbClr val="fed598"/>
-          </a:solidFill>
-          <a:ln>
-            <a:solidFill>
-              <a:srgbClr val="3465af"/>
-            </a:solidFill>
-          </a:ln>
-        </p:spPr>
-        <p:style>
-          <a:lnRef idx="0"/>
-          <a:fillRef idx="0"/>
-          <a:effectRef idx="0"/>
-          <a:fontRef idx="minor"/>
-        </p:style>
-      </p:sp>
-      <p:sp>
-        <p:nvSpPr>
-          <p:cNvPr id="130" name="CustomShape 3"/>
-          <p:cNvSpPr/>
-          <p:nvPr/>
-        </p:nvSpPr>
-        <p:spPr>
-          <a:xfrm>
-            <a:off x="720000" y="2448000"/>
-            <a:ext cx="8711280" cy="2499480"/>
-          </a:xfrm>
-          <a:prstGeom prst="rect">
-            <a:avLst/>
-          </a:prstGeom>
-          <a:noFill/>
-          <a:ln>
-            <a:noFill/>
-          </a:ln>
-        </p:spPr>
-        <p:style>
-          <a:lnRef idx="0"/>
-          <a:fillRef idx="0"/>
-          <a:effectRef idx="0"/>
-          <a:fontRef idx="minor"/>
-        </p:style>
-        <p:txBody>
-          <a:bodyPr lIns="0" rIns="0" tIns="0" bIns="0" anchor="ctr">
-            <a:noAutofit/>
-          </a:bodyPr>
-          <a:p>
-            <a:pPr algn="just">
-              <a:lnSpc>
-                <a:spcPct val="100000"/>
-              </a:lnSpc>
-            </a:pPr>
-            <a:r>
-              <a:rPr b="0" i="1" lang="ru-RU" sz="2200" spc="-1" strike="noStrike">
-                <a:solidFill>
-                  <a:srgbClr val="000000"/>
-                </a:solidFill>
-                <a:latin typeface="Arial"/>
-                <a:ea typeface="DejaVu Sans"/>
-              </a:rPr>
-              <a:t>c1=a.filter((d)=&gt;{if (d.country==='Россия') return d;});</a:t>
-            </a:r>
-            <a:endParaRPr b="0" lang="ru-RU" sz="2200" spc="-1" strike="noStrike">
-              <a:latin typeface="Arial"/>
-            </a:endParaRPr>
-          </a:p>
-          <a:p>
-            <a:pPr algn="just">
-              <a:lnSpc>
-                <a:spcPct val="100000"/>
-              </a:lnSpc>
-            </a:pPr>
-            <a:endParaRPr b="0" lang="ru-RU" sz="2200" spc="-1" strike="noStrike">
-              <a:latin typeface="Arial"/>
-            </a:endParaRPr>
-          </a:p>
-          <a:p>
-            <a:pPr algn="just">
-              <a:lnSpc>
-                <a:spcPct val="100000"/>
-              </a:lnSpc>
-            </a:pPr>
-            <a:r>
-              <a:rPr b="0" i="1" lang="ru-RU" sz="2200" spc="-1" strike="noStrike">
-                <a:solidFill>
-                  <a:srgbClr val="000000"/>
-                </a:solidFill>
-                <a:latin typeface="Arial"/>
-                <a:ea typeface="DejaVu Sans"/>
-              </a:rPr>
-              <a:t>a.map((c)=&gt;document.write(</a:t>
-            </a:r>
-            <a:endParaRPr b="0" lang="ru-RU" sz="2200" spc="-1" strike="noStrike">
-              <a:latin typeface="Arial"/>
-            </a:endParaRPr>
-          </a:p>
-          <a:p>
-            <a:pPr algn="just">
-              <a:lnSpc>
-                <a:spcPct val="100000"/>
-              </a:lnSpc>
-            </a:pPr>
-            <a:r>
-              <a:rPr b="0" i="1" lang="ru-RU" sz="2200" spc="-1" strike="noStrike">
-                <a:solidFill>
-                  <a:srgbClr val="000000"/>
-                </a:solidFill>
-                <a:latin typeface="Arial"/>
-                <a:ea typeface="DejaVu Sans"/>
-              </a:rPr>
-              <a:t>`&lt;hr&gt;&lt;p&gt;Наименование товара: ${c.name}&lt;/p&gt; </a:t>
-            </a:r>
-            <a:endParaRPr b="0" lang="ru-RU" sz="2200" spc="-1" strike="noStrike">
-              <a:latin typeface="Arial"/>
-            </a:endParaRPr>
-          </a:p>
-          <a:p>
-            <a:pPr algn="just">
-              <a:lnSpc>
-                <a:spcPct val="100000"/>
-              </a:lnSpc>
-            </a:pPr>
-            <a:r>
-              <a:rPr b="0" i="1" lang="ru-RU" sz="2200" spc="-1" strike="noStrike">
-                <a:solidFill>
-                  <a:srgbClr val="000000"/>
-                </a:solidFill>
-                <a:latin typeface="Arial"/>
-                <a:ea typeface="DejaVu Sans"/>
-              </a:rPr>
-              <a:t>&lt;p&gt;Цена, руб: ${c.price}&lt;/p&gt;</a:t>
-            </a:r>
-            <a:endParaRPr b="0" lang="ru-RU" sz="2200" spc="-1" strike="noStrike">
-              <a:latin typeface="Arial"/>
-            </a:endParaRPr>
-          </a:p>
-          <a:p>
-            <a:pPr algn="just">
-              <a:lnSpc>
-                <a:spcPct val="100000"/>
-              </a:lnSpc>
-            </a:pPr>
-            <a:r>
-              <a:rPr b="0" i="1" lang="ru-RU" sz="2200" spc="-1" strike="noStrike">
-                <a:solidFill>
-                  <a:srgbClr val="000000"/>
-                </a:solidFill>
-                <a:latin typeface="Arial"/>
-                <a:ea typeface="DejaVu Sans"/>
-              </a:rPr>
-              <a:t>&lt;p&gt;Дата: ${c.date.toISOString().split('T')[0]}&lt;/p&gt;</a:t>
-            </a:r>
-            <a:endParaRPr b="0" lang="ru-RU" sz="2200" spc="-1" strike="noStrike">
-              <a:latin typeface="Arial"/>
-            </a:endParaRPr>
-          </a:p>
-          <a:p>
-            <a:pPr algn="just">
-              <a:lnSpc>
-                <a:spcPct val="100000"/>
-              </a:lnSpc>
-            </a:pPr>
-            <a:r>
-              <a:rPr b="0" i="1" lang="ru-RU" sz="2200" spc="-1" strike="noStrike">
-                <a:solidFill>
-                  <a:srgbClr val="000000"/>
-                </a:solidFill>
-                <a:latin typeface="Arial"/>
-                <a:ea typeface="DejaVu Sans"/>
-              </a:rPr>
-              <a:t>&lt;p&gt;Страна происхождения: ${c.country}&lt;/p&gt;&lt;hr&gt;`));</a:t>
-            </a:r>
-            <a:endParaRPr b="0" lang="ru-RU" sz="2200" spc="-1" strike="noStrike">
-              <a:latin typeface="Arial"/>
-            </a:endParaRPr>
-          </a:p>
-          <a:p>
-            <a:pPr algn="just">
-              <a:lnSpc>
-                <a:spcPct val="100000"/>
-              </a:lnSpc>
-            </a:pPr>
-            <a:endParaRPr b="0" lang="ru-RU" sz="2200" spc="-1" strike="noStrike">
-              <a:latin typeface="Arial"/>
-            </a:endParaRPr>
-          </a:p>
-        </p:txBody>
-      </p:sp>
-      <p:sp>
-        <p:nvSpPr>
-          <p:cNvPr id="131" name="CustomShape 4"/>
-          <p:cNvSpPr/>
-          <p:nvPr/>
-        </p:nvSpPr>
-        <p:spPr>
-          <a:xfrm>
-            <a:off x="504000" y="1877760"/>
-            <a:ext cx="9071280" cy="857520"/>
-          </a:xfrm>
-          <a:prstGeom prst="rect">
-            <a:avLst/>
-          </a:prstGeom>
-          <a:noFill/>
-          <a:ln>
-            <a:noFill/>
-          </a:ln>
-        </p:spPr>
-        <p:style>
-          <a:lnRef idx="0"/>
-          <a:fillRef idx="0"/>
-          <a:effectRef idx="0"/>
-          <a:fontRef idx="minor"/>
-        </p:style>
-        <p:txBody>
-          <a:bodyPr lIns="90000" rIns="90000" tIns="45000" bIns="45000">
-            <a:noAutofit/>
-          </a:bodyPr>
-          <a:p>
-            <a:pPr>
-              <a:lnSpc>
-                <a:spcPct val="100000"/>
-              </a:lnSpc>
-            </a:pPr>
-            <a:r>
-              <a:rPr b="0" lang="ru-RU" sz="1800" spc="-1" strike="noStrike">
-                <a:solidFill>
-                  <a:srgbClr val="000000"/>
-                </a:solidFill>
-                <a:latin typeface="Arial"/>
-                <a:ea typeface="DejaVu Sans"/>
-              </a:rPr>
-              <a:t>Выборка товаров из России</a:t>
-            </a:r>
-            <a:endParaRPr b="0" lang="ru-RU" sz="1800" spc="-1" strike="noStrike">
-              <a:latin typeface="Arial"/>
-            </a:endParaRPr>
-          </a:p>
-        </p:txBody>
-      </p:sp>
-      <p:pic>
-        <p:nvPicPr>
-          <p:cNvPr id="132" name="" descr=""/>
+          <p:cNvPr id="128" name="Рисунок 127"/>
           <p:cNvPicPr/>
           <p:nvPr/>
         </p:nvPicPr>
         <p:blipFill>
           <a:blip r:embed="rId2"/>
+          <a:stretch/>
+        </p:blipFill>
+        <p:spPr>
+          <a:xfrm>
+            <a:off x="7704000" y="360000"/>
+            <a:ext cx="1165320" cy="1165320"/>
+          </a:xfrm>
+          <a:prstGeom prst="rect">
+            <a:avLst/>
+          </a:prstGeom>
+          <a:ln>
+            <a:noFill/>
+          </a:ln>
+        </p:spPr>
+      </p:pic>
+      <p:sp>
+        <p:nvSpPr>
+          <p:cNvPr id="129" name="CustomShape 2"/>
+          <p:cNvSpPr/>
+          <p:nvPr/>
+        </p:nvSpPr>
+        <p:spPr>
+          <a:xfrm>
+            <a:off x="531000" y="2376000"/>
+            <a:ext cx="9188280" cy="2375280"/>
+          </a:xfrm>
+          <a:prstGeom prst="rect">
+            <a:avLst/>
+          </a:prstGeom>
+          <a:solidFill>
+            <a:srgbClr val="FED598"/>
+          </a:solidFill>
+          <a:ln>
+            <a:solidFill>
+              <a:srgbClr val="3465AF"/>
+            </a:solidFill>
+          </a:ln>
+        </p:spPr>
+        <p:style>
+          <a:lnRef idx="0">
+            <a:scrgbClr r="0" g="0" b="0"/>
+          </a:lnRef>
+          <a:fillRef idx="0">
+            <a:scrgbClr r="0" g="0" b="0"/>
+          </a:fillRef>
+          <a:effectRef idx="0">
+            <a:scrgbClr r="0" g="0" b="0"/>
+          </a:effectRef>
+          <a:fontRef idx="minor"/>
+        </p:style>
+      </p:sp>
+      <p:sp>
+        <p:nvSpPr>
+          <p:cNvPr id="130" name="CustomShape 3"/>
+          <p:cNvSpPr/>
+          <p:nvPr/>
+        </p:nvSpPr>
+        <p:spPr>
+          <a:xfrm>
+            <a:off x="720000" y="2448000"/>
+            <a:ext cx="8711280" cy="2499480"/>
+          </a:xfrm>
+          <a:prstGeom prst="rect">
+            <a:avLst/>
+          </a:prstGeom>
+          <a:noFill/>
+          <a:ln>
+            <a:noFill/>
+          </a:ln>
+        </p:spPr>
+        <p:style>
+          <a:lnRef idx="0">
+            <a:scrgbClr r="0" g="0" b="0"/>
+          </a:lnRef>
+          <a:fillRef idx="0">
+            <a:scrgbClr r="0" g="0" b="0"/>
+          </a:fillRef>
+          <a:effectRef idx="0">
+            <a:scrgbClr r="0" g="0" b="0"/>
+          </a:effectRef>
+          <a:fontRef idx="minor"/>
+        </p:style>
+        <p:txBody>
+          <a:bodyPr lIns="0" tIns="0" rIns="0" bIns="0" anchor="ctr">
+            <a:noAutofit/>
+          </a:bodyPr>
+          <a:lstStyle/>
+          <a:p>
+            <a:pPr algn="just">
+              <a:lnSpc>
+                <a:spcPct val="100000"/>
+              </a:lnSpc>
+            </a:pPr>
+            <a:r>
+              <a:rPr lang="ru-RU" sz="2200" b="0" i="1" strike="noStrike" spc="-1" dirty="0">
+                <a:solidFill>
+                  <a:srgbClr val="000000"/>
+                </a:solidFill>
+                <a:latin typeface="Arial"/>
+                <a:ea typeface="DejaVu Sans"/>
+              </a:rPr>
+              <a:t>c1=</a:t>
+            </a:r>
+            <a:r>
+              <a:rPr lang="ru-RU" sz="2200" b="0" i="1" strike="noStrike" spc="-1" dirty="0" err="1">
+                <a:solidFill>
+                  <a:srgbClr val="000000"/>
+                </a:solidFill>
+                <a:latin typeface="Arial"/>
+                <a:ea typeface="DejaVu Sans"/>
+              </a:rPr>
+              <a:t>a.filter</a:t>
+            </a:r>
+            <a:r>
+              <a:rPr lang="ru-RU" sz="2200" b="0" i="1" strike="noStrike" spc="-1" dirty="0">
+                <a:solidFill>
+                  <a:srgbClr val="000000"/>
+                </a:solidFill>
+                <a:latin typeface="Arial"/>
+                <a:ea typeface="DejaVu Sans"/>
+              </a:rPr>
+              <a:t>((d)=&gt;{</a:t>
+            </a:r>
+            <a:r>
+              <a:rPr lang="ru-RU" sz="2200" b="0" i="1" strike="noStrike" spc="-1" dirty="0" err="1">
+                <a:solidFill>
+                  <a:srgbClr val="000000"/>
+                </a:solidFill>
+                <a:latin typeface="Arial"/>
+                <a:ea typeface="DejaVu Sans"/>
+              </a:rPr>
+              <a:t>if</a:t>
+            </a:r>
+            <a:r>
+              <a:rPr lang="ru-RU" sz="2200" b="0" i="1" strike="noStrike" spc="-1" dirty="0">
+                <a:solidFill>
+                  <a:srgbClr val="000000"/>
+                </a:solidFill>
+                <a:latin typeface="Arial"/>
+                <a:ea typeface="DejaVu Sans"/>
+              </a:rPr>
+              <a:t> (</a:t>
+            </a:r>
+            <a:r>
+              <a:rPr lang="ru-RU" sz="2200" b="0" i="1" strike="noStrike" spc="-1" dirty="0" err="1">
+                <a:solidFill>
+                  <a:srgbClr val="000000"/>
+                </a:solidFill>
+                <a:latin typeface="Arial"/>
+                <a:ea typeface="DejaVu Sans"/>
+              </a:rPr>
+              <a:t>d.country</a:t>
+            </a:r>
+            <a:r>
+              <a:rPr lang="ru-RU" sz="2200" b="0" i="1" strike="noStrike" spc="-1" dirty="0">
+                <a:solidFill>
+                  <a:srgbClr val="000000"/>
+                </a:solidFill>
+                <a:latin typeface="Arial"/>
+                <a:ea typeface="DejaVu Sans"/>
+              </a:rPr>
+              <a:t>==='Россия') </a:t>
+            </a:r>
+            <a:r>
+              <a:rPr lang="ru-RU" sz="2200" b="0" i="1" strike="noStrike" spc="-1" dirty="0" err="1">
+                <a:solidFill>
+                  <a:srgbClr val="000000"/>
+                </a:solidFill>
+                <a:latin typeface="Arial"/>
+                <a:ea typeface="DejaVu Sans"/>
+              </a:rPr>
+              <a:t>return</a:t>
+            </a:r>
+            <a:r>
+              <a:rPr lang="ru-RU" sz="2200" b="0" i="1" strike="noStrike" spc="-1" dirty="0">
+                <a:solidFill>
+                  <a:srgbClr val="000000"/>
+                </a:solidFill>
+                <a:latin typeface="Arial"/>
+                <a:ea typeface="DejaVu Sans"/>
+              </a:rPr>
+              <a:t> d;});</a:t>
+            </a:r>
+            <a:endParaRPr lang="ru-RU" sz="2200" b="0" strike="noStrike" spc="-1" dirty="0">
+              <a:latin typeface="Arial"/>
+            </a:endParaRPr>
+          </a:p>
+          <a:p>
+            <a:pPr algn="just">
+              <a:lnSpc>
+                <a:spcPct val="100000"/>
+              </a:lnSpc>
+            </a:pPr>
+            <a:endParaRPr lang="ru-RU" sz="2200" b="0" strike="noStrike" spc="-1" dirty="0">
+              <a:latin typeface="Arial"/>
+            </a:endParaRPr>
+          </a:p>
+          <a:p>
+            <a:pPr algn="just">
+              <a:lnSpc>
+                <a:spcPct val="100000"/>
+              </a:lnSpc>
+            </a:pPr>
+            <a:r>
+              <a:rPr lang="en-US" sz="2200" b="0" i="1" strike="noStrike" spc="-1">
+                <a:solidFill>
+                  <a:srgbClr val="000000"/>
+                </a:solidFill>
+                <a:latin typeface="Arial"/>
+                <a:ea typeface="DejaVu Sans"/>
+              </a:rPr>
+              <a:t>c1</a:t>
+            </a:r>
+            <a:r>
+              <a:rPr lang="ru-RU" sz="2200" b="0" i="1" strike="noStrike" spc="-1">
+                <a:solidFill>
+                  <a:srgbClr val="000000"/>
+                </a:solidFill>
+                <a:latin typeface="Arial"/>
+                <a:ea typeface="DejaVu Sans"/>
+              </a:rPr>
+              <a:t>.</a:t>
+            </a:r>
+            <a:r>
+              <a:rPr lang="ru-RU" sz="2200" b="0" i="1" strike="noStrike" spc="-1" dirty="0" err="1">
+                <a:solidFill>
+                  <a:srgbClr val="000000"/>
+                </a:solidFill>
+                <a:latin typeface="Arial"/>
+                <a:ea typeface="DejaVu Sans"/>
+              </a:rPr>
+              <a:t>map</a:t>
+            </a:r>
+            <a:r>
+              <a:rPr lang="ru-RU" sz="2200" b="0" i="1" strike="noStrike" spc="-1" dirty="0">
+                <a:solidFill>
+                  <a:srgbClr val="000000"/>
+                </a:solidFill>
+                <a:latin typeface="Arial"/>
+                <a:ea typeface="DejaVu Sans"/>
+              </a:rPr>
+              <a:t>((c)=&gt;</a:t>
+            </a:r>
+            <a:r>
+              <a:rPr lang="ru-RU" sz="2200" b="0" i="1" strike="noStrike" spc="-1" dirty="0" err="1">
+                <a:solidFill>
+                  <a:srgbClr val="000000"/>
+                </a:solidFill>
+                <a:latin typeface="Arial"/>
+                <a:ea typeface="DejaVu Sans"/>
+              </a:rPr>
+              <a:t>document.write</a:t>
+            </a:r>
+            <a:r>
+              <a:rPr lang="ru-RU" sz="2200" b="0" i="1" strike="noStrike" spc="-1" dirty="0">
+                <a:solidFill>
+                  <a:srgbClr val="000000"/>
+                </a:solidFill>
+                <a:latin typeface="Arial"/>
+                <a:ea typeface="DejaVu Sans"/>
+              </a:rPr>
+              <a:t>(</a:t>
+            </a:r>
+            <a:endParaRPr lang="ru-RU" sz="2200" b="0" strike="noStrike" spc="-1" dirty="0">
+              <a:latin typeface="Arial"/>
+            </a:endParaRPr>
+          </a:p>
+          <a:p>
+            <a:pPr algn="just">
+              <a:lnSpc>
+                <a:spcPct val="100000"/>
+              </a:lnSpc>
+            </a:pPr>
+            <a:r>
+              <a:rPr lang="ru-RU" sz="2200" b="0" i="1" strike="noStrike" spc="-1" dirty="0">
+                <a:solidFill>
+                  <a:srgbClr val="000000"/>
+                </a:solidFill>
+                <a:latin typeface="Arial"/>
+                <a:ea typeface="DejaVu Sans"/>
+              </a:rPr>
+              <a:t>`&lt;</a:t>
+            </a:r>
+            <a:r>
+              <a:rPr lang="ru-RU" sz="2200" b="0" i="1" strike="noStrike" spc="-1" dirty="0" err="1">
+                <a:solidFill>
+                  <a:srgbClr val="000000"/>
+                </a:solidFill>
+                <a:latin typeface="Arial"/>
+                <a:ea typeface="DejaVu Sans"/>
+              </a:rPr>
+              <a:t>hr</a:t>
+            </a:r>
+            <a:r>
+              <a:rPr lang="ru-RU" sz="2200" b="0" i="1" strike="noStrike" spc="-1" dirty="0">
+                <a:solidFill>
+                  <a:srgbClr val="000000"/>
+                </a:solidFill>
+                <a:latin typeface="Arial"/>
+                <a:ea typeface="DejaVu Sans"/>
+              </a:rPr>
+              <a:t>&gt;&lt;p&gt;Наименование товара: ${c.name}&lt;/p&gt; </a:t>
+            </a:r>
+            <a:endParaRPr lang="ru-RU" sz="2200" b="0" strike="noStrike" spc="-1" dirty="0">
+              <a:latin typeface="Arial"/>
+            </a:endParaRPr>
+          </a:p>
+          <a:p>
+            <a:pPr algn="just">
+              <a:lnSpc>
+                <a:spcPct val="100000"/>
+              </a:lnSpc>
+            </a:pPr>
+            <a:r>
+              <a:rPr lang="ru-RU" sz="2200" b="0" i="1" strike="noStrike" spc="-1" dirty="0">
+                <a:solidFill>
+                  <a:srgbClr val="000000"/>
+                </a:solidFill>
+                <a:latin typeface="Arial"/>
+                <a:ea typeface="DejaVu Sans"/>
+              </a:rPr>
+              <a:t>&lt;p&gt;Цена, </a:t>
+            </a:r>
+            <a:r>
+              <a:rPr lang="ru-RU" sz="2200" b="0" i="1" strike="noStrike" spc="-1" dirty="0" err="1">
+                <a:solidFill>
+                  <a:srgbClr val="000000"/>
+                </a:solidFill>
+                <a:latin typeface="Arial"/>
+                <a:ea typeface="DejaVu Sans"/>
+              </a:rPr>
+              <a:t>руб</a:t>
+            </a:r>
+            <a:r>
+              <a:rPr lang="ru-RU" sz="2200" b="0" i="1" strike="noStrike" spc="-1" dirty="0">
+                <a:solidFill>
+                  <a:srgbClr val="000000"/>
+                </a:solidFill>
+                <a:latin typeface="Arial"/>
+                <a:ea typeface="DejaVu Sans"/>
+              </a:rPr>
+              <a:t>: ${</a:t>
+            </a:r>
+            <a:r>
+              <a:rPr lang="ru-RU" sz="2200" b="0" i="1" strike="noStrike" spc="-1" dirty="0" err="1">
+                <a:solidFill>
+                  <a:srgbClr val="000000"/>
+                </a:solidFill>
+                <a:latin typeface="Arial"/>
+                <a:ea typeface="DejaVu Sans"/>
+              </a:rPr>
+              <a:t>c.price</a:t>
+            </a:r>
+            <a:r>
+              <a:rPr lang="ru-RU" sz="2200" b="0" i="1" strike="noStrike" spc="-1" dirty="0">
+                <a:solidFill>
+                  <a:srgbClr val="000000"/>
+                </a:solidFill>
+                <a:latin typeface="Arial"/>
+                <a:ea typeface="DejaVu Sans"/>
+              </a:rPr>
+              <a:t>}&lt;/p&gt;</a:t>
+            </a:r>
+            <a:endParaRPr lang="ru-RU" sz="2200" b="0" strike="noStrike" spc="-1" dirty="0">
+              <a:latin typeface="Arial"/>
+            </a:endParaRPr>
+          </a:p>
+          <a:p>
+            <a:pPr algn="just">
+              <a:lnSpc>
+                <a:spcPct val="100000"/>
+              </a:lnSpc>
+            </a:pPr>
+            <a:r>
+              <a:rPr lang="ru-RU" sz="2200" b="0" i="1" strike="noStrike" spc="-1" dirty="0">
+                <a:solidFill>
+                  <a:srgbClr val="000000"/>
+                </a:solidFill>
+                <a:latin typeface="Arial"/>
+                <a:ea typeface="DejaVu Sans"/>
+              </a:rPr>
+              <a:t>&lt;p&gt;Дата: ${</a:t>
+            </a:r>
+            <a:r>
+              <a:rPr lang="ru-RU" sz="2200" b="0" i="1" strike="noStrike" spc="-1" dirty="0" err="1">
+                <a:solidFill>
+                  <a:srgbClr val="000000"/>
+                </a:solidFill>
+                <a:latin typeface="Arial"/>
+                <a:ea typeface="DejaVu Sans"/>
+              </a:rPr>
+              <a:t>c.date.toISOString</a:t>
+            </a:r>
+            <a:r>
+              <a:rPr lang="ru-RU" sz="2200" b="0" i="1" strike="noStrike" spc="-1" dirty="0">
+                <a:solidFill>
+                  <a:srgbClr val="000000"/>
+                </a:solidFill>
+                <a:latin typeface="Arial"/>
+                <a:ea typeface="DejaVu Sans"/>
+              </a:rPr>
+              <a:t>().</a:t>
+            </a:r>
+            <a:r>
+              <a:rPr lang="ru-RU" sz="2200" b="0" i="1" strike="noStrike" spc="-1" dirty="0" err="1">
+                <a:solidFill>
+                  <a:srgbClr val="000000"/>
+                </a:solidFill>
+                <a:latin typeface="Arial"/>
+                <a:ea typeface="DejaVu Sans"/>
+              </a:rPr>
+              <a:t>split</a:t>
+            </a:r>
+            <a:r>
+              <a:rPr lang="ru-RU" sz="2200" b="0" i="1" strike="noStrike" spc="-1" dirty="0">
+                <a:solidFill>
+                  <a:srgbClr val="000000"/>
+                </a:solidFill>
+                <a:latin typeface="Arial"/>
+                <a:ea typeface="DejaVu Sans"/>
+              </a:rPr>
+              <a:t>('T')[0]}&lt;/p&gt;</a:t>
+            </a:r>
+            <a:endParaRPr lang="ru-RU" sz="2200" b="0" strike="noStrike" spc="-1" dirty="0">
+              <a:latin typeface="Arial"/>
+            </a:endParaRPr>
+          </a:p>
+          <a:p>
+            <a:pPr algn="just">
+              <a:lnSpc>
+                <a:spcPct val="100000"/>
+              </a:lnSpc>
+            </a:pPr>
+            <a:r>
+              <a:rPr lang="ru-RU" sz="2200" b="0" i="1" strike="noStrike" spc="-1" dirty="0">
+                <a:solidFill>
+                  <a:srgbClr val="000000"/>
+                </a:solidFill>
+                <a:latin typeface="Arial"/>
+                <a:ea typeface="DejaVu Sans"/>
+              </a:rPr>
+              <a:t>&lt;p&gt;Страна происхождения: ${</a:t>
+            </a:r>
+            <a:r>
+              <a:rPr lang="ru-RU" sz="2200" b="0" i="1" strike="noStrike" spc="-1" dirty="0" err="1">
+                <a:solidFill>
+                  <a:srgbClr val="000000"/>
+                </a:solidFill>
+                <a:latin typeface="Arial"/>
+                <a:ea typeface="DejaVu Sans"/>
+              </a:rPr>
+              <a:t>c.country</a:t>
+            </a:r>
+            <a:r>
+              <a:rPr lang="ru-RU" sz="2200" b="0" i="1" strike="noStrike" spc="-1" dirty="0">
+                <a:solidFill>
+                  <a:srgbClr val="000000"/>
+                </a:solidFill>
+                <a:latin typeface="Arial"/>
+                <a:ea typeface="DejaVu Sans"/>
+              </a:rPr>
+              <a:t>}&lt;/p&gt;&lt;</a:t>
+            </a:r>
+            <a:r>
+              <a:rPr lang="ru-RU" sz="2200" b="0" i="1" strike="noStrike" spc="-1" dirty="0" err="1">
+                <a:solidFill>
+                  <a:srgbClr val="000000"/>
+                </a:solidFill>
+                <a:latin typeface="Arial"/>
+                <a:ea typeface="DejaVu Sans"/>
+              </a:rPr>
+              <a:t>hr</a:t>
+            </a:r>
+            <a:r>
+              <a:rPr lang="ru-RU" sz="2200" b="0" i="1" strike="noStrike" spc="-1" dirty="0">
+                <a:solidFill>
+                  <a:srgbClr val="000000"/>
+                </a:solidFill>
+                <a:latin typeface="Arial"/>
+                <a:ea typeface="DejaVu Sans"/>
+              </a:rPr>
+              <a:t>&gt;`));</a:t>
+            </a:r>
+            <a:endParaRPr lang="ru-RU" sz="2200" b="0" strike="noStrike" spc="-1" dirty="0">
+              <a:latin typeface="Arial"/>
+            </a:endParaRPr>
+          </a:p>
+          <a:p>
+            <a:pPr algn="just">
+              <a:lnSpc>
+                <a:spcPct val="100000"/>
+              </a:lnSpc>
+            </a:pPr>
+            <a:endParaRPr lang="ru-RU" sz="2200" b="0" strike="noStrike" spc="-1" dirty="0">
+              <a:latin typeface="Arial"/>
+            </a:endParaRPr>
+          </a:p>
+        </p:txBody>
+      </p:sp>
+      <p:sp>
+        <p:nvSpPr>
+          <p:cNvPr id="131" name="CustomShape 4"/>
+          <p:cNvSpPr/>
+          <p:nvPr/>
+        </p:nvSpPr>
+        <p:spPr>
+          <a:xfrm>
+            <a:off x="504000" y="1877760"/>
+            <a:ext cx="9071280" cy="857520"/>
+          </a:xfrm>
+          <a:prstGeom prst="rect">
+            <a:avLst/>
+          </a:prstGeom>
+          <a:noFill/>
+          <a:ln>
+            <a:noFill/>
+          </a:ln>
+        </p:spPr>
+        <p:style>
+          <a:lnRef idx="0">
+            <a:scrgbClr r="0" g="0" b="0"/>
+          </a:lnRef>
+          <a:fillRef idx="0">
+            <a:scrgbClr r="0" g="0" b="0"/>
+          </a:fillRef>
+          <a:effectRef idx="0">
+            <a:scrgbClr r="0" g="0" b="0"/>
+          </a:effectRef>
+          <a:fontRef idx="minor"/>
+        </p:style>
+        <p:txBody>
+          <a:bodyPr lIns="90000" tIns="45000" rIns="90000" bIns="45000">
+            <a:noAutofit/>
+          </a:bodyPr>
+          <a:lstStyle/>
+          <a:p>
+            <a:pPr>
+              <a:lnSpc>
+                <a:spcPct val="100000"/>
+              </a:lnSpc>
+            </a:pPr>
+            <a:r>
+              <a:rPr lang="ru-RU" sz="1800" b="0" strike="noStrike" spc="-1">
+                <a:solidFill>
+                  <a:srgbClr val="000000"/>
+                </a:solidFill>
+                <a:latin typeface="Arial"/>
+                <a:ea typeface="DejaVu Sans"/>
+              </a:rPr>
+              <a:t>Выборка товаров из России</a:t>
+            </a:r>
+            <a:endParaRPr lang="ru-RU" sz="1800" b="0" strike="noStrike" spc="-1">
+              <a:latin typeface="Arial"/>
+            </a:endParaRPr>
+          </a:p>
+        </p:txBody>
+      </p:sp>
+      <p:pic>
+        <p:nvPicPr>
+          <p:cNvPr id="132" name="Рисунок 131"/>
+          <p:cNvPicPr/>
+          <p:nvPr/>
+        </p:nvPicPr>
+        <p:blipFill>
+          <a:blip r:embed="rId3"/>
           <a:srcRect l="77" t="6894" r="81059" b="77491"/>
           <a:stretch/>
         </p:blipFill>
@@ -3861,19 +4932,14 @@
       </p:pic>
     </p:spTree>
   </p:cSld>
-  <mc:AlternateContent>
-    <mc:Choice Requires="p14">
-      <p:transition spd="slow" p14:dur="2000"/>
-    </mc:Choice>
-    <mc:Fallback>
-      <p:transition spd="slow"/>
-    </mc:Fallback>
-  </mc:AlternateContent>
+  <p:clrMapOvr>
+    <a:masterClrMapping/>
+  </p:clrMapOvr>
 </p:sld>
 </file>
 
 <file path=ppt/slides/slide11.xml><?xml version="1.0" encoding="utf-8"?>
-<p:sld xmlns:a="http://schemas.openxmlformats.org/drawingml/2006/main" xmlns:p="http://schemas.openxmlformats.org/presentationml/2006/main" xmlns:r="http://schemas.openxmlformats.org/officeDocument/2006/relationships" xmlns:p14="http://schemas.microsoft.com/office/powerpoint/2010/main" xmlns:p15="http://schemas.microsoft.com/office/powerpoint/2012/main" xmlns:mc="http://schemas.openxmlformats.org/markup-compatibility/2006">
+<p:sld xmlns:a="http://schemas.openxmlformats.org/drawingml/2006/main" xmlns:r="http://schemas.openxmlformats.org/officeDocument/2006/relationships" xmlns:p="http://schemas.openxmlformats.org/presentationml/2006/main">
   <p:cSld>
     <p:spTree>
       <p:nvGrpSpPr>
@@ -3909,15 +4975,22 @@
           </a:ln>
         </p:spPr>
         <p:style>
-          <a:lnRef idx="0"/>
-          <a:fillRef idx="0"/>
-          <a:effectRef idx="0"/>
+          <a:lnRef idx="0">
+            <a:scrgbClr r="0" g="0" b="0"/>
+          </a:lnRef>
+          <a:fillRef idx="0">
+            <a:scrgbClr r="0" g="0" b="0"/>
+          </a:fillRef>
+          <a:effectRef idx="0">
+            <a:scrgbClr r="0" g="0" b="0"/>
+          </a:effectRef>
           <a:fontRef idx="minor"/>
         </p:style>
         <p:txBody>
-          <a:bodyPr lIns="0" rIns="0" tIns="0" bIns="0" anchor="ctr">
+          <a:bodyPr lIns="0" tIns="0" rIns="0" bIns="0" anchor="ctr">
             <a:noAutofit/>
           </a:bodyPr>
+          <a:lstStyle/>
           <a:p>
             <a:pPr>
               <a:lnSpc>
@@ -3925,7 +4998,7 @@
               </a:lnSpc>
             </a:pPr>
             <a:r>
-              <a:rPr b="0" lang="ru-RU" sz="3200" spc="-1" strike="noStrike">
+              <a:rPr lang="ru-RU" sz="3200" b="0" strike="noStrike" spc="-1">
                 <a:solidFill>
                   <a:srgbClr val="000000"/>
                 </a:solidFill>
@@ -3934,7 +5007,7 @@
               </a:rPr>
               <a:t>Задание</a:t>
             </a:r>
-            <a:endParaRPr b="0" lang="ru-RU" sz="3200" spc="-1" strike="noStrike">
+            <a:endParaRPr lang="ru-RU" sz="3200" b="0" strike="noStrike" spc="-1">
               <a:latin typeface="Arial"/>
             </a:endParaRPr>
           </a:p>
@@ -3942,12 +5015,12 @@
       </p:sp>
       <p:pic>
         <p:nvPicPr>
-          <p:cNvPr id="134" name="" descr=""/>
+          <p:cNvPr id="134" name="Рисунок 133"/>
           <p:cNvPicPr/>
           <p:nvPr/>
         </p:nvPicPr>
         <p:blipFill>
-          <a:blip r:embed="rId1"/>
+          <a:blip r:embed="rId2"/>
           <a:stretch/>
         </p:blipFill>
         <p:spPr>
@@ -3983,15 +5056,22 @@
           </a:ln>
         </p:spPr>
         <p:style>
-          <a:lnRef idx="0"/>
-          <a:fillRef idx="0"/>
-          <a:effectRef idx="0"/>
+          <a:lnRef idx="0">
+            <a:scrgbClr r="0" g="0" b="0"/>
+          </a:lnRef>
+          <a:fillRef idx="0">
+            <a:scrgbClr r="0" g="0" b="0"/>
+          </a:fillRef>
+          <a:effectRef idx="0">
+            <a:scrgbClr r="0" g="0" b="0"/>
+          </a:effectRef>
           <a:fontRef idx="minor"/>
         </p:style>
         <p:txBody>
-          <a:bodyPr lIns="90000" rIns="90000" tIns="45000" bIns="45000">
+          <a:bodyPr lIns="90000" tIns="45000" rIns="90000" bIns="45000">
             <a:noAutofit/>
           </a:bodyPr>
+          <a:lstStyle/>
           <a:p>
             <a:pPr>
               <a:lnSpc>
@@ -3999,7 +5079,7 @@
               </a:lnSpc>
             </a:pPr>
             <a:r>
-              <a:rPr b="0" lang="ru-RU" sz="1800" spc="-1" strike="noStrike">
+              <a:rPr lang="ru-RU" sz="1800" b="0" strike="noStrike" spc="-1">
                 <a:solidFill>
                   <a:srgbClr val="000000"/>
                 </a:solidFill>
@@ -4008,7 +5088,7 @@
               </a:rPr>
               <a:t>Создайте массив объектов из гостиниц</a:t>
             </a:r>
-            <a:endParaRPr b="0" lang="ru-RU" sz="1800" spc="-1" strike="noStrike">
+            <a:endParaRPr lang="ru-RU" sz="1800" b="0" strike="noStrike" spc="-1">
               <a:latin typeface="Arial"/>
             </a:endParaRPr>
           </a:p>
@@ -4018,7 +5098,7 @@
                 <a:spcPct val="100000"/>
               </a:lnSpc>
             </a:pPr>
-            <a:endParaRPr b="0" lang="ru-RU" sz="1800" spc="-1" strike="noStrike">
+            <a:endParaRPr lang="ru-RU" sz="1800" b="0" strike="noStrike" spc="-1">
               <a:latin typeface="Arial"/>
             </a:endParaRPr>
           </a:p>
@@ -4039,18 +5119,47 @@
             <a:tbl>
               <a:tblPr/>
               <a:tblGrid>
-                <a:gridCol w="1782000"/>
-                <a:gridCol w="1782000"/>
-                <a:gridCol w="1782000"/>
-                <a:gridCol w="1782000"/>
-                <a:gridCol w="1785600"/>
+                <a:gridCol w="1782000">
+                  <a:extLst>
+                    <a:ext uri="{9D8B030D-6E8A-4147-A177-3AD203B41FA5}">
+                      <a16:colId xmlns:a16="http://schemas.microsoft.com/office/drawing/2014/main" val="20000"/>
+                    </a:ext>
+                  </a:extLst>
+                </a:gridCol>
+                <a:gridCol w="1782000">
+                  <a:extLst>
+                    <a:ext uri="{9D8B030D-6E8A-4147-A177-3AD203B41FA5}">
+                      <a16:colId xmlns:a16="http://schemas.microsoft.com/office/drawing/2014/main" val="20001"/>
+                    </a:ext>
+                  </a:extLst>
+                </a:gridCol>
+                <a:gridCol w="1782000">
+                  <a:extLst>
+                    <a:ext uri="{9D8B030D-6E8A-4147-A177-3AD203B41FA5}">
+                      <a16:colId xmlns:a16="http://schemas.microsoft.com/office/drawing/2014/main" val="20002"/>
+                    </a:ext>
+                  </a:extLst>
+                </a:gridCol>
+                <a:gridCol w="1782000">
+                  <a:extLst>
+                    <a:ext uri="{9D8B030D-6E8A-4147-A177-3AD203B41FA5}">
+                      <a16:colId xmlns:a16="http://schemas.microsoft.com/office/drawing/2014/main" val="20003"/>
+                    </a:ext>
+                  </a:extLst>
+                </a:gridCol>
+                <a:gridCol w="1785600">
+                  <a:extLst>
+                    <a:ext uri="{9D8B030D-6E8A-4147-A177-3AD203B41FA5}">
+                      <a16:colId xmlns:a16="http://schemas.microsoft.com/office/drawing/2014/main" val="20004"/>
+                    </a:ext>
+                  </a:extLst>
+                </a:gridCol>
               </a:tblGrid>
               <a:tr h="783360">
                 <a:tc>
                   <a:txBody>
-                    <a:bodyPr lIns="90000" rIns="90000">
-                      <a:noAutofit/>
-                    </a:bodyPr>
+                    <a:bodyPr/>
+                    <a:lstStyle/>
                     <a:p>
                       <a:pPr>
                         <a:lnSpc>
@@ -4058,47 +5167,43 @@
                         </a:lnSpc>
                       </a:pPr>
                       <a:r>
-                        <a:rPr b="0" lang="ru-RU" sz="1800" spc="-1" strike="noStrike">
+                        <a:rPr lang="ru-RU" sz="1800" b="0" strike="noStrike" spc="-1">
                           <a:latin typeface="Arial"/>
                         </a:rPr>
                         <a:t>Название гостиницы</a:t>
                       </a:r>
-                      <a:endParaRPr b="0" lang="ru-RU" sz="1800" spc="-1" strike="noStrike">
-                        <a:latin typeface="Arial"/>
-                      </a:endParaRPr>
                     </a:p>
                   </a:txBody>
                   <a:tcPr marL="90000" marR="90000">
                     <a:lnL w="720">
                       <a:solidFill>
-                        <a:srgbClr val="ffffff"/>
+                        <a:srgbClr val="FFFFFF"/>
                       </a:solidFill>
                     </a:lnL>
                     <a:lnR w="720">
                       <a:solidFill>
-                        <a:srgbClr val="ffffff"/>
+                        <a:srgbClr val="FFFFFF"/>
                       </a:solidFill>
                     </a:lnR>
                     <a:lnT w="720">
                       <a:solidFill>
-                        <a:srgbClr val="ffffff"/>
+                        <a:srgbClr val="FFFFFF"/>
                       </a:solidFill>
                     </a:lnT>
                     <a:lnB w="720">
                       <a:solidFill>
-                        <a:srgbClr val="ffffff"/>
+                        <a:srgbClr val="FFFFFF"/>
                       </a:solidFill>
                     </a:lnB>
                     <a:solidFill>
-                      <a:srgbClr val="b3b3b3"/>
+                      <a:srgbClr val="B3B3B3"/>
                     </a:solidFill>
                   </a:tcPr>
                 </a:tc>
                 <a:tc>
                   <a:txBody>
-                    <a:bodyPr lIns="90000" rIns="90000">
-                      <a:noAutofit/>
-                    </a:bodyPr>
+                    <a:bodyPr/>
+                    <a:lstStyle/>
                     <a:p>
                       <a:pPr>
                         <a:lnSpc>
@@ -4106,47 +5211,43 @@
                         </a:lnSpc>
                       </a:pPr>
                       <a:r>
-                        <a:rPr b="0" lang="ru-RU" sz="1800" spc="-1" strike="noStrike">
+                        <a:rPr lang="ru-RU" sz="1800" b="0" strike="noStrike" spc="-1">
                           <a:latin typeface="Arial"/>
                         </a:rPr>
                         <a:t>Город</a:t>
                       </a:r>
-                      <a:endParaRPr b="0" lang="ru-RU" sz="1800" spc="-1" strike="noStrike">
-                        <a:latin typeface="Arial"/>
-                      </a:endParaRPr>
                     </a:p>
                   </a:txBody>
                   <a:tcPr marL="90000" marR="90000">
                     <a:lnL w="720">
                       <a:solidFill>
-                        <a:srgbClr val="ffffff"/>
+                        <a:srgbClr val="FFFFFF"/>
                       </a:solidFill>
                     </a:lnL>
                     <a:lnR w="720">
                       <a:solidFill>
-                        <a:srgbClr val="ffffff"/>
+                        <a:srgbClr val="FFFFFF"/>
                       </a:solidFill>
                     </a:lnR>
                     <a:lnT w="720">
                       <a:solidFill>
-                        <a:srgbClr val="ffffff"/>
+                        <a:srgbClr val="FFFFFF"/>
                       </a:solidFill>
                     </a:lnT>
                     <a:lnB w="720">
                       <a:solidFill>
-                        <a:srgbClr val="ffffff"/>
+                        <a:srgbClr val="FFFFFF"/>
                       </a:solidFill>
                     </a:lnB>
                     <a:solidFill>
-                      <a:srgbClr val="b3b3b3"/>
+                      <a:srgbClr val="B3B3B3"/>
                     </a:solidFill>
                   </a:tcPr>
                 </a:tc>
                 <a:tc>
                   <a:txBody>
-                    <a:bodyPr lIns="90000" rIns="90000">
-                      <a:noAutofit/>
-                    </a:bodyPr>
+                    <a:bodyPr/>
+                    <a:lstStyle/>
                     <a:p>
                       <a:pPr>
                         <a:lnSpc>
@@ -4154,47 +5255,43 @@
                         </a:lnSpc>
                       </a:pPr>
                       <a:r>
-                        <a:rPr b="0" lang="ru-RU" sz="1800" spc="-1" strike="noStrike">
+                        <a:rPr lang="ru-RU" sz="1800" b="0" strike="noStrike" spc="-1">
                           <a:latin typeface="Arial"/>
                         </a:rPr>
                         <a:t>Количество звезд</a:t>
                       </a:r>
-                      <a:endParaRPr b="0" lang="ru-RU" sz="1800" spc="-1" strike="noStrike">
-                        <a:latin typeface="Arial"/>
-                      </a:endParaRPr>
                     </a:p>
                   </a:txBody>
                   <a:tcPr marL="90000" marR="90000">
                     <a:lnL w="720">
                       <a:solidFill>
-                        <a:srgbClr val="ffffff"/>
+                        <a:srgbClr val="FFFFFF"/>
                       </a:solidFill>
                     </a:lnL>
                     <a:lnR w="720">
                       <a:solidFill>
-                        <a:srgbClr val="ffffff"/>
+                        <a:srgbClr val="FFFFFF"/>
                       </a:solidFill>
                     </a:lnR>
                     <a:lnT w="720">
                       <a:solidFill>
-                        <a:srgbClr val="ffffff"/>
+                        <a:srgbClr val="FFFFFF"/>
                       </a:solidFill>
                     </a:lnT>
                     <a:lnB w="720">
                       <a:solidFill>
-                        <a:srgbClr val="ffffff"/>
+                        <a:srgbClr val="FFFFFF"/>
                       </a:solidFill>
                     </a:lnB>
                     <a:solidFill>
-                      <a:srgbClr val="b3b3b3"/>
+                      <a:srgbClr val="B3B3B3"/>
                     </a:solidFill>
                   </a:tcPr>
                 </a:tc>
                 <a:tc>
                   <a:txBody>
-                    <a:bodyPr lIns="90000" rIns="90000">
-                      <a:noAutofit/>
-                    </a:bodyPr>
+                    <a:bodyPr/>
+                    <a:lstStyle/>
                     <a:p>
                       <a:pPr>
                         <a:lnSpc>
@@ -4202,47 +5299,43 @@
                         </a:lnSpc>
                       </a:pPr>
                       <a:r>
-                        <a:rPr b="0" lang="ru-RU" sz="1800" spc="-1" strike="noStrike">
+                        <a:rPr lang="ru-RU" sz="1800" b="0" strike="noStrike" spc="-1">
                           <a:latin typeface="Arial"/>
                         </a:rPr>
                         <a:t>Цена номера в сутки, руб</a:t>
                       </a:r>
-                      <a:endParaRPr b="0" lang="ru-RU" sz="1800" spc="-1" strike="noStrike">
-                        <a:latin typeface="Arial"/>
-                      </a:endParaRPr>
                     </a:p>
                   </a:txBody>
                   <a:tcPr marL="90000" marR="90000">
                     <a:lnL w="720">
                       <a:solidFill>
-                        <a:srgbClr val="ffffff"/>
+                        <a:srgbClr val="FFFFFF"/>
                       </a:solidFill>
                     </a:lnL>
                     <a:lnR w="720">
                       <a:solidFill>
-                        <a:srgbClr val="ffffff"/>
+                        <a:srgbClr val="FFFFFF"/>
                       </a:solidFill>
                     </a:lnR>
                     <a:lnT w="720">
                       <a:solidFill>
-                        <a:srgbClr val="ffffff"/>
+                        <a:srgbClr val="FFFFFF"/>
                       </a:solidFill>
                     </a:lnT>
                     <a:lnB w="720">
                       <a:solidFill>
-                        <a:srgbClr val="ffffff"/>
+                        <a:srgbClr val="FFFFFF"/>
                       </a:solidFill>
                     </a:lnB>
                     <a:solidFill>
-                      <a:srgbClr val="b3b3b3"/>
+                      <a:srgbClr val="B3B3B3"/>
                     </a:solidFill>
                   </a:tcPr>
                 </a:tc>
                 <a:tc>
                   <a:txBody>
-                    <a:bodyPr lIns="90000" rIns="90000">
-                      <a:noAutofit/>
-                    </a:bodyPr>
+                    <a:bodyPr/>
+                    <a:lstStyle/>
                     <a:p>
                       <a:pPr>
                         <a:lnSpc>
@@ -4250,49 +5343,50 @@
                         </a:lnSpc>
                       </a:pPr>
                       <a:r>
-                        <a:rPr b="0" lang="ru-RU" sz="1800" spc="-1" strike="noStrike">
+                        <a:rPr lang="ru-RU" sz="1800" b="0" strike="noStrike" spc="-1">
                           <a:latin typeface="Arial"/>
                         </a:rPr>
                         <a:t>Время заезда</a:t>
                       </a:r>
-                      <a:endParaRPr b="0" lang="ru-RU" sz="1800" spc="-1" strike="noStrike">
-                        <a:latin typeface="Arial"/>
-                      </a:endParaRPr>
                     </a:p>
                   </a:txBody>
                   <a:tcPr marL="90000" marR="90000">
                     <a:lnL w="720">
                       <a:solidFill>
-                        <a:srgbClr val="ffffff"/>
+                        <a:srgbClr val="FFFFFF"/>
                       </a:solidFill>
                     </a:lnL>
                     <a:lnR w="720">
                       <a:solidFill>
-                        <a:srgbClr val="ffffff"/>
+                        <a:srgbClr val="FFFFFF"/>
                       </a:solidFill>
                     </a:lnR>
                     <a:lnT w="720">
                       <a:solidFill>
-                        <a:srgbClr val="ffffff"/>
+                        <a:srgbClr val="FFFFFF"/>
                       </a:solidFill>
                     </a:lnT>
                     <a:lnB w="720">
                       <a:solidFill>
-                        <a:srgbClr val="ffffff"/>
+                        <a:srgbClr val="FFFFFF"/>
                       </a:solidFill>
                     </a:lnB>
                     <a:solidFill>
-                      <a:srgbClr val="b3b3b3"/>
+                      <a:srgbClr val="B3B3B3"/>
                     </a:solidFill>
                   </a:tcPr>
                 </a:tc>
+                <a:extLst>
+                  <a:ext uri="{0D108BD9-81ED-4DB2-BD59-A6C34878D82A}">
+                    <a16:rowId xmlns:a16="http://schemas.microsoft.com/office/drawing/2014/main" val="10000"/>
+                  </a:ext>
+                </a:extLst>
               </a:tr>
               <a:tr h="783360">
                 <a:tc>
                   <a:txBody>
-                    <a:bodyPr lIns="90000" rIns="90000">
-                      <a:noAutofit/>
-                    </a:bodyPr>
+                    <a:bodyPr/>
+                    <a:lstStyle/>
                     <a:p>
                       <a:pPr>
                         <a:lnSpc>
@@ -4300,47 +5394,43 @@
                         </a:lnSpc>
                       </a:pPr>
                       <a:r>
-                        <a:rPr b="0" lang="ru-RU" sz="1800" spc="-1" strike="noStrike">
+                        <a:rPr lang="ru-RU" sz="1800" b="0" strike="noStrike" spc="-1">
                           <a:latin typeface="Arial"/>
                         </a:rPr>
                         <a:t>Престиж</a:t>
                       </a:r>
-                      <a:endParaRPr b="0" lang="ru-RU" sz="1800" spc="-1" strike="noStrike">
-                        <a:latin typeface="Arial"/>
-                      </a:endParaRPr>
                     </a:p>
                   </a:txBody>
                   <a:tcPr marL="90000" marR="90000">
                     <a:lnL w="720">
                       <a:solidFill>
-                        <a:srgbClr val="ffffff"/>
+                        <a:srgbClr val="FFFFFF"/>
                       </a:solidFill>
                     </a:lnL>
                     <a:lnR w="720">
                       <a:solidFill>
-                        <a:srgbClr val="ffffff"/>
+                        <a:srgbClr val="FFFFFF"/>
                       </a:solidFill>
                     </a:lnR>
                     <a:lnT w="720">
                       <a:solidFill>
-                        <a:srgbClr val="ffffff"/>
+                        <a:srgbClr val="FFFFFF"/>
                       </a:solidFill>
                     </a:lnT>
                     <a:lnB w="720">
                       <a:solidFill>
-                        <a:srgbClr val="ffffff"/>
+                        <a:srgbClr val="FFFFFF"/>
                       </a:solidFill>
                     </a:lnB>
                     <a:solidFill>
-                      <a:srgbClr val="cccccc"/>
+                      <a:srgbClr val="CCCCCC"/>
                     </a:solidFill>
                   </a:tcPr>
                 </a:tc>
                 <a:tc>
                   <a:txBody>
-                    <a:bodyPr lIns="90000" rIns="90000">
-                      <a:noAutofit/>
-                    </a:bodyPr>
+                    <a:bodyPr/>
+                    <a:lstStyle/>
                     <a:p>
                       <a:pPr>
                         <a:lnSpc>
@@ -4348,47 +5438,43 @@
                         </a:lnSpc>
                       </a:pPr>
                       <a:r>
-                        <a:rPr b="0" lang="ru-RU" sz="1800" spc="-1" strike="noStrike">
+                        <a:rPr lang="ru-RU" sz="1800" b="0" strike="noStrike" spc="-1">
                           <a:latin typeface="Arial"/>
                         </a:rPr>
                         <a:t>Пинеровка</a:t>
                       </a:r>
-                      <a:endParaRPr b="0" lang="ru-RU" sz="1800" spc="-1" strike="noStrike">
-                        <a:latin typeface="Arial"/>
-                      </a:endParaRPr>
                     </a:p>
                   </a:txBody>
                   <a:tcPr marL="90000" marR="90000">
                     <a:lnL w="720">
                       <a:solidFill>
-                        <a:srgbClr val="ffffff"/>
+                        <a:srgbClr val="FFFFFF"/>
                       </a:solidFill>
                     </a:lnL>
                     <a:lnR w="720">
                       <a:solidFill>
-                        <a:srgbClr val="ffffff"/>
+                        <a:srgbClr val="FFFFFF"/>
                       </a:solidFill>
                     </a:lnR>
                     <a:lnT w="720">
                       <a:solidFill>
-                        <a:srgbClr val="ffffff"/>
+                        <a:srgbClr val="FFFFFF"/>
                       </a:solidFill>
                     </a:lnT>
                     <a:lnB w="720">
                       <a:solidFill>
-                        <a:srgbClr val="ffffff"/>
+                        <a:srgbClr val="FFFFFF"/>
                       </a:solidFill>
                     </a:lnB>
                     <a:solidFill>
-                      <a:srgbClr val="cccccc"/>
+                      <a:srgbClr val="CCCCCC"/>
                     </a:solidFill>
                   </a:tcPr>
                 </a:tc>
                 <a:tc>
                   <a:txBody>
-                    <a:bodyPr lIns="90000" rIns="90000">
-                      <a:noAutofit/>
-                    </a:bodyPr>
+                    <a:bodyPr/>
+                    <a:lstStyle/>
                     <a:p>
                       <a:pPr>
                         <a:lnSpc>
@@ -4396,47 +5482,43 @@
                         </a:lnSpc>
                       </a:pPr>
                       <a:r>
-                        <a:rPr b="0" lang="ru-RU" sz="1800" spc="-1" strike="noStrike">
+                        <a:rPr lang="ru-RU" sz="1800" b="0" strike="noStrike" spc="-1">
                           <a:latin typeface="Arial"/>
                         </a:rPr>
                         <a:t>2</a:t>
                       </a:r>
-                      <a:endParaRPr b="0" lang="ru-RU" sz="1800" spc="-1" strike="noStrike">
-                        <a:latin typeface="Arial"/>
-                      </a:endParaRPr>
                     </a:p>
                   </a:txBody>
                   <a:tcPr marL="90000" marR="90000">
                     <a:lnL w="720">
                       <a:solidFill>
-                        <a:srgbClr val="ffffff"/>
+                        <a:srgbClr val="FFFFFF"/>
                       </a:solidFill>
                     </a:lnL>
                     <a:lnR w="720">
                       <a:solidFill>
-                        <a:srgbClr val="ffffff"/>
+                        <a:srgbClr val="FFFFFF"/>
                       </a:solidFill>
                     </a:lnR>
                     <a:lnT w="720">
                       <a:solidFill>
-                        <a:srgbClr val="ffffff"/>
+                        <a:srgbClr val="FFFFFF"/>
                       </a:solidFill>
                     </a:lnT>
                     <a:lnB w="720">
                       <a:solidFill>
-                        <a:srgbClr val="ffffff"/>
+                        <a:srgbClr val="FFFFFF"/>
                       </a:solidFill>
                     </a:lnB>
                     <a:solidFill>
-                      <a:srgbClr val="cccccc"/>
+                      <a:srgbClr val="CCCCCC"/>
                     </a:solidFill>
                   </a:tcPr>
                 </a:tc>
                 <a:tc>
                   <a:txBody>
-                    <a:bodyPr lIns="90000" rIns="90000">
-                      <a:noAutofit/>
-                    </a:bodyPr>
+                    <a:bodyPr/>
+                    <a:lstStyle/>
                     <a:p>
                       <a:pPr>
                         <a:lnSpc>
@@ -4444,47 +5526,43 @@
                         </a:lnSpc>
                       </a:pPr>
                       <a:r>
-                        <a:rPr b="0" lang="ru-RU" sz="1800" spc="-1" strike="noStrike">
+                        <a:rPr lang="ru-RU" sz="1800" b="0" strike="noStrike" spc="-1">
                           <a:latin typeface="Arial"/>
                         </a:rPr>
                         <a:t>6200</a:t>
                       </a:r>
-                      <a:endParaRPr b="0" lang="ru-RU" sz="1800" spc="-1" strike="noStrike">
-                        <a:latin typeface="Arial"/>
-                      </a:endParaRPr>
                     </a:p>
                   </a:txBody>
                   <a:tcPr marL="90000" marR="90000">
                     <a:lnL w="720">
                       <a:solidFill>
-                        <a:srgbClr val="ffffff"/>
+                        <a:srgbClr val="FFFFFF"/>
                       </a:solidFill>
                     </a:lnL>
                     <a:lnR w="720">
                       <a:solidFill>
-                        <a:srgbClr val="ffffff"/>
+                        <a:srgbClr val="FFFFFF"/>
                       </a:solidFill>
                     </a:lnR>
                     <a:lnT w="720">
                       <a:solidFill>
-                        <a:srgbClr val="ffffff"/>
+                        <a:srgbClr val="FFFFFF"/>
                       </a:solidFill>
                     </a:lnT>
                     <a:lnB w="720">
                       <a:solidFill>
-                        <a:srgbClr val="ffffff"/>
+                        <a:srgbClr val="FFFFFF"/>
                       </a:solidFill>
                     </a:lnB>
                     <a:solidFill>
-                      <a:srgbClr val="cccccc"/>
+                      <a:srgbClr val="CCCCCC"/>
                     </a:solidFill>
                   </a:tcPr>
                 </a:tc>
                 <a:tc>
                   <a:txBody>
-                    <a:bodyPr lIns="90000" rIns="90000">
-                      <a:noAutofit/>
-                    </a:bodyPr>
+                    <a:bodyPr/>
+                    <a:lstStyle/>
                     <a:p>
                       <a:pPr>
                         <a:lnSpc>
@@ -4492,49 +5570,50 @@
                         </a:lnSpc>
                       </a:pPr>
                       <a:r>
-                        <a:rPr b="0" lang="ru-RU" sz="1800" spc="-1" strike="noStrike">
+                        <a:rPr lang="ru-RU" sz="1800" b="0" strike="noStrike" spc="-1">
                           <a:latin typeface="Arial"/>
                         </a:rPr>
                         <a:t>14:00</a:t>
                       </a:r>
-                      <a:endParaRPr b="0" lang="ru-RU" sz="1800" spc="-1" strike="noStrike">
-                        <a:latin typeface="Arial"/>
-                      </a:endParaRPr>
                     </a:p>
                   </a:txBody>
                   <a:tcPr marL="90000" marR="90000">
                     <a:lnL w="720">
                       <a:solidFill>
-                        <a:srgbClr val="ffffff"/>
+                        <a:srgbClr val="FFFFFF"/>
                       </a:solidFill>
                     </a:lnL>
                     <a:lnR w="720">
                       <a:solidFill>
-                        <a:srgbClr val="ffffff"/>
+                        <a:srgbClr val="FFFFFF"/>
                       </a:solidFill>
                     </a:lnR>
                     <a:lnT w="720">
                       <a:solidFill>
-                        <a:srgbClr val="ffffff"/>
+                        <a:srgbClr val="FFFFFF"/>
                       </a:solidFill>
                     </a:lnT>
                     <a:lnB w="720">
                       <a:solidFill>
-                        <a:srgbClr val="ffffff"/>
+                        <a:srgbClr val="FFFFFF"/>
                       </a:solidFill>
                     </a:lnB>
                     <a:solidFill>
-                      <a:srgbClr val="cccccc"/>
+                      <a:srgbClr val="CCCCCC"/>
                     </a:solidFill>
                   </a:tcPr>
                 </a:tc>
+                <a:extLst>
+                  <a:ext uri="{0D108BD9-81ED-4DB2-BD59-A6C34878D82A}">
+                    <a16:rowId xmlns:a16="http://schemas.microsoft.com/office/drawing/2014/main" val="10001"/>
+                  </a:ext>
+                </a:extLst>
               </a:tr>
               <a:tr h="783360">
                 <a:tc>
                   <a:txBody>
-                    <a:bodyPr lIns="90000" rIns="90000">
-                      <a:noAutofit/>
-                    </a:bodyPr>
+                    <a:bodyPr/>
+                    <a:lstStyle/>
                     <a:p>
                       <a:pPr>
                         <a:lnSpc>
@@ -4542,47 +5621,43 @@
                         </a:lnSpc>
                       </a:pPr>
                       <a:r>
-                        <a:rPr b="0" lang="ru-RU" sz="1800" spc="-1" strike="noStrike">
+                        <a:rPr lang="ru-RU" sz="1800" b="0" strike="noStrike" spc="-1">
                           <a:latin typeface="Arial"/>
                         </a:rPr>
                         <a:t>Элита+</a:t>
                       </a:r>
-                      <a:endParaRPr b="0" lang="ru-RU" sz="1800" spc="-1" strike="noStrike">
-                        <a:latin typeface="Arial"/>
-                      </a:endParaRPr>
                     </a:p>
                   </a:txBody>
                   <a:tcPr marL="90000" marR="90000">
                     <a:lnL w="720">
                       <a:solidFill>
-                        <a:srgbClr val="ffffff"/>
+                        <a:srgbClr val="FFFFFF"/>
                       </a:solidFill>
                     </a:lnL>
                     <a:lnR w="720">
                       <a:solidFill>
-                        <a:srgbClr val="ffffff"/>
+                        <a:srgbClr val="FFFFFF"/>
                       </a:solidFill>
                     </a:lnR>
                     <a:lnT w="720">
                       <a:solidFill>
-                        <a:srgbClr val="ffffff"/>
+                        <a:srgbClr val="FFFFFF"/>
                       </a:solidFill>
                     </a:lnT>
                     <a:lnB w="720">
                       <a:solidFill>
-                        <a:srgbClr val="ffffff"/>
+                        <a:srgbClr val="FFFFFF"/>
                       </a:solidFill>
                     </a:lnB>
                     <a:solidFill>
-                      <a:srgbClr val="e6e6e6"/>
+                      <a:srgbClr val="E6E6E6"/>
                     </a:solidFill>
                   </a:tcPr>
                 </a:tc>
                 <a:tc>
                   <a:txBody>
-                    <a:bodyPr lIns="90000" rIns="90000">
-                      <a:noAutofit/>
-                    </a:bodyPr>
+                    <a:bodyPr/>
+                    <a:lstStyle/>
                     <a:p>
                       <a:pPr>
                         <a:lnSpc>
@@ -4590,47 +5665,43 @@
                         </a:lnSpc>
                       </a:pPr>
                       <a:r>
-                        <a:rPr b="0" lang="ru-RU" sz="1800" spc="-1" strike="noStrike">
+                        <a:rPr lang="ru-RU" sz="1800" b="0" strike="noStrike" spc="-1">
                           <a:latin typeface="Arial"/>
                         </a:rPr>
                         <a:t>Литяжевка</a:t>
                       </a:r>
-                      <a:endParaRPr b="0" lang="ru-RU" sz="1800" spc="-1" strike="noStrike">
-                        <a:latin typeface="Arial"/>
-                      </a:endParaRPr>
                     </a:p>
                   </a:txBody>
                   <a:tcPr marL="90000" marR="90000">
                     <a:lnL w="720">
                       <a:solidFill>
-                        <a:srgbClr val="ffffff"/>
+                        <a:srgbClr val="FFFFFF"/>
                       </a:solidFill>
                     </a:lnL>
                     <a:lnR w="720">
                       <a:solidFill>
-                        <a:srgbClr val="ffffff"/>
+                        <a:srgbClr val="FFFFFF"/>
                       </a:solidFill>
                     </a:lnR>
                     <a:lnT w="720">
                       <a:solidFill>
-                        <a:srgbClr val="ffffff"/>
+                        <a:srgbClr val="FFFFFF"/>
                       </a:solidFill>
                     </a:lnT>
                     <a:lnB w="720">
                       <a:solidFill>
-                        <a:srgbClr val="ffffff"/>
+                        <a:srgbClr val="FFFFFF"/>
                       </a:solidFill>
                     </a:lnB>
                     <a:solidFill>
-                      <a:srgbClr val="e6e6e6"/>
+                      <a:srgbClr val="E6E6E6"/>
                     </a:solidFill>
                   </a:tcPr>
                 </a:tc>
                 <a:tc>
                   <a:txBody>
-                    <a:bodyPr lIns="90000" rIns="90000">
-                      <a:noAutofit/>
-                    </a:bodyPr>
+                    <a:bodyPr/>
+                    <a:lstStyle/>
                     <a:p>
                       <a:pPr>
                         <a:lnSpc>
@@ -4638,47 +5709,43 @@
                         </a:lnSpc>
                       </a:pPr>
                       <a:r>
-                        <a:rPr b="0" lang="ru-RU" sz="1800" spc="-1" strike="noStrike">
+                        <a:rPr lang="ru-RU" sz="1800" b="0" strike="noStrike" spc="-1">
                           <a:latin typeface="Arial"/>
                         </a:rPr>
                         <a:t>3</a:t>
                       </a:r>
-                      <a:endParaRPr b="0" lang="ru-RU" sz="1800" spc="-1" strike="noStrike">
-                        <a:latin typeface="Arial"/>
-                      </a:endParaRPr>
                     </a:p>
                   </a:txBody>
                   <a:tcPr marL="90000" marR="90000">
                     <a:lnL w="720">
                       <a:solidFill>
-                        <a:srgbClr val="ffffff"/>
+                        <a:srgbClr val="FFFFFF"/>
                       </a:solidFill>
                     </a:lnL>
                     <a:lnR w="720">
                       <a:solidFill>
-                        <a:srgbClr val="ffffff"/>
+                        <a:srgbClr val="FFFFFF"/>
                       </a:solidFill>
                     </a:lnR>
                     <a:lnT w="720">
                       <a:solidFill>
-                        <a:srgbClr val="ffffff"/>
+                        <a:srgbClr val="FFFFFF"/>
                       </a:solidFill>
                     </a:lnT>
                     <a:lnB w="720">
                       <a:solidFill>
-                        <a:srgbClr val="ffffff"/>
+                        <a:srgbClr val="FFFFFF"/>
                       </a:solidFill>
                     </a:lnB>
                     <a:solidFill>
-                      <a:srgbClr val="e6e6e6"/>
+                      <a:srgbClr val="E6E6E6"/>
                     </a:solidFill>
                   </a:tcPr>
                 </a:tc>
                 <a:tc>
                   <a:txBody>
-                    <a:bodyPr lIns="90000" rIns="90000">
-                      <a:noAutofit/>
-                    </a:bodyPr>
+                    <a:bodyPr/>
+                    <a:lstStyle/>
                     <a:p>
                       <a:pPr>
                         <a:lnSpc>
@@ -4686,47 +5753,43 @@
                         </a:lnSpc>
                       </a:pPr>
                       <a:r>
-                        <a:rPr b="0" lang="ru-RU" sz="1800" spc="-1" strike="noStrike">
+                        <a:rPr lang="ru-RU" sz="1800" b="0" strike="noStrike" spc="-1">
                           <a:latin typeface="Arial"/>
                         </a:rPr>
                         <a:t>8500</a:t>
                       </a:r>
-                      <a:endParaRPr b="0" lang="ru-RU" sz="1800" spc="-1" strike="noStrike">
-                        <a:latin typeface="Arial"/>
-                      </a:endParaRPr>
                     </a:p>
                   </a:txBody>
                   <a:tcPr marL="90000" marR="90000">
                     <a:lnL w="720">
                       <a:solidFill>
-                        <a:srgbClr val="ffffff"/>
+                        <a:srgbClr val="FFFFFF"/>
                       </a:solidFill>
                     </a:lnL>
                     <a:lnR w="720">
                       <a:solidFill>
-                        <a:srgbClr val="ffffff"/>
+                        <a:srgbClr val="FFFFFF"/>
                       </a:solidFill>
                     </a:lnR>
                     <a:lnT w="720">
                       <a:solidFill>
-                        <a:srgbClr val="ffffff"/>
+                        <a:srgbClr val="FFFFFF"/>
                       </a:solidFill>
                     </a:lnT>
                     <a:lnB w="720">
                       <a:solidFill>
-                        <a:srgbClr val="ffffff"/>
+                        <a:srgbClr val="FFFFFF"/>
                       </a:solidFill>
                     </a:lnB>
                     <a:solidFill>
-                      <a:srgbClr val="e6e6e6"/>
+                      <a:srgbClr val="E6E6E6"/>
                     </a:solidFill>
                   </a:tcPr>
                 </a:tc>
                 <a:tc>
                   <a:txBody>
-                    <a:bodyPr lIns="90000" rIns="90000">
-                      <a:noAutofit/>
-                    </a:bodyPr>
+                    <a:bodyPr/>
+                    <a:lstStyle/>
                     <a:p>
                       <a:pPr>
                         <a:lnSpc>
@@ -4734,49 +5797,50 @@
                         </a:lnSpc>
                       </a:pPr>
                       <a:r>
-                        <a:rPr b="0" lang="ru-RU" sz="1800" spc="-1" strike="noStrike">
+                        <a:rPr lang="ru-RU" sz="1800" b="0" strike="noStrike" spc="-1">
                           <a:latin typeface="Arial"/>
                         </a:rPr>
                         <a:t>16:00</a:t>
                       </a:r>
-                      <a:endParaRPr b="0" lang="ru-RU" sz="1800" spc="-1" strike="noStrike">
-                        <a:latin typeface="Arial"/>
-                      </a:endParaRPr>
                     </a:p>
                   </a:txBody>
                   <a:tcPr marL="90000" marR="90000">
                     <a:lnL w="720">
                       <a:solidFill>
-                        <a:srgbClr val="ffffff"/>
+                        <a:srgbClr val="FFFFFF"/>
                       </a:solidFill>
                     </a:lnL>
                     <a:lnR w="720">
                       <a:solidFill>
-                        <a:srgbClr val="ffffff"/>
+                        <a:srgbClr val="FFFFFF"/>
                       </a:solidFill>
                     </a:lnR>
                     <a:lnT w="720">
                       <a:solidFill>
-                        <a:srgbClr val="ffffff"/>
+                        <a:srgbClr val="FFFFFF"/>
                       </a:solidFill>
                     </a:lnT>
                     <a:lnB w="720">
                       <a:solidFill>
-                        <a:srgbClr val="ffffff"/>
+                        <a:srgbClr val="FFFFFF"/>
                       </a:solidFill>
                     </a:lnB>
                     <a:solidFill>
-                      <a:srgbClr val="e6e6e6"/>
+                      <a:srgbClr val="E6E6E6"/>
                     </a:solidFill>
                   </a:tcPr>
                 </a:tc>
+                <a:extLst>
+                  <a:ext uri="{0D108BD9-81ED-4DB2-BD59-A6C34878D82A}">
+                    <a16:rowId xmlns:a16="http://schemas.microsoft.com/office/drawing/2014/main" val="10002"/>
+                  </a:ext>
+                </a:extLst>
               </a:tr>
               <a:tr h="783360">
                 <a:tc>
                   <a:txBody>
-                    <a:bodyPr lIns="90000" rIns="90000">
-                      <a:noAutofit/>
-                    </a:bodyPr>
+                    <a:bodyPr/>
+                    <a:lstStyle/>
                     <a:p>
                       <a:pPr>
                         <a:lnSpc>
@@ -4784,47 +5848,43 @@
                         </a:lnSpc>
                       </a:pPr>
                       <a:r>
-                        <a:rPr b="0" lang="ru-RU" sz="1800" spc="-1" strike="noStrike">
+                        <a:rPr lang="ru-RU" sz="1800" b="0" strike="noStrike" spc="-1">
                           <a:latin typeface="Arial"/>
                         </a:rPr>
                         <a:t>Козырь</a:t>
                       </a:r>
-                      <a:endParaRPr b="0" lang="ru-RU" sz="1800" spc="-1" strike="noStrike">
-                        <a:latin typeface="Arial"/>
-                      </a:endParaRPr>
                     </a:p>
                   </a:txBody>
                   <a:tcPr marL="90000" marR="90000">
                     <a:lnL w="720">
                       <a:solidFill>
-                        <a:srgbClr val="ffffff"/>
+                        <a:srgbClr val="FFFFFF"/>
                       </a:solidFill>
                     </a:lnL>
                     <a:lnR w="720">
                       <a:solidFill>
-                        <a:srgbClr val="ffffff"/>
+                        <a:srgbClr val="FFFFFF"/>
                       </a:solidFill>
                     </a:lnR>
                     <a:lnT w="720">
                       <a:solidFill>
-                        <a:srgbClr val="ffffff"/>
+                        <a:srgbClr val="FFFFFF"/>
                       </a:solidFill>
                     </a:lnT>
                     <a:lnB w="720">
                       <a:solidFill>
-                        <a:srgbClr val="ffffff"/>
+                        <a:srgbClr val="FFFFFF"/>
                       </a:solidFill>
                     </a:lnB>
                     <a:solidFill>
-                      <a:srgbClr val="cccccc"/>
+                      <a:srgbClr val="CCCCCC"/>
                     </a:solidFill>
                   </a:tcPr>
                 </a:tc>
                 <a:tc>
                   <a:txBody>
-                    <a:bodyPr lIns="90000" rIns="90000">
-                      <a:noAutofit/>
-                    </a:bodyPr>
+                    <a:bodyPr/>
+                    <a:lstStyle/>
                     <a:p>
                       <a:pPr>
                         <a:lnSpc>
@@ -4832,47 +5892,43 @@
                         </a:lnSpc>
                       </a:pPr>
                       <a:r>
-                        <a:rPr b="0" lang="ru-RU" sz="1800" spc="-1" strike="noStrike">
+                        <a:rPr lang="ru-RU" sz="1800" b="0" strike="noStrike" spc="-1">
                           <a:latin typeface="Arial"/>
                         </a:rPr>
                         <a:t>Балашов</a:t>
                       </a:r>
-                      <a:endParaRPr b="0" lang="ru-RU" sz="1800" spc="-1" strike="noStrike">
-                        <a:latin typeface="Arial"/>
-                      </a:endParaRPr>
                     </a:p>
                   </a:txBody>
                   <a:tcPr marL="90000" marR="90000">
                     <a:lnL w="720">
                       <a:solidFill>
-                        <a:srgbClr val="ffffff"/>
+                        <a:srgbClr val="FFFFFF"/>
                       </a:solidFill>
                     </a:lnL>
                     <a:lnR w="720">
                       <a:solidFill>
-                        <a:srgbClr val="ffffff"/>
+                        <a:srgbClr val="FFFFFF"/>
                       </a:solidFill>
                     </a:lnR>
                     <a:lnT w="720">
                       <a:solidFill>
-                        <a:srgbClr val="ffffff"/>
+                        <a:srgbClr val="FFFFFF"/>
                       </a:solidFill>
                     </a:lnT>
                     <a:lnB w="720">
                       <a:solidFill>
-                        <a:srgbClr val="ffffff"/>
+                        <a:srgbClr val="FFFFFF"/>
                       </a:solidFill>
                     </a:lnB>
                     <a:solidFill>
-                      <a:srgbClr val="cccccc"/>
+                      <a:srgbClr val="CCCCCC"/>
                     </a:solidFill>
                   </a:tcPr>
                 </a:tc>
                 <a:tc>
                   <a:txBody>
-                    <a:bodyPr lIns="90000" rIns="90000">
-                      <a:noAutofit/>
-                    </a:bodyPr>
+                    <a:bodyPr/>
+                    <a:lstStyle/>
                     <a:p>
                       <a:pPr>
                         <a:lnSpc>
@@ -4880,47 +5936,43 @@
                         </a:lnSpc>
                       </a:pPr>
                       <a:r>
-                        <a:rPr b="0" lang="ru-RU" sz="1800" spc="-1" strike="noStrike">
+                        <a:rPr lang="ru-RU" sz="1800" b="0" strike="noStrike" spc="-1">
                           <a:latin typeface="Arial"/>
                         </a:rPr>
                         <a:t>2</a:t>
                       </a:r>
-                      <a:endParaRPr b="0" lang="ru-RU" sz="1800" spc="-1" strike="noStrike">
-                        <a:latin typeface="Arial"/>
-                      </a:endParaRPr>
                     </a:p>
                   </a:txBody>
                   <a:tcPr marL="90000" marR="90000">
                     <a:lnL w="720">
                       <a:solidFill>
-                        <a:srgbClr val="ffffff"/>
+                        <a:srgbClr val="FFFFFF"/>
                       </a:solidFill>
                     </a:lnL>
                     <a:lnR w="720">
                       <a:solidFill>
-                        <a:srgbClr val="ffffff"/>
+                        <a:srgbClr val="FFFFFF"/>
                       </a:solidFill>
                     </a:lnR>
                     <a:lnT w="720">
                       <a:solidFill>
-                        <a:srgbClr val="ffffff"/>
+                        <a:srgbClr val="FFFFFF"/>
                       </a:solidFill>
                     </a:lnT>
                     <a:lnB w="720">
                       <a:solidFill>
-                        <a:srgbClr val="ffffff"/>
+                        <a:srgbClr val="FFFFFF"/>
                       </a:solidFill>
                     </a:lnB>
                     <a:solidFill>
-                      <a:srgbClr val="cccccc"/>
+                      <a:srgbClr val="CCCCCC"/>
                     </a:solidFill>
                   </a:tcPr>
                 </a:tc>
                 <a:tc>
                   <a:txBody>
-                    <a:bodyPr lIns="90000" rIns="90000">
-                      <a:noAutofit/>
-                    </a:bodyPr>
+                    <a:bodyPr/>
+                    <a:lstStyle/>
                     <a:p>
                       <a:pPr>
                         <a:lnSpc>
@@ -4928,47 +5980,43 @@
                         </a:lnSpc>
                       </a:pPr>
                       <a:r>
-                        <a:rPr b="0" lang="ru-RU" sz="1800" spc="-1" strike="noStrike">
+                        <a:rPr lang="ru-RU" sz="1800" b="0" strike="noStrike" spc="-1">
                           <a:latin typeface="Arial"/>
                         </a:rPr>
                         <a:t>7000</a:t>
                       </a:r>
-                      <a:endParaRPr b="0" lang="ru-RU" sz="1800" spc="-1" strike="noStrike">
-                        <a:latin typeface="Arial"/>
-                      </a:endParaRPr>
                     </a:p>
                   </a:txBody>
                   <a:tcPr marL="90000" marR="90000">
                     <a:lnL w="720">
                       <a:solidFill>
-                        <a:srgbClr val="ffffff"/>
+                        <a:srgbClr val="FFFFFF"/>
                       </a:solidFill>
                     </a:lnL>
                     <a:lnR w="720">
                       <a:solidFill>
-                        <a:srgbClr val="ffffff"/>
+                        <a:srgbClr val="FFFFFF"/>
                       </a:solidFill>
                     </a:lnR>
                     <a:lnT w="720">
                       <a:solidFill>
-                        <a:srgbClr val="ffffff"/>
+                        <a:srgbClr val="FFFFFF"/>
                       </a:solidFill>
                     </a:lnT>
                     <a:lnB w="720">
                       <a:solidFill>
-                        <a:srgbClr val="ffffff"/>
+                        <a:srgbClr val="FFFFFF"/>
                       </a:solidFill>
                     </a:lnB>
                     <a:solidFill>
-                      <a:srgbClr val="cccccc"/>
+                      <a:srgbClr val="CCCCCC"/>
                     </a:solidFill>
                   </a:tcPr>
                 </a:tc>
                 <a:tc>
                   <a:txBody>
-                    <a:bodyPr lIns="90000" rIns="90000">
-                      <a:noAutofit/>
-                    </a:bodyPr>
+                    <a:bodyPr/>
+                    <a:lstStyle/>
                     <a:p>
                       <a:pPr>
                         <a:lnSpc>
@@ -4976,49 +6024,50 @@
                         </a:lnSpc>
                       </a:pPr>
                       <a:r>
-                        <a:rPr b="0" lang="ru-RU" sz="1800" spc="-1" strike="noStrike">
+                        <a:rPr lang="ru-RU" sz="1800" b="0" strike="noStrike" spc="-1">
                           <a:latin typeface="Arial"/>
                         </a:rPr>
                         <a:t>13:00</a:t>
                       </a:r>
-                      <a:endParaRPr b="0" lang="ru-RU" sz="1800" spc="-1" strike="noStrike">
-                        <a:latin typeface="Arial"/>
-                      </a:endParaRPr>
                     </a:p>
                   </a:txBody>
                   <a:tcPr marL="90000" marR="90000">
                     <a:lnL w="720">
                       <a:solidFill>
-                        <a:srgbClr val="ffffff"/>
+                        <a:srgbClr val="FFFFFF"/>
                       </a:solidFill>
                     </a:lnL>
                     <a:lnR w="720">
                       <a:solidFill>
-                        <a:srgbClr val="ffffff"/>
+                        <a:srgbClr val="FFFFFF"/>
                       </a:solidFill>
                     </a:lnR>
                     <a:lnT w="720">
                       <a:solidFill>
-                        <a:srgbClr val="ffffff"/>
+                        <a:srgbClr val="FFFFFF"/>
                       </a:solidFill>
                     </a:lnT>
                     <a:lnB w="720">
                       <a:solidFill>
-                        <a:srgbClr val="ffffff"/>
+                        <a:srgbClr val="FFFFFF"/>
                       </a:solidFill>
                     </a:lnB>
                     <a:solidFill>
-                      <a:srgbClr val="cccccc"/>
+                      <a:srgbClr val="CCCCCC"/>
                     </a:solidFill>
                   </a:tcPr>
                 </a:tc>
+                <a:extLst>
+                  <a:ext uri="{0D108BD9-81ED-4DB2-BD59-A6C34878D82A}">
+                    <a16:rowId xmlns:a16="http://schemas.microsoft.com/office/drawing/2014/main" val="10003"/>
+                  </a:ext>
+                </a:extLst>
               </a:tr>
               <a:tr h="785520">
                 <a:tc>
                   <a:txBody>
-                    <a:bodyPr lIns="90000" rIns="90000">
-                      <a:noAutofit/>
-                    </a:bodyPr>
+                    <a:bodyPr/>
+                    <a:lstStyle/>
                     <a:p>
                       <a:pPr>
                         <a:lnSpc>
@@ -5026,47 +6075,43 @@
                         </a:lnSpc>
                       </a:pPr>
                       <a:r>
-                        <a:rPr b="0" lang="ru-RU" sz="1800" spc="-1" strike="noStrike">
+                        <a:rPr lang="ru-RU" sz="1800" b="0" strike="noStrike" spc="-1">
                           <a:latin typeface="Arial"/>
                         </a:rPr>
                         <a:t>Премиум</a:t>
                       </a:r>
-                      <a:endParaRPr b="0" lang="ru-RU" sz="1800" spc="-1" strike="noStrike">
-                        <a:latin typeface="Arial"/>
-                      </a:endParaRPr>
                     </a:p>
                   </a:txBody>
                   <a:tcPr marL="90000" marR="90000">
                     <a:lnL w="720">
                       <a:solidFill>
-                        <a:srgbClr val="ffffff"/>
+                        <a:srgbClr val="FFFFFF"/>
                       </a:solidFill>
                     </a:lnL>
                     <a:lnR w="720">
                       <a:solidFill>
-                        <a:srgbClr val="ffffff"/>
+                        <a:srgbClr val="FFFFFF"/>
                       </a:solidFill>
                     </a:lnR>
                     <a:lnT w="720">
                       <a:solidFill>
-                        <a:srgbClr val="ffffff"/>
+                        <a:srgbClr val="FFFFFF"/>
                       </a:solidFill>
                     </a:lnT>
                     <a:lnB w="720">
                       <a:solidFill>
-                        <a:srgbClr val="ffffff"/>
+                        <a:srgbClr val="FFFFFF"/>
                       </a:solidFill>
                     </a:lnB>
                     <a:solidFill>
-                      <a:srgbClr val="e6e6e6"/>
+                      <a:srgbClr val="E6E6E6"/>
                     </a:solidFill>
                   </a:tcPr>
                 </a:tc>
                 <a:tc>
                   <a:txBody>
-                    <a:bodyPr lIns="90000" rIns="90000">
-                      <a:noAutofit/>
-                    </a:bodyPr>
+                    <a:bodyPr/>
+                    <a:lstStyle/>
                     <a:p>
                       <a:pPr>
                         <a:lnSpc>
@@ -5074,47 +6119,43 @@
                         </a:lnSpc>
                       </a:pPr>
                       <a:r>
-                        <a:rPr b="0" lang="ru-RU" sz="1800" spc="-1" strike="noStrike">
+                        <a:rPr lang="ru-RU" sz="1800" b="0" strike="noStrike" spc="-1">
                           <a:latin typeface="Arial"/>
                         </a:rPr>
                         <a:t>Тростянка</a:t>
                       </a:r>
-                      <a:endParaRPr b="0" lang="ru-RU" sz="1800" spc="-1" strike="noStrike">
-                        <a:latin typeface="Arial"/>
-                      </a:endParaRPr>
                     </a:p>
                   </a:txBody>
                   <a:tcPr marL="90000" marR="90000">
                     <a:lnL w="720">
                       <a:solidFill>
-                        <a:srgbClr val="ffffff"/>
+                        <a:srgbClr val="FFFFFF"/>
                       </a:solidFill>
                     </a:lnL>
                     <a:lnR w="720">
                       <a:solidFill>
-                        <a:srgbClr val="ffffff"/>
+                        <a:srgbClr val="FFFFFF"/>
                       </a:solidFill>
                     </a:lnR>
                     <a:lnT w="720">
                       <a:solidFill>
-                        <a:srgbClr val="ffffff"/>
+                        <a:srgbClr val="FFFFFF"/>
                       </a:solidFill>
                     </a:lnT>
                     <a:lnB w="720">
                       <a:solidFill>
-                        <a:srgbClr val="ffffff"/>
+                        <a:srgbClr val="FFFFFF"/>
                       </a:solidFill>
                     </a:lnB>
                     <a:solidFill>
-                      <a:srgbClr val="e6e6e6"/>
+                      <a:srgbClr val="E6E6E6"/>
                     </a:solidFill>
                   </a:tcPr>
                 </a:tc>
                 <a:tc>
                   <a:txBody>
-                    <a:bodyPr lIns="90000" rIns="90000">
-                      <a:noAutofit/>
-                    </a:bodyPr>
+                    <a:bodyPr/>
+                    <a:lstStyle/>
                     <a:p>
                       <a:pPr>
                         <a:lnSpc>
@@ -5122,47 +6163,43 @@
                         </a:lnSpc>
                       </a:pPr>
                       <a:r>
-                        <a:rPr b="0" lang="ru-RU" sz="1800" spc="-1" strike="noStrike">
+                        <a:rPr lang="ru-RU" sz="1800" b="0" strike="noStrike" spc="-1">
                           <a:latin typeface="Arial"/>
                         </a:rPr>
                         <a:t>4</a:t>
                       </a:r>
-                      <a:endParaRPr b="0" lang="ru-RU" sz="1800" spc="-1" strike="noStrike">
-                        <a:latin typeface="Arial"/>
-                      </a:endParaRPr>
                     </a:p>
                   </a:txBody>
                   <a:tcPr marL="90000" marR="90000">
                     <a:lnL w="720">
                       <a:solidFill>
-                        <a:srgbClr val="ffffff"/>
+                        <a:srgbClr val="FFFFFF"/>
                       </a:solidFill>
                     </a:lnL>
                     <a:lnR w="720">
                       <a:solidFill>
-                        <a:srgbClr val="ffffff"/>
+                        <a:srgbClr val="FFFFFF"/>
                       </a:solidFill>
                     </a:lnR>
                     <a:lnT w="720">
                       <a:solidFill>
-                        <a:srgbClr val="ffffff"/>
+                        <a:srgbClr val="FFFFFF"/>
                       </a:solidFill>
                     </a:lnT>
                     <a:lnB w="720">
                       <a:solidFill>
-                        <a:srgbClr val="ffffff"/>
+                        <a:srgbClr val="FFFFFF"/>
                       </a:solidFill>
                     </a:lnB>
                     <a:solidFill>
-                      <a:srgbClr val="e6e6e6"/>
+                      <a:srgbClr val="E6E6E6"/>
                     </a:solidFill>
                   </a:tcPr>
                 </a:tc>
                 <a:tc>
                   <a:txBody>
-                    <a:bodyPr lIns="90000" rIns="90000">
-                      <a:noAutofit/>
-                    </a:bodyPr>
+                    <a:bodyPr/>
+                    <a:lstStyle/>
                     <a:p>
                       <a:pPr>
                         <a:lnSpc>
@@ -5170,47 +6207,43 @@
                         </a:lnSpc>
                       </a:pPr>
                       <a:r>
-                        <a:rPr b="0" lang="ru-RU" sz="1800" spc="-1" strike="noStrike">
+                        <a:rPr lang="ru-RU" sz="1800" b="0" strike="noStrike" spc="-1">
                           <a:latin typeface="Arial"/>
                         </a:rPr>
                         <a:t>11200</a:t>
                       </a:r>
-                      <a:endParaRPr b="0" lang="ru-RU" sz="1800" spc="-1" strike="noStrike">
-                        <a:latin typeface="Arial"/>
-                      </a:endParaRPr>
                     </a:p>
                   </a:txBody>
                   <a:tcPr marL="90000" marR="90000">
                     <a:lnL w="720">
                       <a:solidFill>
-                        <a:srgbClr val="ffffff"/>
+                        <a:srgbClr val="FFFFFF"/>
                       </a:solidFill>
                     </a:lnL>
                     <a:lnR w="720">
                       <a:solidFill>
-                        <a:srgbClr val="ffffff"/>
+                        <a:srgbClr val="FFFFFF"/>
                       </a:solidFill>
                     </a:lnR>
                     <a:lnT w="720">
                       <a:solidFill>
-                        <a:srgbClr val="ffffff"/>
+                        <a:srgbClr val="FFFFFF"/>
                       </a:solidFill>
                     </a:lnT>
                     <a:lnB w="720">
                       <a:solidFill>
-                        <a:srgbClr val="ffffff"/>
+                        <a:srgbClr val="FFFFFF"/>
                       </a:solidFill>
                     </a:lnB>
                     <a:solidFill>
-                      <a:srgbClr val="e6e6e6"/>
+                      <a:srgbClr val="E6E6E6"/>
                     </a:solidFill>
                   </a:tcPr>
                 </a:tc>
                 <a:tc>
                   <a:txBody>
-                    <a:bodyPr lIns="90000" rIns="90000">
-                      <a:noAutofit/>
-                    </a:bodyPr>
+                    <a:bodyPr/>
+                    <a:lstStyle/>
                     <a:p>
                       <a:pPr>
                         <a:lnSpc>
@@ -5218,42 +6251,44 @@
                         </a:lnSpc>
                       </a:pPr>
                       <a:r>
-                        <a:rPr b="0" lang="ru-RU" sz="1800" spc="-1" strike="noStrike">
+                        <a:rPr lang="ru-RU" sz="1800" b="0" strike="noStrike" spc="-1">
                           <a:latin typeface="Arial"/>
                         </a:rPr>
                         <a:t>12:00</a:t>
                       </a:r>
-                      <a:endParaRPr b="0" lang="ru-RU" sz="1800" spc="-1" strike="noStrike">
-                        <a:latin typeface="Arial"/>
-                      </a:endParaRPr>
                     </a:p>
                   </a:txBody>
                   <a:tcPr marL="90000" marR="90000">
                     <a:lnL w="720">
                       <a:solidFill>
-                        <a:srgbClr val="ffffff"/>
+                        <a:srgbClr val="FFFFFF"/>
                       </a:solidFill>
                     </a:lnL>
                     <a:lnR w="720">
                       <a:solidFill>
-                        <a:srgbClr val="ffffff"/>
+                        <a:srgbClr val="FFFFFF"/>
                       </a:solidFill>
                     </a:lnR>
                     <a:lnT w="720">
                       <a:solidFill>
-                        <a:srgbClr val="ffffff"/>
+                        <a:srgbClr val="FFFFFF"/>
                       </a:solidFill>
                     </a:lnT>
                     <a:lnB w="720">
                       <a:solidFill>
-                        <a:srgbClr val="ffffff"/>
+                        <a:srgbClr val="FFFFFF"/>
                       </a:solidFill>
                     </a:lnB>
                     <a:solidFill>
-                      <a:srgbClr val="e6e6e6"/>
+                      <a:srgbClr val="E6E6E6"/>
                     </a:solidFill>
                   </a:tcPr>
                 </a:tc>
+                <a:extLst>
+                  <a:ext uri="{0D108BD9-81ED-4DB2-BD59-A6C34878D82A}">
+                    <a16:rowId xmlns:a16="http://schemas.microsoft.com/office/drawing/2014/main" val="10004"/>
+                  </a:ext>
+                </a:extLst>
               </a:tr>
             </a:tbl>
           </a:graphicData>
@@ -5261,19 +6296,14 @@
       </p:graphicFrame>
     </p:spTree>
   </p:cSld>
-  <mc:AlternateContent>
-    <mc:Choice Requires="p14">
-      <p:transition spd="slow" p14:dur="2000"/>
-    </mc:Choice>
-    <mc:Fallback>
-      <p:transition spd="slow"/>
-    </mc:Fallback>
-  </mc:AlternateContent>
+  <p:clrMapOvr>
+    <a:masterClrMapping/>
+  </p:clrMapOvr>
 </p:sld>
 </file>
 
 <file path=ppt/slides/slide12.xml><?xml version="1.0" encoding="utf-8"?>
-<p:sld xmlns:a="http://schemas.openxmlformats.org/drawingml/2006/main" xmlns:p="http://schemas.openxmlformats.org/presentationml/2006/main" xmlns:r="http://schemas.openxmlformats.org/officeDocument/2006/relationships" xmlns:p14="http://schemas.microsoft.com/office/powerpoint/2010/main" xmlns:p15="http://schemas.microsoft.com/office/powerpoint/2012/main" xmlns:mc="http://schemas.openxmlformats.org/markup-compatibility/2006">
+<p:sld xmlns:a="http://schemas.openxmlformats.org/drawingml/2006/main" xmlns:r="http://schemas.openxmlformats.org/officeDocument/2006/relationships" xmlns:p="http://schemas.openxmlformats.org/presentationml/2006/main">
   <p:cSld>
     <p:spTree>
       <p:nvGrpSpPr>
@@ -5309,15 +6339,22 @@
           </a:ln>
         </p:spPr>
         <p:style>
-          <a:lnRef idx="0"/>
-          <a:fillRef idx="0"/>
-          <a:effectRef idx="0"/>
+          <a:lnRef idx="0">
+            <a:scrgbClr r="0" g="0" b="0"/>
+          </a:lnRef>
+          <a:fillRef idx="0">
+            <a:scrgbClr r="0" g="0" b="0"/>
+          </a:fillRef>
+          <a:effectRef idx="0">
+            <a:scrgbClr r="0" g="0" b="0"/>
+          </a:effectRef>
           <a:fontRef idx="minor"/>
         </p:style>
         <p:txBody>
-          <a:bodyPr lIns="0" rIns="0" tIns="0" bIns="0" anchor="ctr">
+          <a:bodyPr lIns="0" tIns="0" rIns="0" bIns="0" anchor="ctr">
             <a:noAutofit/>
           </a:bodyPr>
+          <a:lstStyle/>
           <a:p>
             <a:pPr>
               <a:lnSpc>
@@ -5325,7 +6362,7 @@
               </a:lnSpc>
             </a:pPr>
             <a:r>
-              <a:rPr b="0" lang="ru-RU" sz="3600" spc="-1" strike="noStrike">
+              <a:rPr lang="ru-RU" sz="3600" b="0" strike="noStrike" spc="-1">
                 <a:solidFill>
                   <a:srgbClr val="000000"/>
                 </a:solidFill>
@@ -5334,7 +6371,7 @@
               </a:rPr>
               <a:t>Задание</a:t>
             </a:r>
-            <a:endParaRPr b="0" lang="ru-RU" sz="3600" spc="-1" strike="noStrike">
+            <a:endParaRPr lang="ru-RU" sz="3600" b="0" strike="noStrike" spc="-1">
               <a:latin typeface="Arial"/>
             </a:endParaRPr>
           </a:p>
@@ -5360,15 +6397,22 @@
           </a:ln>
         </p:spPr>
         <p:style>
-          <a:lnRef idx="0"/>
-          <a:fillRef idx="0"/>
-          <a:effectRef idx="0"/>
+          <a:lnRef idx="0">
+            <a:scrgbClr r="0" g="0" b="0"/>
+          </a:lnRef>
+          <a:fillRef idx="0">
+            <a:scrgbClr r="0" g="0" b="0"/>
+          </a:fillRef>
+          <a:effectRef idx="0">
+            <a:scrgbClr r="0" g="0" b="0"/>
+          </a:effectRef>
           <a:fontRef idx="minor"/>
         </p:style>
         <p:txBody>
-          <a:bodyPr lIns="0" rIns="0" tIns="0" bIns="0">
+          <a:bodyPr lIns="0" tIns="0" rIns="0" bIns="0">
             <a:normAutofit/>
           </a:bodyPr>
+          <a:lstStyle/>
           <a:p>
             <a:pPr marL="432000" indent="-323280">
               <a:lnSpc>
@@ -5378,14 +6422,14 @@
                 <a:spcPts val="1417"/>
               </a:spcAft>
               <a:buClr>
-                <a:srgbClr val="99cc66"/>
+                <a:srgbClr val="99CC66"/>
               </a:buClr>
               <a:buSzPct val="45000"/>
               <a:buFont typeface="Wingdings" charset="2"/>
               <a:buChar char=""/>
             </a:pPr>
             <a:r>
-              <a:rPr b="0" lang="ru-RU" sz="2600" spc="-1" strike="noStrike">
+              <a:rPr lang="ru-RU" sz="2600" b="0" strike="noStrike" spc="-1">
                 <a:solidFill>
                   <a:srgbClr val="000000"/>
                 </a:solidFill>
@@ -5394,7 +6438,7 @@
               </a:rPr>
               <a:t>С помощью поэлементных операций с массивом, выведите на страницу таблицу гостиниц</a:t>
             </a:r>
-            <a:endParaRPr b="0" lang="ru-RU" sz="2600" spc="-1" strike="noStrike">
+            <a:endParaRPr lang="ru-RU" sz="2600" b="0" strike="noStrike" spc="-1">
               <a:latin typeface="Arial"/>
             </a:endParaRPr>
           </a:p>
@@ -5407,14 +6451,14 @@
                 <a:spcPts val="1417"/>
               </a:spcAft>
               <a:buClr>
-                <a:srgbClr val="99cc66"/>
+                <a:srgbClr val="99CC66"/>
               </a:buClr>
               <a:buSzPct val="45000"/>
               <a:buFont typeface="Wingdings" charset="2"/>
               <a:buChar char=""/>
             </a:pPr>
             <a:r>
-              <a:rPr b="0" lang="ru-RU" sz="2600" spc="-1" strike="noStrike">
+              <a:rPr lang="ru-RU" sz="2600" b="0" strike="noStrike" spc="-1">
                 <a:solidFill>
                   <a:srgbClr val="000000"/>
                 </a:solidFill>
@@ -5423,7 +6467,7 @@
               </a:rPr>
               <a:t>Рассортируйте список по убыванию количества звезд</a:t>
             </a:r>
-            <a:endParaRPr b="0" lang="ru-RU" sz="2600" spc="-1" strike="noStrike">
+            <a:endParaRPr lang="ru-RU" sz="2600" b="0" strike="noStrike" spc="-1">
               <a:latin typeface="Arial"/>
             </a:endParaRPr>
           </a:p>
@@ -5436,14 +6480,14 @@
                 <a:spcPts val="1417"/>
               </a:spcAft>
               <a:buClr>
-                <a:srgbClr val="99cc66"/>
+                <a:srgbClr val="99CC66"/>
               </a:buClr>
               <a:buSzPct val="45000"/>
               <a:buFont typeface="Wingdings" charset="2"/>
               <a:buChar char=""/>
             </a:pPr>
             <a:r>
-              <a:rPr b="0" lang="ru-RU" sz="2600" spc="-1" strike="noStrike">
+              <a:rPr lang="ru-RU" sz="2600" b="0" strike="noStrike" spc="-1">
                 <a:solidFill>
                   <a:srgbClr val="000000"/>
                 </a:solidFill>
@@ -5452,7 +6496,7 @@
               </a:rPr>
               <a:t>Составьте список из гостиниц не дороже 7000 руб</a:t>
             </a:r>
-            <a:endParaRPr b="0" lang="ru-RU" sz="2600" spc="-1" strike="noStrike">
+            <a:endParaRPr lang="ru-RU" sz="2600" b="0" strike="noStrike" spc="-1">
               <a:latin typeface="Arial"/>
             </a:endParaRPr>
           </a:p>
@@ -5460,19 +6504,14 @@
       </p:sp>
     </p:spTree>
   </p:cSld>
-  <mc:AlternateContent>
-    <mc:Choice Requires="p14">
-      <p:transition spd="slow" p14:dur="2000"/>
-    </mc:Choice>
-    <mc:Fallback>
-      <p:transition spd="slow"/>
-    </mc:Fallback>
-  </mc:AlternateContent>
+  <p:clrMapOvr>
+    <a:masterClrMapping/>
+  </p:clrMapOvr>
 </p:sld>
 </file>
 
 <file path=ppt/slides/slide2.xml><?xml version="1.0" encoding="utf-8"?>
-<p:sld xmlns:a="http://schemas.openxmlformats.org/drawingml/2006/main" xmlns:p="http://schemas.openxmlformats.org/presentationml/2006/main" xmlns:r="http://schemas.openxmlformats.org/officeDocument/2006/relationships" xmlns:p14="http://schemas.microsoft.com/office/powerpoint/2010/main" xmlns:p15="http://schemas.microsoft.com/office/powerpoint/2012/main" xmlns:mc="http://schemas.openxmlformats.org/markup-compatibility/2006">
+<p:sld xmlns:a="http://schemas.openxmlformats.org/drawingml/2006/main" xmlns:r="http://schemas.openxmlformats.org/officeDocument/2006/relationships" xmlns:p="http://schemas.openxmlformats.org/presentationml/2006/main">
   <p:cSld>
     <p:spTree>
       <p:nvGrpSpPr>
@@ -5508,15 +6547,22 @@
           </a:ln>
         </p:spPr>
         <p:style>
-          <a:lnRef idx="0"/>
-          <a:fillRef idx="0"/>
-          <a:effectRef idx="0"/>
+          <a:lnRef idx="0">
+            <a:scrgbClr r="0" g="0" b="0"/>
+          </a:lnRef>
+          <a:fillRef idx="0">
+            <a:scrgbClr r="0" g="0" b="0"/>
+          </a:fillRef>
+          <a:effectRef idx="0">
+            <a:scrgbClr r="0" g="0" b="0"/>
+          </a:effectRef>
           <a:fontRef idx="minor"/>
         </p:style>
         <p:txBody>
-          <a:bodyPr lIns="0" rIns="0" tIns="0" bIns="0" anchor="ctr">
+          <a:bodyPr lIns="0" tIns="0" rIns="0" bIns="0" anchor="ctr">
             <a:noAutofit/>
           </a:bodyPr>
+          <a:lstStyle/>
           <a:p>
             <a:pPr>
               <a:lnSpc>
@@ -5524,7 +6570,7 @@
               </a:lnSpc>
             </a:pPr>
             <a:r>
-              <a:rPr b="0" lang="ru-RU" sz="3200" spc="-1" strike="noStrike">
+              <a:rPr lang="ru-RU" sz="3200" b="0" strike="noStrike" spc="-1">
                 <a:solidFill>
                   <a:srgbClr val="000000"/>
                 </a:solidFill>
@@ -5533,7 +6579,7 @@
               </a:rPr>
               <a:t>Стрелочные функции</a:t>
             </a:r>
-            <a:endParaRPr b="0" lang="ru-RU" sz="3200" spc="-1" strike="noStrike">
+            <a:endParaRPr lang="ru-RU" sz="3200" b="0" strike="noStrike" spc="-1">
               <a:latin typeface="Arial"/>
             </a:endParaRPr>
           </a:p>
@@ -5559,15 +6605,22 @@
           </a:ln>
         </p:spPr>
         <p:style>
-          <a:lnRef idx="0"/>
-          <a:fillRef idx="0"/>
-          <a:effectRef idx="0"/>
+          <a:lnRef idx="0">
+            <a:scrgbClr r="0" g="0" b="0"/>
+          </a:lnRef>
+          <a:fillRef idx="0">
+            <a:scrgbClr r="0" g="0" b="0"/>
+          </a:fillRef>
+          <a:effectRef idx="0">
+            <a:scrgbClr r="0" g="0" b="0"/>
+          </a:effectRef>
           <a:fontRef idx="minor"/>
         </p:style>
         <p:txBody>
-          <a:bodyPr lIns="0" rIns="0" tIns="0" bIns="0" anchor="ctr">
+          <a:bodyPr lIns="0" tIns="0" rIns="0" bIns="0" anchor="ctr">
             <a:noAutofit/>
           </a:bodyPr>
+          <a:lstStyle/>
           <a:p>
             <a:pPr algn="just">
               <a:lnSpc>
@@ -5575,7 +6628,7 @@
               </a:lnSpc>
             </a:pPr>
             <a:r>
-              <a:rPr b="0" lang="ru-RU" sz="2200" spc="-1" strike="noStrike">
+              <a:rPr lang="ru-RU" sz="2200" b="0" strike="noStrike" spc="-1">
                 <a:solidFill>
                   <a:srgbClr val="000000"/>
                 </a:solidFill>
@@ -5584,7 +6637,7 @@
               </a:rPr>
               <a:t>Простой и лаконичный синтаксис для создания функций</a:t>
             </a:r>
-            <a:endParaRPr b="0" lang="ru-RU" sz="2200" spc="-1" strike="noStrike">
+            <a:endParaRPr lang="ru-RU" sz="2200" b="0" strike="noStrike" spc="-1">
               <a:latin typeface="Arial"/>
             </a:endParaRPr>
           </a:p>
@@ -5592,12 +6645,12 @@
       </p:sp>
       <p:pic>
         <p:nvPicPr>
-          <p:cNvPr id="83" name="" descr=""/>
+          <p:cNvPr id="83" name="Рисунок 82"/>
           <p:cNvPicPr/>
           <p:nvPr/>
         </p:nvPicPr>
         <p:blipFill>
-          <a:blip r:embed="rId1"/>
+          <a:blip r:embed="rId2"/>
           <a:stretch/>
         </p:blipFill>
         <p:spPr>
@@ -5628,18 +6681,24 @@
             <a:avLst/>
           </a:prstGeom>
           <a:solidFill>
-            <a:srgbClr val="fed598"/>
+            <a:srgbClr val="FED598"/>
           </a:solidFill>
           <a:ln>
             <a:solidFill>
-              <a:srgbClr val="3465af"/>
+              <a:srgbClr val="3465AF"/>
             </a:solidFill>
           </a:ln>
         </p:spPr>
         <p:style>
-          <a:lnRef idx="0"/>
-          <a:fillRef idx="0"/>
-          <a:effectRef idx="0"/>
+          <a:lnRef idx="0">
+            <a:scrgbClr r="0" g="0" b="0"/>
+          </a:lnRef>
+          <a:fillRef idx="0">
+            <a:scrgbClr r="0" g="0" b="0"/>
+          </a:fillRef>
+          <a:effectRef idx="0">
+            <a:scrgbClr r="0" g="0" b="0"/>
+          </a:effectRef>
           <a:fontRef idx="minor"/>
         </p:style>
       </p:sp>
@@ -5663,15 +6722,22 @@
           </a:ln>
         </p:spPr>
         <p:style>
-          <a:lnRef idx="0"/>
-          <a:fillRef idx="0"/>
-          <a:effectRef idx="0"/>
+          <a:lnRef idx="0">
+            <a:scrgbClr r="0" g="0" b="0"/>
+          </a:lnRef>
+          <a:fillRef idx="0">
+            <a:scrgbClr r="0" g="0" b="0"/>
+          </a:fillRef>
+          <a:effectRef idx="0">
+            <a:scrgbClr r="0" g="0" b="0"/>
+          </a:effectRef>
           <a:fontRef idx="minor"/>
         </p:style>
         <p:txBody>
-          <a:bodyPr lIns="90000" rIns="90000" tIns="45000" bIns="45000">
+          <a:bodyPr lIns="90000" tIns="45000" rIns="90000" bIns="45000">
             <a:noAutofit/>
           </a:bodyPr>
+          <a:lstStyle/>
           <a:p>
             <a:pPr>
               <a:lnSpc>
@@ -5679,7 +6745,7 @@
               </a:lnSpc>
             </a:pPr>
             <a:r>
-              <a:rPr b="0" i="1" lang="ru-RU" sz="1800" spc="-1" strike="noStrike">
+              <a:rPr lang="ru-RU" sz="1800" b="0" i="1" strike="noStrike" spc="-1">
                 <a:solidFill>
                   <a:srgbClr val="000000"/>
                 </a:solidFill>
@@ -5688,7 +6754,7 @@
               </a:rPr>
               <a:t>let func = (arg1, arg2, ...argN) =&gt; expression;</a:t>
             </a:r>
-            <a:endParaRPr b="0" lang="ru-RU" sz="1800" spc="-1" strike="noStrike">
+            <a:endParaRPr lang="ru-RU" sz="1800" b="0" strike="noStrike" spc="-1">
               <a:latin typeface="Arial"/>
             </a:endParaRPr>
           </a:p>
@@ -5709,18 +6775,24 @@
             <a:avLst/>
           </a:prstGeom>
           <a:solidFill>
-            <a:srgbClr val="fed598"/>
+            <a:srgbClr val="FED598"/>
           </a:solidFill>
           <a:ln>
             <a:solidFill>
-              <a:srgbClr val="3465af"/>
+              <a:srgbClr val="3465AF"/>
             </a:solidFill>
           </a:ln>
         </p:spPr>
         <p:style>
-          <a:lnRef idx="0"/>
-          <a:fillRef idx="0"/>
-          <a:effectRef idx="0"/>
+          <a:lnRef idx="0">
+            <a:scrgbClr r="0" g="0" b="0"/>
+          </a:lnRef>
+          <a:fillRef idx="0">
+            <a:scrgbClr r="0" g="0" b="0"/>
+          </a:fillRef>
+          <a:effectRef idx="0">
+            <a:scrgbClr r="0" g="0" b="0"/>
+          </a:effectRef>
           <a:fontRef idx="minor"/>
         </p:style>
       </p:sp>
@@ -5744,15 +6816,22 @@
           </a:ln>
         </p:spPr>
         <p:style>
-          <a:lnRef idx="0"/>
-          <a:fillRef idx="0"/>
-          <a:effectRef idx="0"/>
+          <a:lnRef idx="0">
+            <a:scrgbClr r="0" g="0" b="0"/>
+          </a:lnRef>
+          <a:fillRef idx="0">
+            <a:scrgbClr r="0" g="0" b="0"/>
+          </a:fillRef>
+          <a:effectRef idx="0">
+            <a:scrgbClr r="0" g="0" b="0"/>
+          </a:effectRef>
           <a:fontRef idx="minor"/>
         </p:style>
         <p:txBody>
-          <a:bodyPr lIns="90000" rIns="90000" tIns="45000" bIns="45000">
+          <a:bodyPr lIns="90000" tIns="45000" rIns="90000" bIns="45000">
             <a:noAutofit/>
           </a:bodyPr>
+          <a:lstStyle/>
           <a:p>
             <a:pPr>
               <a:lnSpc>
@@ -5760,7 +6839,7 @@
               </a:lnSpc>
             </a:pPr>
             <a:r>
-              <a:rPr b="0" lang="ru-RU" sz="1800" spc="-1" strike="noStrike">
+              <a:rPr lang="ru-RU" sz="1800" b="0" strike="noStrike" spc="-1">
                 <a:solidFill>
                   <a:srgbClr val="000000"/>
                 </a:solidFill>
@@ -5769,7 +6848,7 @@
               </a:rPr>
               <a:t>let sum = (a, b) =&gt; a + b;</a:t>
             </a:r>
-            <a:endParaRPr b="0" lang="ru-RU" sz="1800" spc="-1" strike="noStrike">
+            <a:endParaRPr lang="ru-RU" sz="1800" b="0" strike="noStrike" spc="-1">
               <a:latin typeface="Arial"/>
             </a:endParaRPr>
           </a:p>
@@ -5779,7 +6858,7 @@
                 <a:spcPct val="100000"/>
               </a:lnSpc>
             </a:pPr>
-            <a:endParaRPr b="0" lang="ru-RU" sz="1800" spc="-1" strike="noStrike">
+            <a:endParaRPr lang="ru-RU" sz="1800" b="0" strike="noStrike" spc="-1">
               <a:latin typeface="Arial"/>
             </a:endParaRPr>
           </a:p>
@@ -5790,7 +6869,7 @@
               </a:lnSpc>
             </a:pPr>
             <a:r>
-              <a:rPr b="0" lang="ru-RU" sz="1800" spc="-1" strike="noStrike">
+              <a:rPr lang="ru-RU" sz="1800" b="0" strike="noStrike" spc="-1">
                 <a:solidFill>
                   <a:srgbClr val="000000"/>
                 </a:solidFill>
@@ -5799,7 +6878,7 @@
               </a:rPr>
               <a:t>/* Эта стрелочная функция представляет собой более короткую форму:</a:t>
             </a:r>
-            <a:endParaRPr b="0" lang="ru-RU" sz="1800" spc="-1" strike="noStrike">
+            <a:endParaRPr lang="ru-RU" sz="1800" b="0" strike="noStrike" spc="-1">
               <a:latin typeface="Arial"/>
             </a:endParaRPr>
           </a:p>
@@ -5809,7 +6888,7 @@
                 <a:spcPct val="100000"/>
               </a:lnSpc>
             </a:pPr>
-            <a:endParaRPr b="0" lang="ru-RU" sz="1800" spc="-1" strike="noStrike">
+            <a:endParaRPr lang="ru-RU" sz="1800" b="0" strike="noStrike" spc="-1">
               <a:latin typeface="Arial"/>
             </a:endParaRPr>
           </a:p>
@@ -5820,7 +6899,7 @@
               </a:lnSpc>
             </a:pPr>
             <a:r>
-              <a:rPr b="0" lang="ru-RU" sz="1800" spc="-1" strike="noStrike">
+              <a:rPr lang="ru-RU" sz="1800" b="0" strike="noStrike" spc="-1">
                 <a:solidFill>
                   <a:srgbClr val="000000"/>
                 </a:solidFill>
@@ -5829,7 +6908,7 @@
               </a:rPr>
               <a:t>let sum = function(a, b) {</a:t>
             </a:r>
-            <a:endParaRPr b="0" lang="ru-RU" sz="1800" spc="-1" strike="noStrike">
+            <a:endParaRPr lang="ru-RU" sz="1800" b="0" strike="noStrike" spc="-1">
               <a:latin typeface="Arial"/>
             </a:endParaRPr>
           </a:p>
@@ -5840,26 +6919,16 @@
               </a:lnSpc>
             </a:pPr>
             <a:r>
-              <a:rPr b="0" lang="ru-RU" sz="1800" spc="-1" strike="noStrike">
-                <a:solidFill>
-                  <a:srgbClr val="000000"/>
-                </a:solidFill>
-                <a:latin typeface="Arial"/>
-                <a:ea typeface="DejaVu Sans"/>
-              </a:rPr>
-              <a:t>  </a:t>
-            </a:r>
-            <a:r>
-              <a:rPr b="0" lang="ru-RU" sz="1800" spc="-1" strike="noStrike">
-                <a:solidFill>
-                  <a:srgbClr val="000000"/>
-                </a:solidFill>
-                <a:latin typeface="Arial"/>
-                <a:ea typeface="DejaVu Sans"/>
-              </a:rPr>
-              <a:t>return a + b;</a:t>
-            </a:r>
-            <a:endParaRPr b="0" lang="ru-RU" sz="1800" spc="-1" strike="noStrike">
+              <a:rPr lang="ru-RU" sz="1800" b="0" strike="noStrike" spc="-1">
+                <a:solidFill>
+                  <a:srgbClr val="000000"/>
+                </a:solidFill>
+                <a:latin typeface="Arial"/>
+                <a:ea typeface="DejaVu Sans"/>
+              </a:rPr>
+              <a:t>  return a + b;</a:t>
+            </a:r>
+            <a:endParaRPr lang="ru-RU" sz="1800" b="0" strike="noStrike" spc="-1">
               <a:latin typeface="Arial"/>
             </a:endParaRPr>
           </a:p>
@@ -5870,7 +6939,7 @@
               </a:lnSpc>
             </a:pPr>
             <a:r>
-              <a:rPr b="0" lang="ru-RU" sz="1800" spc="-1" strike="noStrike">
+              <a:rPr lang="ru-RU" sz="1800" b="0" strike="noStrike" spc="-1">
                 <a:solidFill>
                   <a:srgbClr val="000000"/>
                 </a:solidFill>
@@ -5879,7 +6948,7 @@
               </a:rPr>
               <a:t>};</a:t>
             </a:r>
-            <a:endParaRPr b="0" lang="ru-RU" sz="1800" spc="-1" strike="noStrike">
+            <a:endParaRPr lang="ru-RU" sz="1800" b="0" strike="noStrike" spc="-1">
               <a:latin typeface="Arial"/>
             </a:endParaRPr>
           </a:p>
@@ -5890,7 +6959,7 @@
               </a:lnSpc>
             </a:pPr>
             <a:r>
-              <a:rPr b="0" lang="ru-RU" sz="1800" spc="-1" strike="noStrike">
+              <a:rPr lang="ru-RU" sz="1800" b="0" strike="noStrike" spc="-1">
                 <a:solidFill>
                   <a:srgbClr val="000000"/>
                 </a:solidFill>
@@ -5899,7 +6968,7 @@
               </a:rPr>
               <a:t>*/</a:t>
             </a:r>
-            <a:endParaRPr b="0" lang="ru-RU" sz="1800" spc="-1" strike="noStrike">
+            <a:endParaRPr lang="ru-RU" sz="1800" b="0" strike="noStrike" spc="-1">
               <a:latin typeface="Arial"/>
             </a:endParaRPr>
           </a:p>
@@ -5909,7 +6978,7 @@
                 <a:spcPct val="100000"/>
               </a:lnSpc>
             </a:pPr>
-            <a:endParaRPr b="0" lang="ru-RU" sz="1800" spc="-1" strike="noStrike">
+            <a:endParaRPr lang="ru-RU" sz="1800" b="0" strike="noStrike" spc="-1">
               <a:latin typeface="Arial"/>
             </a:endParaRPr>
           </a:p>
@@ -5920,7 +6989,7 @@
               </a:lnSpc>
             </a:pPr>
             <a:r>
-              <a:rPr b="0" lang="ru-RU" sz="1800" spc="-1" strike="noStrike">
+              <a:rPr lang="ru-RU" sz="1800" b="0" strike="noStrike" spc="-1">
                 <a:solidFill>
                   <a:srgbClr val="000000"/>
                 </a:solidFill>
@@ -5929,7 +6998,7 @@
               </a:rPr>
               <a:t>alert( sum(1, 2) ); // 3</a:t>
             </a:r>
-            <a:endParaRPr b="0" lang="ru-RU" sz="1800" spc="-1" strike="noStrike">
+            <a:endParaRPr lang="ru-RU" sz="1800" b="0" strike="noStrike" spc="-1">
               <a:latin typeface="Arial"/>
             </a:endParaRPr>
           </a:p>
@@ -5937,19 +7006,14 @@
       </p:sp>
     </p:spTree>
   </p:cSld>
-  <mc:AlternateContent>
-    <mc:Choice Requires="p14">
-      <p:transition spd="slow" p14:dur="2000"/>
-    </mc:Choice>
-    <mc:Fallback>
-      <p:transition spd="slow"/>
-    </mc:Fallback>
-  </mc:AlternateContent>
+  <p:clrMapOvr>
+    <a:masterClrMapping/>
+  </p:clrMapOvr>
 </p:sld>
 </file>
 
 <file path=ppt/slides/slide3.xml><?xml version="1.0" encoding="utf-8"?>
-<p:sld xmlns:a="http://schemas.openxmlformats.org/drawingml/2006/main" xmlns:p="http://schemas.openxmlformats.org/presentationml/2006/main" xmlns:r="http://schemas.openxmlformats.org/officeDocument/2006/relationships" xmlns:p14="http://schemas.microsoft.com/office/powerpoint/2010/main" xmlns:p15="http://schemas.microsoft.com/office/powerpoint/2012/main" xmlns:mc="http://schemas.openxmlformats.org/markup-compatibility/2006">
+<p:sld xmlns:a="http://schemas.openxmlformats.org/drawingml/2006/main" xmlns:r="http://schemas.openxmlformats.org/officeDocument/2006/relationships" xmlns:p="http://schemas.openxmlformats.org/presentationml/2006/main">
   <p:cSld>
     <p:spTree>
       <p:nvGrpSpPr>
@@ -5985,15 +7049,22 @@
           </a:ln>
         </p:spPr>
         <p:style>
-          <a:lnRef idx="0"/>
-          <a:fillRef idx="0"/>
-          <a:effectRef idx="0"/>
+          <a:lnRef idx="0">
+            <a:scrgbClr r="0" g="0" b="0"/>
+          </a:lnRef>
+          <a:fillRef idx="0">
+            <a:scrgbClr r="0" g="0" b="0"/>
+          </a:fillRef>
+          <a:effectRef idx="0">
+            <a:scrgbClr r="0" g="0" b="0"/>
+          </a:effectRef>
           <a:fontRef idx="minor"/>
         </p:style>
         <p:txBody>
-          <a:bodyPr lIns="0" rIns="0" tIns="0" bIns="0" anchor="ctr">
+          <a:bodyPr lIns="0" tIns="0" rIns="0" bIns="0" anchor="ctr">
             <a:noAutofit/>
           </a:bodyPr>
+          <a:lstStyle/>
           <a:p>
             <a:pPr>
               <a:lnSpc>
@@ -6001,7 +7072,7 @@
               </a:lnSpc>
             </a:pPr>
             <a:r>
-              <a:rPr b="0" lang="ru-RU" sz="3200" spc="-1" strike="noStrike">
+              <a:rPr lang="ru-RU" sz="3200" b="0" strike="noStrike" spc="-1">
                 <a:solidFill>
                   <a:srgbClr val="000000"/>
                 </a:solidFill>
@@ -6010,7 +7081,7 @@
               </a:rPr>
               <a:t>Условный (тернарный) оператор</a:t>
             </a:r>
-            <a:endParaRPr b="0" lang="ru-RU" sz="3200" spc="-1" strike="noStrike">
+            <a:endParaRPr lang="ru-RU" sz="3200" b="0" strike="noStrike" spc="-1">
               <a:latin typeface="Arial"/>
             </a:endParaRPr>
           </a:p>
@@ -6036,15 +7107,22 @@
           </a:ln>
         </p:spPr>
         <p:style>
-          <a:lnRef idx="0"/>
-          <a:fillRef idx="0"/>
-          <a:effectRef idx="0"/>
+          <a:lnRef idx="0">
+            <a:scrgbClr r="0" g="0" b="0"/>
+          </a:lnRef>
+          <a:fillRef idx="0">
+            <a:scrgbClr r="0" g="0" b="0"/>
+          </a:fillRef>
+          <a:effectRef idx="0">
+            <a:scrgbClr r="0" g="0" b="0"/>
+          </a:effectRef>
           <a:fontRef idx="minor"/>
         </p:style>
         <p:txBody>
-          <a:bodyPr lIns="0" rIns="0" tIns="0" bIns="0" anchor="ctr">
+          <a:bodyPr lIns="0" tIns="0" rIns="0" bIns="0" anchor="ctr">
             <a:noAutofit/>
           </a:bodyPr>
+          <a:lstStyle/>
           <a:p>
             <a:pPr algn="just">
               <a:lnSpc>
@@ -6052,7 +7130,7 @@
               </a:lnSpc>
             </a:pPr>
             <a:r>
-              <a:rPr b="0" lang="ru-RU" sz="2200" spc="-1" strike="noStrike">
+              <a:rPr lang="ru-RU" sz="2200" b="0" strike="noStrike" spc="-1">
                 <a:solidFill>
                   <a:srgbClr val="000000"/>
                 </a:solidFill>
@@ -6061,7 +7139,7 @@
               </a:rPr>
               <a:t>используется в качестве укороченного варианта условного оператора if</a:t>
             </a:r>
-            <a:endParaRPr b="0" lang="ru-RU" sz="2200" spc="-1" strike="noStrike">
+            <a:endParaRPr lang="ru-RU" sz="2200" b="0" strike="noStrike" spc="-1">
               <a:latin typeface="Arial"/>
             </a:endParaRPr>
           </a:p>
@@ -6069,12 +7147,12 @@
       </p:sp>
       <p:pic>
         <p:nvPicPr>
-          <p:cNvPr id="90" name="" descr=""/>
+          <p:cNvPr id="90" name="Рисунок 89"/>
           <p:cNvPicPr/>
           <p:nvPr/>
         </p:nvPicPr>
         <p:blipFill>
-          <a:blip r:embed="rId1"/>
+          <a:blip r:embed="rId2"/>
           <a:stretch/>
         </p:blipFill>
         <p:spPr>
@@ -6105,18 +7183,24 @@
             <a:avLst/>
           </a:prstGeom>
           <a:solidFill>
-            <a:srgbClr val="fed598"/>
+            <a:srgbClr val="FED598"/>
           </a:solidFill>
           <a:ln>
             <a:solidFill>
-              <a:srgbClr val="3465af"/>
+              <a:srgbClr val="3465AF"/>
             </a:solidFill>
           </a:ln>
         </p:spPr>
         <p:style>
-          <a:lnRef idx="0"/>
-          <a:fillRef idx="0"/>
-          <a:effectRef idx="0"/>
+          <a:lnRef idx="0">
+            <a:scrgbClr r="0" g="0" b="0"/>
+          </a:lnRef>
+          <a:fillRef idx="0">
+            <a:scrgbClr r="0" g="0" b="0"/>
+          </a:fillRef>
+          <a:effectRef idx="0">
+            <a:scrgbClr r="0" g="0" b="0"/>
+          </a:effectRef>
           <a:fontRef idx="minor"/>
         </p:style>
       </p:sp>
@@ -6140,15 +7224,22 @@
           </a:ln>
         </p:spPr>
         <p:style>
-          <a:lnRef idx="0"/>
-          <a:fillRef idx="0"/>
-          <a:effectRef idx="0"/>
+          <a:lnRef idx="0">
+            <a:scrgbClr r="0" g="0" b="0"/>
+          </a:lnRef>
+          <a:fillRef idx="0">
+            <a:scrgbClr r="0" g="0" b="0"/>
+          </a:fillRef>
+          <a:effectRef idx="0">
+            <a:scrgbClr r="0" g="0" b="0"/>
+          </a:effectRef>
           <a:fontRef idx="minor"/>
         </p:style>
         <p:txBody>
-          <a:bodyPr lIns="90000" rIns="90000" tIns="45000" bIns="45000">
+          <a:bodyPr lIns="90000" tIns="45000" rIns="90000" bIns="45000">
             <a:noAutofit/>
           </a:bodyPr>
+          <a:lstStyle/>
           <a:p>
             <a:pPr>
               <a:lnSpc>
@@ -6156,7 +7247,7 @@
               </a:lnSpc>
             </a:pPr>
             <a:r>
-              <a:rPr b="0" i="1" lang="ru-RU" sz="1800" spc="-1" strike="noStrike">
+              <a:rPr lang="ru-RU" sz="1800" b="0" i="1" strike="noStrike" spc="-1">
                 <a:solidFill>
                   <a:srgbClr val="000000"/>
                 </a:solidFill>
@@ -6165,7 +7256,7 @@
               </a:rPr>
               <a:t>условие ? выражение1 : выражение2 </a:t>
             </a:r>
-            <a:endParaRPr b="0" lang="ru-RU" sz="1800" spc="-1" strike="noStrike">
+            <a:endParaRPr lang="ru-RU" sz="1800" b="0" strike="noStrike" spc="-1">
               <a:latin typeface="Arial"/>
             </a:endParaRPr>
           </a:p>
@@ -6191,15 +7282,22 @@
           </a:ln>
         </p:spPr>
         <p:style>
-          <a:lnRef idx="0"/>
-          <a:fillRef idx="0"/>
-          <a:effectRef idx="0"/>
+          <a:lnRef idx="0">
+            <a:scrgbClr r="0" g="0" b="0"/>
+          </a:lnRef>
+          <a:fillRef idx="0">
+            <a:scrgbClr r="0" g="0" b="0"/>
+          </a:fillRef>
+          <a:effectRef idx="0">
+            <a:scrgbClr r="0" g="0" b="0"/>
+          </a:effectRef>
           <a:fontRef idx="minor"/>
         </p:style>
         <p:txBody>
-          <a:bodyPr lIns="90000" rIns="90000" tIns="45000" bIns="45000">
+          <a:bodyPr lIns="90000" tIns="45000" rIns="90000" bIns="45000">
             <a:noAutofit/>
           </a:bodyPr>
+          <a:lstStyle/>
           <a:p>
             <a:pPr>
               <a:lnSpc>
@@ -6207,7 +7305,7 @@
               </a:lnSpc>
             </a:pPr>
             <a:r>
-              <a:rPr b="0" lang="ru-RU" sz="1800" spc="-1" strike="noStrike">
+              <a:rPr lang="ru-RU" sz="1800" b="0" strike="noStrike" spc="-1">
                 <a:solidFill>
                   <a:srgbClr val="000000"/>
                 </a:solidFill>
@@ -6216,7 +7314,7 @@
               </a:rPr>
               <a:t>var stop = false, age = 23;</a:t>
             </a:r>
-            <a:endParaRPr b="0" lang="ru-RU" sz="1800" spc="-1" strike="noStrike">
+            <a:endParaRPr lang="ru-RU" sz="1800" b="0" strike="noStrike" spc="-1">
               <a:latin typeface="Arial"/>
             </a:endParaRPr>
           </a:p>
@@ -6226,7 +7324,7 @@
                 <a:spcPct val="100000"/>
               </a:lnSpc>
             </a:pPr>
-            <a:endParaRPr b="0" lang="ru-RU" sz="1800" spc="-1" strike="noStrike">
+            <a:endParaRPr lang="ru-RU" sz="1800" b="0" strike="noStrike" spc="-1">
               <a:latin typeface="Arial"/>
             </a:endParaRPr>
           </a:p>
@@ -6237,7 +7335,7 @@
               </a:lnSpc>
             </a:pPr>
             <a:r>
-              <a:rPr b="0" lang="ru-RU" sz="1800" spc="-1" strike="noStrike">
+              <a:rPr lang="ru-RU" sz="1800" b="0" strike="noStrike" spc="-1">
                 <a:solidFill>
                   <a:srgbClr val="000000"/>
                 </a:solidFill>
@@ -6246,7 +7344,7 @@
               </a:rPr>
               <a:t>age &gt; 18 ? (</a:t>
             </a:r>
-            <a:endParaRPr b="0" lang="ru-RU" sz="1800" spc="-1" strike="noStrike">
+            <a:endParaRPr lang="ru-RU" sz="1800" b="0" strike="noStrike" spc="-1">
               <a:latin typeface="Arial"/>
             </a:endParaRPr>
           </a:p>
@@ -6257,26 +7355,16 @@
               </a:lnSpc>
             </a:pPr>
             <a:r>
-              <a:rPr b="0" lang="ru-RU" sz="1800" spc="-1" strike="noStrike">
-                <a:solidFill>
-                  <a:srgbClr val="000000"/>
-                </a:solidFill>
-                <a:latin typeface="Arial"/>
-                <a:ea typeface="DejaVu Sans"/>
-              </a:rPr>
-              <a:t>    </a:t>
-            </a:r>
-            <a:r>
-              <a:rPr b="0" lang="ru-RU" sz="1800" spc="-1" strike="noStrike">
-                <a:solidFill>
-                  <a:srgbClr val="000000"/>
-                </a:solidFill>
-                <a:latin typeface="Arial"/>
-                <a:ea typeface="DejaVu Sans"/>
-              </a:rPr>
-              <a:t>alert("Хорошо, вы можете продолжить."),</a:t>
-            </a:r>
-            <a:endParaRPr b="0" lang="ru-RU" sz="1800" spc="-1" strike="noStrike">
+              <a:rPr lang="ru-RU" sz="1800" b="0" strike="noStrike" spc="-1">
+                <a:solidFill>
+                  <a:srgbClr val="000000"/>
+                </a:solidFill>
+                <a:latin typeface="Arial"/>
+                <a:ea typeface="DejaVu Sans"/>
+              </a:rPr>
+              <a:t>    alert("Хорошо, вы можете продолжить."),</a:t>
+            </a:r>
+            <a:endParaRPr lang="ru-RU" sz="1800" b="0" strike="noStrike" spc="-1">
               <a:latin typeface="Arial"/>
             </a:endParaRPr>
           </a:p>
@@ -6287,26 +7375,16 @@
               </a:lnSpc>
             </a:pPr>
             <a:r>
-              <a:rPr b="0" lang="ru-RU" sz="1800" spc="-1" strike="noStrike">
-                <a:solidFill>
-                  <a:srgbClr val="000000"/>
-                </a:solidFill>
-                <a:latin typeface="Arial"/>
-                <a:ea typeface="DejaVu Sans"/>
-              </a:rPr>
-              <a:t>    </a:t>
-            </a:r>
-            <a:r>
-              <a:rPr b="0" lang="ru-RU" sz="1800" spc="-1" strike="noStrike">
-                <a:solidFill>
-                  <a:srgbClr val="000000"/>
-                </a:solidFill>
-                <a:latin typeface="Arial"/>
-                <a:ea typeface="DejaVu Sans"/>
-              </a:rPr>
-              <a:t>location.assign("continue.html")</a:t>
-            </a:r>
-            <a:endParaRPr b="0" lang="ru-RU" sz="1800" spc="-1" strike="noStrike">
+              <a:rPr lang="ru-RU" sz="1800" b="0" strike="noStrike" spc="-1">
+                <a:solidFill>
+                  <a:srgbClr val="000000"/>
+                </a:solidFill>
+                <a:latin typeface="Arial"/>
+                <a:ea typeface="DejaVu Sans"/>
+              </a:rPr>
+              <a:t>    location.assign("continue.html")</a:t>
+            </a:r>
+            <a:endParaRPr lang="ru-RU" sz="1800" b="0" strike="noStrike" spc="-1">
               <a:latin typeface="Arial"/>
             </a:endParaRPr>
           </a:p>
@@ -6317,7 +7395,7 @@
               </a:lnSpc>
             </a:pPr>
             <a:r>
-              <a:rPr b="0" lang="ru-RU" sz="1800" spc="-1" strike="noStrike">
+              <a:rPr lang="ru-RU" sz="1800" b="0" strike="noStrike" spc="-1">
                 <a:solidFill>
                   <a:srgbClr val="000000"/>
                 </a:solidFill>
@@ -6326,7 +7404,7 @@
               </a:rPr>
               <a:t>) : (</a:t>
             </a:r>
-            <a:endParaRPr b="0" lang="ru-RU" sz="1800" spc="-1" strike="noStrike">
+            <a:endParaRPr lang="ru-RU" sz="1800" b="0" strike="noStrike" spc="-1">
               <a:latin typeface="Arial"/>
             </a:endParaRPr>
           </a:p>
@@ -6337,26 +7415,16 @@
               </a:lnSpc>
             </a:pPr>
             <a:r>
-              <a:rPr b="0" lang="ru-RU" sz="1800" spc="-1" strike="noStrike">
-                <a:solidFill>
-                  <a:srgbClr val="000000"/>
-                </a:solidFill>
-                <a:latin typeface="Arial"/>
-                <a:ea typeface="DejaVu Sans"/>
-              </a:rPr>
-              <a:t>    </a:t>
-            </a:r>
-            <a:r>
-              <a:rPr b="0" lang="ru-RU" sz="1800" spc="-1" strike="noStrike">
-                <a:solidFill>
-                  <a:srgbClr val="000000"/>
-                </a:solidFill>
-                <a:latin typeface="Arial"/>
-                <a:ea typeface="DejaVu Sans"/>
-              </a:rPr>
-              <a:t>stop = true,</a:t>
-            </a:r>
-            <a:endParaRPr b="0" lang="ru-RU" sz="1800" spc="-1" strike="noStrike">
+              <a:rPr lang="ru-RU" sz="1800" b="0" strike="noStrike" spc="-1">
+                <a:solidFill>
+                  <a:srgbClr val="000000"/>
+                </a:solidFill>
+                <a:latin typeface="Arial"/>
+                <a:ea typeface="DejaVu Sans"/>
+              </a:rPr>
+              <a:t>    stop = true,</a:t>
+            </a:r>
+            <a:endParaRPr lang="ru-RU" sz="1800" b="0" strike="noStrike" spc="-1">
               <a:latin typeface="Arial"/>
             </a:endParaRPr>
           </a:p>
@@ -6367,26 +7435,16 @@
               </a:lnSpc>
             </a:pPr>
             <a:r>
-              <a:rPr b="0" lang="ru-RU" sz="1800" spc="-1" strike="noStrike">
-                <a:solidFill>
-                  <a:srgbClr val="000000"/>
-                </a:solidFill>
-                <a:latin typeface="Arial"/>
-                <a:ea typeface="DejaVu Sans"/>
-              </a:rPr>
-              <a:t>    </a:t>
-            </a:r>
-            <a:r>
-              <a:rPr b="0" lang="ru-RU" sz="1800" spc="-1" strike="noStrike">
-                <a:solidFill>
-                  <a:srgbClr val="000000"/>
-                </a:solidFill>
-                <a:latin typeface="Arial"/>
-                <a:ea typeface="DejaVu Sans"/>
-              </a:rPr>
-              <a:t>alert("Простите, вы ещё так юны!")</a:t>
-            </a:r>
-            <a:endParaRPr b="0" lang="ru-RU" sz="1800" spc="-1" strike="noStrike">
+              <a:rPr lang="ru-RU" sz="1800" b="0" strike="noStrike" spc="-1">
+                <a:solidFill>
+                  <a:srgbClr val="000000"/>
+                </a:solidFill>
+                <a:latin typeface="Arial"/>
+                <a:ea typeface="DejaVu Sans"/>
+              </a:rPr>
+              <a:t>    alert("Простите, вы ещё так юны!")</a:t>
+            </a:r>
+            <a:endParaRPr lang="ru-RU" sz="1800" b="0" strike="noStrike" spc="-1">
               <a:latin typeface="Arial"/>
             </a:endParaRPr>
           </a:p>
@@ -6397,7 +7455,7 @@
               </a:lnSpc>
             </a:pPr>
             <a:r>
-              <a:rPr b="0" lang="ru-RU" sz="1800" spc="-1" strike="noStrike">
+              <a:rPr lang="ru-RU" sz="1800" b="0" strike="noStrike" spc="-1">
                 <a:solidFill>
                   <a:srgbClr val="000000"/>
                 </a:solidFill>
@@ -6406,7 +7464,7 @@
               </a:rPr>
               <a:t>);</a:t>
             </a:r>
-            <a:endParaRPr b="0" lang="ru-RU" sz="1800" spc="-1" strike="noStrike">
+            <a:endParaRPr lang="ru-RU" sz="1800" b="0" strike="noStrike" spc="-1">
               <a:latin typeface="Arial"/>
             </a:endParaRPr>
           </a:p>
@@ -6414,19 +7472,14 @@
       </p:sp>
     </p:spTree>
   </p:cSld>
-  <mc:AlternateContent>
-    <mc:Choice Requires="p14">
-      <p:transition spd="slow" p14:dur="2000"/>
-    </mc:Choice>
-    <mc:Fallback>
-      <p:transition spd="slow"/>
-    </mc:Fallback>
-  </mc:AlternateContent>
+  <p:clrMapOvr>
+    <a:masterClrMapping/>
+  </p:clrMapOvr>
 </p:sld>
 </file>
 
 <file path=ppt/slides/slide4.xml><?xml version="1.0" encoding="utf-8"?>
-<p:sld xmlns:a="http://schemas.openxmlformats.org/drawingml/2006/main" xmlns:p="http://schemas.openxmlformats.org/presentationml/2006/main" xmlns:r="http://schemas.openxmlformats.org/officeDocument/2006/relationships" xmlns:p14="http://schemas.microsoft.com/office/powerpoint/2010/main" xmlns:p15="http://schemas.microsoft.com/office/powerpoint/2012/main" xmlns:mc="http://schemas.openxmlformats.org/markup-compatibility/2006">
+<p:sld xmlns:a="http://schemas.openxmlformats.org/drawingml/2006/main" xmlns:r="http://schemas.openxmlformats.org/officeDocument/2006/relationships" xmlns:p="http://schemas.openxmlformats.org/presentationml/2006/main">
   <p:cSld>
     <p:spTree>
       <p:nvGrpSpPr>
@@ -6462,15 +7515,22 @@
           </a:ln>
         </p:spPr>
         <p:style>
-          <a:lnRef idx="0"/>
-          <a:fillRef idx="0"/>
-          <a:effectRef idx="0"/>
+          <a:lnRef idx="0">
+            <a:scrgbClr r="0" g="0" b="0"/>
+          </a:lnRef>
+          <a:fillRef idx="0">
+            <a:scrgbClr r="0" g="0" b="0"/>
+          </a:fillRef>
+          <a:effectRef idx="0">
+            <a:scrgbClr r="0" g="0" b="0"/>
+          </a:effectRef>
           <a:fontRef idx="minor"/>
         </p:style>
         <p:txBody>
-          <a:bodyPr lIns="0" rIns="0" tIns="0" bIns="0" anchor="ctr">
+          <a:bodyPr lIns="0" tIns="0" rIns="0" bIns="0" anchor="ctr">
             <a:noAutofit/>
           </a:bodyPr>
+          <a:lstStyle/>
           <a:p>
             <a:pPr>
               <a:lnSpc>
@@ -6478,7 +7538,7 @@
               </a:lnSpc>
             </a:pPr>
             <a:r>
-              <a:rPr b="0" lang="ru-RU" sz="3200" spc="-1" strike="noStrike">
+              <a:rPr lang="ru-RU" sz="3200" b="0" strike="noStrike" spc="-1">
                 <a:solidFill>
                   <a:srgbClr val="000000"/>
                 </a:solidFill>
@@ -6487,7 +7547,7 @@
               </a:rPr>
               <a:t>Преобразование каждого элемента массива</a:t>
             </a:r>
-            <a:endParaRPr b="0" lang="ru-RU" sz="3200" spc="-1" strike="noStrike">
+            <a:endParaRPr lang="ru-RU" sz="3200" b="0" strike="noStrike" spc="-1">
               <a:latin typeface="Arial"/>
             </a:endParaRPr>
           </a:p>
@@ -6513,15 +7573,22 @@
           </a:ln>
         </p:spPr>
         <p:style>
-          <a:lnRef idx="0"/>
-          <a:fillRef idx="0"/>
-          <a:effectRef idx="0"/>
+          <a:lnRef idx="0">
+            <a:scrgbClr r="0" g="0" b="0"/>
+          </a:lnRef>
+          <a:fillRef idx="0">
+            <a:scrgbClr r="0" g="0" b="0"/>
+          </a:fillRef>
+          <a:effectRef idx="0">
+            <a:scrgbClr r="0" g="0" b="0"/>
+          </a:effectRef>
           <a:fontRef idx="minor"/>
         </p:style>
         <p:txBody>
-          <a:bodyPr lIns="0" rIns="0" tIns="0" bIns="0" anchor="ctr">
+          <a:bodyPr lIns="0" tIns="0" rIns="0" bIns="0" anchor="ctr">
             <a:noAutofit/>
           </a:bodyPr>
+          <a:lstStyle/>
           <a:p>
             <a:pPr algn="just">
               <a:lnSpc>
@@ -6529,7 +7596,7 @@
               </a:lnSpc>
             </a:pPr>
             <a:r>
-              <a:rPr b="0" lang="ru-RU" sz="2200" spc="-1" strike="noStrike">
+              <a:rPr lang="ru-RU" sz="2200" b="0" strike="noStrike" spc="-1">
                 <a:solidFill>
                   <a:srgbClr val="000000"/>
                 </a:solidFill>
@@ -6539,7 +7606,7 @@
               <a:t>Метод </a:t>
             </a:r>
             <a:r>
-              <a:rPr b="0" i="1" lang="ru-RU" sz="2200" spc="-1" strike="noStrike">
+              <a:rPr lang="ru-RU" sz="2200" b="0" i="1" strike="noStrike" spc="-1">
                 <a:solidFill>
                   <a:srgbClr val="000000"/>
                 </a:solidFill>
@@ -6549,7 +7616,7 @@
               <a:t>map()</a:t>
             </a:r>
             <a:r>
-              <a:rPr b="0" lang="ru-RU" sz="2200" spc="-1" strike="noStrike">
+              <a:rPr lang="ru-RU" sz="2200" b="0" strike="noStrike" spc="-1">
                 <a:solidFill>
                   <a:srgbClr val="000000"/>
                 </a:solidFill>
@@ -6558,7 +7625,7 @@
               </a:rPr>
               <a:t> создаёт новый массив с результатом вызова указанной функции для каждого элемента массива.</a:t>
             </a:r>
-            <a:endParaRPr b="0" lang="ru-RU" sz="2200" spc="-1" strike="noStrike">
+            <a:endParaRPr lang="ru-RU" sz="2200" b="0" strike="noStrike" spc="-1">
               <a:latin typeface="Arial"/>
             </a:endParaRPr>
           </a:p>
@@ -6566,12 +7633,12 @@
       </p:sp>
       <p:pic>
         <p:nvPicPr>
-          <p:cNvPr id="96" name="" descr=""/>
+          <p:cNvPr id="96" name="Рисунок 95"/>
           <p:cNvPicPr/>
           <p:nvPr/>
         </p:nvPicPr>
         <p:blipFill>
-          <a:blip r:embed="rId1"/>
+          <a:blip r:embed="rId2"/>
           <a:stretch/>
         </p:blipFill>
         <p:spPr>
@@ -6602,18 +7669,24 @@
             <a:avLst/>
           </a:prstGeom>
           <a:solidFill>
-            <a:srgbClr val="fed598"/>
+            <a:srgbClr val="FED598"/>
           </a:solidFill>
           <a:ln>
             <a:solidFill>
-              <a:srgbClr val="3465af"/>
+              <a:srgbClr val="3465AF"/>
             </a:solidFill>
           </a:ln>
         </p:spPr>
         <p:style>
-          <a:lnRef idx="0"/>
-          <a:fillRef idx="0"/>
-          <a:effectRef idx="0"/>
+          <a:lnRef idx="0">
+            <a:scrgbClr r="0" g="0" b="0"/>
+          </a:lnRef>
+          <a:fillRef idx="0">
+            <a:scrgbClr r="0" g="0" b="0"/>
+          </a:fillRef>
+          <a:effectRef idx="0">
+            <a:scrgbClr r="0" g="0" b="0"/>
+          </a:effectRef>
           <a:fontRef idx="minor"/>
         </p:style>
       </p:sp>
@@ -6637,15 +7710,22 @@
           </a:ln>
         </p:spPr>
         <p:style>
-          <a:lnRef idx="0"/>
-          <a:fillRef idx="0"/>
-          <a:effectRef idx="0"/>
+          <a:lnRef idx="0">
+            <a:scrgbClr r="0" g="0" b="0"/>
+          </a:lnRef>
+          <a:fillRef idx="0">
+            <a:scrgbClr r="0" g="0" b="0"/>
+          </a:fillRef>
+          <a:effectRef idx="0">
+            <a:scrgbClr r="0" g="0" b="0"/>
+          </a:effectRef>
           <a:fontRef idx="minor"/>
         </p:style>
         <p:txBody>
-          <a:bodyPr lIns="90000" rIns="90000" tIns="45000" bIns="45000">
+          <a:bodyPr lIns="90000" tIns="45000" rIns="90000" bIns="45000">
             <a:noAutofit/>
           </a:bodyPr>
+          <a:lstStyle/>
           <a:p>
             <a:pPr>
               <a:lnSpc>
@@ -6653,7 +7733,7 @@
               </a:lnSpc>
             </a:pPr>
             <a:r>
-              <a:rPr b="0" i="1" lang="ru-RU" sz="1800" spc="-1" strike="noStrike">
+              <a:rPr lang="ru-RU" sz="1800" b="0" i="1" strike="noStrike" spc="-1">
                 <a:solidFill>
                   <a:srgbClr val="000000"/>
                 </a:solidFill>
@@ -6662,7 +7742,7 @@
               </a:rPr>
               <a:t>const new_array = arr.map(function callback( currentValue, index, array) {</a:t>
             </a:r>
-            <a:endParaRPr b="0" lang="ru-RU" sz="1800" spc="-1" strike="noStrike">
+            <a:endParaRPr lang="ru-RU" sz="1800" b="0" strike="noStrike" spc="-1">
               <a:latin typeface="Arial"/>
             </a:endParaRPr>
           </a:p>
@@ -6673,26 +7753,16 @@
               </a:lnSpc>
             </a:pPr>
             <a:r>
-              <a:rPr b="0" i="1" lang="ru-RU" sz="1800" spc="-1" strike="noStrike">
-                <a:solidFill>
-                  <a:srgbClr val="000000"/>
-                </a:solidFill>
-                <a:latin typeface="Arial"/>
-                <a:ea typeface="DejaVu Sans"/>
-              </a:rPr>
-              <a:t>    </a:t>
-            </a:r>
-            <a:r>
-              <a:rPr b="0" i="1" lang="ru-RU" sz="1800" spc="-1" strike="noStrike">
-                <a:solidFill>
-                  <a:srgbClr val="000000"/>
-                </a:solidFill>
-                <a:latin typeface="Arial"/>
-                <a:ea typeface="DejaVu Sans"/>
-              </a:rPr>
-              <a:t>// Возвращает элемент для new_array</a:t>
-            </a:r>
-            <a:endParaRPr b="0" lang="ru-RU" sz="1800" spc="-1" strike="noStrike">
+              <a:rPr lang="ru-RU" sz="1800" b="0" i="1" strike="noStrike" spc="-1">
+                <a:solidFill>
+                  <a:srgbClr val="000000"/>
+                </a:solidFill>
+                <a:latin typeface="Arial"/>
+                <a:ea typeface="DejaVu Sans"/>
+              </a:rPr>
+              <a:t>    // Возвращает элемент для new_array</a:t>
+            </a:r>
+            <a:endParaRPr lang="ru-RU" sz="1800" b="0" strike="noStrike" spc="-1">
               <a:latin typeface="Arial"/>
             </a:endParaRPr>
           </a:p>
@@ -6703,7 +7773,7 @@
               </a:lnSpc>
             </a:pPr>
             <a:r>
-              <a:rPr b="0" i="1" lang="ru-RU" sz="1800" spc="-1" strike="noStrike">
+              <a:rPr lang="ru-RU" sz="1800" b="0" i="1" strike="noStrike" spc="-1">
                 <a:solidFill>
                   <a:srgbClr val="000000"/>
                 </a:solidFill>
@@ -6712,7 +7782,7 @@
               </a:rPr>
               <a:t>})</a:t>
             </a:r>
-            <a:endParaRPr b="0" lang="ru-RU" sz="1800" spc="-1" strike="noStrike">
+            <a:endParaRPr lang="ru-RU" sz="1800" b="0" strike="noStrike" spc="-1">
               <a:latin typeface="Arial"/>
             </a:endParaRPr>
           </a:p>
@@ -6738,15 +7808,22 @@
           </a:ln>
         </p:spPr>
         <p:style>
-          <a:lnRef idx="0"/>
-          <a:fillRef idx="0"/>
-          <a:effectRef idx="0"/>
+          <a:lnRef idx="0">
+            <a:scrgbClr r="0" g="0" b="0"/>
+          </a:lnRef>
+          <a:fillRef idx="0">
+            <a:scrgbClr r="0" g="0" b="0"/>
+          </a:fillRef>
+          <a:effectRef idx="0">
+            <a:scrgbClr r="0" g="0" b="0"/>
+          </a:effectRef>
           <a:fontRef idx="minor"/>
         </p:style>
         <p:txBody>
-          <a:bodyPr lIns="90000" rIns="90000" tIns="45000" bIns="45000">
+          <a:bodyPr lIns="90000" tIns="45000" rIns="90000" bIns="45000">
             <a:noAutofit/>
           </a:bodyPr>
+          <a:lstStyle/>
           <a:p>
             <a:pPr>
               <a:lnSpc>
@@ -6754,7 +7831,7 @@
               </a:lnSpc>
             </a:pPr>
             <a:r>
-              <a:rPr b="1" lang="ru-RU" sz="1800" spc="-1" strike="noStrike">
+              <a:rPr lang="ru-RU" sz="1800" b="1" strike="noStrike" spc="-1">
                 <a:solidFill>
                   <a:srgbClr val="000000"/>
                 </a:solidFill>
@@ -6764,7 +7841,7 @@
               <a:t>сurrentValue</a:t>
             </a:r>
             <a:r>
-              <a:rPr b="0" lang="ru-RU" sz="1800" spc="-1" strike="noStrike">
+              <a:rPr lang="ru-RU" sz="1800" b="0" strike="noStrike" spc="-1">
                 <a:solidFill>
                   <a:srgbClr val="000000"/>
                 </a:solidFill>
@@ -6773,7 +7850,7 @@
               </a:rPr>
               <a:t> - Текущий обрабатываемый элемент массива;</a:t>
             </a:r>
-            <a:endParaRPr b="0" lang="ru-RU" sz="1800" spc="-1" strike="noStrike">
+            <a:endParaRPr lang="ru-RU" sz="1800" b="0" strike="noStrike" spc="-1">
               <a:latin typeface="Arial"/>
             </a:endParaRPr>
           </a:p>
@@ -6784,7 +7861,7 @@
               </a:lnSpc>
             </a:pPr>
             <a:r>
-              <a:rPr b="1" lang="ru-RU" sz="1800" spc="-1" strike="noStrike">
+              <a:rPr lang="ru-RU" sz="1800" b="1" strike="noStrike" spc="-1">
                 <a:solidFill>
                   <a:srgbClr val="000000"/>
                 </a:solidFill>
@@ -6794,7 +7871,7 @@
               <a:t>Index</a:t>
             </a:r>
             <a:r>
-              <a:rPr b="0" lang="ru-RU" sz="1800" spc="-1" strike="noStrike">
+              <a:rPr lang="ru-RU" sz="1800" b="0" strike="noStrike" spc="-1">
                 <a:solidFill>
                   <a:srgbClr val="000000"/>
                 </a:solidFill>
@@ -6803,7 +7880,7 @@
               </a:rPr>
               <a:t> - Индекс текущего обрабатываемого элемента в массиве (необязательный);</a:t>
             </a:r>
-            <a:endParaRPr b="0" lang="ru-RU" sz="1800" spc="-1" strike="noStrike">
+            <a:endParaRPr lang="ru-RU" sz="1800" b="0" strike="noStrike" spc="-1">
               <a:latin typeface="Arial"/>
             </a:endParaRPr>
           </a:p>
@@ -6814,7 +7891,7 @@
               </a:lnSpc>
             </a:pPr>
             <a:r>
-              <a:rPr b="1" lang="ru-RU" sz="1800" spc="-1" strike="noStrike">
+              <a:rPr lang="ru-RU" sz="1800" b="1" strike="noStrike" spc="-1">
                 <a:solidFill>
                   <a:srgbClr val="000000"/>
                 </a:solidFill>
@@ -6824,7 +7901,7 @@
               <a:t>array</a:t>
             </a:r>
             <a:r>
-              <a:rPr b="0" lang="ru-RU" sz="1800" spc="-1" strike="noStrike">
+              <a:rPr lang="ru-RU" sz="1800" b="0" strike="noStrike" spc="-1">
                 <a:solidFill>
                   <a:srgbClr val="000000"/>
                 </a:solidFill>
@@ -6833,7 +7910,7 @@
               </a:rPr>
               <a:t> - Массив, по которому осуществляется проход (необязательный).</a:t>
             </a:r>
-            <a:endParaRPr b="0" lang="ru-RU" sz="1800" spc="-1" strike="noStrike">
+            <a:endParaRPr lang="ru-RU" sz="1800" b="0" strike="noStrike" spc="-1">
               <a:latin typeface="Arial"/>
             </a:endParaRPr>
           </a:p>
@@ -6841,19 +7918,14 @@
       </p:sp>
     </p:spTree>
   </p:cSld>
-  <mc:AlternateContent>
-    <mc:Choice Requires="p14">
-      <p:transition spd="slow" p14:dur="2000"/>
-    </mc:Choice>
-    <mc:Fallback>
-      <p:transition spd="slow"/>
-    </mc:Fallback>
-  </mc:AlternateContent>
+  <p:clrMapOvr>
+    <a:masterClrMapping/>
+  </p:clrMapOvr>
 </p:sld>
 </file>
 
 <file path=ppt/slides/slide5.xml><?xml version="1.0" encoding="utf-8"?>
-<p:sld xmlns:a="http://schemas.openxmlformats.org/drawingml/2006/main" xmlns:p="http://schemas.openxmlformats.org/presentationml/2006/main" xmlns:r="http://schemas.openxmlformats.org/officeDocument/2006/relationships" xmlns:p14="http://schemas.microsoft.com/office/powerpoint/2010/main" xmlns:p15="http://schemas.microsoft.com/office/powerpoint/2012/main" xmlns:mc="http://schemas.openxmlformats.org/markup-compatibility/2006">
+<p:sld xmlns:a="http://schemas.openxmlformats.org/drawingml/2006/main" xmlns:r="http://schemas.openxmlformats.org/officeDocument/2006/relationships" xmlns:p="http://schemas.openxmlformats.org/presentationml/2006/main">
   <p:cSld>
     <p:spTree>
       <p:nvGrpSpPr>
@@ -6889,15 +7961,22 @@
           </a:ln>
         </p:spPr>
         <p:style>
-          <a:lnRef idx="0"/>
-          <a:fillRef idx="0"/>
-          <a:effectRef idx="0"/>
+          <a:lnRef idx="0">
+            <a:scrgbClr r="0" g="0" b="0"/>
+          </a:lnRef>
+          <a:fillRef idx="0">
+            <a:scrgbClr r="0" g="0" b="0"/>
+          </a:fillRef>
+          <a:effectRef idx="0">
+            <a:scrgbClr r="0" g="0" b="0"/>
+          </a:effectRef>
           <a:fontRef idx="minor"/>
         </p:style>
         <p:txBody>
-          <a:bodyPr lIns="0" rIns="0" tIns="0" bIns="0" anchor="ctr">
+          <a:bodyPr lIns="0" tIns="0" rIns="0" bIns="0" anchor="ctr">
             <a:noAutofit/>
           </a:bodyPr>
+          <a:lstStyle/>
           <a:p>
             <a:pPr>
               <a:lnSpc>
@@ -6905,7 +7984,7 @@
               </a:lnSpc>
             </a:pPr>
             <a:r>
-              <a:rPr b="0" lang="ru-RU" sz="3200" spc="-1" strike="noStrike">
+              <a:rPr lang="ru-RU" sz="3200" b="0" strike="noStrike" spc="-1">
                 <a:solidFill>
                   <a:srgbClr val="000000"/>
                 </a:solidFill>
@@ -6914,7 +7993,7 @@
               </a:rPr>
               <a:t>Преобразование каждого элемента массива</a:t>
             </a:r>
-            <a:endParaRPr b="0" lang="ru-RU" sz="3200" spc="-1" strike="noStrike">
+            <a:endParaRPr lang="ru-RU" sz="3200" b="0" strike="noStrike" spc="-1">
               <a:latin typeface="Arial"/>
             </a:endParaRPr>
           </a:p>
@@ -6922,226 +8001,239 @@
       </p:sp>
       <p:pic>
         <p:nvPicPr>
-          <p:cNvPr id="101" name="" descr=""/>
-          <p:cNvPicPr/>
-          <p:nvPr/>
-        </p:nvPicPr>
-        <p:blipFill>
-          <a:blip r:embed="rId1"/>
-          <a:stretch/>
-        </p:blipFill>
-        <p:spPr>
-          <a:xfrm>
-            <a:off x="7704000" y="360000"/>
-            <a:ext cx="1165320" cy="1165320"/>
-          </a:xfrm>
-          <a:prstGeom prst="rect">
-            <a:avLst/>
-          </a:prstGeom>
-          <a:ln>
-            <a:noFill/>
-          </a:ln>
-        </p:spPr>
-      </p:pic>
-      <p:sp>
-        <p:nvSpPr>
-          <p:cNvPr id="102" name="CustomShape 2"/>
-          <p:cNvSpPr/>
-          <p:nvPr/>
-        </p:nvSpPr>
-        <p:spPr>
-          <a:xfrm>
-            <a:off x="504000" y="1656000"/>
-            <a:ext cx="9143280" cy="3167280"/>
-          </a:xfrm>
-          <a:prstGeom prst="rect">
-            <a:avLst/>
-          </a:prstGeom>
-          <a:solidFill>
-            <a:srgbClr val="fed598"/>
-          </a:solidFill>
-          <a:ln>
-            <a:solidFill>
-              <a:srgbClr val="3465af"/>
-            </a:solidFill>
-          </a:ln>
-        </p:spPr>
-        <p:style>
-          <a:lnRef idx="0"/>
-          <a:fillRef idx="0"/>
-          <a:effectRef idx="0"/>
-          <a:fontRef idx="minor"/>
-        </p:style>
-      </p:sp>
-      <p:sp>
-        <p:nvSpPr>
-          <p:cNvPr id="103" name="CustomShape 3"/>
-          <p:cNvSpPr/>
-          <p:nvPr/>
-        </p:nvSpPr>
-        <p:spPr>
-          <a:xfrm>
-            <a:off x="576000" y="1656000"/>
-            <a:ext cx="8999280" cy="5327280"/>
-          </a:xfrm>
-          <a:prstGeom prst="rect">
-            <a:avLst/>
-          </a:prstGeom>
-          <a:noFill/>
-          <a:ln>
-            <a:noFill/>
-          </a:ln>
-        </p:spPr>
-        <p:style>
-          <a:lnRef idx="0"/>
-          <a:fillRef idx="0"/>
-          <a:effectRef idx="0"/>
-          <a:fontRef idx="minor"/>
-        </p:style>
-        <p:txBody>
-          <a:bodyPr lIns="90000" rIns="90000" tIns="45000" bIns="45000">
-            <a:noAutofit/>
-          </a:bodyPr>
-          <a:p>
-            <a:pPr>
-              <a:lnSpc>
-                <a:spcPct val="100000"/>
-              </a:lnSpc>
-            </a:pPr>
-            <a:r>
-              <a:rPr b="0" i="1" lang="ru-RU" sz="1800" spc="-1" strike="noStrike">
-                <a:solidFill>
-                  <a:srgbClr val="000000"/>
-                </a:solidFill>
-                <a:latin typeface="Arial"/>
-                <a:ea typeface="DejaVu Sans"/>
-              </a:rPr>
-              <a:t>let a=[{name:'Бананы', price:600, date: new Date('2022-01-10'), 'country':'Эквадор'}, {name:'Картофель', price:400, date: new Date('2022-03-14'), 'country':'Беларусь'}, {name:'Морковь', price:620, date: new Date('2022-04-19'), 'country':'Россия'}, {name:'Лук', price:600, date: new Date('2022-03-30'), 'country':'Монголия'}, {name:'Яблоки', price:900, date: new Date('2022-02-21'), 'country':'Китай'}];</a:t>
-            </a:r>
-            <a:endParaRPr b="0" lang="ru-RU" sz="1800" spc="-1" strike="noStrike">
-              <a:latin typeface="Arial"/>
-            </a:endParaRPr>
-          </a:p>
-          <a:p>
-            <a:pPr>
-              <a:lnSpc>
-                <a:spcPct val="100000"/>
-              </a:lnSpc>
-            </a:pPr>
-            <a:endParaRPr b="0" lang="ru-RU" sz="1800" spc="-1" strike="noStrike">
-              <a:latin typeface="Arial"/>
-            </a:endParaRPr>
-          </a:p>
-          <a:p>
-            <a:pPr>
-              <a:lnSpc>
-                <a:spcPct val="100000"/>
-              </a:lnSpc>
-            </a:pPr>
-            <a:r>
-              <a:rPr b="0" i="1" lang="ru-RU" sz="1800" spc="-1" strike="noStrike">
-                <a:solidFill>
-                  <a:srgbClr val="000000"/>
-                </a:solidFill>
-                <a:latin typeface="Arial"/>
-                <a:ea typeface="DejaVu Sans"/>
-              </a:rPr>
-              <a:t>a.map((c)=&gt;document.write(</a:t>
-            </a:r>
-            <a:endParaRPr b="0" lang="ru-RU" sz="1800" spc="-1" strike="noStrike">
-              <a:latin typeface="Arial"/>
-            </a:endParaRPr>
-          </a:p>
-          <a:p>
-            <a:pPr>
-              <a:lnSpc>
-                <a:spcPct val="100000"/>
-              </a:lnSpc>
-            </a:pPr>
-            <a:r>
-              <a:rPr b="0" i="1" lang="ru-RU" sz="1800" spc="-1" strike="noStrike">
-                <a:solidFill>
-                  <a:srgbClr val="000000"/>
-                </a:solidFill>
-                <a:latin typeface="Arial"/>
-                <a:ea typeface="DejaVu Sans"/>
-              </a:rPr>
-              <a:t>`&lt;hr&gt;&lt;p&gt;Наименование товара: ${c.name}&lt;/p&gt; </a:t>
-            </a:r>
-            <a:endParaRPr b="0" lang="ru-RU" sz="1800" spc="-1" strike="noStrike">
-              <a:latin typeface="Arial"/>
-            </a:endParaRPr>
-          </a:p>
-          <a:p>
-            <a:pPr>
-              <a:lnSpc>
-                <a:spcPct val="100000"/>
-              </a:lnSpc>
-            </a:pPr>
-            <a:r>
-              <a:rPr b="0" i="1" lang="ru-RU" sz="1800" spc="-1" strike="noStrike">
-                <a:solidFill>
-                  <a:srgbClr val="000000"/>
-                </a:solidFill>
-                <a:latin typeface="Arial"/>
-                <a:ea typeface="DejaVu Sans"/>
-              </a:rPr>
-              <a:t>&lt;p&gt;Цена, руб: ${c.price}&lt;/p&gt;</a:t>
-            </a:r>
-            <a:endParaRPr b="0" lang="ru-RU" sz="1800" spc="-1" strike="noStrike">
-              <a:latin typeface="Arial"/>
-            </a:endParaRPr>
-          </a:p>
-          <a:p>
-            <a:pPr>
-              <a:lnSpc>
-                <a:spcPct val="100000"/>
-              </a:lnSpc>
-            </a:pPr>
-            <a:r>
-              <a:rPr b="0" i="1" lang="ru-RU" sz="1800" spc="-1" strike="noStrike">
-                <a:solidFill>
-                  <a:srgbClr val="000000"/>
-                </a:solidFill>
-                <a:latin typeface="Arial"/>
-                <a:ea typeface="DejaVu Sans"/>
-              </a:rPr>
-              <a:t>&lt;p&gt;Дата: ${c.date.toISOString().split('T')[0]}&lt;/p&gt;</a:t>
-            </a:r>
-            <a:endParaRPr b="0" lang="ru-RU" sz="1800" spc="-1" strike="noStrike">
-              <a:latin typeface="Arial"/>
-            </a:endParaRPr>
-          </a:p>
-          <a:p>
-            <a:pPr>
-              <a:lnSpc>
-                <a:spcPct val="100000"/>
-              </a:lnSpc>
-            </a:pPr>
-            <a:r>
-              <a:rPr b="0" i="1" lang="ru-RU" sz="1800" spc="-1" strike="noStrike">
-                <a:solidFill>
-                  <a:srgbClr val="000000"/>
-                </a:solidFill>
-                <a:latin typeface="Arial"/>
-                <a:ea typeface="DejaVu Sans"/>
-              </a:rPr>
-              <a:t>&lt;p&gt;Страна происхождения: ${c.country}&lt;/p&gt;&lt;hr&gt;`));</a:t>
-            </a:r>
-            <a:endParaRPr b="0" lang="ru-RU" sz="1800" spc="-1" strike="noStrike">
-              <a:latin typeface="Arial"/>
-            </a:endParaRPr>
-          </a:p>
-        </p:txBody>
-      </p:sp>
-      <p:pic>
-        <p:nvPicPr>
-          <p:cNvPr id="104" name="" descr=""/>
+          <p:cNvPr id="101" name="Рисунок 100"/>
           <p:cNvPicPr/>
           <p:nvPr/>
         </p:nvPicPr>
         <p:blipFill>
           <a:blip r:embed="rId2"/>
+          <a:stretch/>
+        </p:blipFill>
+        <p:spPr>
+          <a:xfrm>
+            <a:off x="7704000" y="360000"/>
+            <a:ext cx="1165320" cy="1165320"/>
+          </a:xfrm>
+          <a:prstGeom prst="rect">
+            <a:avLst/>
+          </a:prstGeom>
+          <a:ln>
+            <a:noFill/>
+          </a:ln>
+        </p:spPr>
+      </p:pic>
+      <p:sp>
+        <p:nvSpPr>
+          <p:cNvPr id="102" name="CustomShape 2"/>
+          <p:cNvSpPr/>
+          <p:nvPr/>
+        </p:nvSpPr>
+        <p:spPr>
+          <a:xfrm>
+            <a:off x="504000" y="1656000"/>
+            <a:ext cx="9143280" cy="3167280"/>
+          </a:xfrm>
+          <a:prstGeom prst="rect">
+            <a:avLst/>
+          </a:prstGeom>
+          <a:solidFill>
+            <a:srgbClr val="FED598"/>
+          </a:solidFill>
+          <a:ln>
+            <a:solidFill>
+              <a:srgbClr val="3465AF"/>
+            </a:solidFill>
+          </a:ln>
+        </p:spPr>
+        <p:style>
+          <a:lnRef idx="0">
+            <a:scrgbClr r="0" g="0" b="0"/>
+          </a:lnRef>
+          <a:fillRef idx="0">
+            <a:scrgbClr r="0" g="0" b="0"/>
+          </a:fillRef>
+          <a:effectRef idx="0">
+            <a:scrgbClr r="0" g="0" b="0"/>
+          </a:effectRef>
+          <a:fontRef idx="minor"/>
+        </p:style>
+      </p:sp>
+      <p:sp>
+        <p:nvSpPr>
+          <p:cNvPr id="103" name="CustomShape 3"/>
+          <p:cNvSpPr/>
+          <p:nvPr/>
+        </p:nvSpPr>
+        <p:spPr>
+          <a:xfrm>
+            <a:off x="576000" y="1656000"/>
+            <a:ext cx="8999280" cy="5327280"/>
+          </a:xfrm>
+          <a:prstGeom prst="rect">
+            <a:avLst/>
+          </a:prstGeom>
+          <a:noFill/>
+          <a:ln>
+            <a:noFill/>
+          </a:ln>
+        </p:spPr>
+        <p:style>
+          <a:lnRef idx="0">
+            <a:scrgbClr r="0" g="0" b="0"/>
+          </a:lnRef>
+          <a:fillRef idx="0">
+            <a:scrgbClr r="0" g="0" b="0"/>
+          </a:fillRef>
+          <a:effectRef idx="0">
+            <a:scrgbClr r="0" g="0" b="0"/>
+          </a:effectRef>
+          <a:fontRef idx="minor"/>
+        </p:style>
+        <p:txBody>
+          <a:bodyPr lIns="90000" tIns="45000" rIns="90000" bIns="45000">
+            <a:noAutofit/>
+          </a:bodyPr>
+          <a:lstStyle/>
+          <a:p>
+            <a:pPr>
+              <a:lnSpc>
+                <a:spcPct val="100000"/>
+              </a:lnSpc>
+            </a:pPr>
+            <a:r>
+              <a:rPr lang="ru-RU" sz="1800" b="0" i="1" strike="noStrike" spc="-1">
+                <a:solidFill>
+                  <a:srgbClr val="000000"/>
+                </a:solidFill>
+                <a:latin typeface="Arial"/>
+                <a:ea typeface="DejaVu Sans"/>
+              </a:rPr>
+              <a:t>let a=[{name:'Бананы', price:600, date: new Date('2022-01-10'), 'country':'Эквадор'}, {name:'Картофель', price:400, date: new Date('2022-03-14'), 'country':'Беларусь'}, {name:'Морковь', price:620, date: new Date('2022-04-19'), 'country':'Россия'}, {name:'Лук', price:600, date: new Date('2022-03-30'), 'country':'Монголия'}, {name:'Яблоки', price:900, date: new Date('2022-02-21'), 'country':'Китай'}];</a:t>
+            </a:r>
+            <a:endParaRPr lang="ru-RU" sz="1800" b="0" strike="noStrike" spc="-1">
+              <a:latin typeface="Arial"/>
+            </a:endParaRPr>
+          </a:p>
+          <a:p>
+            <a:pPr>
+              <a:lnSpc>
+                <a:spcPct val="100000"/>
+              </a:lnSpc>
+            </a:pPr>
+            <a:endParaRPr lang="ru-RU" sz="1800" b="0" strike="noStrike" spc="-1">
+              <a:latin typeface="Arial"/>
+            </a:endParaRPr>
+          </a:p>
+          <a:p>
+            <a:pPr>
+              <a:lnSpc>
+                <a:spcPct val="100000"/>
+              </a:lnSpc>
+            </a:pPr>
+            <a:r>
+              <a:rPr lang="ru-RU" sz="1800" b="0" i="1" strike="noStrike" spc="-1">
+                <a:solidFill>
+                  <a:srgbClr val="000000"/>
+                </a:solidFill>
+                <a:latin typeface="Arial"/>
+                <a:ea typeface="DejaVu Sans"/>
+              </a:rPr>
+              <a:t>a.map((c)=&gt;document.write(</a:t>
+            </a:r>
+            <a:endParaRPr lang="ru-RU" sz="1800" b="0" strike="noStrike" spc="-1">
+              <a:latin typeface="Arial"/>
+            </a:endParaRPr>
+          </a:p>
+          <a:p>
+            <a:pPr>
+              <a:lnSpc>
+                <a:spcPct val="100000"/>
+              </a:lnSpc>
+            </a:pPr>
+            <a:r>
+              <a:rPr lang="ru-RU" sz="1800" b="0" i="1" strike="noStrike" spc="-1">
+                <a:solidFill>
+                  <a:srgbClr val="000000"/>
+                </a:solidFill>
+                <a:latin typeface="Arial"/>
+                <a:ea typeface="DejaVu Sans"/>
+              </a:rPr>
+              <a:t>`&lt;hr&gt;&lt;p&gt;Наименование товара: ${c.name}&lt;/p&gt; </a:t>
+            </a:r>
+            <a:endParaRPr lang="ru-RU" sz="1800" b="0" strike="noStrike" spc="-1">
+              <a:latin typeface="Arial"/>
+            </a:endParaRPr>
+          </a:p>
+          <a:p>
+            <a:pPr>
+              <a:lnSpc>
+                <a:spcPct val="100000"/>
+              </a:lnSpc>
+            </a:pPr>
+            <a:r>
+              <a:rPr lang="ru-RU" sz="1800" b="0" i="1" strike="noStrike" spc="-1">
+                <a:solidFill>
+                  <a:srgbClr val="000000"/>
+                </a:solidFill>
+                <a:latin typeface="Arial"/>
+                <a:ea typeface="DejaVu Sans"/>
+              </a:rPr>
+              <a:t>&lt;p&gt;Цена, руб: ${c.price}&lt;/p&gt;</a:t>
+            </a:r>
+            <a:endParaRPr lang="ru-RU" sz="1800" b="0" strike="noStrike" spc="-1">
+              <a:latin typeface="Arial"/>
+            </a:endParaRPr>
+          </a:p>
+          <a:p>
+            <a:pPr>
+              <a:lnSpc>
+                <a:spcPct val="100000"/>
+              </a:lnSpc>
+            </a:pPr>
+            <a:r>
+              <a:rPr lang="ru-RU" sz="1800" b="0" i="1" strike="noStrike" spc="-1">
+                <a:solidFill>
+                  <a:srgbClr val="000000"/>
+                </a:solidFill>
+                <a:latin typeface="Arial"/>
+                <a:ea typeface="DejaVu Sans"/>
+              </a:rPr>
+              <a:t>&lt;p&gt;Дата: ${c.date.toISOString().split('T')[0]}&lt;/p&gt;</a:t>
+            </a:r>
+            <a:endParaRPr lang="ru-RU" sz="1800" b="0" strike="noStrike" spc="-1">
+              <a:latin typeface="Arial"/>
+            </a:endParaRPr>
+          </a:p>
+          <a:p>
+            <a:pPr>
+              <a:lnSpc>
+                <a:spcPct val="100000"/>
+              </a:lnSpc>
+            </a:pPr>
+            <a:r>
+              <a:rPr lang="ru-RU" sz="1800" b="0" i="1" strike="noStrike" spc="-1">
+                <a:solidFill>
+                  <a:srgbClr val="000000"/>
+                </a:solidFill>
+                <a:latin typeface="Arial"/>
+                <a:ea typeface="DejaVu Sans"/>
+              </a:rPr>
+              <a:t>&lt;p&gt;Страна происхождения: ${c.country}&lt;/p&gt;&lt;hr&gt;`));</a:t>
+            </a:r>
+            <a:endParaRPr lang="ru-RU" sz="1800" b="0" strike="noStrike" spc="-1">
+              <a:latin typeface="Arial"/>
+            </a:endParaRPr>
+          </a:p>
+        </p:txBody>
+      </p:sp>
+      <p:pic>
+        <p:nvPicPr>
+          <p:cNvPr id="104" name="Рисунок 103"/>
+          <p:cNvPicPr/>
+          <p:nvPr/>
+        </p:nvPicPr>
+        <p:blipFill>
+          <a:blip r:embed="rId3"/>
           <a:srcRect l="344" t="12322" r="85346" b="25445"/>
           <a:stretch/>
         </p:blipFill>
@@ -7160,19 +8252,14 @@
       </p:pic>
     </p:spTree>
   </p:cSld>
-  <mc:AlternateContent>
-    <mc:Choice Requires="p14">
-      <p:transition spd="slow" p14:dur="2000"/>
-    </mc:Choice>
-    <mc:Fallback>
-      <p:transition spd="slow"/>
-    </mc:Fallback>
-  </mc:AlternateContent>
+  <p:clrMapOvr>
+    <a:masterClrMapping/>
+  </p:clrMapOvr>
 </p:sld>
 </file>
 
 <file path=ppt/slides/slide6.xml><?xml version="1.0" encoding="utf-8"?>
-<p:sld xmlns:a="http://schemas.openxmlformats.org/drawingml/2006/main" xmlns:p="http://schemas.openxmlformats.org/presentationml/2006/main" xmlns:r="http://schemas.openxmlformats.org/officeDocument/2006/relationships" xmlns:p14="http://schemas.microsoft.com/office/powerpoint/2010/main" xmlns:p15="http://schemas.microsoft.com/office/powerpoint/2012/main" xmlns:mc="http://schemas.openxmlformats.org/markup-compatibility/2006">
+<p:sld xmlns:a="http://schemas.openxmlformats.org/drawingml/2006/main" xmlns:r="http://schemas.openxmlformats.org/officeDocument/2006/relationships" xmlns:p="http://schemas.openxmlformats.org/presentationml/2006/main">
   <p:cSld>
     <p:spTree>
       <p:nvGrpSpPr>
@@ -7208,15 +8295,22 @@
           </a:ln>
         </p:spPr>
         <p:style>
-          <a:lnRef idx="0"/>
-          <a:fillRef idx="0"/>
-          <a:effectRef idx="0"/>
+          <a:lnRef idx="0">
+            <a:scrgbClr r="0" g="0" b="0"/>
+          </a:lnRef>
+          <a:fillRef idx="0">
+            <a:scrgbClr r="0" g="0" b="0"/>
+          </a:fillRef>
+          <a:effectRef idx="0">
+            <a:scrgbClr r="0" g="0" b="0"/>
+          </a:effectRef>
           <a:fontRef idx="minor"/>
         </p:style>
         <p:txBody>
-          <a:bodyPr lIns="0" rIns="0" tIns="0" bIns="0" anchor="ctr">
+          <a:bodyPr lIns="0" tIns="0" rIns="0" bIns="0" anchor="ctr">
             <a:noAutofit/>
           </a:bodyPr>
+          <a:lstStyle/>
           <a:p>
             <a:pPr>
               <a:lnSpc>
@@ -7224,7 +8318,7 @@
               </a:lnSpc>
             </a:pPr>
             <a:r>
-              <a:rPr b="0" lang="ru-RU" sz="3200" spc="-1" strike="noStrike">
+              <a:rPr lang="ru-RU" sz="3200" b="0" strike="noStrike" spc="-1">
                 <a:solidFill>
                   <a:srgbClr val="000000"/>
                 </a:solidFill>
@@ -7233,7 +8327,7 @@
               </a:rPr>
               <a:t>Сортировка элементов массивов</a:t>
             </a:r>
-            <a:endParaRPr b="0" lang="ru-RU" sz="3200" spc="-1" strike="noStrike">
+            <a:endParaRPr lang="ru-RU" sz="3200" b="0" strike="noStrike" spc="-1">
               <a:latin typeface="Arial"/>
             </a:endParaRPr>
           </a:p>
@@ -7241,12 +8335,12 @@
       </p:sp>
       <p:pic>
         <p:nvPicPr>
-          <p:cNvPr id="106" name="" descr=""/>
+          <p:cNvPr id="106" name="Рисунок 105"/>
           <p:cNvPicPr/>
           <p:nvPr/>
         </p:nvPicPr>
         <p:blipFill>
-          <a:blip r:embed="rId1"/>
+          <a:blip r:embed="rId2"/>
           <a:stretch/>
         </p:blipFill>
         <p:spPr>
@@ -7277,18 +8371,24 @@
             <a:avLst/>
           </a:prstGeom>
           <a:solidFill>
-            <a:srgbClr val="fed598"/>
+            <a:srgbClr val="FED598"/>
           </a:solidFill>
           <a:ln>
             <a:solidFill>
-              <a:srgbClr val="3465af"/>
+              <a:srgbClr val="3465AF"/>
             </a:solidFill>
           </a:ln>
         </p:spPr>
         <p:style>
-          <a:lnRef idx="0"/>
-          <a:fillRef idx="0"/>
-          <a:effectRef idx="0"/>
+          <a:lnRef idx="0">
+            <a:scrgbClr r="0" g="0" b="0"/>
+          </a:lnRef>
+          <a:fillRef idx="0">
+            <a:scrgbClr r="0" g="0" b="0"/>
+          </a:fillRef>
+          <a:effectRef idx="0">
+            <a:scrgbClr r="0" g="0" b="0"/>
+          </a:effectRef>
           <a:fontRef idx="minor"/>
         </p:style>
       </p:sp>
@@ -7312,15 +8412,22 @@
           </a:ln>
         </p:spPr>
         <p:style>
-          <a:lnRef idx="0"/>
-          <a:fillRef idx="0"/>
-          <a:effectRef idx="0"/>
+          <a:lnRef idx="0">
+            <a:scrgbClr r="0" g="0" b="0"/>
+          </a:lnRef>
+          <a:fillRef idx="0">
+            <a:scrgbClr r="0" g="0" b="0"/>
+          </a:fillRef>
+          <a:effectRef idx="0">
+            <a:scrgbClr r="0" g="0" b="0"/>
+          </a:effectRef>
           <a:fontRef idx="minor"/>
         </p:style>
         <p:txBody>
-          <a:bodyPr lIns="90000" rIns="90000" tIns="45000" bIns="45000">
+          <a:bodyPr lIns="90000" tIns="45000" rIns="90000" bIns="45000">
             <a:noAutofit/>
           </a:bodyPr>
+          <a:lstStyle/>
           <a:p>
             <a:pPr>
               <a:lnSpc>
@@ -7328,7 +8435,7 @@
               </a:lnSpc>
             </a:pPr>
             <a:r>
-              <a:rPr b="0" lang="ru-RU" sz="1800" spc="-1" strike="noStrike">
+              <a:rPr lang="ru-RU" sz="1800" b="0" strike="noStrike" spc="-1">
                 <a:solidFill>
                   <a:srgbClr val="000000"/>
                 </a:solidFill>
@@ -7338,7 +8445,7 @@
               <a:t>Необязательный параметр. Указывает функцию, определяющую порядок сортировки. Если опущен, массив сортируется в соответствии со значениями кодовых точек каждого символа </a:t>
             </a:r>
             <a:r>
-              <a:rPr b="0" i="1" lang="ru-RU" sz="1800" spc="-1" strike="noStrike">
+              <a:rPr lang="ru-RU" sz="1800" b="0" i="1" strike="noStrike" spc="-1">
                 <a:solidFill>
                   <a:srgbClr val="000000"/>
                 </a:solidFill>
@@ -7348,7 +8455,7 @@
               <a:t>Unicode</a:t>
             </a:r>
             <a:r>
-              <a:rPr b="0" lang="ru-RU" sz="1800" spc="-1" strike="noStrike">
+              <a:rPr lang="ru-RU" sz="1800" b="0" strike="noStrike" spc="-1">
                 <a:solidFill>
                   <a:srgbClr val="000000"/>
                 </a:solidFill>
@@ -7357,7 +8464,7 @@
               </a:rPr>
               <a:t>, полученных путём преобразования каждого элемента в строку.</a:t>
             </a:r>
-            <a:endParaRPr b="0" lang="ru-RU" sz="1800" spc="-1" strike="noStrike">
+            <a:endParaRPr lang="ru-RU" sz="1800" b="0" strike="noStrike" spc="-1">
               <a:latin typeface="Arial"/>
             </a:endParaRPr>
           </a:p>
@@ -7383,15 +8490,22 @@
           </a:ln>
         </p:spPr>
         <p:style>
-          <a:lnRef idx="0"/>
-          <a:fillRef idx="0"/>
-          <a:effectRef idx="0"/>
+          <a:lnRef idx="0">
+            <a:scrgbClr r="0" g="0" b="0"/>
+          </a:lnRef>
+          <a:fillRef idx="0">
+            <a:scrgbClr r="0" g="0" b="0"/>
+          </a:fillRef>
+          <a:effectRef idx="0">
+            <a:scrgbClr r="0" g="0" b="0"/>
+          </a:effectRef>
           <a:fontRef idx="minor"/>
         </p:style>
         <p:txBody>
-          <a:bodyPr lIns="0" rIns="0" tIns="0" bIns="0" anchor="ctr">
+          <a:bodyPr lIns="0" tIns="0" rIns="0" bIns="0" anchor="ctr">
             <a:noAutofit/>
           </a:bodyPr>
+          <a:lstStyle/>
           <a:p>
             <a:pPr algn="just">
               <a:lnSpc>
@@ -7399,7 +8513,7 @@
               </a:lnSpc>
             </a:pPr>
             <a:r>
-              <a:rPr b="0" lang="ru-RU" sz="2200" spc="-1" strike="noStrike">
+              <a:rPr lang="ru-RU" sz="2200" b="0" strike="noStrike" spc="-1">
                 <a:solidFill>
                   <a:srgbClr val="000000"/>
                 </a:solidFill>
@@ -7409,7 +8523,7 @@
               <a:t>Метод </a:t>
             </a:r>
             <a:r>
-              <a:rPr b="0" i="1" lang="ru-RU" sz="2200" spc="-1" strike="noStrike">
+              <a:rPr lang="ru-RU" sz="2200" b="0" i="1" strike="noStrike" spc="-1">
                 <a:solidFill>
                   <a:srgbClr val="000000"/>
                 </a:solidFill>
@@ -7419,7 +8533,7 @@
               <a:t>sort()</a:t>
             </a:r>
             <a:r>
-              <a:rPr b="0" lang="ru-RU" sz="2200" spc="-1" strike="noStrike">
+              <a:rPr lang="ru-RU" sz="2200" b="0" strike="noStrike" spc="-1">
                 <a:solidFill>
                   <a:srgbClr val="000000"/>
                 </a:solidFill>
@@ -7428,7 +8542,7 @@
               </a:rPr>
               <a:t> сортирует элементы массива и возвращает отсортированный массив.</a:t>
             </a:r>
-            <a:endParaRPr b="0" lang="ru-RU" sz="2200" spc="-1" strike="noStrike">
+            <a:endParaRPr lang="ru-RU" sz="2200" b="0" strike="noStrike" spc="-1">
               <a:latin typeface="Arial"/>
             </a:endParaRPr>
           </a:p>
@@ -7454,15 +8568,22 @@
           </a:ln>
         </p:spPr>
         <p:style>
-          <a:lnRef idx="0"/>
-          <a:fillRef idx="0"/>
-          <a:effectRef idx="0"/>
+          <a:lnRef idx="0">
+            <a:scrgbClr r="0" g="0" b="0"/>
+          </a:lnRef>
+          <a:fillRef idx="0">
+            <a:scrgbClr r="0" g="0" b="0"/>
+          </a:fillRef>
+          <a:effectRef idx="0">
+            <a:scrgbClr r="0" g="0" b="0"/>
+          </a:effectRef>
           <a:fontRef idx="minor"/>
         </p:style>
         <p:txBody>
-          <a:bodyPr lIns="0" rIns="0" tIns="0" bIns="0" anchor="ctr">
+          <a:bodyPr lIns="0" tIns="0" rIns="0" bIns="0" anchor="ctr">
             <a:noAutofit/>
           </a:bodyPr>
+          <a:lstStyle/>
           <a:p>
             <a:pPr algn="just">
               <a:lnSpc>
@@ -7470,7 +8591,7 @@
               </a:lnSpc>
             </a:pPr>
             <a:r>
-              <a:rPr b="0" lang="ru-RU" sz="2200" spc="-1" strike="noStrike">
+              <a:rPr lang="ru-RU" sz="2200" b="0" strike="noStrike" spc="-1">
                 <a:solidFill>
                   <a:srgbClr val="000000"/>
                 </a:solidFill>
@@ -7479,7 +8600,7 @@
               </a:rPr>
               <a:t>arr.sort([compareFunction])</a:t>
             </a:r>
-            <a:endParaRPr b="0" lang="ru-RU" sz="2200" spc="-1" strike="noStrike">
+            <a:endParaRPr lang="ru-RU" sz="2200" b="0" strike="noStrike" spc="-1">
               <a:latin typeface="Arial"/>
             </a:endParaRPr>
           </a:p>
@@ -7487,19 +8608,14 @@
       </p:sp>
     </p:spTree>
   </p:cSld>
-  <mc:AlternateContent>
-    <mc:Choice Requires="p14">
-      <p:transition spd="slow" p14:dur="2000"/>
-    </mc:Choice>
-    <mc:Fallback>
-      <p:transition spd="slow"/>
-    </mc:Fallback>
-  </mc:AlternateContent>
+  <p:clrMapOvr>
+    <a:masterClrMapping/>
+  </p:clrMapOvr>
 </p:sld>
 </file>
 
 <file path=ppt/slides/slide7.xml><?xml version="1.0" encoding="utf-8"?>
-<p:sld xmlns:a="http://schemas.openxmlformats.org/drawingml/2006/main" xmlns:p="http://schemas.openxmlformats.org/presentationml/2006/main" xmlns:r="http://schemas.openxmlformats.org/officeDocument/2006/relationships" xmlns:p14="http://schemas.microsoft.com/office/powerpoint/2010/main" xmlns:p15="http://schemas.microsoft.com/office/powerpoint/2012/main" xmlns:mc="http://schemas.openxmlformats.org/markup-compatibility/2006">
+<p:sld xmlns:a="http://schemas.openxmlformats.org/drawingml/2006/main" xmlns:r="http://schemas.openxmlformats.org/officeDocument/2006/relationships" xmlns:p="http://schemas.openxmlformats.org/presentationml/2006/main">
   <p:cSld>
     <p:spTree>
       <p:nvGrpSpPr>
@@ -7535,15 +8651,22 @@
           </a:ln>
         </p:spPr>
         <p:style>
-          <a:lnRef idx="0"/>
-          <a:fillRef idx="0"/>
-          <a:effectRef idx="0"/>
+          <a:lnRef idx="0">
+            <a:scrgbClr r="0" g="0" b="0"/>
+          </a:lnRef>
+          <a:fillRef idx="0">
+            <a:scrgbClr r="0" g="0" b="0"/>
+          </a:fillRef>
+          <a:effectRef idx="0">
+            <a:scrgbClr r="0" g="0" b="0"/>
+          </a:effectRef>
           <a:fontRef idx="minor"/>
         </p:style>
         <p:txBody>
-          <a:bodyPr lIns="0" rIns="0" tIns="0" bIns="0" anchor="ctr">
+          <a:bodyPr lIns="0" tIns="0" rIns="0" bIns="0" anchor="ctr">
             <a:noAutofit/>
           </a:bodyPr>
+          <a:lstStyle/>
           <a:p>
             <a:pPr>
               <a:lnSpc>
@@ -7551,7 +8674,7 @@
               </a:lnSpc>
             </a:pPr>
             <a:r>
-              <a:rPr b="0" lang="ru-RU" sz="3200" spc="-1" strike="noStrike">
+              <a:rPr lang="ru-RU" sz="3200" b="0" strike="noStrike" spc="-1">
                 <a:solidFill>
                   <a:srgbClr val="000000"/>
                 </a:solidFill>
@@ -7560,7 +8683,7 @@
               </a:rPr>
               <a:t>Сортировка элементов массивов</a:t>
             </a:r>
-            <a:endParaRPr b="0" lang="ru-RU" sz="3200" spc="-1" strike="noStrike">
+            <a:endParaRPr lang="ru-RU" sz="3200" b="0" strike="noStrike" spc="-1">
               <a:latin typeface="Arial"/>
             </a:endParaRPr>
           </a:p>
@@ -7568,243 +8691,18 @@
       </p:sp>
       <p:pic>
         <p:nvPicPr>
-          <p:cNvPr id="112" name="" descr=""/>
-          <p:cNvPicPr/>
-          <p:nvPr/>
-        </p:nvPicPr>
-        <p:blipFill>
-          <a:blip r:embed="rId1"/>
-          <a:stretch/>
-        </p:blipFill>
-        <p:spPr>
-          <a:xfrm>
-            <a:off x="7704000" y="360000"/>
-            <a:ext cx="1165320" cy="1165320"/>
-          </a:xfrm>
-          <a:prstGeom prst="rect">
-            <a:avLst/>
-          </a:prstGeom>
-          <a:ln>
-            <a:noFill/>
-          </a:ln>
-        </p:spPr>
-      </p:pic>
-      <p:sp>
-        <p:nvSpPr>
-          <p:cNvPr id="113" name="CustomShape 2"/>
-          <p:cNvSpPr/>
-          <p:nvPr/>
-        </p:nvSpPr>
-        <p:spPr>
-          <a:xfrm>
-            <a:off x="360000" y="2923560"/>
-            <a:ext cx="9188280" cy="2375280"/>
-          </a:xfrm>
-          <a:prstGeom prst="rect">
-            <a:avLst/>
-          </a:prstGeom>
-          <a:solidFill>
-            <a:srgbClr val="fed598"/>
-          </a:solidFill>
-          <a:ln>
-            <a:solidFill>
-              <a:srgbClr val="3465af"/>
-            </a:solidFill>
-          </a:ln>
-        </p:spPr>
-        <p:style>
-          <a:lnRef idx="0"/>
-          <a:fillRef idx="0"/>
-          <a:effectRef idx="0"/>
-          <a:fontRef idx="minor"/>
-        </p:style>
-      </p:sp>
-      <p:sp>
-        <p:nvSpPr>
-          <p:cNvPr id="114" name="CustomShape 3"/>
-          <p:cNvSpPr/>
-          <p:nvPr/>
-        </p:nvSpPr>
-        <p:spPr>
-          <a:xfrm>
-            <a:off x="432000" y="2971800"/>
-            <a:ext cx="8711280" cy="2499480"/>
-          </a:xfrm>
-          <a:prstGeom prst="rect">
-            <a:avLst/>
-          </a:prstGeom>
-          <a:noFill/>
-          <a:ln>
-            <a:noFill/>
-          </a:ln>
-        </p:spPr>
-        <p:style>
-          <a:lnRef idx="0"/>
-          <a:fillRef idx="0"/>
-          <a:effectRef idx="0"/>
-          <a:fontRef idx="minor"/>
-        </p:style>
-        <p:txBody>
-          <a:bodyPr lIns="0" rIns="0" tIns="0" bIns="0" anchor="ctr">
-            <a:noAutofit/>
-          </a:bodyPr>
-          <a:p>
-            <a:pPr algn="just">
-              <a:lnSpc>
-                <a:spcPct val="100000"/>
-              </a:lnSpc>
-            </a:pPr>
-            <a:r>
-              <a:rPr b="0" lang="ru-RU" sz="2200" spc="-1" strike="noStrike">
-                <a:solidFill>
-                  <a:srgbClr val="000000"/>
-                </a:solidFill>
-                <a:latin typeface="Arial"/>
-                <a:ea typeface="DejaVu Sans"/>
-              </a:rPr>
-              <a:t>a.sort((a, b)=&gt;{if(a.price&gt;b.price); return a.price-b.price});</a:t>
-            </a:r>
-            <a:endParaRPr b="0" lang="ru-RU" sz="2200" spc="-1" strike="noStrike">
-              <a:latin typeface="Arial"/>
-            </a:endParaRPr>
-          </a:p>
-          <a:p>
-            <a:pPr algn="just">
-              <a:lnSpc>
-                <a:spcPct val="100000"/>
-              </a:lnSpc>
-            </a:pPr>
-            <a:endParaRPr b="0" lang="ru-RU" sz="2200" spc="-1" strike="noStrike">
-              <a:latin typeface="Arial"/>
-            </a:endParaRPr>
-          </a:p>
-          <a:p>
-            <a:pPr algn="just">
-              <a:lnSpc>
-                <a:spcPct val="100000"/>
-              </a:lnSpc>
-            </a:pPr>
-            <a:r>
-              <a:rPr b="0" i="1" lang="ru-RU" sz="2200" spc="-1" strike="noStrike">
-                <a:solidFill>
-                  <a:srgbClr val="000000"/>
-                </a:solidFill>
-                <a:latin typeface="Arial"/>
-                <a:ea typeface="DejaVu Sans"/>
-              </a:rPr>
-              <a:t>a.map((c)=&gt;document.write(</a:t>
-            </a:r>
-            <a:endParaRPr b="0" lang="ru-RU" sz="2200" spc="-1" strike="noStrike">
-              <a:latin typeface="Arial"/>
-            </a:endParaRPr>
-          </a:p>
-          <a:p>
-            <a:pPr algn="just">
-              <a:lnSpc>
-                <a:spcPct val="100000"/>
-              </a:lnSpc>
-            </a:pPr>
-            <a:r>
-              <a:rPr b="0" i="1" lang="ru-RU" sz="2200" spc="-1" strike="noStrike">
-                <a:solidFill>
-                  <a:srgbClr val="000000"/>
-                </a:solidFill>
-                <a:latin typeface="Arial"/>
-                <a:ea typeface="DejaVu Sans"/>
-              </a:rPr>
-              <a:t>`&lt;hr&gt;&lt;p&gt;Наименование товара: ${c.name}&lt;/p&gt; </a:t>
-            </a:r>
-            <a:endParaRPr b="0" lang="ru-RU" sz="2200" spc="-1" strike="noStrike">
-              <a:latin typeface="Arial"/>
-            </a:endParaRPr>
-          </a:p>
-          <a:p>
-            <a:pPr algn="just">
-              <a:lnSpc>
-                <a:spcPct val="100000"/>
-              </a:lnSpc>
-            </a:pPr>
-            <a:r>
-              <a:rPr b="0" i="1" lang="ru-RU" sz="2200" spc="-1" strike="noStrike">
-                <a:solidFill>
-                  <a:srgbClr val="000000"/>
-                </a:solidFill>
-                <a:latin typeface="Arial"/>
-                <a:ea typeface="DejaVu Sans"/>
-              </a:rPr>
-              <a:t>&lt;p&gt;Цена, руб: ${c.price}&lt;/p&gt;</a:t>
-            </a:r>
-            <a:endParaRPr b="0" lang="ru-RU" sz="2200" spc="-1" strike="noStrike">
-              <a:latin typeface="Arial"/>
-            </a:endParaRPr>
-          </a:p>
-          <a:p>
-            <a:pPr algn="just">
-              <a:lnSpc>
-                <a:spcPct val="100000"/>
-              </a:lnSpc>
-            </a:pPr>
-            <a:r>
-              <a:rPr b="0" i="1" lang="ru-RU" sz="2200" spc="-1" strike="noStrike">
-                <a:solidFill>
-                  <a:srgbClr val="000000"/>
-                </a:solidFill>
-                <a:latin typeface="Arial"/>
-                <a:ea typeface="DejaVu Sans"/>
-              </a:rPr>
-              <a:t>&lt;p&gt;Дата: ${c.date.toISOString().split('T')[0]}&lt;/p&gt;</a:t>
-            </a:r>
-            <a:endParaRPr b="0" lang="ru-RU" sz="2200" spc="-1" strike="noStrike">
-              <a:latin typeface="Arial"/>
-            </a:endParaRPr>
-          </a:p>
-          <a:p>
-            <a:pPr algn="just">
-              <a:lnSpc>
-                <a:spcPct val="100000"/>
-              </a:lnSpc>
-            </a:pPr>
-            <a:r>
-              <a:rPr b="0" i="1" lang="ru-RU" sz="2200" spc="-1" strike="noStrike">
-                <a:solidFill>
-                  <a:srgbClr val="000000"/>
-                </a:solidFill>
-                <a:latin typeface="Arial"/>
-                <a:ea typeface="DejaVu Sans"/>
-              </a:rPr>
-              <a:t>&lt;p&gt;Страна происхождения: ${c.country}&lt;/p&gt;&lt;hr&gt;`));</a:t>
-            </a:r>
-            <a:endParaRPr b="0" lang="ru-RU" sz="2200" spc="-1" strike="noStrike">
-              <a:latin typeface="Arial"/>
-            </a:endParaRPr>
-          </a:p>
-          <a:p>
-            <a:pPr algn="just">
-              <a:lnSpc>
-                <a:spcPct val="100000"/>
-              </a:lnSpc>
-            </a:pPr>
-            <a:endParaRPr b="0" lang="ru-RU" sz="2200" spc="-1" strike="noStrike">
-              <a:latin typeface="Arial"/>
-            </a:endParaRPr>
-          </a:p>
-        </p:txBody>
-      </p:sp>
-      <p:pic>
-        <p:nvPicPr>
-          <p:cNvPr id="115" name="" descr=""/>
+          <p:cNvPr id="112" name="Рисунок 111"/>
           <p:cNvPicPr/>
           <p:nvPr/>
         </p:nvPicPr>
         <p:blipFill>
           <a:blip r:embed="rId2"/>
-          <a:srcRect l="0" t="5974" r="86059" b="16556"/>
           <a:stretch/>
         </p:blipFill>
         <p:spPr>
           <a:xfrm>
-            <a:off x="7992000" y="1944360"/>
-            <a:ext cx="1655280" cy="5184360"/>
+            <a:off x="7704000" y="360000"/>
+            <a:ext cx="1165320" cy="1165320"/>
           </a:xfrm>
           <a:prstGeom prst="rect">
             <a:avLst/>
@@ -7816,14 +8714,50 @@
       </p:pic>
       <p:sp>
         <p:nvSpPr>
-          <p:cNvPr id="116" name="CustomShape 4"/>
+          <p:cNvPr id="113" name="CustomShape 2"/>
           <p:cNvSpPr/>
           <p:nvPr/>
         </p:nvSpPr>
         <p:spPr>
           <a:xfrm>
-            <a:off x="504000" y="2112120"/>
-            <a:ext cx="9071280" cy="335160"/>
+            <a:off x="360000" y="2923560"/>
+            <a:ext cx="9188280" cy="2375280"/>
+          </a:xfrm>
+          <a:prstGeom prst="rect">
+            <a:avLst/>
+          </a:prstGeom>
+          <a:solidFill>
+            <a:srgbClr val="FED598"/>
+          </a:solidFill>
+          <a:ln>
+            <a:solidFill>
+              <a:srgbClr val="3465AF"/>
+            </a:solidFill>
+          </a:ln>
+        </p:spPr>
+        <p:style>
+          <a:lnRef idx="0">
+            <a:scrgbClr r="0" g="0" b="0"/>
+          </a:lnRef>
+          <a:fillRef idx="0">
+            <a:scrgbClr r="0" g="0" b="0"/>
+          </a:fillRef>
+          <a:effectRef idx="0">
+            <a:scrgbClr r="0" g="0" b="0"/>
+          </a:effectRef>
+          <a:fontRef idx="minor"/>
+        </p:style>
+      </p:sp>
+      <p:sp>
+        <p:nvSpPr>
+          <p:cNvPr id="114" name="CustomShape 3"/>
+          <p:cNvSpPr/>
+          <p:nvPr/>
+        </p:nvSpPr>
+        <p:spPr>
+          <a:xfrm>
+            <a:off x="432000" y="2971800"/>
+            <a:ext cx="8711280" cy="2499480"/>
           </a:xfrm>
           <a:prstGeom prst="rect">
             <a:avLst/>
@@ -7834,15 +8768,22 @@
           </a:ln>
         </p:spPr>
         <p:style>
-          <a:lnRef idx="0"/>
-          <a:fillRef idx="0"/>
-          <a:effectRef idx="0"/>
+          <a:lnRef idx="0">
+            <a:scrgbClr r="0" g="0" b="0"/>
+          </a:lnRef>
+          <a:fillRef idx="0">
+            <a:scrgbClr r="0" g="0" b="0"/>
+          </a:fillRef>
+          <a:effectRef idx="0">
+            <a:scrgbClr r="0" g="0" b="0"/>
+          </a:effectRef>
           <a:fontRef idx="minor"/>
         </p:style>
         <p:txBody>
-          <a:bodyPr lIns="0" rIns="0" tIns="0" bIns="0" anchor="ctr">
+          <a:bodyPr lIns="0" tIns="0" rIns="0" bIns="0" anchor="ctr">
             <a:noAutofit/>
           </a:bodyPr>
+          <a:lstStyle/>
           <a:p>
             <a:pPr algn="just">
               <a:lnSpc>
@@ -7850,7 +8791,209 @@
               </a:lnSpc>
             </a:pPr>
             <a:r>
-              <a:rPr b="0" lang="ru-RU" sz="2200" spc="-1" strike="noStrike">
+              <a:rPr lang="ru-RU" sz="2200" b="0" strike="noStrike" spc="-1">
+                <a:solidFill>
+                  <a:srgbClr val="000000"/>
+                </a:solidFill>
+                <a:latin typeface="Arial"/>
+                <a:ea typeface="DejaVu Sans"/>
+              </a:rPr>
+              <a:t>a.sort((a, b)=&gt;{if(a.price&gt;b.price); return a.price-b.price});</a:t>
+            </a:r>
+            <a:endParaRPr lang="ru-RU" sz="2200" b="0" strike="noStrike" spc="-1">
+              <a:latin typeface="Arial"/>
+            </a:endParaRPr>
+          </a:p>
+          <a:p>
+            <a:pPr algn="just">
+              <a:lnSpc>
+                <a:spcPct val="100000"/>
+              </a:lnSpc>
+            </a:pPr>
+            <a:endParaRPr lang="ru-RU" sz="2200" b="0" strike="noStrike" spc="-1">
+              <a:latin typeface="Arial"/>
+            </a:endParaRPr>
+          </a:p>
+          <a:p>
+            <a:pPr algn="just">
+              <a:lnSpc>
+                <a:spcPct val="100000"/>
+              </a:lnSpc>
+            </a:pPr>
+            <a:r>
+              <a:rPr lang="ru-RU" sz="2200" b="0" i="1" strike="noStrike" spc="-1">
+                <a:solidFill>
+                  <a:srgbClr val="000000"/>
+                </a:solidFill>
+                <a:latin typeface="Arial"/>
+                <a:ea typeface="DejaVu Sans"/>
+              </a:rPr>
+              <a:t>a.map((c)=&gt;document.write(</a:t>
+            </a:r>
+            <a:endParaRPr lang="ru-RU" sz="2200" b="0" strike="noStrike" spc="-1">
+              <a:latin typeface="Arial"/>
+            </a:endParaRPr>
+          </a:p>
+          <a:p>
+            <a:pPr algn="just">
+              <a:lnSpc>
+                <a:spcPct val="100000"/>
+              </a:lnSpc>
+            </a:pPr>
+            <a:r>
+              <a:rPr lang="ru-RU" sz="2200" b="0" i="1" strike="noStrike" spc="-1">
+                <a:solidFill>
+                  <a:srgbClr val="000000"/>
+                </a:solidFill>
+                <a:latin typeface="Arial"/>
+                <a:ea typeface="DejaVu Sans"/>
+              </a:rPr>
+              <a:t>`&lt;hr&gt;&lt;p&gt;Наименование товара: ${c.name}&lt;/p&gt; </a:t>
+            </a:r>
+            <a:endParaRPr lang="ru-RU" sz="2200" b="0" strike="noStrike" spc="-1">
+              <a:latin typeface="Arial"/>
+            </a:endParaRPr>
+          </a:p>
+          <a:p>
+            <a:pPr algn="just">
+              <a:lnSpc>
+                <a:spcPct val="100000"/>
+              </a:lnSpc>
+            </a:pPr>
+            <a:r>
+              <a:rPr lang="ru-RU" sz="2200" b="0" i="1" strike="noStrike" spc="-1">
+                <a:solidFill>
+                  <a:srgbClr val="000000"/>
+                </a:solidFill>
+                <a:latin typeface="Arial"/>
+                <a:ea typeface="DejaVu Sans"/>
+              </a:rPr>
+              <a:t>&lt;p&gt;Цена, руб: ${c.price}&lt;/p&gt;</a:t>
+            </a:r>
+            <a:endParaRPr lang="ru-RU" sz="2200" b="0" strike="noStrike" spc="-1">
+              <a:latin typeface="Arial"/>
+            </a:endParaRPr>
+          </a:p>
+          <a:p>
+            <a:pPr algn="just">
+              <a:lnSpc>
+                <a:spcPct val="100000"/>
+              </a:lnSpc>
+            </a:pPr>
+            <a:r>
+              <a:rPr lang="ru-RU" sz="2200" b="0" i="1" strike="noStrike" spc="-1">
+                <a:solidFill>
+                  <a:srgbClr val="000000"/>
+                </a:solidFill>
+                <a:latin typeface="Arial"/>
+                <a:ea typeface="DejaVu Sans"/>
+              </a:rPr>
+              <a:t>&lt;p&gt;Дата: ${c.date.toISOString().split('T')[0]}&lt;/p&gt;</a:t>
+            </a:r>
+            <a:endParaRPr lang="ru-RU" sz="2200" b="0" strike="noStrike" spc="-1">
+              <a:latin typeface="Arial"/>
+            </a:endParaRPr>
+          </a:p>
+          <a:p>
+            <a:pPr algn="just">
+              <a:lnSpc>
+                <a:spcPct val="100000"/>
+              </a:lnSpc>
+            </a:pPr>
+            <a:r>
+              <a:rPr lang="ru-RU" sz="2200" b="0" i="1" strike="noStrike" spc="-1">
+                <a:solidFill>
+                  <a:srgbClr val="000000"/>
+                </a:solidFill>
+                <a:latin typeface="Arial"/>
+                <a:ea typeface="DejaVu Sans"/>
+              </a:rPr>
+              <a:t>&lt;p&gt;Страна происхождения: ${c.country}&lt;/p&gt;&lt;hr&gt;`));</a:t>
+            </a:r>
+            <a:endParaRPr lang="ru-RU" sz="2200" b="0" strike="noStrike" spc="-1">
+              <a:latin typeface="Arial"/>
+            </a:endParaRPr>
+          </a:p>
+          <a:p>
+            <a:pPr algn="just">
+              <a:lnSpc>
+                <a:spcPct val="100000"/>
+              </a:lnSpc>
+            </a:pPr>
+            <a:endParaRPr lang="ru-RU" sz="2200" b="0" strike="noStrike" spc="-1">
+              <a:latin typeface="Arial"/>
+            </a:endParaRPr>
+          </a:p>
+        </p:txBody>
+      </p:sp>
+      <p:pic>
+        <p:nvPicPr>
+          <p:cNvPr id="115" name="Рисунок 114"/>
+          <p:cNvPicPr/>
+          <p:nvPr/>
+        </p:nvPicPr>
+        <p:blipFill>
+          <a:blip r:embed="rId3"/>
+          <a:srcRect t="5974" r="86059" b="16556"/>
+          <a:stretch/>
+        </p:blipFill>
+        <p:spPr>
+          <a:xfrm>
+            <a:off x="7992000" y="1944360"/>
+            <a:ext cx="1655280" cy="5184360"/>
+          </a:xfrm>
+          <a:prstGeom prst="rect">
+            <a:avLst/>
+          </a:prstGeom>
+          <a:ln>
+            <a:noFill/>
+          </a:ln>
+        </p:spPr>
+      </p:pic>
+      <p:sp>
+        <p:nvSpPr>
+          <p:cNvPr id="116" name="CustomShape 4"/>
+          <p:cNvSpPr/>
+          <p:nvPr/>
+        </p:nvSpPr>
+        <p:spPr>
+          <a:xfrm>
+            <a:off x="504000" y="2112120"/>
+            <a:ext cx="9071280" cy="335160"/>
+          </a:xfrm>
+          <a:prstGeom prst="rect">
+            <a:avLst/>
+          </a:prstGeom>
+          <a:noFill/>
+          <a:ln>
+            <a:noFill/>
+          </a:ln>
+        </p:spPr>
+        <p:style>
+          <a:lnRef idx="0">
+            <a:scrgbClr r="0" g="0" b="0"/>
+          </a:lnRef>
+          <a:fillRef idx="0">
+            <a:scrgbClr r="0" g="0" b="0"/>
+          </a:fillRef>
+          <a:effectRef idx="0">
+            <a:scrgbClr r="0" g="0" b="0"/>
+          </a:effectRef>
+          <a:fontRef idx="minor"/>
+        </p:style>
+        <p:txBody>
+          <a:bodyPr lIns="0" tIns="0" rIns="0" bIns="0" anchor="ctr">
+            <a:noAutofit/>
+          </a:bodyPr>
+          <a:lstStyle/>
+          <a:p>
+            <a:pPr algn="just">
+              <a:lnSpc>
+                <a:spcPct val="100000"/>
+              </a:lnSpc>
+            </a:pPr>
+            <a:r>
+              <a:rPr lang="ru-RU" sz="2200" b="0" strike="noStrike" spc="-1">
                 <a:solidFill>
                   <a:srgbClr val="000000"/>
                 </a:solidFill>
@@ -7859,7 +9002,7 @@
               </a:rPr>
               <a:t>Сортировка массива по возрастанию</a:t>
             </a:r>
-            <a:endParaRPr b="0" lang="ru-RU" sz="2200" spc="-1" strike="noStrike">
+            <a:endParaRPr lang="ru-RU" sz="2200" b="0" strike="noStrike" spc="-1">
               <a:latin typeface="Arial"/>
             </a:endParaRPr>
           </a:p>
@@ -7867,19 +9010,14 @@
       </p:sp>
     </p:spTree>
   </p:cSld>
-  <mc:AlternateContent>
-    <mc:Choice Requires="p14">
-      <p:transition spd="slow" p14:dur="2000"/>
-    </mc:Choice>
-    <mc:Fallback>
-      <p:transition spd="slow"/>
-    </mc:Fallback>
-  </mc:AlternateContent>
+  <p:clrMapOvr>
+    <a:masterClrMapping/>
+  </p:clrMapOvr>
 </p:sld>
 </file>
 
 <file path=ppt/slides/slide8.xml><?xml version="1.0" encoding="utf-8"?>
-<p:sld xmlns:a="http://schemas.openxmlformats.org/drawingml/2006/main" xmlns:p="http://schemas.openxmlformats.org/presentationml/2006/main" xmlns:r="http://schemas.openxmlformats.org/officeDocument/2006/relationships" xmlns:p14="http://schemas.microsoft.com/office/powerpoint/2010/main" xmlns:p15="http://schemas.microsoft.com/office/powerpoint/2012/main" xmlns:mc="http://schemas.openxmlformats.org/markup-compatibility/2006">
+<p:sld xmlns:a="http://schemas.openxmlformats.org/drawingml/2006/main" xmlns:r="http://schemas.openxmlformats.org/officeDocument/2006/relationships" xmlns:p="http://schemas.openxmlformats.org/presentationml/2006/main">
   <p:cSld>
     <p:spTree>
       <p:nvGrpSpPr>
@@ -7915,15 +9053,22 @@
           </a:ln>
         </p:spPr>
         <p:style>
-          <a:lnRef idx="0"/>
-          <a:fillRef idx="0"/>
-          <a:effectRef idx="0"/>
+          <a:lnRef idx="0">
+            <a:scrgbClr r="0" g="0" b="0"/>
+          </a:lnRef>
+          <a:fillRef idx="0">
+            <a:scrgbClr r="0" g="0" b="0"/>
+          </a:fillRef>
+          <a:effectRef idx="0">
+            <a:scrgbClr r="0" g="0" b="0"/>
+          </a:effectRef>
           <a:fontRef idx="minor"/>
         </p:style>
         <p:txBody>
-          <a:bodyPr lIns="0" rIns="0" tIns="0" bIns="0" anchor="ctr">
+          <a:bodyPr lIns="0" tIns="0" rIns="0" bIns="0" anchor="ctr">
             <a:noAutofit/>
           </a:bodyPr>
+          <a:lstStyle/>
           <a:p>
             <a:pPr>
               <a:lnSpc>
@@ -7931,7 +9076,7 @@
               </a:lnSpc>
             </a:pPr>
             <a:r>
-              <a:rPr b="0" lang="ru-RU" sz="3200" spc="-1" strike="noStrike">
+              <a:rPr lang="ru-RU" sz="3200" b="0" strike="noStrike" spc="-1">
                 <a:solidFill>
                   <a:srgbClr val="000000"/>
                 </a:solidFill>
@@ -7940,7 +9085,7 @@
               </a:rPr>
               <a:t>Фильтрация данных</a:t>
             </a:r>
-            <a:endParaRPr b="0" lang="ru-RU" sz="3200" spc="-1" strike="noStrike">
+            <a:endParaRPr lang="ru-RU" sz="3200" b="0" strike="noStrike" spc="-1">
               <a:latin typeface="Arial"/>
             </a:endParaRPr>
           </a:p>
@@ -7948,12 +9093,12 @@
       </p:sp>
       <p:pic>
         <p:nvPicPr>
-          <p:cNvPr id="118" name="" descr=""/>
+          <p:cNvPr id="118" name="Рисунок 117"/>
           <p:cNvPicPr/>
           <p:nvPr/>
         </p:nvPicPr>
         <p:blipFill>
-          <a:blip r:embed="rId1"/>
+          <a:blip r:embed="rId2"/>
           <a:stretch/>
         </p:blipFill>
         <p:spPr>
@@ -7984,18 +9129,24 @@
             <a:avLst/>
           </a:prstGeom>
           <a:solidFill>
-            <a:srgbClr val="fed598"/>
+            <a:srgbClr val="FED598"/>
           </a:solidFill>
           <a:ln>
             <a:solidFill>
-              <a:srgbClr val="3465af"/>
+              <a:srgbClr val="3465AF"/>
             </a:solidFill>
           </a:ln>
         </p:spPr>
         <p:style>
-          <a:lnRef idx="0"/>
-          <a:fillRef idx="0"/>
-          <a:effectRef idx="0"/>
+          <a:lnRef idx="0">
+            <a:scrgbClr r="0" g="0" b="0"/>
+          </a:lnRef>
+          <a:fillRef idx="0">
+            <a:scrgbClr r="0" g="0" b="0"/>
+          </a:fillRef>
+          <a:effectRef idx="0">
+            <a:scrgbClr r="0" g="0" b="0"/>
+          </a:effectRef>
           <a:fontRef idx="minor"/>
         </p:style>
       </p:sp>
@@ -8019,15 +9170,22 @@
           </a:ln>
         </p:spPr>
         <p:style>
-          <a:lnRef idx="0"/>
-          <a:fillRef idx="0"/>
-          <a:effectRef idx="0"/>
+          <a:lnRef idx="0">
+            <a:scrgbClr r="0" g="0" b="0"/>
+          </a:lnRef>
+          <a:fillRef idx="0">
+            <a:scrgbClr r="0" g="0" b="0"/>
+          </a:fillRef>
+          <a:effectRef idx="0">
+            <a:scrgbClr r="0" g="0" b="0"/>
+          </a:effectRef>
           <a:fontRef idx="minor"/>
         </p:style>
         <p:txBody>
-          <a:bodyPr lIns="0" rIns="0" tIns="0" bIns="0" anchor="ctr">
+          <a:bodyPr lIns="0" tIns="0" rIns="0" bIns="0" anchor="ctr">
             <a:noAutofit/>
           </a:bodyPr>
+          <a:lstStyle/>
           <a:p>
             <a:pPr algn="just">
               <a:lnSpc>
@@ -8035,7 +9193,7 @@
               </a:lnSpc>
             </a:pPr>
             <a:r>
-              <a:rPr b="0" i="1" lang="ru-RU" sz="2200" spc="-1" strike="noStrike">
+              <a:rPr lang="ru-RU" sz="2200" b="0" i="1" strike="noStrike" spc="-1">
                 <a:solidFill>
                   <a:srgbClr val="000000"/>
                 </a:solidFill>
@@ -8044,7 +9202,7 @@
               </a:rPr>
               <a:t>const new_array = arr.filter(function callback( currentValue, index, array) {</a:t>
             </a:r>
-            <a:endParaRPr b="0" lang="ru-RU" sz="2200" spc="-1" strike="noStrike">
+            <a:endParaRPr lang="ru-RU" sz="2200" b="0" strike="noStrike" spc="-1">
               <a:latin typeface="Arial"/>
             </a:endParaRPr>
           </a:p>
@@ -8055,26 +9213,16 @@
               </a:lnSpc>
             </a:pPr>
             <a:r>
-              <a:rPr b="0" i="1" lang="ru-RU" sz="2200" spc="-1" strike="noStrike">
-                <a:solidFill>
-                  <a:srgbClr val="000000"/>
-                </a:solidFill>
-                <a:latin typeface="Arial"/>
-                <a:ea typeface="DejaVu Sans"/>
-              </a:rPr>
-              <a:t>    </a:t>
-            </a:r>
-            <a:r>
-              <a:rPr b="0" i="1" lang="ru-RU" sz="2200" spc="-1" strike="noStrike">
-                <a:solidFill>
-                  <a:srgbClr val="000000"/>
-                </a:solidFill>
-                <a:latin typeface="Arial"/>
-                <a:ea typeface="DejaVu Sans"/>
-              </a:rPr>
-              <a:t>// Возвращает элемент для new_array</a:t>
-            </a:r>
-            <a:endParaRPr b="0" lang="ru-RU" sz="2200" spc="-1" strike="noStrike">
+              <a:rPr lang="ru-RU" sz="2200" b="0" i="1" strike="noStrike" spc="-1">
+                <a:solidFill>
+                  <a:srgbClr val="000000"/>
+                </a:solidFill>
+                <a:latin typeface="Arial"/>
+                <a:ea typeface="DejaVu Sans"/>
+              </a:rPr>
+              <a:t>    // Возвращает элемент для new_array</a:t>
+            </a:r>
+            <a:endParaRPr lang="ru-RU" sz="2200" b="0" strike="noStrike" spc="-1">
               <a:latin typeface="Arial"/>
             </a:endParaRPr>
           </a:p>
@@ -8085,7 +9233,7 @@
               </a:lnSpc>
             </a:pPr>
             <a:r>
-              <a:rPr b="0" i="1" lang="ru-RU" sz="2200" spc="-1" strike="noStrike">
+              <a:rPr lang="ru-RU" sz="2200" b="0" i="1" strike="noStrike" spc="-1">
                 <a:solidFill>
                   <a:srgbClr val="000000"/>
                 </a:solidFill>
@@ -8094,7 +9242,7 @@
               </a:rPr>
               <a:t>})</a:t>
             </a:r>
-            <a:endParaRPr b="0" lang="ru-RU" sz="2200" spc="-1" strike="noStrike">
+            <a:endParaRPr lang="ru-RU" sz="2200" b="0" strike="noStrike" spc="-1">
               <a:latin typeface="Arial"/>
             </a:endParaRPr>
           </a:p>
@@ -8120,15 +9268,22 @@
           </a:ln>
         </p:spPr>
         <p:style>
-          <a:lnRef idx="0"/>
-          <a:fillRef idx="0"/>
-          <a:effectRef idx="0"/>
+          <a:lnRef idx="0">
+            <a:scrgbClr r="0" g="0" b="0"/>
+          </a:lnRef>
+          <a:fillRef idx="0">
+            <a:scrgbClr r="0" g="0" b="0"/>
+          </a:fillRef>
+          <a:effectRef idx="0">
+            <a:scrgbClr r="0" g="0" b="0"/>
+          </a:effectRef>
           <a:fontRef idx="minor"/>
         </p:style>
         <p:txBody>
-          <a:bodyPr lIns="90000" rIns="90000" tIns="45000" bIns="45000">
+          <a:bodyPr lIns="90000" tIns="45000" rIns="90000" bIns="45000">
             <a:noAutofit/>
           </a:bodyPr>
+          <a:lstStyle/>
           <a:p>
             <a:pPr>
               <a:lnSpc>
@@ -8136,7 +9291,7 @@
               </a:lnSpc>
             </a:pPr>
             <a:r>
-              <a:rPr b="1" lang="ru-RU" sz="1800" spc="-1" strike="noStrike">
+              <a:rPr lang="ru-RU" sz="1800" b="1" strike="noStrike" spc="-1">
                 <a:solidFill>
                   <a:srgbClr val="000000"/>
                 </a:solidFill>
@@ -8146,7 +9301,7 @@
               <a:t>сurrentValue</a:t>
             </a:r>
             <a:r>
-              <a:rPr b="0" lang="ru-RU" sz="1800" spc="-1" strike="noStrike">
+              <a:rPr lang="ru-RU" sz="1800" b="0" strike="noStrike" spc="-1">
                 <a:solidFill>
                   <a:srgbClr val="000000"/>
                 </a:solidFill>
@@ -8155,7 +9310,7 @@
               </a:rPr>
               <a:t> - Текущий обрабатываемый элемент массива;</a:t>
             </a:r>
-            <a:endParaRPr b="0" lang="ru-RU" sz="1800" spc="-1" strike="noStrike">
+            <a:endParaRPr lang="ru-RU" sz="1800" b="0" strike="noStrike" spc="-1">
               <a:latin typeface="Arial"/>
             </a:endParaRPr>
           </a:p>
@@ -8166,7 +9321,7 @@
               </a:lnSpc>
             </a:pPr>
             <a:r>
-              <a:rPr b="1" lang="ru-RU" sz="1800" spc="-1" strike="noStrike">
+              <a:rPr lang="ru-RU" sz="1800" b="1" strike="noStrike" spc="-1">
                 <a:solidFill>
                   <a:srgbClr val="000000"/>
                 </a:solidFill>
@@ -8176,7 +9331,7 @@
               <a:t>Index</a:t>
             </a:r>
             <a:r>
-              <a:rPr b="0" lang="ru-RU" sz="1800" spc="-1" strike="noStrike">
+              <a:rPr lang="ru-RU" sz="1800" b="0" strike="noStrike" spc="-1">
                 <a:solidFill>
                   <a:srgbClr val="000000"/>
                 </a:solidFill>
@@ -8185,7 +9340,7 @@
               </a:rPr>
               <a:t> - Индекс текущего обрабатываемого элемента в массиве (необязательный);</a:t>
             </a:r>
-            <a:endParaRPr b="0" lang="ru-RU" sz="1800" spc="-1" strike="noStrike">
+            <a:endParaRPr lang="ru-RU" sz="1800" b="0" strike="noStrike" spc="-1">
               <a:latin typeface="Arial"/>
             </a:endParaRPr>
           </a:p>
@@ -8196,7 +9351,7 @@
               </a:lnSpc>
             </a:pPr>
             <a:r>
-              <a:rPr b="1" lang="ru-RU" sz="1800" spc="-1" strike="noStrike">
+              <a:rPr lang="ru-RU" sz="1800" b="1" strike="noStrike" spc="-1">
                 <a:solidFill>
                   <a:srgbClr val="000000"/>
                 </a:solidFill>
@@ -8206,7 +9361,7 @@
               <a:t>array</a:t>
             </a:r>
             <a:r>
-              <a:rPr b="0" lang="ru-RU" sz="1800" spc="-1" strike="noStrike">
+              <a:rPr lang="ru-RU" sz="1800" b="0" strike="noStrike" spc="-1">
                 <a:solidFill>
                   <a:srgbClr val="000000"/>
                 </a:solidFill>
@@ -8215,7 +9370,7 @@
               </a:rPr>
               <a:t> - Массив, по которому осуществляется проход (необязательный).</a:t>
             </a:r>
-            <a:endParaRPr b="0" lang="ru-RU" sz="1800" spc="-1" strike="noStrike">
+            <a:endParaRPr lang="ru-RU" sz="1800" b="0" strike="noStrike" spc="-1">
               <a:latin typeface="Arial"/>
             </a:endParaRPr>
           </a:p>
@@ -8223,19 +9378,14 @@
       </p:sp>
     </p:spTree>
   </p:cSld>
-  <mc:AlternateContent>
-    <mc:Choice Requires="p14">
-      <p:transition spd="slow" p14:dur="2000"/>
-    </mc:Choice>
-    <mc:Fallback>
-      <p:transition spd="slow"/>
-    </mc:Fallback>
-  </mc:AlternateContent>
+  <p:clrMapOvr>
+    <a:masterClrMapping/>
+  </p:clrMapOvr>
 </p:sld>
 </file>
 
 <file path=ppt/slides/slide9.xml><?xml version="1.0" encoding="utf-8"?>
-<p:sld xmlns:a="http://schemas.openxmlformats.org/drawingml/2006/main" xmlns:p="http://schemas.openxmlformats.org/presentationml/2006/main" xmlns:r="http://schemas.openxmlformats.org/officeDocument/2006/relationships" xmlns:p14="http://schemas.microsoft.com/office/powerpoint/2010/main" xmlns:p15="http://schemas.microsoft.com/office/powerpoint/2012/main" xmlns:mc="http://schemas.openxmlformats.org/markup-compatibility/2006">
+<p:sld xmlns:a="http://schemas.openxmlformats.org/drawingml/2006/main" xmlns:r="http://schemas.openxmlformats.org/officeDocument/2006/relationships" xmlns:p="http://schemas.openxmlformats.org/presentationml/2006/main">
   <p:cSld>
     <p:spTree>
       <p:nvGrpSpPr>
@@ -8271,15 +9421,22 @@
           </a:ln>
         </p:spPr>
         <p:style>
-          <a:lnRef idx="0"/>
-          <a:fillRef idx="0"/>
-          <a:effectRef idx="0"/>
+          <a:lnRef idx="0">
+            <a:scrgbClr r="0" g="0" b="0"/>
+          </a:lnRef>
+          <a:fillRef idx="0">
+            <a:scrgbClr r="0" g="0" b="0"/>
+          </a:fillRef>
+          <a:effectRef idx="0">
+            <a:scrgbClr r="0" g="0" b="0"/>
+          </a:effectRef>
           <a:fontRef idx="minor"/>
         </p:style>
         <p:txBody>
-          <a:bodyPr lIns="0" rIns="0" tIns="0" bIns="0" anchor="ctr">
+          <a:bodyPr lIns="0" tIns="0" rIns="0" bIns="0" anchor="ctr">
             <a:noAutofit/>
           </a:bodyPr>
+          <a:lstStyle/>
           <a:p>
             <a:pPr>
               <a:lnSpc>
@@ -8287,7 +9444,7 @@
               </a:lnSpc>
             </a:pPr>
             <a:r>
-              <a:rPr b="0" lang="ru-RU" sz="3200" spc="-1" strike="noStrike">
+              <a:rPr lang="ru-RU" sz="3200" b="0" strike="noStrike" spc="-1">
                 <a:solidFill>
                   <a:srgbClr val="000000"/>
                 </a:solidFill>
@@ -8296,7 +9453,7 @@
               </a:rPr>
               <a:t>Фильтрация данных</a:t>
             </a:r>
-            <a:endParaRPr b="0" lang="ru-RU" sz="3200" spc="-1" strike="noStrike">
+            <a:endParaRPr lang="ru-RU" sz="3200" b="0" strike="noStrike" spc="-1">
               <a:latin typeface="Arial"/>
             </a:endParaRPr>
           </a:p>
@@ -8304,12 +9461,12 @@
       </p:sp>
       <p:pic>
         <p:nvPicPr>
-          <p:cNvPr id="123" name="" descr=""/>
+          <p:cNvPr id="123" name="Рисунок 122"/>
           <p:cNvPicPr/>
           <p:nvPr/>
         </p:nvPicPr>
         <p:blipFill>
-          <a:blip r:embed="rId1"/>
+          <a:blip r:embed="rId2"/>
           <a:stretch/>
         </p:blipFill>
         <p:spPr>
@@ -8340,18 +9497,24 @@
             <a:avLst/>
           </a:prstGeom>
           <a:solidFill>
-            <a:srgbClr val="fed598"/>
+            <a:srgbClr val="FED598"/>
           </a:solidFill>
           <a:ln>
             <a:solidFill>
-              <a:srgbClr val="3465af"/>
+              <a:srgbClr val="3465AF"/>
             </a:solidFill>
           </a:ln>
         </p:spPr>
         <p:style>
-          <a:lnRef idx="0"/>
-          <a:fillRef idx="0"/>
-          <a:effectRef idx="0"/>
+          <a:lnRef idx="0">
+            <a:scrgbClr r="0" g="0" b="0"/>
+          </a:lnRef>
+          <a:fillRef idx="0">
+            <a:scrgbClr r="0" g="0" b="0"/>
+          </a:fillRef>
+          <a:effectRef idx="0">
+            <a:scrgbClr r="0" g="0" b="0"/>
+          </a:effectRef>
           <a:fontRef idx="minor"/>
         </p:style>
       </p:sp>
@@ -8375,15 +9538,22 @@
           </a:ln>
         </p:spPr>
         <p:style>
-          <a:lnRef idx="0"/>
-          <a:fillRef idx="0"/>
-          <a:effectRef idx="0"/>
+          <a:lnRef idx="0">
+            <a:scrgbClr r="0" g="0" b="0"/>
+          </a:lnRef>
+          <a:fillRef idx="0">
+            <a:scrgbClr r="0" g="0" b="0"/>
+          </a:fillRef>
+          <a:effectRef idx="0">
+            <a:scrgbClr r="0" g="0" b="0"/>
+          </a:effectRef>
           <a:fontRef idx="minor"/>
         </p:style>
         <p:txBody>
-          <a:bodyPr lIns="0" rIns="0" tIns="0" bIns="0" anchor="ctr">
+          <a:bodyPr lIns="0" tIns="0" rIns="0" bIns="0" anchor="ctr">
             <a:noAutofit/>
           </a:bodyPr>
+          <a:lstStyle/>
           <a:p>
             <a:pPr algn="just">
               <a:lnSpc>
@@ -8391,7 +9561,7 @@
               </a:lnSpc>
             </a:pPr>
             <a:r>
-              <a:rPr b="0" i="1" lang="ru-RU" sz="2200" spc="-1" strike="noStrike">
+              <a:rPr lang="ru-RU" sz="2200" b="0" i="1" strike="noStrike" spc="-1">
                 <a:solidFill>
                   <a:srgbClr val="000000"/>
                 </a:solidFill>
@@ -8400,7 +9570,7 @@
               </a:rPr>
               <a:t>const new_array = arr.filter(function callback( currentValue, index, array) {</a:t>
             </a:r>
-            <a:endParaRPr b="0" lang="ru-RU" sz="2200" spc="-1" strike="noStrike">
+            <a:endParaRPr lang="ru-RU" sz="2200" b="0" strike="noStrike" spc="-1">
               <a:latin typeface="Arial"/>
             </a:endParaRPr>
           </a:p>
@@ -8411,26 +9581,16 @@
               </a:lnSpc>
             </a:pPr>
             <a:r>
-              <a:rPr b="0" i="1" lang="ru-RU" sz="2200" spc="-1" strike="noStrike">
-                <a:solidFill>
-                  <a:srgbClr val="000000"/>
-                </a:solidFill>
-                <a:latin typeface="Arial"/>
-                <a:ea typeface="DejaVu Sans"/>
-              </a:rPr>
-              <a:t>    </a:t>
-            </a:r>
-            <a:r>
-              <a:rPr b="0" i="1" lang="ru-RU" sz="2200" spc="-1" strike="noStrike">
-                <a:solidFill>
-                  <a:srgbClr val="000000"/>
-                </a:solidFill>
-                <a:latin typeface="Arial"/>
-                <a:ea typeface="DejaVu Sans"/>
-              </a:rPr>
-              <a:t>// Возвращает элемент для new_array</a:t>
-            </a:r>
-            <a:endParaRPr b="0" lang="ru-RU" sz="2200" spc="-1" strike="noStrike">
+              <a:rPr lang="ru-RU" sz="2200" b="0" i="1" strike="noStrike" spc="-1">
+                <a:solidFill>
+                  <a:srgbClr val="000000"/>
+                </a:solidFill>
+                <a:latin typeface="Arial"/>
+                <a:ea typeface="DejaVu Sans"/>
+              </a:rPr>
+              <a:t>    // Возвращает элемент для new_array</a:t>
+            </a:r>
+            <a:endParaRPr lang="ru-RU" sz="2200" b="0" strike="noStrike" spc="-1">
               <a:latin typeface="Arial"/>
             </a:endParaRPr>
           </a:p>
@@ -8441,7 +9601,7 @@
               </a:lnSpc>
             </a:pPr>
             <a:r>
-              <a:rPr b="0" i="1" lang="ru-RU" sz="2200" spc="-1" strike="noStrike">
+              <a:rPr lang="ru-RU" sz="2200" b="0" i="1" strike="noStrike" spc="-1">
                 <a:solidFill>
                   <a:srgbClr val="000000"/>
                 </a:solidFill>
@@ -8450,7 +9610,7 @@
               </a:rPr>
               <a:t>})</a:t>
             </a:r>
-            <a:endParaRPr b="0" lang="ru-RU" sz="2200" spc="-1" strike="noStrike">
+            <a:endParaRPr lang="ru-RU" sz="2200" b="0" strike="noStrike" spc="-1">
               <a:latin typeface="Arial"/>
             </a:endParaRPr>
           </a:p>
@@ -8476,15 +9636,22 @@
           </a:ln>
         </p:spPr>
         <p:style>
-          <a:lnRef idx="0"/>
-          <a:fillRef idx="0"/>
-          <a:effectRef idx="0"/>
+          <a:lnRef idx="0">
+            <a:scrgbClr r="0" g="0" b="0"/>
+          </a:lnRef>
+          <a:fillRef idx="0">
+            <a:scrgbClr r="0" g="0" b="0"/>
+          </a:fillRef>
+          <a:effectRef idx="0">
+            <a:scrgbClr r="0" g="0" b="0"/>
+          </a:effectRef>
           <a:fontRef idx="minor"/>
         </p:style>
         <p:txBody>
-          <a:bodyPr lIns="90000" rIns="90000" tIns="45000" bIns="45000">
+          <a:bodyPr lIns="90000" tIns="45000" rIns="90000" bIns="45000">
             <a:noAutofit/>
           </a:bodyPr>
+          <a:lstStyle/>
           <a:p>
             <a:pPr>
               <a:lnSpc>
@@ -8492,7 +9659,7 @@
               </a:lnSpc>
             </a:pPr>
             <a:r>
-              <a:rPr b="1" lang="ru-RU" sz="1800" spc="-1" strike="noStrike">
+              <a:rPr lang="ru-RU" sz="1800" b="1" strike="noStrike" spc="-1">
                 <a:solidFill>
                   <a:srgbClr val="000000"/>
                 </a:solidFill>
@@ -8502,7 +9669,7 @@
               <a:t>сurrentValue</a:t>
             </a:r>
             <a:r>
-              <a:rPr b="0" lang="ru-RU" sz="1800" spc="-1" strike="noStrike">
+              <a:rPr lang="ru-RU" sz="1800" b="0" strike="noStrike" spc="-1">
                 <a:solidFill>
                   <a:srgbClr val="000000"/>
                 </a:solidFill>
@@ -8511,7 +9678,7 @@
               </a:rPr>
               <a:t> - Текущий обрабатываемый элемент массива;</a:t>
             </a:r>
-            <a:endParaRPr b="0" lang="ru-RU" sz="1800" spc="-1" strike="noStrike">
+            <a:endParaRPr lang="ru-RU" sz="1800" b="0" strike="noStrike" spc="-1">
               <a:latin typeface="Arial"/>
             </a:endParaRPr>
           </a:p>
@@ -8522,7 +9689,7 @@
               </a:lnSpc>
             </a:pPr>
             <a:r>
-              <a:rPr b="1" lang="ru-RU" sz="1800" spc="-1" strike="noStrike">
+              <a:rPr lang="ru-RU" sz="1800" b="1" strike="noStrike" spc="-1">
                 <a:solidFill>
                   <a:srgbClr val="000000"/>
                 </a:solidFill>
@@ -8532,7 +9699,7 @@
               <a:t>Index</a:t>
             </a:r>
             <a:r>
-              <a:rPr b="0" lang="ru-RU" sz="1800" spc="-1" strike="noStrike">
+              <a:rPr lang="ru-RU" sz="1800" b="0" strike="noStrike" spc="-1">
                 <a:solidFill>
                   <a:srgbClr val="000000"/>
                 </a:solidFill>
@@ -8541,7 +9708,7 @@
               </a:rPr>
               <a:t> - Индекс текущего обрабатываемого элемента в массиве (необязательный);</a:t>
             </a:r>
-            <a:endParaRPr b="0" lang="ru-RU" sz="1800" spc="-1" strike="noStrike">
+            <a:endParaRPr lang="ru-RU" sz="1800" b="0" strike="noStrike" spc="-1">
               <a:latin typeface="Arial"/>
             </a:endParaRPr>
           </a:p>
@@ -8552,7 +9719,7 @@
               </a:lnSpc>
             </a:pPr>
             <a:r>
-              <a:rPr b="1" lang="ru-RU" sz="1800" spc="-1" strike="noStrike">
+              <a:rPr lang="ru-RU" sz="1800" b="1" strike="noStrike" spc="-1">
                 <a:solidFill>
                   <a:srgbClr val="000000"/>
                 </a:solidFill>
@@ -8562,7 +9729,7 @@
               <a:t>array</a:t>
             </a:r>
             <a:r>
-              <a:rPr b="0" lang="ru-RU" sz="1800" spc="-1" strike="noStrike">
+              <a:rPr lang="ru-RU" sz="1800" b="0" strike="noStrike" spc="-1">
                 <a:solidFill>
                   <a:srgbClr val="000000"/>
                 </a:solidFill>
@@ -8571,7 +9738,7 @@
               </a:rPr>
               <a:t> - Массив, по которому осуществляется проход (необязательный).</a:t>
             </a:r>
-            <a:endParaRPr b="0" lang="ru-RU" sz="1800" spc="-1" strike="noStrike">
+            <a:endParaRPr lang="ru-RU" sz="1800" b="0" strike="noStrike" spc="-1">
               <a:latin typeface="Arial"/>
             </a:endParaRPr>
           </a:p>
@@ -8579,14 +9746,9 @@
       </p:sp>
     </p:spTree>
   </p:cSld>
-  <mc:AlternateContent>
-    <mc:Choice Requires="p14">
-      <p:transition spd="slow" p14:dur="2000"/>
-    </mc:Choice>
-    <mc:Fallback>
-      <p:transition spd="slow"/>
-    </mc:Fallback>
-  </mc:AlternateContent>
+  <p:clrMapOvr>
+    <a:masterClrMapping/>
+  </p:clrMapOvr>
 </p:sld>
 </file>
 
@@ -8601,31 +9763,31 @@
         <a:sysClr val="window" lastClr="FFFFFF"/>
       </a:lt1>
       <a:dk2>
-        <a:srgbClr val="1f497d"/>
+        <a:srgbClr val="1F497D"/>
       </a:dk2>
       <a:lt2>
-        <a:srgbClr val="eeece1"/>
+        <a:srgbClr val="EEECE1"/>
       </a:lt2>
       <a:accent1>
-        <a:srgbClr val="4f81bd"/>
+        <a:srgbClr val="4F81BD"/>
       </a:accent1>
       <a:accent2>
-        <a:srgbClr val="c0504d"/>
+        <a:srgbClr val="C0504D"/>
       </a:accent2>
       <a:accent3>
-        <a:srgbClr val="9bbb59"/>
+        <a:srgbClr val="9BBB59"/>
       </a:accent3>
       <a:accent4>
-        <a:srgbClr val="8064a2"/>
+        <a:srgbClr val="8064A2"/>
       </a:accent4>
       <a:accent5>
-        <a:srgbClr val="4bacc6"/>
+        <a:srgbClr val="4BACC6"/>
       </a:accent5>
       <a:accent6>
-        <a:srgbClr val="f79646"/>
+        <a:srgbClr val="F79646"/>
       </a:accent6>
       <a:hlink>
-        <a:srgbClr val="0000ff"/>
+        <a:srgbClr val="0000FF"/>
       </a:hlink>
       <a:folHlink>
         <a:srgbClr val="800080"/>
@@ -8813,6 +9975,8 @@
       </a:bgFillStyleLst>
     </a:fmtScheme>
   </a:themeElements>
+  <a:objectDefaults/>
+  <a:extraClrSchemeLst/>
 </a:theme>
 </file>
 
@@ -8827,31 +9991,31 @@
         <a:sysClr val="window" lastClr="FFFFFF"/>
       </a:lt1>
       <a:dk2>
-        <a:srgbClr val="1f497d"/>
+        <a:srgbClr val="1F497D"/>
       </a:dk2>
       <a:lt2>
-        <a:srgbClr val="eeece1"/>
+        <a:srgbClr val="EEECE1"/>
       </a:lt2>
       <a:accent1>
-        <a:srgbClr val="4f81bd"/>
+        <a:srgbClr val="4F81BD"/>
       </a:accent1>
       <a:accent2>
-        <a:srgbClr val="c0504d"/>
+        <a:srgbClr val="C0504D"/>
       </a:accent2>
       <a:accent3>
-        <a:srgbClr val="9bbb59"/>
+        <a:srgbClr val="9BBB59"/>
       </a:accent3>
       <a:accent4>
-        <a:srgbClr val="8064a2"/>
+        <a:srgbClr val="8064A2"/>
       </a:accent4>
       <a:accent5>
-        <a:srgbClr val="4bacc6"/>
+        <a:srgbClr val="4BACC6"/>
       </a:accent5>
       <a:accent6>
-        <a:srgbClr val="f79646"/>
+        <a:srgbClr val="F79646"/>
       </a:accent6>
       <a:hlink>
-        <a:srgbClr val="0000ff"/>
+        <a:srgbClr val="0000FF"/>
       </a:hlink>
       <a:folHlink>
         <a:srgbClr val="800080"/>
@@ -9039,5 +10203,7 @@
       </a:bgFillStyleLst>
     </a:fmtScheme>
   </a:themeElements>
+  <a:objectDefaults/>
+  <a:extraClrSchemeLst/>
 </a:theme>
 </file>